--- a/figures/main-figures.pptx
+++ b/figures/main-figures.pptx
@@ -2,7 +2,7 @@
 <file path=ppt/presentation.xml><?xml version="1.0" encoding="utf-8"?>
 <p:presentation xmlns:a="http://schemas.openxmlformats.org/drawingml/2006/main" xmlns:r="http://schemas.openxmlformats.org/officeDocument/2006/relationships" xmlns:p="http://schemas.openxmlformats.org/presentationml/2006/main" saveSubsetFonts="1" autoCompressPictures="0">
   <p:sldMasterIdLst>
-    <p:sldMasterId id="2147483672" r:id="rId1"/>
+    <p:sldMasterId id="2147483684" r:id="rId1"/>
   </p:sldMasterIdLst>
   <p:notesMasterIdLst>
     <p:notesMasterId r:id="rId3"/>
@@ -10,7 +10,7 @@
   <p:sldIdLst>
     <p:sldId id="256" r:id="rId2"/>
   </p:sldIdLst>
-  <p:sldSz cx="14400213" cy="14400213"/>
+  <p:sldSz cx="18000663" cy="14400213"/>
   <p:notesSz cx="6858000" cy="9144000"/>
   <p:defaultTextStyle>
     <a:defPPr>
@@ -197,7 +197,7 @@
           <a:p>
             <a:fld id="{B7CE4BC6-D327-1C4F-8429-775CD9D39CD2}" type="datetimeFigureOut">
               <a:rPr lang="en-US" smtClean="0"/>
-              <a:t>1/29/25</a:t>
+              <a:t>2/24/25</a:t>
             </a:fld>
             <a:endParaRPr lang="en-US"/>
           </a:p>
@@ -215,8 +215,8 @@
         </p:nvSpPr>
         <p:spPr>
           <a:xfrm>
-            <a:off x="1885950" y="1143000"/>
-            <a:ext cx="3086100" cy="3086100"/>
+            <a:off x="1500188" y="1143000"/>
+            <a:ext cx="3857625" cy="3086100"/>
           </a:xfrm>
           <a:prstGeom prst="rect">
             <a:avLst/>
@@ -491,7 +491,12 @@
             <p:ph type="sldImg"/>
           </p:nvPr>
         </p:nvSpPr>
-        <p:spPr/>
+        <p:spPr>
+          <a:xfrm>
+            <a:off x="1500188" y="1143000"/>
+            <a:ext cx="3857625" cy="3086100"/>
+          </a:xfrm>
+        </p:spPr>
       </p:sp>
       <p:sp>
         <p:nvSpPr>
@@ -577,15 +582,15 @@
         </p:nvSpPr>
         <p:spPr>
           <a:xfrm>
-            <a:off x="1080016" y="2356703"/>
-            <a:ext cx="12240181" cy="5013407"/>
+            <a:off x="1350050" y="2356703"/>
+            <a:ext cx="15300564" cy="5013407"/>
           </a:xfrm>
         </p:spPr>
         <p:txBody>
           <a:bodyPr anchor="b"/>
           <a:lstStyle>
             <a:lvl1pPr algn="ctr">
-              <a:defRPr sz="9449"/>
+              <a:defRPr sz="11812"/>
             </a:lvl1pPr>
           </a:lstStyle>
           <a:p>
@@ -609,8 +614,8 @@
         </p:nvSpPr>
         <p:spPr>
           <a:xfrm>
-            <a:off x="1800027" y="7563446"/>
-            <a:ext cx="10800160" cy="3476717"/>
+            <a:off x="2250083" y="7563446"/>
+            <a:ext cx="13500497" cy="3476717"/>
           </a:xfrm>
         </p:spPr>
         <p:txBody>
@@ -618,39 +623,39 @@
           <a:lstStyle>
             <a:lvl1pPr marL="0" indent="0" algn="ctr">
               <a:buNone/>
-              <a:defRPr sz="3780"/>
+              <a:defRPr sz="4725"/>
             </a:lvl1pPr>
-            <a:lvl2pPr marL="719999" indent="0" algn="ctr">
+            <a:lvl2pPr marL="900044" indent="0" algn="ctr">
+              <a:buNone/>
+              <a:defRPr sz="3937"/>
+            </a:lvl2pPr>
+            <a:lvl3pPr marL="1800088" indent="0" algn="ctr">
+              <a:buNone/>
+              <a:defRPr sz="3543"/>
+            </a:lvl3pPr>
+            <a:lvl4pPr marL="2700132" indent="0" algn="ctr">
               <a:buNone/>
               <a:defRPr sz="3150"/>
-            </a:lvl2pPr>
-            <a:lvl3pPr marL="1439997" indent="0" algn="ctr">
+            </a:lvl4pPr>
+            <a:lvl5pPr marL="3600176" indent="0" algn="ctr">
               <a:buNone/>
-              <a:defRPr sz="2835"/>
-            </a:lvl3pPr>
-            <a:lvl4pPr marL="2159996" indent="0" algn="ctr">
+              <a:defRPr sz="3150"/>
+            </a:lvl5pPr>
+            <a:lvl6pPr marL="4500220" indent="0" algn="ctr">
               <a:buNone/>
-              <a:defRPr sz="2520"/>
-            </a:lvl4pPr>
-            <a:lvl5pPr marL="2879994" indent="0" algn="ctr">
+              <a:defRPr sz="3150"/>
+            </a:lvl6pPr>
+            <a:lvl7pPr marL="5400264" indent="0" algn="ctr">
               <a:buNone/>
-              <a:defRPr sz="2520"/>
-            </a:lvl5pPr>
-            <a:lvl6pPr marL="3599993" indent="0" algn="ctr">
+              <a:defRPr sz="3150"/>
+            </a:lvl7pPr>
+            <a:lvl8pPr marL="6300307" indent="0" algn="ctr">
               <a:buNone/>
-              <a:defRPr sz="2520"/>
-            </a:lvl6pPr>
-            <a:lvl7pPr marL="4319991" indent="0" algn="ctr">
+              <a:defRPr sz="3150"/>
+            </a:lvl8pPr>
+            <a:lvl9pPr marL="7200351" indent="0" algn="ctr">
               <a:buNone/>
-              <a:defRPr sz="2520"/>
-            </a:lvl7pPr>
-            <a:lvl8pPr marL="5039990" indent="0" algn="ctr">
-              <a:buNone/>
-              <a:defRPr sz="2520"/>
-            </a:lvl8pPr>
-            <a:lvl9pPr marL="5759988" indent="0" algn="ctr">
-              <a:buNone/>
-              <a:defRPr sz="2520"/>
+              <a:defRPr sz="3150"/>
             </a:lvl9pPr>
           </a:lstStyle>
           <a:p>
@@ -679,7 +684,7 @@
           <a:p>
             <a:fld id="{3B85B7A5-F096-CF4C-9C20-4BA2556B79B6}" type="datetimeFigureOut">
               <a:rPr lang="en-US" smtClean="0"/>
-              <a:t>1/29/25</a:t>
+              <a:t>2/24/25</a:t>
             </a:fld>
             <a:endParaRPr lang="en-US"/>
           </a:p>
@@ -730,7 +735,7 @@
     </p:spTree>
     <p:extLst>
       <p:ext uri="{BB962C8B-B14F-4D97-AF65-F5344CB8AC3E}">
-        <p14:creationId xmlns:p14="http://schemas.microsoft.com/office/powerpoint/2010/main" val="3833711340"/>
+        <p14:creationId xmlns:p14="http://schemas.microsoft.com/office/powerpoint/2010/main" val="555459032"/>
       </p:ext>
     </p:extLst>
   </p:cSld>
@@ -849,7 +854,7 @@
           <a:p>
             <a:fld id="{3B85B7A5-F096-CF4C-9C20-4BA2556B79B6}" type="datetimeFigureOut">
               <a:rPr lang="en-US" smtClean="0"/>
-              <a:t>1/29/25</a:t>
+              <a:t>2/24/25</a:t>
             </a:fld>
             <a:endParaRPr lang="en-US"/>
           </a:p>
@@ -900,7 +905,7 @@
     </p:spTree>
     <p:extLst>
       <p:ext uri="{BB962C8B-B14F-4D97-AF65-F5344CB8AC3E}">
-        <p14:creationId xmlns:p14="http://schemas.microsoft.com/office/powerpoint/2010/main" val="1844997511"/>
+        <p14:creationId xmlns:p14="http://schemas.microsoft.com/office/powerpoint/2010/main" val="4265721610"/>
       </p:ext>
     </p:extLst>
   </p:cSld>
@@ -939,8 +944,8 @@
         </p:nvSpPr>
         <p:spPr>
           <a:xfrm>
-            <a:off x="10305153" y="766678"/>
-            <a:ext cx="3105046" cy="12203515"/>
+            <a:off x="12881725" y="766678"/>
+            <a:ext cx="3881393" cy="12203515"/>
           </a:xfrm>
         </p:spPr>
         <p:txBody>
@@ -967,8 +972,8 @@
         </p:nvSpPr>
         <p:spPr>
           <a:xfrm>
-            <a:off x="990015" y="766678"/>
-            <a:ext cx="9135135" cy="12203515"/>
+            <a:off x="1237546" y="766678"/>
+            <a:ext cx="11419171" cy="12203515"/>
           </a:xfrm>
         </p:spPr>
         <p:txBody>
@@ -1029,7 +1034,7 @@
           <a:p>
             <a:fld id="{3B85B7A5-F096-CF4C-9C20-4BA2556B79B6}" type="datetimeFigureOut">
               <a:rPr lang="en-US" smtClean="0"/>
-              <a:t>1/29/25</a:t>
+              <a:t>2/24/25</a:t>
             </a:fld>
             <a:endParaRPr lang="en-US"/>
           </a:p>
@@ -1080,7 +1085,7 @@
     </p:spTree>
     <p:extLst>
       <p:ext uri="{BB962C8B-B14F-4D97-AF65-F5344CB8AC3E}">
-        <p14:creationId xmlns:p14="http://schemas.microsoft.com/office/powerpoint/2010/main" val="3808487982"/>
+        <p14:creationId xmlns:p14="http://schemas.microsoft.com/office/powerpoint/2010/main" val="1247349298"/>
       </p:ext>
     </p:extLst>
   </p:cSld>
@@ -1199,7 +1204,7 @@
           <a:p>
             <a:fld id="{3B85B7A5-F096-CF4C-9C20-4BA2556B79B6}" type="datetimeFigureOut">
               <a:rPr lang="en-US" smtClean="0"/>
-              <a:t>1/29/25</a:t>
+              <a:t>2/24/25</a:t>
             </a:fld>
             <a:endParaRPr lang="en-US"/>
           </a:p>
@@ -1250,7 +1255,7 @@
     </p:spTree>
     <p:extLst>
       <p:ext uri="{BB962C8B-B14F-4D97-AF65-F5344CB8AC3E}">
-        <p14:creationId xmlns:p14="http://schemas.microsoft.com/office/powerpoint/2010/main" val="131713726"/>
+        <p14:creationId xmlns:p14="http://schemas.microsoft.com/office/powerpoint/2010/main" val="3018159976"/>
       </p:ext>
     </p:extLst>
   </p:cSld>
@@ -1289,15 +1294,15 @@
         </p:nvSpPr>
         <p:spPr>
           <a:xfrm>
-            <a:off x="982515" y="3590057"/>
-            <a:ext cx="12420184" cy="5990088"/>
+            <a:off x="1228171" y="3590057"/>
+            <a:ext cx="15525572" cy="5990088"/>
           </a:xfrm>
         </p:spPr>
         <p:txBody>
           <a:bodyPr anchor="b"/>
           <a:lstStyle>
             <a:lvl1pPr>
-              <a:defRPr sz="9449"/>
+              <a:defRPr sz="11812"/>
             </a:lvl1pPr>
           </a:lstStyle>
           <a:p>
@@ -1321,8 +1326,8 @@
         </p:nvSpPr>
         <p:spPr>
           <a:xfrm>
-            <a:off x="982515" y="9636813"/>
-            <a:ext cx="12420184" cy="3150046"/>
+            <a:off x="1228171" y="9636813"/>
+            <a:ext cx="15525572" cy="3150046"/>
           </a:xfrm>
         </p:spPr>
         <p:txBody>
@@ -1330,13 +1335,33 @@
           <a:lstStyle>
             <a:lvl1pPr marL="0" indent="0">
               <a:buNone/>
-              <a:defRPr sz="3780">
+              <a:defRPr sz="4725">
                 <a:solidFill>
                   <a:schemeClr val="tx1"/>
                 </a:solidFill>
               </a:defRPr>
             </a:lvl1pPr>
-            <a:lvl2pPr marL="719999" indent="0">
+            <a:lvl2pPr marL="900044" indent="0">
+              <a:buNone/>
+              <a:defRPr sz="3937">
+                <a:solidFill>
+                  <a:schemeClr val="tx1">
+                    <a:tint val="75000"/>
+                  </a:schemeClr>
+                </a:solidFill>
+              </a:defRPr>
+            </a:lvl2pPr>
+            <a:lvl3pPr marL="1800088" indent="0">
+              <a:buNone/>
+              <a:defRPr sz="3543">
+                <a:solidFill>
+                  <a:schemeClr val="tx1">
+                    <a:tint val="75000"/>
+                  </a:schemeClr>
+                </a:solidFill>
+              </a:defRPr>
+            </a:lvl3pPr>
+            <a:lvl4pPr marL="2700132" indent="0">
               <a:buNone/>
               <a:defRPr sz="3150">
                 <a:solidFill>
@@ -1345,30 +1370,10 @@
                   </a:schemeClr>
                 </a:solidFill>
               </a:defRPr>
-            </a:lvl2pPr>
-            <a:lvl3pPr marL="1439997" indent="0">
+            </a:lvl4pPr>
+            <a:lvl5pPr marL="3600176" indent="0">
               <a:buNone/>
-              <a:defRPr sz="2835">
-                <a:solidFill>
-                  <a:schemeClr val="tx1">
-                    <a:tint val="75000"/>
-                  </a:schemeClr>
-                </a:solidFill>
-              </a:defRPr>
-            </a:lvl3pPr>
-            <a:lvl4pPr marL="2159996" indent="0">
-              <a:buNone/>
-              <a:defRPr sz="2520">
-                <a:solidFill>
-                  <a:schemeClr val="tx1">
-                    <a:tint val="75000"/>
-                  </a:schemeClr>
-                </a:solidFill>
-              </a:defRPr>
-            </a:lvl4pPr>
-            <a:lvl5pPr marL="2879994" indent="0">
-              <a:buNone/>
-              <a:defRPr sz="2520">
+              <a:defRPr sz="3150">
                 <a:solidFill>
                   <a:schemeClr val="tx1">
                     <a:tint val="75000"/>
@@ -1376,9 +1381,9 @@
                 </a:solidFill>
               </a:defRPr>
             </a:lvl5pPr>
-            <a:lvl6pPr marL="3599993" indent="0">
+            <a:lvl6pPr marL="4500220" indent="0">
               <a:buNone/>
-              <a:defRPr sz="2520">
+              <a:defRPr sz="3150">
                 <a:solidFill>
                   <a:schemeClr val="tx1">
                     <a:tint val="75000"/>
@@ -1386,9 +1391,9 @@
                 </a:solidFill>
               </a:defRPr>
             </a:lvl6pPr>
-            <a:lvl7pPr marL="4319991" indent="0">
+            <a:lvl7pPr marL="5400264" indent="0">
               <a:buNone/>
-              <a:defRPr sz="2520">
+              <a:defRPr sz="3150">
                 <a:solidFill>
                   <a:schemeClr val="tx1">
                     <a:tint val="75000"/>
@@ -1396,9 +1401,9 @@
                 </a:solidFill>
               </a:defRPr>
             </a:lvl7pPr>
-            <a:lvl8pPr marL="5039990" indent="0">
+            <a:lvl8pPr marL="6300307" indent="0">
               <a:buNone/>
-              <a:defRPr sz="2520">
+              <a:defRPr sz="3150">
                 <a:solidFill>
                   <a:schemeClr val="tx1">
                     <a:tint val="75000"/>
@@ -1406,9 +1411,9 @@
                 </a:solidFill>
               </a:defRPr>
             </a:lvl8pPr>
-            <a:lvl9pPr marL="5759988" indent="0">
+            <a:lvl9pPr marL="7200351" indent="0">
               <a:buNone/>
-              <a:defRPr sz="2520">
+              <a:defRPr sz="3150">
                 <a:solidFill>
                   <a:schemeClr val="tx1">
                     <a:tint val="75000"/>
@@ -1443,7 +1448,7 @@
           <a:p>
             <a:fld id="{3B85B7A5-F096-CF4C-9C20-4BA2556B79B6}" type="datetimeFigureOut">
               <a:rPr lang="en-US" smtClean="0"/>
-              <a:t>1/29/25</a:t>
+              <a:t>2/24/25</a:t>
             </a:fld>
             <a:endParaRPr lang="en-US"/>
           </a:p>
@@ -1494,7 +1499,7 @@
     </p:spTree>
     <p:extLst>
       <p:ext uri="{BB962C8B-B14F-4D97-AF65-F5344CB8AC3E}">
-        <p14:creationId xmlns:p14="http://schemas.microsoft.com/office/powerpoint/2010/main" val="2292666217"/>
+        <p14:creationId xmlns:p14="http://schemas.microsoft.com/office/powerpoint/2010/main" val="1823064130"/>
       </p:ext>
     </p:extLst>
   </p:cSld>
@@ -1556,8 +1561,8 @@
         </p:nvSpPr>
         <p:spPr>
           <a:xfrm>
-            <a:off x="990014" y="3833390"/>
-            <a:ext cx="6120091" cy="9136803"/>
+            <a:off x="1237545" y="3833390"/>
+            <a:ext cx="7650282" cy="9136803"/>
           </a:xfrm>
         </p:spPr>
         <p:txBody>
@@ -1613,8 +1618,8 @@
         </p:nvSpPr>
         <p:spPr>
           <a:xfrm>
-            <a:off x="7290108" y="3833390"/>
-            <a:ext cx="6120091" cy="9136803"/>
+            <a:off x="9112836" y="3833390"/>
+            <a:ext cx="7650282" cy="9136803"/>
           </a:xfrm>
         </p:spPr>
         <p:txBody>
@@ -1675,7 +1680,7 @@
           <a:p>
             <a:fld id="{3B85B7A5-F096-CF4C-9C20-4BA2556B79B6}" type="datetimeFigureOut">
               <a:rPr lang="en-US" smtClean="0"/>
-              <a:t>1/29/25</a:t>
+              <a:t>2/24/25</a:t>
             </a:fld>
             <a:endParaRPr lang="en-US"/>
           </a:p>
@@ -1726,7 +1731,7 @@
     </p:spTree>
     <p:extLst>
       <p:ext uri="{BB962C8B-B14F-4D97-AF65-F5344CB8AC3E}">
-        <p14:creationId xmlns:p14="http://schemas.microsoft.com/office/powerpoint/2010/main" val="1769322404"/>
+        <p14:creationId xmlns:p14="http://schemas.microsoft.com/office/powerpoint/2010/main" val="3386663302"/>
       </p:ext>
     </p:extLst>
   </p:cSld>
@@ -1765,8 +1770,8 @@
         </p:nvSpPr>
         <p:spPr>
           <a:xfrm>
-            <a:off x="991890" y="766681"/>
-            <a:ext cx="12420184" cy="2783376"/>
+            <a:off x="1239890" y="766681"/>
+            <a:ext cx="15525572" cy="2783376"/>
           </a:xfrm>
         </p:spPr>
         <p:txBody>
@@ -1793,8 +1798,8 @@
         </p:nvSpPr>
         <p:spPr>
           <a:xfrm>
-            <a:off x="991892" y="3530053"/>
-            <a:ext cx="6091964" cy="1730025"/>
+            <a:off x="1239892" y="3530053"/>
+            <a:ext cx="7615123" cy="1730025"/>
           </a:xfrm>
         </p:spPr>
         <p:txBody>
@@ -1802,39 +1807,39 @@
           <a:lstStyle>
             <a:lvl1pPr marL="0" indent="0">
               <a:buNone/>
-              <a:defRPr sz="3780" b="1"/>
+              <a:defRPr sz="4725" b="1"/>
             </a:lvl1pPr>
-            <a:lvl2pPr marL="719999" indent="0">
+            <a:lvl2pPr marL="900044" indent="0">
+              <a:buNone/>
+              <a:defRPr sz="3937" b="1"/>
+            </a:lvl2pPr>
+            <a:lvl3pPr marL="1800088" indent="0">
+              <a:buNone/>
+              <a:defRPr sz="3543" b="1"/>
+            </a:lvl3pPr>
+            <a:lvl4pPr marL="2700132" indent="0">
               <a:buNone/>
               <a:defRPr sz="3150" b="1"/>
-            </a:lvl2pPr>
-            <a:lvl3pPr marL="1439997" indent="0">
+            </a:lvl4pPr>
+            <a:lvl5pPr marL="3600176" indent="0">
               <a:buNone/>
-              <a:defRPr sz="2835" b="1"/>
-            </a:lvl3pPr>
-            <a:lvl4pPr marL="2159996" indent="0">
+              <a:defRPr sz="3150" b="1"/>
+            </a:lvl5pPr>
+            <a:lvl6pPr marL="4500220" indent="0">
               <a:buNone/>
-              <a:defRPr sz="2520" b="1"/>
-            </a:lvl4pPr>
-            <a:lvl5pPr marL="2879994" indent="0">
+              <a:defRPr sz="3150" b="1"/>
+            </a:lvl6pPr>
+            <a:lvl7pPr marL="5400264" indent="0">
               <a:buNone/>
-              <a:defRPr sz="2520" b="1"/>
-            </a:lvl5pPr>
-            <a:lvl6pPr marL="3599993" indent="0">
+              <a:defRPr sz="3150" b="1"/>
+            </a:lvl7pPr>
+            <a:lvl8pPr marL="6300307" indent="0">
               <a:buNone/>
-              <a:defRPr sz="2520" b="1"/>
-            </a:lvl6pPr>
-            <a:lvl7pPr marL="4319991" indent="0">
+              <a:defRPr sz="3150" b="1"/>
+            </a:lvl8pPr>
+            <a:lvl9pPr marL="7200351" indent="0">
               <a:buNone/>
-              <a:defRPr sz="2520" b="1"/>
-            </a:lvl7pPr>
-            <a:lvl8pPr marL="5039990" indent="0">
-              <a:buNone/>
-              <a:defRPr sz="2520" b="1"/>
-            </a:lvl8pPr>
-            <a:lvl9pPr marL="5759988" indent="0">
-              <a:buNone/>
-              <a:defRPr sz="2520" b="1"/>
+              <a:defRPr sz="3150" b="1"/>
             </a:lvl9pPr>
           </a:lstStyle>
           <a:p>
@@ -1858,8 +1863,8 @@
         </p:nvSpPr>
         <p:spPr>
           <a:xfrm>
-            <a:off x="991892" y="5260078"/>
-            <a:ext cx="6091964" cy="7736782"/>
+            <a:off x="1239892" y="5260078"/>
+            <a:ext cx="7615123" cy="7736782"/>
           </a:xfrm>
         </p:spPr>
         <p:txBody>
@@ -1915,8 +1920,8 @@
         </p:nvSpPr>
         <p:spPr>
           <a:xfrm>
-            <a:off x="7290109" y="3530053"/>
-            <a:ext cx="6121966" cy="1730025"/>
+            <a:off x="9112837" y="3530053"/>
+            <a:ext cx="7652626" cy="1730025"/>
           </a:xfrm>
         </p:spPr>
         <p:txBody>
@@ -1924,39 +1929,39 @@
           <a:lstStyle>
             <a:lvl1pPr marL="0" indent="0">
               <a:buNone/>
-              <a:defRPr sz="3780" b="1"/>
+              <a:defRPr sz="4725" b="1"/>
             </a:lvl1pPr>
-            <a:lvl2pPr marL="719999" indent="0">
+            <a:lvl2pPr marL="900044" indent="0">
+              <a:buNone/>
+              <a:defRPr sz="3937" b="1"/>
+            </a:lvl2pPr>
+            <a:lvl3pPr marL="1800088" indent="0">
+              <a:buNone/>
+              <a:defRPr sz="3543" b="1"/>
+            </a:lvl3pPr>
+            <a:lvl4pPr marL="2700132" indent="0">
               <a:buNone/>
               <a:defRPr sz="3150" b="1"/>
-            </a:lvl2pPr>
-            <a:lvl3pPr marL="1439997" indent="0">
+            </a:lvl4pPr>
+            <a:lvl5pPr marL="3600176" indent="0">
               <a:buNone/>
-              <a:defRPr sz="2835" b="1"/>
-            </a:lvl3pPr>
-            <a:lvl4pPr marL="2159996" indent="0">
+              <a:defRPr sz="3150" b="1"/>
+            </a:lvl5pPr>
+            <a:lvl6pPr marL="4500220" indent="0">
               <a:buNone/>
-              <a:defRPr sz="2520" b="1"/>
-            </a:lvl4pPr>
-            <a:lvl5pPr marL="2879994" indent="0">
+              <a:defRPr sz="3150" b="1"/>
+            </a:lvl6pPr>
+            <a:lvl7pPr marL="5400264" indent="0">
               <a:buNone/>
-              <a:defRPr sz="2520" b="1"/>
-            </a:lvl5pPr>
-            <a:lvl6pPr marL="3599993" indent="0">
+              <a:defRPr sz="3150" b="1"/>
+            </a:lvl7pPr>
+            <a:lvl8pPr marL="6300307" indent="0">
               <a:buNone/>
-              <a:defRPr sz="2520" b="1"/>
-            </a:lvl6pPr>
-            <a:lvl7pPr marL="4319991" indent="0">
+              <a:defRPr sz="3150" b="1"/>
+            </a:lvl8pPr>
+            <a:lvl9pPr marL="7200351" indent="0">
               <a:buNone/>
-              <a:defRPr sz="2520" b="1"/>
-            </a:lvl7pPr>
-            <a:lvl8pPr marL="5039990" indent="0">
-              <a:buNone/>
-              <a:defRPr sz="2520" b="1"/>
-            </a:lvl8pPr>
-            <a:lvl9pPr marL="5759988" indent="0">
-              <a:buNone/>
-              <a:defRPr sz="2520" b="1"/>
+              <a:defRPr sz="3150" b="1"/>
             </a:lvl9pPr>
           </a:lstStyle>
           <a:p>
@@ -1980,8 +1985,8 @@
         </p:nvSpPr>
         <p:spPr>
           <a:xfrm>
-            <a:off x="7290109" y="5260078"/>
-            <a:ext cx="6121966" cy="7736782"/>
+            <a:off x="9112837" y="5260078"/>
+            <a:ext cx="7652626" cy="7736782"/>
           </a:xfrm>
         </p:spPr>
         <p:txBody>
@@ -2042,7 +2047,7 @@
           <a:p>
             <a:fld id="{3B85B7A5-F096-CF4C-9C20-4BA2556B79B6}" type="datetimeFigureOut">
               <a:rPr lang="en-US" smtClean="0"/>
-              <a:t>1/29/25</a:t>
+              <a:t>2/24/25</a:t>
             </a:fld>
             <a:endParaRPr lang="en-US"/>
           </a:p>
@@ -2093,7 +2098,7 @@
     </p:spTree>
     <p:extLst>
       <p:ext uri="{BB962C8B-B14F-4D97-AF65-F5344CB8AC3E}">
-        <p14:creationId xmlns:p14="http://schemas.microsoft.com/office/powerpoint/2010/main" val="1167613815"/>
+        <p14:creationId xmlns:p14="http://schemas.microsoft.com/office/powerpoint/2010/main" val="323240800"/>
       </p:ext>
     </p:extLst>
   </p:cSld>
@@ -2160,7 +2165,7 @@
           <a:p>
             <a:fld id="{3B85B7A5-F096-CF4C-9C20-4BA2556B79B6}" type="datetimeFigureOut">
               <a:rPr lang="en-US" smtClean="0"/>
-              <a:t>1/29/25</a:t>
+              <a:t>2/24/25</a:t>
             </a:fld>
             <a:endParaRPr lang="en-US"/>
           </a:p>
@@ -2211,7 +2216,7 @@
     </p:spTree>
     <p:extLst>
       <p:ext uri="{BB962C8B-B14F-4D97-AF65-F5344CB8AC3E}">
-        <p14:creationId xmlns:p14="http://schemas.microsoft.com/office/powerpoint/2010/main" val="3550573788"/>
+        <p14:creationId xmlns:p14="http://schemas.microsoft.com/office/powerpoint/2010/main" val="2475937589"/>
       </p:ext>
     </p:extLst>
   </p:cSld>
@@ -2255,7 +2260,7 @@
           <a:p>
             <a:fld id="{3B85B7A5-F096-CF4C-9C20-4BA2556B79B6}" type="datetimeFigureOut">
               <a:rPr lang="en-US" smtClean="0"/>
-              <a:t>1/29/25</a:t>
+              <a:t>2/24/25</a:t>
             </a:fld>
             <a:endParaRPr lang="en-US"/>
           </a:p>
@@ -2306,7 +2311,7 @@
     </p:spTree>
     <p:extLst>
       <p:ext uri="{BB962C8B-B14F-4D97-AF65-F5344CB8AC3E}">
-        <p14:creationId xmlns:p14="http://schemas.microsoft.com/office/powerpoint/2010/main" val="1058975980"/>
+        <p14:creationId xmlns:p14="http://schemas.microsoft.com/office/powerpoint/2010/main" val="2297007002"/>
       </p:ext>
     </p:extLst>
   </p:cSld>
@@ -2345,15 +2350,15 @@
         </p:nvSpPr>
         <p:spPr>
           <a:xfrm>
-            <a:off x="991890" y="960014"/>
-            <a:ext cx="4644444" cy="3360050"/>
+            <a:off x="1239890" y="960014"/>
+            <a:ext cx="5805682" cy="3360050"/>
           </a:xfrm>
         </p:spPr>
         <p:txBody>
           <a:bodyPr anchor="b"/>
           <a:lstStyle>
             <a:lvl1pPr>
-              <a:defRPr sz="5039"/>
+              <a:defRPr sz="6300"/>
             </a:lvl1pPr>
           </a:lstStyle>
           <a:p>
@@ -2377,39 +2382,39 @@
         </p:nvSpPr>
         <p:spPr>
           <a:xfrm>
-            <a:off x="6121966" y="2073367"/>
-            <a:ext cx="7290108" cy="10233485"/>
+            <a:off x="7652626" y="2073367"/>
+            <a:ext cx="9112836" cy="10233485"/>
           </a:xfrm>
         </p:spPr>
         <p:txBody>
           <a:bodyPr/>
           <a:lstStyle>
             <a:lvl1pPr>
-              <a:defRPr sz="5039"/>
+              <a:defRPr sz="6300"/>
             </a:lvl1pPr>
             <a:lvl2pPr>
-              <a:defRPr sz="4409"/>
+              <a:defRPr sz="5512"/>
             </a:lvl2pPr>
             <a:lvl3pPr>
-              <a:defRPr sz="3780"/>
+              <a:defRPr sz="4725"/>
             </a:lvl3pPr>
             <a:lvl4pPr>
-              <a:defRPr sz="3150"/>
+              <a:defRPr sz="3937"/>
             </a:lvl4pPr>
             <a:lvl5pPr>
-              <a:defRPr sz="3150"/>
+              <a:defRPr sz="3937"/>
             </a:lvl5pPr>
             <a:lvl6pPr>
-              <a:defRPr sz="3150"/>
+              <a:defRPr sz="3937"/>
             </a:lvl6pPr>
             <a:lvl7pPr>
-              <a:defRPr sz="3150"/>
+              <a:defRPr sz="3937"/>
             </a:lvl7pPr>
             <a:lvl8pPr>
-              <a:defRPr sz="3150"/>
+              <a:defRPr sz="3937"/>
             </a:lvl8pPr>
             <a:lvl9pPr>
-              <a:defRPr sz="3150"/>
+              <a:defRPr sz="3937"/>
             </a:lvl9pPr>
           </a:lstStyle>
           <a:p>
@@ -2462,8 +2467,8 @@
         </p:nvSpPr>
         <p:spPr>
           <a:xfrm>
-            <a:off x="991890" y="4320064"/>
-            <a:ext cx="4644444" cy="8003453"/>
+            <a:off x="1239890" y="4320064"/>
+            <a:ext cx="5805682" cy="8003453"/>
           </a:xfrm>
         </p:spPr>
         <p:txBody>
@@ -2471,39 +2476,39 @@
           <a:lstStyle>
             <a:lvl1pPr marL="0" indent="0">
               <a:buNone/>
-              <a:defRPr sz="2520"/>
+              <a:defRPr sz="3150"/>
             </a:lvl1pPr>
-            <a:lvl2pPr marL="719999" indent="0">
+            <a:lvl2pPr marL="900044" indent="0">
               <a:buNone/>
-              <a:defRPr sz="2205"/>
+              <a:defRPr sz="2756"/>
             </a:lvl2pPr>
-            <a:lvl3pPr marL="1439997" indent="0">
+            <a:lvl3pPr marL="1800088" indent="0">
               <a:buNone/>
-              <a:defRPr sz="1890"/>
+              <a:defRPr sz="2362"/>
             </a:lvl3pPr>
-            <a:lvl4pPr marL="2159996" indent="0">
+            <a:lvl4pPr marL="2700132" indent="0">
               <a:buNone/>
-              <a:defRPr sz="1575"/>
+              <a:defRPr sz="1969"/>
             </a:lvl4pPr>
-            <a:lvl5pPr marL="2879994" indent="0">
+            <a:lvl5pPr marL="3600176" indent="0">
               <a:buNone/>
-              <a:defRPr sz="1575"/>
+              <a:defRPr sz="1969"/>
             </a:lvl5pPr>
-            <a:lvl6pPr marL="3599993" indent="0">
+            <a:lvl6pPr marL="4500220" indent="0">
               <a:buNone/>
-              <a:defRPr sz="1575"/>
+              <a:defRPr sz="1969"/>
             </a:lvl6pPr>
-            <a:lvl7pPr marL="4319991" indent="0">
+            <a:lvl7pPr marL="5400264" indent="0">
               <a:buNone/>
-              <a:defRPr sz="1575"/>
+              <a:defRPr sz="1969"/>
             </a:lvl7pPr>
-            <a:lvl8pPr marL="5039990" indent="0">
+            <a:lvl8pPr marL="6300307" indent="0">
               <a:buNone/>
-              <a:defRPr sz="1575"/>
+              <a:defRPr sz="1969"/>
             </a:lvl8pPr>
-            <a:lvl9pPr marL="5759988" indent="0">
+            <a:lvl9pPr marL="7200351" indent="0">
               <a:buNone/>
-              <a:defRPr sz="1575"/>
+              <a:defRPr sz="1969"/>
             </a:lvl9pPr>
           </a:lstStyle>
           <a:p>
@@ -2532,7 +2537,7 @@
           <a:p>
             <a:fld id="{3B85B7A5-F096-CF4C-9C20-4BA2556B79B6}" type="datetimeFigureOut">
               <a:rPr lang="en-US" smtClean="0"/>
-              <a:t>1/29/25</a:t>
+              <a:t>2/24/25</a:t>
             </a:fld>
             <a:endParaRPr lang="en-US"/>
           </a:p>
@@ -2583,7 +2588,7 @@
     </p:spTree>
     <p:extLst>
       <p:ext uri="{BB962C8B-B14F-4D97-AF65-F5344CB8AC3E}">
-        <p14:creationId xmlns:p14="http://schemas.microsoft.com/office/powerpoint/2010/main" val="789872312"/>
+        <p14:creationId xmlns:p14="http://schemas.microsoft.com/office/powerpoint/2010/main" val="1758959801"/>
       </p:ext>
     </p:extLst>
   </p:cSld>
@@ -2622,15 +2627,15 @@
         </p:nvSpPr>
         <p:spPr>
           <a:xfrm>
-            <a:off x="991890" y="960014"/>
-            <a:ext cx="4644444" cy="3360050"/>
+            <a:off x="1239890" y="960014"/>
+            <a:ext cx="5805682" cy="3360050"/>
           </a:xfrm>
         </p:spPr>
         <p:txBody>
           <a:bodyPr anchor="b"/>
           <a:lstStyle>
             <a:lvl1pPr>
-              <a:defRPr sz="5039"/>
+              <a:defRPr sz="6300"/>
             </a:lvl1pPr>
           </a:lstStyle>
           <a:p>
@@ -2654,8 +2659,8 @@
         </p:nvSpPr>
         <p:spPr>
           <a:xfrm>
-            <a:off x="6121966" y="2073367"/>
-            <a:ext cx="7290108" cy="10233485"/>
+            <a:off x="7652626" y="2073367"/>
+            <a:ext cx="9112836" cy="10233485"/>
           </a:xfrm>
         </p:spPr>
         <p:txBody>
@@ -2663,39 +2668,39 @@
           <a:lstStyle>
             <a:lvl1pPr marL="0" indent="0">
               <a:buNone/>
-              <a:defRPr sz="5039"/>
+              <a:defRPr sz="6300"/>
             </a:lvl1pPr>
-            <a:lvl2pPr marL="719999" indent="0">
+            <a:lvl2pPr marL="900044" indent="0">
               <a:buNone/>
-              <a:defRPr sz="4409"/>
+              <a:defRPr sz="5512"/>
             </a:lvl2pPr>
-            <a:lvl3pPr marL="1439997" indent="0">
+            <a:lvl3pPr marL="1800088" indent="0">
               <a:buNone/>
-              <a:defRPr sz="3780"/>
+              <a:defRPr sz="4725"/>
             </a:lvl3pPr>
-            <a:lvl4pPr marL="2159996" indent="0">
+            <a:lvl4pPr marL="2700132" indent="0">
               <a:buNone/>
-              <a:defRPr sz="3150"/>
+              <a:defRPr sz="3937"/>
             </a:lvl4pPr>
-            <a:lvl5pPr marL="2879994" indent="0">
+            <a:lvl5pPr marL="3600176" indent="0">
               <a:buNone/>
-              <a:defRPr sz="3150"/>
+              <a:defRPr sz="3937"/>
             </a:lvl5pPr>
-            <a:lvl6pPr marL="3599993" indent="0">
+            <a:lvl6pPr marL="4500220" indent="0">
               <a:buNone/>
-              <a:defRPr sz="3150"/>
+              <a:defRPr sz="3937"/>
             </a:lvl6pPr>
-            <a:lvl7pPr marL="4319991" indent="0">
+            <a:lvl7pPr marL="5400264" indent="0">
               <a:buNone/>
-              <a:defRPr sz="3150"/>
+              <a:defRPr sz="3937"/>
             </a:lvl7pPr>
-            <a:lvl8pPr marL="5039990" indent="0">
+            <a:lvl8pPr marL="6300307" indent="0">
               <a:buNone/>
-              <a:defRPr sz="3150"/>
+              <a:defRPr sz="3937"/>
             </a:lvl8pPr>
-            <a:lvl9pPr marL="5759988" indent="0">
+            <a:lvl9pPr marL="7200351" indent="0">
               <a:buNone/>
-              <a:defRPr sz="3150"/>
+              <a:defRPr sz="3937"/>
             </a:lvl9pPr>
           </a:lstStyle>
           <a:p>
@@ -2719,8 +2724,8 @@
         </p:nvSpPr>
         <p:spPr>
           <a:xfrm>
-            <a:off x="991890" y="4320064"/>
-            <a:ext cx="4644444" cy="8003453"/>
+            <a:off x="1239890" y="4320064"/>
+            <a:ext cx="5805682" cy="8003453"/>
           </a:xfrm>
         </p:spPr>
         <p:txBody>
@@ -2728,39 +2733,39 @@
           <a:lstStyle>
             <a:lvl1pPr marL="0" indent="0">
               <a:buNone/>
-              <a:defRPr sz="2520"/>
+              <a:defRPr sz="3150"/>
             </a:lvl1pPr>
-            <a:lvl2pPr marL="719999" indent="0">
+            <a:lvl2pPr marL="900044" indent="0">
               <a:buNone/>
-              <a:defRPr sz="2205"/>
+              <a:defRPr sz="2756"/>
             </a:lvl2pPr>
-            <a:lvl3pPr marL="1439997" indent="0">
+            <a:lvl3pPr marL="1800088" indent="0">
               <a:buNone/>
-              <a:defRPr sz="1890"/>
+              <a:defRPr sz="2362"/>
             </a:lvl3pPr>
-            <a:lvl4pPr marL="2159996" indent="0">
+            <a:lvl4pPr marL="2700132" indent="0">
               <a:buNone/>
-              <a:defRPr sz="1575"/>
+              <a:defRPr sz="1969"/>
             </a:lvl4pPr>
-            <a:lvl5pPr marL="2879994" indent="0">
+            <a:lvl5pPr marL="3600176" indent="0">
               <a:buNone/>
-              <a:defRPr sz="1575"/>
+              <a:defRPr sz="1969"/>
             </a:lvl5pPr>
-            <a:lvl6pPr marL="3599993" indent="0">
+            <a:lvl6pPr marL="4500220" indent="0">
               <a:buNone/>
-              <a:defRPr sz="1575"/>
+              <a:defRPr sz="1969"/>
             </a:lvl6pPr>
-            <a:lvl7pPr marL="4319991" indent="0">
+            <a:lvl7pPr marL="5400264" indent="0">
               <a:buNone/>
-              <a:defRPr sz="1575"/>
+              <a:defRPr sz="1969"/>
             </a:lvl7pPr>
-            <a:lvl8pPr marL="5039990" indent="0">
+            <a:lvl8pPr marL="6300307" indent="0">
               <a:buNone/>
-              <a:defRPr sz="1575"/>
+              <a:defRPr sz="1969"/>
             </a:lvl8pPr>
-            <a:lvl9pPr marL="5759988" indent="0">
+            <a:lvl9pPr marL="7200351" indent="0">
               <a:buNone/>
-              <a:defRPr sz="1575"/>
+              <a:defRPr sz="1969"/>
             </a:lvl9pPr>
           </a:lstStyle>
           <a:p>
@@ -2789,7 +2794,7 @@
           <a:p>
             <a:fld id="{3B85B7A5-F096-CF4C-9C20-4BA2556B79B6}" type="datetimeFigureOut">
               <a:rPr lang="en-US" smtClean="0"/>
-              <a:t>1/29/25</a:t>
+              <a:t>2/24/25</a:t>
             </a:fld>
             <a:endParaRPr lang="en-US"/>
           </a:p>
@@ -2840,7 +2845,7 @@
     </p:spTree>
     <p:extLst>
       <p:ext uri="{BB962C8B-B14F-4D97-AF65-F5344CB8AC3E}">
-        <p14:creationId xmlns:p14="http://schemas.microsoft.com/office/powerpoint/2010/main" val="843802167"/>
+        <p14:creationId xmlns:p14="http://schemas.microsoft.com/office/powerpoint/2010/main" val="4196887483"/>
       </p:ext>
     </p:extLst>
   </p:cSld>
@@ -2884,8 +2889,8 @@
         </p:nvSpPr>
         <p:spPr>
           <a:xfrm>
-            <a:off x="990015" y="766681"/>
-            <a:ext cx="12420184" cy="2783376"/>
+            <a:off x="1237546" y="766681"/>
+            <a:ext cx="15525572" cy="2783376"/>
           </a:xfrm>
           <a:prstGeom prst="rect">
             <a:avLst/>
@@ -2917,8 +2922,8 @@
         </p:nvSpPr>
         <p:spPr>
           <a:xfrm>
-            <a:off x="990015" y="3833390"/>
-            <a:ext cx="12420184" cy="9136803"/>
+            <a:off x="1237546" y="3833390"/>
+            <a:ext cx="15525572" cy="9136803"/>
           </a:xfrm>
           <a:prstGeom prst="rect">
             <a:avLst/>
@@ -2979,8 +2984,8 @@
         </p:nvSpPr>
         <p:spPr>
           <a:xfrm>
-            <a:off x="990015" y="13346867"/>
-            <a:ext cx="3240048" cy="766678"/>
+            <a:off x="1237546" y="13346867"/>
+            <a:ext cx="4050149" cy="766678"/>
           </a:xfrm>
           <a:prstGeom prst="rect">
             <a:avLst/>
@@ -2990,7 +2995,7 @@
           <a:bodyPr vert="horz" lIns="91440" tIns="45720" rIns="91440" bIns="45720" rtlCol="0" anchor="ctr"/>
           <a:lstStyle>
             <a:lvl1pPr algn="l">
-              <a:defRPr sz="1890">
+              <a:defRPr sz="2362">
                 <a:solidFill>
                   <a:schemeClr val="tx1">
                     <a:tint val="75000"/>
@@ -3002,7 +3007,7 @@
           <a:p>
             <a:fld id="{3B85B7A5-F096-CF4C-9C20-4BA2556B79B6}" type="datetimeFigureOut">
               <a:rPr lang="en-US" smtClean="0"/>
-              <a:t>1/29/25</a:t>
+              <a:t>2/24/25</a:t>
             </a:fld>
             <a:endParaRPr lang="en-US"/>
           </a:p>
@@ -3020,8 +3025,8 @@
         </p:nvSpPr>
         <p:spPr>
           <a:xfrm>
-            <a:off x="4770071" y="13346867"/>
-            <a:ext cx="4860072" cy="766678"/>
+            <a:off x="5962720" y="13346867"/>
+            <a:ext cx="6075224" cy="766678"/>
           </a:xfrm>
           <a:prstGeom prst="rect">
             <a:avLst/>
@@ -3031,7 +3036,7 @@
           <a:bodyPr vert="horz" lIns="91440" tIns="45720" rIns="91440" bIns="45720" rtlCol="0" anchor="ctr"/>
           <a:lstStyle>
             <a:lvl1pPr algn="ctr">
-              <a:defRPr sz="1890">
+              <a:defRPr sz="2362">
                 <a:solidFill>
                   <a:schemeClr val="tx1">
                     <a:tint val="75000"/>
@@ -3057,8 +3062,8 @@
         </p:nvSpPr>
         <p:spPr>
           <a:xfrm>
-            <a:off x="10170150" y="13346867"/>
-            <a:ext cx="3240048" cy="766678"/>
+            <a:off x="12712968" y="13346867"/>
+            <a:ext cx="4050149" cy="766678"/>
           </a:xfrm>
           <a:prstGeom prst="rect">
             <a:avLst/>
@@ -3068,7 +3073,7 @@
           <a:bodyPr vert="horz" lIns="91440" tIns="45720" rIns="91440" bIns="45720" rtlCol="0" anchor="ctr"/>
           <a:lstStyle>
             <a:lvl1pPr algn="r">
-              <a:defRPr sz="1890">
+              <a:defRPr sz="2362">
                 <a:solidFill>
                   <a:schemeClr val="tx1">
                     <a:tint val="75000"/>
@@ -3089,27 +3094,27 @@
     </p:spTree>
     <p:extLst>
       <p:ext uri="{BB962C8B-B14F-4D97-AF65-F5344CB8AC3E}">
-        <p14:creationId xmlns:p14="http://schemas.microsoft.com/office/powerpoint/2010/main" val="1982919106"/>
+        <p14:creationId xmlns:p14="http://schemas.microsoft.com/office/powerpoint/2010/main" val="1566134779"/>
       </p:ext>
     </p:extLst>
   </p:cSld>
   <p:clrMap bg1="lt1" tx1="dk1" bg2="lt2" tx2="dk2" accent1="accent1" accent2="accent2" accent3="accent3" accent4="accent4" accent5="accent5" accent6="accent6" hlink="hlink" folHlink="folHlink"/>
   <p:sldLayoutIdLst>
-    <p:sldLayoutId id="2147483673" r:id="rId1"/>
-    <p:sldLayoutId id="2147483674" r:id="rId2"/>
-    <p:sldLayoutId id="2147483675" r:id="rId3"/>
-    <p:sldLayoutId id="2147483676" r:id="rId4"/>
-    <p:sldLayoutId id="2147483677" r:id="rId5"/>
-    <p:sldLayoutId id="2147483678" r:id="rId6"/>
-    <p:sldLayoutId id="2147483679" r:id="rId7"/>
-    <p:sldLayoutId id="2147483680" r:id="rId8"/>
-    <p:sldLayoutId id="2147483681" r:id="rId9"/>
-    <p:sldLayoutId id="2147483682" r:id="rId10"/>
-    <p:sldLayoutId id="2147483683" r:id="rId11"/>
+    <p:sldLayoutId id="2147483685" r:id="rId1"/>
+    <p:sldLayoutId id="2147483686" r:id="rId2"/>
+    <p:sldLayoutId id="2147483687" r:id="rId3"/>
+    <p:sldLayoutId id="2147483688" r:id="rId4"/>
+    <p:sldLayoutId id="2147483689" r:id="rId5"/>
+    <p:sldLayoutId id="2147483690" r:id="rId6"/>
+    <p:sldLayoutId id="2147483691" r:id="rId7"/>
+    <p:sldLayoutId id="2147483692" r:id="rId8"/>
+    <p:sldLayoutId id="2147483693" r:id="rId9"/>
+    <p:sldLayoutId id="2147483694" r:id="rId10"/>
+    <p:sldLayoutId id="2147483695" r:id="rId11"/>
   </p:sldLayoutIdLst>
   <p:txStyles>
     <p:titleStyle>
-      <a:lvl1pPr algn="l" defTabSz="1439997" rtl="0" eaLnBrk="1" latinLnBrk="0" hangingPunct="1">
+      <a:lvl1pPr algn="l" defTabSz="1800088" rtl="0" eaLnBrk="1" latinLnBrk="0" hangingPunct="1">
         <a:lnSpc>
           <a:spcPct val="90000"/>
         </a:lnSpc>
@@ -3117,7 +3122,7 @@
           <a:spcPct val="0"/>
         </a:spcBef>
         <a:buNone/>
-        <a:defRPr sz="6929" kern="1200">
+        <a:defRPr sz="8662" kern="1200">
           <a:solidFill>
             <a:schemeClr val="tx1"/>
           </a:solidFill>
@@ -3128,16 +3133,16 @@
       </a:lvl1pPr>
     </p:titleStyle>
     <p:bodyStyle>
-      <a:lvl1pPr marL="359999" indent="-359999" algn="l" defTabSz="1439997" rtl="0" eaLnBrk="1" latinLnBrk="0" hangingPunct="1">
+      <a:lvl1pPr marL="450022" indent="-450022" algn="l" defTabSz="1800088" rtl="0" eaLnBrk="1" latinLnBrk="0" hangingPunct="1">
         <a:lnSpc>
           <a:spcPct val="90000"/>
         </a:lnSpc>
         <a:spcBef>
-          <a:spcPts val="1575"/>
+          <a:spcPts val="1969"/>
         </a:spcBef>
         <a:buFont typeface="Arial" panose="020B0604020202020204" pitchFamily="34" charset="0"/>
         <a:buChar char="•"/>
-        <a:defRPr sz="4409" kern="1200">
+        <a:defRPr sz="5512" kern="1200">
           <a:solidFill>
             <a:schemeClr val="tx1"/>
           </a:solidFill>
@@ -3146,16 +3151,16 @@
           <a:cs typeface="+mn-cs"/>
         </a:defRPr>
       </a:lvl1pPr>
-      <a:lvl2pPr marL="1079998" indent="-359999" algn="l" defTabSz="1439997" rtl="0" eaLnBrk="1" latinLnBrk="0" hangingPunct="1">
+      <a:lvl2pPr marL="1350066" indent="-450022" algn="l" defTabSz="1800088" rtl="0" eaLnBrk="1" latinLnBrk="0" hangingPunct="1">
         <a:lnSpc>
           <a:spcPct val="90000"/>
         </a:lnSpc>
         <a:spcBef>
-          <a:spcPts val="787"/>
+          <a:spcPts val="984"/>
         </a:spcBef>
         <a:buFont typeface="Arial" panose="020B0604020202020204" pitchFamily="34" charset="0"/>
         <a:buChar char="•"/>
-        <a:defRPr sz="3780" kern="1200">
+        <a:defRPr sz="4725" kern="1200">
           <a:solidFill>
             <a:schemeClr val="tx1"/>
           </a:solidFill>
@@ -3164,16 +3169,16 @@
           <a:cs typeface="+mn-cs"/>
         </a:defRPr>
       </a:lvl2pPr>
-      <a:lvl3pPr marL="1799996" indent="-359999" algn="l" defTabSz="1439997" rtl="0" eaLnBrk="1" latinLnBrk="0" hangingPunct="1">
+      <a:lvl3pPr marL="2250110" indent="-450022" algn="l" defTabSz="1800088" rtl="0" eaLnBrk="1" latinLnBrk="0" hangingPunct="1">
         <a:lnSpc>
           <a:spcPct val="90000"/>
         </a:lnSpc>
         <a:spcBef>
-          <a:spcPts val="787"/>
+          <a:spcPts val="984"/>
         </a:spcBef>
         <a:buFont typeface="Arial" panose="020B0604020202020204" pitchFamily="34" charset="0"/>
         <a:buChar char="•"/>
-        <a:defRPr sz="3150" kern="1200">
+        <a:defRPr sz="3937" kern="1200">
           <a:solidFill>
             <a:schemeClr val="tx1"/>
           </a:solidFill>
@@ -3182,16 +3187,16 @@
           <a:cs typeface="+mn-cs"/>
         </a:defRPr>
       </a:lvl3pPr>
-      <a:lvl4pPr marL="2519995" indent="-359999" algn="l" defTabSz="1439997" rtl="0" eaLnBrk="1" latinLnBrk="0" hangingPunct="1">
+      <a:lvl4pPr marL="3150154" indent="-450022" algn="l" defTabSz="1800088" rtl="0" eaLnBrk="1" latinLnBrk="0" hangingPunct="1">
         <a:lnSpc>
           <a:spcPct val="90000"/>
         </a:lnSpc>
         <a:spcBef>
-          <a:spcPts val="787"/>
+          <a:spcPts val="984"/>
         </a:spcBef>
         <a:buFont typeface="Arial" panose="020B0604020202020204" pitchFamily="34" charset="0"/>
         <a:buChar char="•"/>
-        <a:defRPr sz="2835" kern="1200">
+        <a:defRPr sz="3543" kern="1200">
           <a:solidFill>
             <a:schemeClr val="tx1"/>
           </a:solidFill>
@@ -3200,16 +3205,16 @@
           <a:cs typeface="+mn-cs"/>
         </a:defRPr>
       </a:lvl4pPr>
-      <a:lvl5pPr marL="3239994" indent="-359999" algn="l" defTabSz="1439997" rtl="0" eaLnBrk="1" latinLnBrk="0" hangingPunct="1">
+      <a:lvl5pPr marL="4050198" indent="-450022" algn="l" defTabSz="1800088" rtl="0" eaLnBrk="1" latinLnBrk="0" hangingPunct="1">
         <a:lnSpc>
           <a:spcPct val="90000"/>
         </a:lnSpc>
         <a:spcBef>
-          <a:spcPts val="787"/>
+          <a:spcPts val="984"/>
         </a:spcBef>
         <a:buFont typeface="Arial" panose="020B0604020202020204" pitchFamily="34" charset="0"/>
         <a:buChar char="•"/>
-        <a:defRPr sz="2835" kern="1200">
+        <a:defRPr sz="3543" kern="1200">
           <a:solidFill>
             <a:schemeClr val="tx1"/>
           </a:solidFill>
@@ -3218,16 +3223,16 @@
           <a:cs typeface="+mn-cs"/>
         </a:defRPr>
       </a:lvl5pPr>
-      <a:lvl6pPr marL="3959992" indent="-359999" algn="l" defTabSz="1439997" rtl="0" eaLnBrk="1" latinLnBrk="0" hangingPunct="1">
+      <a:lvl6pPr marL="4950242" indent="-450022" algn="l" defTabSz="1800088" rtl="0" eaLnBrk="1" latinLnBrk="0" hangingPunct="1">
         <a:lnSpc>
           <a:spcPct val="90000"/>
         </a:lnSpc>
         <a:spcBef>
-          <a:spcPts val="787"/>
+          <a:spcPts val="984"/>
         </a:spcBef>
         <a:buFont typeface="Arial" panose="020B0604020202020204" pitchFamily="34" charset="0"/>
         <a:buChar char="•"/>
-        <a:defRPr sz="2835" kern="1200">
+        <a:defRPr sz="3543" kern="1200">
           <a:solidFill>
             <a:schemeClr val="tx1"/>
           </a:solidFill>
@@ -3236,16 +3241,16 @@
           <a:cs typeface="+mn-cs"/>
         </a:defRPr>
       </a:lvl6pPr>
-      <a:lvl7pPr marL="4679991" indent="-359999" algn="l" defTabSz="1439997" rtl="0" eaLnBrk="1" latinLnBrk="0" hangingPunct="1">
+      <a:lvl7pPr marL="5850285" indent="-450022" algn="l" defTabSz="1800088" rtl="0" eaLnBrk="1" latinLnBrk="0" hangingPunct="1">
         <a:lnSpc>
           <a:spcPct val="90000"/>
         </a:lnSpc>
         <a:spcBef>
-          <a:spcPts val="787"/>
+          <a:spcPts val="984"/>
         </a:spcBef>
         <a:buFont typeface="Arial" panose="020B0604020202020204" pitchFamily="34" charset="0"/>
         <a:buChar char="•"/>
-        <a:defRPr sz="2835" kern="1200">
+        <a:defRPr sz="3543" kern="1200">
           <a:solidFill>
             <a:schemeClr val="tx1"/>
           </a:solidFill>
@@ -3254,16 +3259,16 @@
           <a:cs typeface="+mn-cs"/>
         </a:defRPr>
       </a:lvl7pPr>
-      <a:lvl8pPr marL="5399989" indent="-359999" algn="l" defTabSz="1439997" rtl="0" eaLnBrk="1" latinLnBrk="0" hangingPunct="1">
+      <a:lvl8pPr marL="6750329" indent="-450022" algn="l" defTabSz="1800088" rtl="0" eaLnBrk="1" latinLnBrk="0" hangingPunct="1">
         <a:lnSpc>
           <a:spcPct val="90000"/>
         </a:lnSpc>
         <a:spcBef>
-          <a:spcPts val="787"/>
+          <a:spcPts val="984"/>
         </a:spcBef>
         <a:buFont typeface="Arial" panose="020B0604020202020204" pitchFamily="34" charset="0"/>
         <a:buChar char="•"/>
-        <a:defRPr sz="2835" kern="1200">
+        <a:defRPr sz="3543" kern="1200">
           <a:solidFill>
             <a:schemeClr val="tx1"/>
           </a:solidFill>
@@ -3272,16 +3277,16 @@
           <a:cs typeface="+mn-cs"/>
         </a:defRPr>
       </a:lvl8pPr>
-      <a:lvl9pPr marL="6119988" indent="-359999" algn="l" defTabSz="1439997" rtl="0" eaLnBrk="1" latinLnBrk="0" hangingPunct="1">
+      <a:lvl9pPr marL="7650373" indent="-450022" algn="l" defTabSz="1800088" rtl="0" eaLnBrk="1" latinLnBrk="0" hangingPunct="1">
         <a:lnSpc>
           <a:spcPct val="90000"/>
         </a:lnSpc>
         <a:spcBef>
-          <a:spcPts val="787"/>
+          <a:spcPts val="984"/>
         </a:spcBef>
         <a:buFont typeface="Arial" panose="020B0604020202020204" pitchFamily="34" charset="0"/>
         <a:buChar char="•"/>
-        <a:defRPr sz="2835" kern="1200">
+        <a:defRPr sz="3543" kern="1200">
           <a:solidFill>
             <a:schemeClr val="tx1"/>
           </a:solidFill>
@@ -3295,8 +3300,8 @@
       <a:defPPr>
         <a:defRPr lang="en-US"/>
       </a:defPPr>
-      <a:lvl1pPr marL="0" algn="l" defTabSz="1439997" rtl="0" eaLnBrk="1" latinLnBrk="0" hangingPunct="1">
-        <a:defRPr sz="2835" kern="1200">
+      <a:lvl1pPr marL="0" algn="l" defTabSz="1800088" rtl="0" eaLnBrk="1" latinLnBrk="0" hangingPunct="1">
+        <a:defRPr sz="3543" kern="1200">
           <a:solidFill>
             <a:schemeClr val="tx1"/>
           </a:solidFill>
@@ -3305,8 +3310,8 @@
           <a:cs typeface="+mn-cs"/>
         </a:defRPr>
       </a:lvl1pPr>
-      <a:lvl2pPr marL="719999" algn="l" defTabSz="1439997" rtl="0" eaLnBrk="1" latinLnBrk="0" hangingPunct="1">
-        <a:defRPr sz="2835" kern="1200">
+      <a:lvl2pPr marL="900044" algn="l" defTabSz="1800088" rtl="0" eaLnBrk="1" latinLnBrk="0" hangingPunct="1">
+        <a:defRPr sz="3543" kern="1200">
           <a:solidFill>
             <a:schemeClr val="tx1"/>
           </a:solidFill>
@@ -3315,8 +3320,8 @@
           <a:cs typeface="+mn-cs"/>
         </a:defRPr>
       </a:lvl2pPr>
-      <a:lvl3pPr marL="1439997" algn="l" defTabSz="1439997" rtl="0" eaLnBrk="1" latinLnBrk="0" hangingPunct="1">
-        <a:defRPr sz="2835" kern="1200">
+      <a:lvl3pPr marL="1800088" algn="l" defTabSz="1800088" rtl="0" eaLnBrk="1" latinLnBrk="0" hangingPunct="1">
+        <a:defRPr sz="3543" kern="1200">
           <a:solidFill>
             <a:schemeClr val="tx1"/>
           </a:solidFill>
@@ -3325,8 +3330,8 @@
           <a:cs typeface="+mn-cs"/>
         </a:defRPr>
       </a:lvl3pPr>
-      <a:lvl4pPr marL="2159996" algn="l" defTabSz="1439997" rtl="0" eaLnBrk="1" latinLnBrk="0" hangingPunct="1">
-        <a:defRPr sz="2835" kern="1200">
+      <a:lvl4pPr marL="2700132" algn="l" defTabSz="1800088" rtl="0" eaLnBrk="1" latinLnBrk="0" hangingPunct="1">
+        <a:defRPr sz="3543" kern="1200">
           <a:solidFill>
             <a:schemeClr val="tx1"/>
           </a:solidFill>
@@ -3335,8 +3340,8 @@
           <a:cs typeface="+mn-cs"/>
         </a:defRPr>
       </a:lvl4pPr>
-      <a:lvl5pPr marL="2879994" algn="l" defTabSz="1439997" rtl="0" eaLnBrk="1" latinLnBrk="0" hangingPunct="1">
-        <a:defRPr sz="2835" kern="1200">
+      <a:lvl5pPr marL="3600176" algn="l" defTabSz="1800088" rtl="0" eaLnBrk="1" latinLnBrk="0" hangingPunct="1">
+        <a:defRPr sz="3543" kern="1200">
           <a:solidFill>
             <a:schemeClr val="tx1"/>
           </a:solidFill>
@@ -3345,8 +3350,8 @@
           <a:cs typeface="+mn-cs"/>
         </a:defRPr>
       </a:lvl5pPr>
-      <a:lvl6pPr marL="3599993" algn="l" defTabSz="1439997" rtl="0" eaLnBrk="1" latinLnBrk="0" hangingPunct="1">
-        <a:defRPr sz="2835" kern="1200">
+      <a:lvl6pPr marL="4500220" algn="l" defTabSz="1800088" rtl="0" eaLnBrk="1" latinLnBrk="0" hangingPunct="1">
+        <a:defRPr sz="3543" kern="1200">
           <a:solidFill>
             <a:schemeClr val="tx1"/>
           </a:solidFill>
@@ -3355,8 +3360,8 @@
           <a:cs typeface="+mn-cs"/>
         </a:defRPr>
       </a:lvl6pPr>
-      <a:lvl7pPr marL="4319991" algn="l" defTabSz="1439997" rtl="0" eaLnBrk="1" latinLnBrk="0" hangingPunct="1">
-        <a:defRPr sz="2835" kern="1200">
+      <a:lvl7pPr marL="5400264" algn="l" defTabSz="1800088" rtl="0" eaLnBrk="1" latinLnBrk="0" hangingPunct="1">
+        <a:defRPr sz="3543" kern="1200">
           <a:solidFill>
             <a:schemeClr val="tx1"/>
           </a:solidFill>
@@ -3365,8 +3370,8 @@
           <a:cs typeface="+mn-cs"/>
         </a:defRPr>
       </a:lvl7pPr>
-      <a:lvl8pPr marL="5039990" algn="l" defTabSz="1439997" rtl="0" eaLnBrk="1" latinLnBrk="0" hangingPunct="1">
-        <a:defRPr sz="2835" kern="1200">
+      <a:lvl8pPr marL="6300307" algn="l" defTabSz="1800088" rtl="0" eaLnBrk="1" latinLnBrk="0" hangingPunct="1">
+        <a:defRPr sz="3543" kern="1200">
           <a:solidFill>
             <a:schemeClr val="tx1"/>
           </a:solidFill>
@@ -3375,8 +3380,8 @@
           <a:cs typeface="+mn-cs"/>
         </a:defRPr>
       </a:lvl8pPr>
-      <a:lvl9pPr marL="5759988" algn="l" defTabSz="1439997" rtl="0" eaLnBrk="1" latinLnBrk="0" hangingPunct="1">
-        <a:defRPr sz="2835" kern="1200">
+      <a:lvl9pPr marL="7200351" algn="l" defTabSz="1800088" rtl="0" eaLnBrk="1" latinLnBrk="0" hangingPunct="1">
+        <a:defRPr sz="3543" kern="1200">
           <a:solidFill>
             <a:schemeClr val="tx1"/>
           </a:solidFill>
@@ -3409,10 +3414,10 @@
       </p:grpSpPr>
       <p:pic>
         <p:nvPicPr>
-          <p:cNvPr id="1040" name="Picture 1039" descr="A comparison of a graph&#10;&#10;Description automatically generated with medium confidence">
+          <p:cNvPr id="7" name="Picture 6" descr="A diagram of a number of red and black dots&#10;&#10;Description automatically generated with medium confidence">
             <a:extLst>
               <a:ext uri="{FF2B5EF4-FFF2-40B4-BE49-F238E27FC236}">
-                <a16:creationId xmlns:a16="http://schemas.microsoft.com/office/drawing/2014/main" id="{FF1A85A2-7899-3F8B-A101-E11FEC0D3BCD}"/>
+                <a16:creationId xmlns:a16="http://schemas.microsoft.com/office/drawing/2014/main" id="{20E4CED3-E53B-3B22-0EE6-EC62427395CE}"/>
               </a:ext>
             </a:extLst>
           </p:cNvPr>
@@ -3429,8 +3434,8 @@
         </p:blipFill>
         <p:spPr>
           <a:xfrm>
-            <a:off x="823369" y="10058400"/>
-            <a:ext cx="7796912" cy="3627730"/>
+            <a:off x="2030681" y="363551"/>
+            <a:ext cx="11702847" cy="4065943"/>
           </a:xfrm>
           <a:prstGeom prst="rect">
             <a:avLst/>
@@ -3439,49 +3444,32 @@
       </p:pic>
       <p:pic>
         <p:nvPicPr>
-          <p:cNvPr id="1026" name="Picture 2">
+          <p:cNvPr id="1052" name="Picture 1051" descr="A comparison of a graph&#10;&#10;Description automatically generated with medium confidence">
             <a:extLst>
               <a:ext uri="{FF2B5EF4-FFF2-40B4-BE49-F238E27FC236}">
-                <a16:creationId xmlns:a16="http://schemas.microsoft.com/office/drawing/2014/main" id="{B0FB43CD-9D3E-D297-F5AC-C1237D52BFBB}"/>
+                <a16:creationId xmlns:a16="http://schemas.microsoft.com/office/drawing/2014/main" id="{E1E79B07-2261-328E-1F10-033AE6B21CA1}"/>
               </a:ext>
             </a:extLst>
           </p:cNvPr>
           <p:cNvPicPr>
-            <a:picLocks noChangeAspect="1" noChangeArrowheads="1"/>
+            <a:picLocks noChangeAspect="1"/>
           </p:cNvPicPr>
           <p:nvPr/>
         </p:nvPicPr>
         <p:blipFill>
-          <a:blip r:embed="rId4">
-            <a:extLst>
-              <a:ext uri="{28A0092B-C50C-407E-A947-70E740481C1C}">
-                <a14:useLocalDpi xmlns:a14="http://schemas.microsoft.com/office/drawing/2010/main" val="0"/>
-              </a:ext>
-            </a:extLst>
-          </a:blip>
-          <a:srcRect/>
+          <a:blip r:embed="rId4"/>
           <a:stretch>
             <a:fillRect/>
           </a:stretch>
         </p:blipFill>
-        <p:spPr bwMode="auto">
-          <a:xfrm>
-            <a:off x="237038" y="343759"/>
-            <a:ext cx="11713710" cy="3904570"/>
+        <p:spPr>
+          <a:xfrm>
+            <a:off x="2576446" y="10035252"/>
+            <a:ext cx="7800454" cy="3629378"/>
           </a:xfrm>
           <a:prstGeom prst="rect">
             <a:avLst/>
           </a:prstGeom>
-          <a:noFill/>
-          <a:extLst>
-            <a:ext uri="{909E8E84-426E-40DD-AFC4-6F175D3DCCD1}">
-              <a14:hiddenFill xmlns:a14="http://schemas.microsoft.com/office/drawing/2010/main">
-                <a:solidFill>
-                  <a:srgbClr val="FFFFFF"/>
-                </a:solidFill>
-              </a14:hiddenFill>
-            </a:ext>
-          </a:extLst>
         </p:spPr>
       </p:pic>
       <p:pic>
@@ -3505,7 +3493,7 @@
         </p:blipFill>
         <p:spPr>
           <a:xfrm>
-            <a:off x="12065953" y="666385"/>
+            <a:off x="13866179" y="666385"/>
             <a:ext cx="1055915" cy="2573008"/>
           </a:xfrm>
           <a:prstGeom prst="rect">
@@ -3513,247 +3501,6 @@
           </a:prstGeom>
         </p:spPr>
       </p:pic>
-      <p:cxnSp>
-        <p:nvCxnSpPr>
-          <p:cNvPr id="11" name="Straight Connector 10">
-            <a:extLst>
-              <a:ext uri="{FF2B5EF4-FFF2-40B4-BE49-F238E27FC236}">
-                <a16:creationId xmlns:a16="http://schemas.microsoft.com/office/drawing/2014/main" id="{B644E749-EEE1-5D12-3943-628A874B5ABC}"/>
-              </a:ext>
-            </a:extLst>
-          </p:cNvPr>
-          <p:cNvCxnSpPr>
-            <a:cxnSpLocks/>
-          </p:cNvCxnSpPr>
-          <p:nvPr/>
-        </p:nvCxnSpPr>
-        <p:spPr>
-          <a:xfrm flipV="1">
-            <a:off x="8839201" y="1371600"/>
-            <a:ext cx="304799" cy="254000"/>
-          </a:xfrm>
-          <a:prstGeom prst="line">
-            <a:avLst/>
-          </a:prstGeom>
-          <a:ln w="19050">
-            <a:solidFill>
-              <a:schemeClr val="tx1"/>
-            </a:solidFill>
-          </a:ln>
-        </p:spPr>
-        <p:style>
-          <a:lnRef idx="1">
-            <a:schemeClr val="accent1"/>
-          </a:lnRef>
-          <a:fillRef idx="0">
-            <a:schemeClr val="accent1"/>
-          </a:fillRef>
-          <a:effectRef idx="0">
-            <a:schemeClr val="accent1"/>
-          </a:effectRef>
-          <a:fontRef idx="minor">
-            <a:schemeClr val="tx1"/>
-          </a:fontRef>
-        </p:style>
-      </p:cxnSp>
-      <p:sp>
-        <p:nvSpPr>
-          <p:cNvPr id="13" name="Oval 12">
-            <a:extLst>
-              <a:ext uri="{FF2B5EF4-FFF2-40B4-BE49-F238E27FC236}">
-                <a16:creationId xmlns:a16="http://schemas.microsoft.com/office/drawing/2014/main" id="{044F8B6F-19C5-04C0-40ED-715BA2AF3BE5}"/>
-              </a:ext>
-            </a:extLst>
-          </p:cNvPr>
-          <p:cNvSpPr/>
-          <p:nvPr/>
-        </p:nvSpPr>
-        <p:spPr>
-          <a:xfrm>
-            <a:off x="8373532" y="905932"/>
-            <a:ext cx="2133601" cy="355600"/>
-          </a:xfrm>
-          <a:prstGeom prst="ellipse">
-            <a:avLst/>
-          </a:prstGeom>
-          <a:noFill/>
-          <a:ln>
-            <a:noFill/>
-          </a:ln>
-        </p:spPr>
-        <p:style>
-          <a:lnRef idx="2">
-            <a:schemeClr val="accent1">
-              <a:shade val="50000"/>
-            </a:schemeClr>
-          </a:lnRef>
-          <a:fillRef idx="1">
-            <a:schemeClr val="accent1"/>
-          </a:fillRef>
-          <a:effectRef idx="0">
-            <a:schemeClr val="accent1"/>
-          </a:effectRef>
-          <a:fontRef idx="minor">
-            <a:schemeClr val="lt1"/>
-          </a:fontRef>
-        </p:style>
-        <p:txBody>
-          <a:bodyPr rtlCol="0" anchor="ctr"/>
-          <a:lstStyle/>
-          <a:p>
-            <a:pPr algn="ctr"/>
-            <a:r>
-              <a:rPr lang="en-US" sz="1200" dirty="0">
-                <a:solidFill>
-                  <a:sysClr val="windowText" lastClr="000000"/>
-                </a:solidFill>
-                <a:latin typeface="Arial" panose="020B0604020202020204" pitchFamily="34" charset="0"/>
-                <a:cs typeface="Arial" panose="020B0604020202020204" pitchFamily="34" charset="0"/>
-              </a:rPr>
-              <a:t>dispersal rate slower than velocity of climate change</a:t>
-            </a:r>
-          </a:p>
-        </p:txBody>
-      </p:sp>
-      <p:grpSp>
-        <p:nvGrpSpPr>
-          <p:cNvPr id="19" name="Group 18">
-            <a:extLst>
-              <a:ext uri="{FF2B5EF4-FFF2-40B4-BE49-F238E27FC236}">
-                <a16:creationId xmlns:a16="http://schemas.microsoft.com/office/drawing/2014/main" id="{25BC4768-79E8-26E3-3A49-9EDD1C877C2E}"/>
-              </a:ext>
-            </a:extLst>
-          </p:cNvPr>
-          <p:cNvGrpSpPr>
-            <a:grpSpLocks noChangeAspect="1"/>
-          </p:cNvGrpSpPr>
-          <p:nvPr/>
-        </p:nvGrpSpPr>
-        <p:grpSpPr>
-          <a:xfrm>
-            <a:off x="2575524" y="1087479"/>
-            <a:ext cx="1398165" cy="876788"/>
-            <a:chOff x="5869828" y="7444150"/>
-            <a:chExt cx="1260452" cy="757741"/>
-          </a:xfrm>
-        </p:grpSpPr>
-        <p:pic>
-          <p:nvPicPr>
-            <p:cNvPr id="20" name="Picture 19" descr="A screen shot of a graph&#10;&#10;Description automatically generated">
-              <a:extLst>
-                <a:ext uri="{FF2B5EF4-FFF2-40B4-BE49-F238E27FC236}">
-                  <a16:creationId xmlns:a16="http://schemas.microsoft.com/office/drawing/2014/main" id="{1D54C821-EA54-5B48-1325-C20C328AD53C}"/>
-                </a:ext>
-              </a:extLst>
-            </p:cNvPr>
-            <p:cNvPicPr>
-              <a:picLocks noChangeAspect="1"/>
-            </p:cNvPicPr>
-            <p:nvPr/>
-          </p:nvPicPr>
-          <p:blipFill rotWithShape="1">
-            <a:blip r:embed="rId5"/>
-            <a:srcRect l="27722" t="72304" r="21683" b="22117"/>
-            <a:stretch/>
-          </p:blipFill>
-          <p:spPr>
-            <a:xfrm>
-              <a:off x="5883879" y="7444150"/>
-              <a:ext cx="1246401" cy="240505"/>
-            </a:xfrm>
-            <a:prstGeom prst="rect">
-              <a:avLst/>
-            </a:prstGeom>
-          </p:spPr>
-        </p:pic>
-        <p:pic>
-          <p:nvPicPr>
-            <p:cNvPr id="21" name="Picture 20" descr="A screen shot of a graph&#10;&#10;Description automatically generated">
-              <a:extLst>
-                <a:ext uri="{FF2B5EF4-FFF2-40B4-BE49-F238E27FC236}">
-                  <a16:creationId xmlns:a16="http://schemas.microsoft.com/office/drawing/2014/main" id="{69F916DA-820C-CE06-0D42-B4285C52353B}"/>
-                </a:ext>
-              </a:extLst>
-            </p:cNvPr>
-            <p:cNvPicPr>
-              <a:picLocks noChangeAspect="1"/>
-            </p:cNvPicPr>
-            <p:nvPr/>
-          </p:nvPicPr>
-          <p:blipFill rotWithShape="1">
-            <a:blip r:embed="rId5"/>
-            <a:srcRect l="27722" t="93329" r="21683" b="2600"/>
-            <a:stretch/>
-          </p:blipFill>
-          <p:spPr>
-            <a:xfrm>
-              <a:off x="5869828" y="8026400"/>
-              <a:ext cx="1246401" cy="175491"/>
-            </a:xfrm>
-            <a:prstGeom prst="rect">
-              <a:avLst/>
-            </a:prstGeom>
-          </p:spPr>
-        </p:pic>
-        <p:pic>
-          <p:nvPicPr>
-            <p:cNvPr id="22" name="Picture 21" descr="A screen shot of a graph&#10;&#10;Description automatically generated">
-              <a:extLst>
-                <a:ext uri="{FF2B5EF4-FFF2-40B4-BE49-F238E27FC236}">
-                  <a16:creationId xmlns:a16="http://schemas.microsoft.com/office/drawing/2014/main" id="{2E521BF5-A9ED-64C8-9735-DC71C412D94D}"/>
-                </a:ext>
-              </a:extLst>
-            </p:cNvPr>
-            <p:cNvPicPr>
-              <a:picLocks noChangeAspect="1"/>
-            </p:cNvPicPr>
-            <p:nvPr/>
-          </p:nvPicPr>
-          <p:blipFill rotWithShape="1">
-            <a:blip r:embed="rId5"/>
-            <a:srcRect l="27722" t="78653" r="21683" b="16419"/>
-            <a:stretch/>
-          </p:blipFill>
-          <p:spPr>
-            <a:xfrm>
-              <a:off x="5883683" y="7610763"/>
-              <a:ext cx="1246401" cy="212437"/>
-            </a:xfrm>
-            <a:prstGeom prst="rect">
-              <a:avLst/>
-            </a:prstGeom>
-          </p:spPr>
-        </p:pic>
-        <p:pic>
-          <p:nvPicPr>
-            <p:cNvPr id="23" name="Picture 22" descr="A screen shot of a graph&#10;&#10;Description automatically generated">
-              <a:extLst>
-                <a:ext uri="{FF2B5EF4-FFF2-40B4-BE49-F238E27FC236}">
-                  <a16:creationId xmlns:a16="http://schemas.microsoft.com/office/drawing/2014/main" id="{4EBAE664-6E02-7996-BE44-EC06AB85EF3B}"/>
-                </a:ext>
-              </a:extLst>
-            </p:cNvPr>
-            <p:cNvPicPr>
-              <a:picLocks noChangeAspect="1"/>
-            </p:cNvPicPr>
-            <p:nvPr/>
-          </p:nvPicPr>
-          <p:blipFill rotWithShape="1">
-            <a:blip r:embed="rId5"/>
-            <a:srcRect l="27722" t="86580" r="21683" b="9564"/>
-            <a:stretch/>
-          </p:blipFill>
-          <p:spPr>
-            <a:xfrm>
-              <a:off x="5883683" y="7850910"/>
-              <a:ext cx="1246401" cy="166254"/>
-            </a:xfrm>
-            <a:prstGeom prst="rect">
-              <a:avLst/>
-            </a:prstGeom>
-          </p:spPr>
-        </p:pic>
-      </p:grpSp>
       <p:cxnSp>
         <p:nvCxnSpPr>
           <p:cNvPr id="24" name="Straight Connector 23">
@@ -3770,7 +3517,7 @@
         </p:nvCxnSpPr>
         <p:spPr>
           <a:xfrm flipV="1">
-            <a:off x="1147629" y="6388188"/>
+            <a:off x="2947855" y="6388189"/>
             <a:ext cx="2338447" cy="2260401"/>
           </a:xfrm>
           <a:prstGeom prst="line">
@@ -3816,7 +3563,7 @@
         </p:nvCxnSpPr>
         <p:spPr>
           <a:xfrm flipV="1">
-            <a:off x="4479965" y="6388188"/>
+            <a:off x="6280191" y="6388189"/>
             <a:ext cx="2338447" cy="2260401"/>
           </a:xfrm>
           <a:prstGeom prst="line">
@@ -3860,7 +3607,7 @@
         </p:nvSpPr>
         <p:spPr>
           <a:xfrm>
-            <a:off x="1057153" y="8928763"/>
+            <a:off x="2857379" y="8928763"/>
             <a:ext cx="2900153" cy="338554"/>
           </a:xfrm>
           <a:prstGeom prst="rect">
@@ -3900,7 +3647,7 @@
         </p:nvCxnSpPr>
         <p:spPr>
           <a:xfrm flipV="1">
-            <a:off x="2241066" y="7030716"/>
+            <a:off x="4041291" y="7030717"/>
             <a:ext cx="562778" cy="562105"/>
           </a:xfrm>
           <a:prstGeom prst="line">
@@ -3943,7 +3690,7 @@
         </p:nvCxnSpPr>
         <p:spPr>
           <a:xfrm>
-            <a:off x="2801177" y="7044217"/>
+            <a:off x="4601402" y="7044217"/>
             <a:ext cx="1018602" cy="0"/>
           </a:xfrm>
           <a:prstGeom prst="line">
@@ -3986,7 +3733,7 @@
         </p:nvCxnSpPr>
         <p:spPr>
           <a:xfrm flipV="1">
-            <a:off x="1159129" y="7551575"/>
+            <a:off x="2959354" y="7551575"/>
             <a:ext cx="1119260" cy="1112760"/>
           </a:xfrm>
           <a:prstGeom prst="line">
@@ -4029,7 +3776,7 @@
         </p:nvCxnSpPr>
         <p:spPr>
           <a:xfrm>
-            <a:off x="2259097" y="7563712"/>
+            <a:off x="4059322" y="7563712"/>
             <a:ext cx="1547982" cy="0"/>
           </a:xfrm>
           <a:prstGeom prst="line">
@@ -4072,7 +3819,7 @@
         </p:nvCxnSpPr>
         <p:spPr>
           <a:xfrm flipV="1">
-            <a:off x="1141758" y="8118734"/>
+            <a:off x="2941983" y="8118735"/>
             <a:ext cx="562490" cy="561187"/>
           </a:xfrm>
           <a:prstGeom prst="line">
@@ -4115,7 +3862,7 @@
         </p:nvCxnSpPr>
         <p:spPr>
           <a:xfrm>
-            <a:off x="1705440" y="8132800"/>
+            <a:off x="3505666" y="8132800"/>
             <a:ext cx="2088939" cy="0"/>
           </a:xfrm>
           <a:prstGeom prst="line">
@@ -4156,7 +3903,7 @@
         </p:nvSpPr>
         <p:spPr>
           <a:xfrm>
-            <a:off x="831551" y="5699627"/>
+            <a:off x="2631776" y="5699627"/>
             <a:ext cx="269626" cy="2677656"/>
           </a:xfrm>
           <a:prstGeom prst="rect">
@@ -4281,7 +4028,7 @@
         </p:nvSpPr>
         <p:spPr>
           <a:xfrm>
-            <a:off x="1608984" y="8709044"/>
+            <a:off x="3409210" y="8709045"/>
             <a:ext cx="2891743" cy="276999"/>
           </a:xfrm>
           <a:prstGeom prst="rect">
@@ -4319,7 +4066,7 @@
         </p:nvSpPr>
         <p:spPr>
           <a:xfrm>
-            <a:off x="1080100" y="6129036"/>
+            <a:off x="2846459" y="6117213"/>
             <a:ext cx="569481" cy="338554"/>
           </a:xfrm>
           <a:prstGeom prst="rect">
@@ -4338,7 +4085,7 @@
               <a:rPr lang="en-US" sz="1600" dirty="0">
                 <a:solidFill>
                   <a:schemeClr val="bg2">
-                    <a:lumMod val="50000"/>
+                    <a:lumMod val="75000"/>
                   </a:schemeClr>
                 </a:solidFill>
                 <a:latin typeface="Arial" panose="020B0604020202020204" pitchFamily="34" charset="0"/>
@@ -4363,7 +4110,7 @@
         </p:nvSpPr>
         <p:spPr>
           <a:xfrm>
-            <a:off x="1749252" y="7954656"/>
+            <a:off x="3549478" y="7954657"/>
             <a:ext cx="141515" cy="130629"/>
           </a:xfrm>
           <a:prstGeom prst="ellipse">
@@ -4423,7 +4170,7 @@
         </p:nvSpPr>
         <p:spPr>
           <a:xfrm>
-            <a:off x="2602253" y="7093582"/>
+            <a:off x="4402479" y="7093583"/>
             <a:ext cx="141515" cy="130629"/>
           </a:xfrm>
           <a:prstGeom prst="ellipse">
@@ -4483,7 +4230,7 @@
         </p:nvSpPr>
         <p:spPr>
           <a:xfrm>
-            <a:off x="3248489" y="6982791"/>
+            <a:off x="5048715" y="6982792"/>
             <a:ext cx="141515" cy="130629"/>
           </a:xfrm>
           <a:prstGeom prst="ellipse">
@@ -4543,7 +4290,7 @@
         </p:nvSpPr>
         <p:spPr>
           <a:xfrm>
-            <a:off x="2315326" y="7397557"/>
+            <a:off x="4115552" y="7397558"/>
             <a:ext cx="141515" cy="130629"/>
           </a:xfrm>
           <a:prstGeom prst="ellipse">
@@ -4605,7 +4352,7 @@
         </p:nvCxnSpPr>
         <p:spPr>
           <a:xfrm>
-            <a:off x="4423062" y="6220740"/>
+            <a:off x="6223287" y="6220741"/>
             <a:ext cx="0" cy="2491683"/>
           </a:xfrm>
           <a:prstGeom prst="line">
@@ -4648,7 +4395,7 @@
         </p:nvCxnSpPr>
         <p:spPr>
           <a:xfrm flipH="1">
-            <a:off x="4433948" y="8701537"/>
+            <a:off x="6234173" y="8701537"/>
             <a:ext cx="2660360" cy="0"/>
           </a:xfrm>
           <a:prstGeom prst="line">
@@ -4689,7 +4436,7 @@
         </p:nvSpPr>
         <p:spPr>
           <a:xfrm>
-            <a:off x="4006725" y="8910867"/>
+            <a:off x="5806951" y="8910868"/>
             <a:ext cx="3610227" cy="584775"/>
           </a:xfrm>
           <a:prstGeom prst="rect">
@@ -4728,7 +4475,7 @@
         </p:nvSpPr>
         <p:spPr>
           <a:xfrm>
-            <a:off x="4117021" y="5713755"/>
+            <a:off x="5917246" y="5713755"/>
             <a:ext cx="269626" cy="2677656"/>
           </a:xfrm>
           <a:prstGeom prst="rect">
@@ -4853,7 +4600,7 @@
         </p:nvSpPr>
         <p:spPr>
           <a:xfrm>
-            <a:off x="4894454" y="8723172"/>
+            <a:off x="6694680" y="8723173"/>
             <a:ext cx="2891743" cy="276999"/>
           </a:xfrm>
           <a:prstGeom prst="rect">
@@ -4891,7 +4638,7 @@
         </p:nvSpPr>
         <p:spPr>
           <a:xfrm>
-            <a:off x="4372403" y="6139257"/>
+            <a:off x="6138762" y="6117213"/>
             <a:ext cx="569481" cy="338554"/>
           </a:xfrm>
           <a:prstGeom prst="rect">
@@ -4910,7 +4657,7 @@
               <a:rPr lang="en-US" sz="1600" dirty="0">
                 <a:solidFill>
                   <a:schemeClr val="bg2">
-                    <a:lumMod val="50000"/>
+                    <a:lumMod val="75000"/>
                   </a:schemeClr>
                 </a:solidFill>
                 <a:latin typeface="Arial" panose="020B0604020202020204" pitchFamily="34" charset="0"/>
@@ -4935,7 +4682,7 @@
         </p:nvSpPr>
         <p:spPr>
           <a:xfrm>
-            <a:off x="2107488" y="7592821"/>
+            <a:off x="3907714" y="7592822"/>
             <a:ext cx="141515" cy="130629"/>
           </a:xfrm>
           <a:prstGeom prst="ellipse">
@@ -4995,7 +4742,7 @@
         </p:nvSpPr>
         <p:spPr>
           <a:xfrm>
-            <a:off x="1940324" y="7773796"/>
+            <a:off x="3740550" y="7773797"/>
             <a:ext cx="141515" cy="130629"/>
           </a:xfrm>
           <a:prstGeom prst="ellipse">
@@ -5055,7 +4802,7 @@
         </p:nvSpPr>
         <p:spPr>
           <a:xfrm>
-            <a:off x="1196208" y="8483414"/>
+            <a:off x="2996434" y="8483415"/>
             <a:ext cx="141515" cy="130629"/>
           </a:xfrm>
           <a:prstGeom prst="ellipse">
@@ -5115,7 +4862,7 @@
         </p:nvSpPr>
         <p:spPr>
           <a:xfrm>
-            <a:off x="1443606" y="8235764"/>
+            <a:off x="3243832" y="8235765"/>
             <a:ext cx="141515" cy="130629"/>
           </a:xfrm>
           <a:prstGeom prst="ellipse">
@@ -5175,7 +4922,7 @@
         </p:nvSpPr>
         <p:spPr>
           <a:xfrm>
-            <a:off x="2723698" y="7491384"/>
+            <a:off x="4523924" y="7491385"/>
             <a:ext cx="141515" cy="130629"/>
           </a:xfrm>
           <a:prstGeom prst="ellipse">
@@ -5233,7 +4980,7 @@
         </p:nvSpPr>
         <p:spPr>
           <a:xfrm>
-            <a:off x="3121425" y="7497253"/>
+            <a:off x="4921651" y="7497254"/>
             <a:ext cx="141515" cy="130629"/>
           </a:xfrm>
           <a:prstGeom prst="ellipse">
@@ -5291,7 +5038,7 @@
         </p:nvSpPr>
         <p:spPr>
           <a:xfrm>
-            <a:off x="3597210" y="7495101"/>
+            <a:off x="5397436" y="7495102"/>
             <a:ext cx="141515" cy="130629"/>
           </a:xfrm>
           <a:prstGeom prst="ellipse">
@@ -5349,7 +5096,7 @@
         </p:nvSpPr>
         <p:spPr>
           <a:xfrm>
-            <a:off x="2088079" y="8070137"/>
+            <a:off x="3888305" y="8070138"/>
             <a:ext cx="141515" cy="130629"/>
           </a:xfrm>
           <a:prstGeom prst="ellipse">
@@ -5407,7 +5154,7 @@
         </p:nvSpPr>
         <p:spPr>
           <a:xfrm>
-            <a:off x="2627054" y="8063813"/>
+            <a:off x="4427280" y="8063814"/>
             <a:ext cx="141515" cy="130629"/>
           </a:xfrm>
           <a:prstGeom prst="ellipse">
@@ -5465,7 +5212,7 @@
         </p:nvSpPr>
         <p:spPr>
           <a:xfrm>
-            <a:off x="3429942" y="8058533"/>
+            <a:off x="5230168" y="8058534"/>
             <a:ext cx="141515" cy="130629"/>
           </a:xfrm>
           <a:prstGeom prst="ellipse">
@@ -5525,7 +5272,7 @@
         </p:nvCxnSpPr>
         <p:spPr>
           <a:xfrm flipH="1">
-            <a:off x="1148478" y="8687409"/>
+            <a:off x="2948704" y="8687409"/>
             <a:ext cx="2645901" cy="0"/>
           </a:xfrm>
           <a:prstGeom prst="line">
@@ -5568,7 +5315,7 @@
         </p:nvCxnSpPr>
         <p:spPr>
           <a:xfrm>
-            <a:off x="1137592" y="6194185"/>
+            <a:off x="2937817" y="6194185"/>
             <a:ext cx="0" cy="2504110"/>
           </a:xfrm>
           <a:prstGeom prst="line">
@@ -5609,7 +5356,7 @@
         </p:nvSpPr>
         <p:spPr>
           <a:xfrm>
-            <a:off x="2632875" y="6101008"/>
+            <a:off x="3749812" y="6362265"/>
             <a:ext cx="2032232" cy="338554"/>
           </a:xfrm>
           <a:prstGeom prst="rect">
@@ -5628,7 +5375,7 @@
               <a:rPr lang="en-US" sz="1600" i="1" dirty="0">
                 <a:solidFill>
                   <a:schemeClr val="bg2">
-                    <a:lumMod val="50000"/>
+                    <a:lumMod val="75000"/>
                   </a:schemeClr>
                 </a:solidFill>
                 <a:latin typeface="Arial" panose="020B0604020202020204" pitchFamily="34" charset="0"/>
@@ -5653,7 +5400,7 @@
         </p:nvSpPr>
         <p:spPr>
           <a:xfrm rot="16200000">
-            <a:off x="-770226" y="7277521"/>
+            <a:off x="1029999" y="7277521"/>
             <a:ext cx="2900904" cy="338554"/>
           </a:xfrm>
           <a:prstGeom prst="rect">
@@ -5692,7 +5439,7 @@
         </p:nvSpPr>
         <p:spPr>
           <a:xfrm>
-            <a:off x="3177124" y="5780322"/>
+            <a:off x="4977350" y="5780323"/>
             <a:ext cx="141515" cy="130629"/>
           </a:xfrm>
           <a:prstGeom prst="ellipse">
@@ -5752,7 +5499,7 @@
         </p:nvSpPr>
         <p:spPr>
           <a:xfrm>
-            <a:off x="7250629" y="6158783"/>
+            <a:off x="9050855" y="6158783"/>
             <a:ext cx="1157743" cy="1077218"/>
           </a:xfrm>
           <a:prstGeom prst="rect">
@@ -5801,7 +5548,7 @@
         </p:nvSpPr>
         <p:spPr>
           <a:xfrm>
-            <a:off x="8004231" y="7200498"/>
+            <a:off x="9804456" y="7200498"/>
             <a:ext cx="269626" cy="1754326"/>
           </a:xfrm>
           <a:prstGeom prst="rect">
@@ -5901,7 +5648,7 @@
         </p:blipFill>
         <p:spPr>
           <a:xfrm>
-            <a:off x="7631914" y="7233683"/>
+            <a:off x="9432140" y="7233684"/>
             <a:ext cx="347241" cy="1576661"/>
           </a:xfrm>
           <a:prstGeom prst="rect">
@@ -5909,247 +5656,6 @@
           </a:prstGeom>
         </p:spPr>
       </p:pic>
-      <p:cxnSp>
-        <p:nvCxnSpPr>
-          <p:cNvPr id="1043" name="Straight Connector 1042">
-            <a:extLst>
-              <a:ext uri="{FF2B5EF4-FFF2-40B4-BE49-F238E27FC236}">
-                <a16:creationId xmlns:a16="http://schemas.microsoft.com/office/drawing/2014/main" id="{D26D799E-7A2C-9B97-585D-BB748A35533B}"/>
-              </a:ext>
-            </a:extLst>
-          </p:cNvPr>
-          <p:cNvCxnSpPr>
-            <a:cxnSpLocks/>
-          </p:cNvCxnSpPr>
-          <p:nvPr/>
-        </p:nvCxnSpPr>
-        <p:spPr>
-          <a:xfrm flipV="1">
-            <a:off x="2018914" y="7280299"/>
-            <a:ext cx="0" cy="497211"/>
-          </a:xfrm>
-          <a:prstGeom prst="line">
-            <a:avLst/>
-          </a:prstGeom>
-          <a:ln w="19050">
-            <a:solidFill>
-              <a:schemeClr val="tx1"/>
-            </a:solidFill>
-          </a:ln>
-        </p:spPr>
-        <p:style>
-          <a:lnRef idx="1">
-            <a:schemeClr val="accent1"/>
-          </a:lnRef>
-          <a:fillRef idx="0">
-            <a:schemeClr val="accent1"/>
-          </a:fillRef>
-          <a:effectRef idx="0">
-            <a:schemeClr val="accent1"/>
-          </a:effectRef>
-          <a:fontRef idx="minor">
-            <a:schemeClr val="tx1"/>
-          </a:fontRef>
-        </p:style>
-      </p:cxnSp>
-      <p:sp>
-        <p:nvSpPr>
-          <p:cNvPr id="1044" name="Oval 1043">
-            <a:extLst>
-              <a:ext uri="{FF2B5EF4-FFF2-40B4-BE49-F238E27FC236}">
-                <a16:creationId xmlns:a16="http://schemas.microsoft.com/office/drawing/2014/main" id="{F8E8711A-24F1-A5FF-40E4-B7A5E16F723A}"/>
-              </a:ext>
-            </a:extLst>
-          </p:cNvPr>
-          <p:cNvSpPr/>
-          <p:nvPr/>
-        </p:nvSpPr>
-        <p:spPr>
-          <a:xfrm>
-            <a:off x="959103" y="6683087"/>
-            <a:ext cx="1979542" cy="355600"/>
-          </a:xfrm>
-          <a:prstGeom prst="ellipse">
-            <a:avLst/>
-          </a:prstGeom>
-          <a:noFill/>
-          <a:ln>
-            <a:noFill/>
-          </a:ln>
-        </p:spPr>
-        <p:style>
-          <a:lnRef idx="2">
-            <a:schemeClr val="accent1">
-              <a:shade val="50000"/>
-            </a:schemeClr>
-          </a:lnRef>
-          <a:fillRef idx="1">
-            <a:schemeClr val="accent1"/>
-          </a:fillRef>
-          <a:effectRef idx="0">
-            <a:schemeClr val="accent1"/>
-          </a:effectRef>
-          <a:fontRef idx="minor">
-            <a:schemeClr val="lt1"/>
-          </a:fontRef>
-        </p:style>
-        <p:txBody>
-          <a:bodyPr rtlCol="0" anchor="ctr"/>
-          <a:lstStyle/>
-          <a:p>
-            <a:pPr algn="ctr"/>
-            <a:r>
-              <a:rPr lang="en-US" sz="1200" dirty="0">
-                <a:solidFill>
-                  <a:sysClr val="windowText" lastClr="000000"/>
-                </a:solidFill>
-                <a:latin typeface="Arial" panose="020B0604020202020204" pitchFamily="34" charset="0"/>
-                <a:cs typeface="Arial" panose="020B0604020202020204" pitchFamily="34" charset="0"/>
-              </a:rPr>
-              <a:t>dispersal rate slower than velocity of climate change</a:t>
-            </a:r>
-          </a:p>
-        </p:txBody>
-      </p:sp>
-      <p:grpSp>
-        <p:nvGrpSpPr>
-          <p:cNvPr id="12" name="Group 11">
-            <a:extLst>
-              <a:ext uri="{FF2B5EF4-FFF2-40B4-BE49-F238E27FC236}">
-                <a16:creationId xmlns:a16="http://schemas.microsoft.com/office/drawing/2014/main" id="{A5FB4D58-FC66-F896-CF6B-3B962A3E18F9}"/>
-              </a:ext>
-            </a:extLst>
-          </p:cNvPr>
-          <p:cNvGrpSpPr>
-            <a:grpSpLocks noChangeAspect="1"/>
-          </p:cNvGrpSpPr>
-          <p:nvPr/>
-        </p:nvGrpSpPr>
-        <p:grpSpPr>
-          <a:xfrm>
-            <a:off x="7163475" y="12072593"/>
-            <a:ext cx="1264600" cy="856599"/>
-            <a:chOff x="5869828" y="7444150"/>
-            <a:chExt cx="1140042" cy="740293"/>
-          </a:xfrm>
-        </p:grpSpPr>
-        <p:pic>
-          <p:nvPicPr>
-            <p:cNvPr id="14" name="Picture 13" descr="A screen shot of a graph&#10;&#10;Description automatically generated">
-              <a:extLst>
-                <a:ext uri="{FF2B5EF4-FFF2-40B4-BE49-F238E27FC236}">
-                  <a16:creationId xmlns:a16="http://schemas.microsoft.com/office/drawing/2014/main" id="{B86A652C-1BCA-3CC3-38A4-4F0FB69B6AD7}"/>
-                </a:ext>
-              </a:extLst>
-            </p:cNvPr>
-            <p:cNvPicPr>
-              <a:picLocks noChangeAspect="1"/>
-            </p:cNvPicPr>
-            <p:nvPr/>
-          </p:nvPicPr>
-          <p:blipFill rotWithShape="1">
-            <a:blip r:embed="rId5"/>
-            <a:srcRect l="27722" t="72304" r="39800" b="22886"/>
-            <a:stretch/>
-          </p:blipFill>
-          <p:spPr>
-            <a:xfrm>
-              <a:off x="5883879" y="7444150"/>
-              <a:ext cx="800093" cy="207337"/>
-            </a:xfrm>
-            <a:prstGeom prst="rect">
-              <a:avLst/>
-            </a:prstGeom>
-          </p:spPr>
-        </p:pic>
-        <p:pic>
-          <p:nvPicPr>
-            <p:cNvPr id="15" name="Picture 14" descr="A screen shot of a graph&#10;&#10;Description automatically generated">
-              <a:extLst>
-                <a:ext uri="{FF2B5EF4-FFF2-40B4-BE49-F238E27FC236}">
-                  <a16:creationId xmlns:a16="http://schemas.microsoft.com/office/drawing/2014/main" id="{BB2F547D-38E3-FDA3-E768-B7C41DEA27D5}"/>
-                </a:ext>
-              </a:extLst>
-            </p:cNvPr>
-            <p:cNvPicPr>
-              <a:picLocks noChangeAspect="1"/>
-            </p:cNvPicPr>
-            <p:nvPr/>
-          </p:nvPicPr>
-          <p:blipFill rotWithShape="1">
-            <a:blip r:embed="rId5"/>
-            <a:srcRect l="27722" t="93329" r="26778" b="3004"/>
-            <a:stretch/>
-          </p:blipFill>
-          <p:spPr>
-            <a:xfrm>
-              <a:off x="5869828" y="8026400"/>
-              <a:ext cx="1120872" cy="158043"/>
-            </a:xfrm>
-            <a:prstGeom prst="rect">
-              <a:avLst/>
-            </a:prstGeom>
-          </p:spPr>
-        </p:pic>
-        <p:pic>
-          <p:nvPicPr>
-            <p:cNvPr id="16" name="Picture 15" descr="A screen shot of a graph&#10;&#10;Description automatically generated">
-              <a:extLst>
-                <a:ext uri="{FF2B5EF4-FFF2-40B4-BE49-F238E27FC236}">
-                  <a16:creationId xmlns:a16="http://schemas.microsoft.com/office/drawing/2014/main" id="{095587C2-E713-4982-0D23-2BC596E76787}"/>
-                </a:ext>
-              </a:extLst>
-            </p:cNvPr>
-            <p:cNvPicPr>
-              <a:picLocks noChangeAspect="1"/>
-            </p:cNvPicPr>
-            <p:nvPr/>
-          </p:nvPicPr>
-          <p:blipFill rotWithShape="1">
-            <a:blip r:embed="rId5"/>
-            <a:srcRect l="27722" t="78653" r="26563" b="16708"/>
-            <a:stretch/>
-          </p:blipFill>
-          <p:spPr>
-            <a:xfrm>
-              <a:off x="5883683" y="7610764"/>
-              <a:ext cx="1126187" cy="199999"/>
-            </a:xfrm>
-            <a:prstGeom prst="rect">
-              <a:avLst/>
-            </a:prstGeom>
-          </p:spPr>
-        </p:pic>
-        <p:pic>
-          <p:nvPicPr>
-            <p:cNvPr id="17" name="Picture 16" descr="A screen shot of a graph&#10;&#10;Description automatically generated">
-              <a:extLst>
-                <a:ext uri="{FF2B5EF4-FFF2-40B4-BE49-F238E27FC236}">
-                  <a16:creationId xmlns:a16="http://schemas.microsoft.com/office/drawing/2014/main" id="{893F0C63-169B-459F-1620-5863C75E0E62}"/>
-                </a:ext>
-              </a:extLst>
-            </p:cNvPr>
-            <p:cNvPicPr>
-              <a:picLocks noChangeAspect="1"/>
-            </p:cNvPicPr>
-            <p:nvPr/>
-          </p:nvPicPr>
-          <p:blipFill rotWithShape="1">
-            <a:blip r:embed="rId5"/>
-            <a:srcRect l="27723" t="86580" r="35122" b="10089"/>
-            <a:stretch/>
-          </p:blipFill>
-          <p:spPr>
-            <a:xfrm>
-              <a:off x="5883684" y="7850910"/>
-              <a:ext cx="915310" cy="143630"/>
-            </a:xfrm>
-            <a:prstGeom prst="rect">
-              <a:avLst/>
-            </a:prstGeom>
-          </p:spPr>
-        </p:pic>
-      </p:grpSp>
       <p:pic>
         <p:nvPicPr>
           <p:cNvPr id="1041" name="Picture 1040">
@@ -6172,7 +5678,7 @@
         </p:blipFill>
         <p:spPr>
           <a:xfrm>
-            <a:off x="8676008" y="10405406"/>
+            <a:off x="10476234" y="10405407"/>
             <a:ext cx="1004705" cy="2466095"/>
           </a:xfrm>
           <a:prstGeom prst="rect">
@@ -6194,7 +5700,7 @@
         </p:nvSpPr>
         <p:spPr>
           <a:xfrm>
-            <a:off x="736112" y="420568"/>
+            <a:off x="2484857" y="409168"/>
             <a:ext cx="569481" cy="338554"/>
           </a:xfrm>
           <a:prstGeom prst="rect">
@@ -6213,7 +5719,7 @@
               <a:rPr lang="en-US" sz="1600" dirty="0">
                 <a:solidFill>
                   <a:schemeClr val="bg2">
-                    <a:lumMod val="50000"/>
+                    <a:lumMod val="75000"/>
                   </a:schemeClr>
                 </a:solidFill>
                 <a:latin typeface="Arial" panose="020B0604020202020204" pitchFamily="34" charset="0"/>
@@ -6238,7 +5744,7 @@
         </p:nvSpPr>
         <p:spPr>
           <a:xfrm>
-            <a:off x="4672849" y="465623"/>
+            <a:off x="6388968" y="409168"/>
             <a:ext cx="569481" cy="338554"/>
           </a:xfrm>
           <a:prstGeom prst="rect">
@@ -6257,7 +5763,7 @@
               <a:rPr lang="en-US" sz="1600" dirty="0">
                 <a:solidFill>
                   <a:schemeClr val="bg2">
-                    <a:lumMod val="50000"/>
+                    <a:lumMod val="75000"/>
                   </a:schemeClr>
                 </a:solidFill>
                 <a:latin typeface="Arial" panose="020B0604020202020204" pitchFamily="34" charset="0"/>
@@ -6282,7 +5788,7 @@
         </p:nvSpPr>
         <p:spPr>
           <a:xfrm>
-            <a:off x="207538" y="1080517"/>
+            <a:off x="2007763" y="1080517"/>
             <a:ext cx="2032232" cy="338554"/>
           </a:xfrm>
           <a:prstGeom prst="rect">
@@ -6301,7 +5807,7 @@
               <a:rPr lang="en-US" sz="1600" i="1" dirty="0">
                 <a:solidFill>
                   <a:schemeClr val="bg2">
-                    <a:lumMod val="50000"/>
+                    <a:lumMod val="75000"/>
                   </a:schemeClr>
                 </a:solidFill>
                 <a:latin typeface="Arial" panose="020B0604020202020204" pitchFamily="34" charset="0"/>
@@ -6326,7 +5832,7 @@
         </p:nvSpPr>
         <p:spPr>
           <a:xfrm>
-            <a:off x="8543809" y="443851"/>
+            <a:off x="10290072" y="409168"/>
             <a:ext cx="569481" cy="338554"/>
           </a:xfrm>
           <a:prstGeom prst="rect">
@@ -6345,57 +5851,13 @@
               <a:rPr lang="en-US" sz="1600" dirty="0">
                 <a:solidFill>
                   <a:schemeClr val="bg2">
-                    <a:lumMod val="50000"/>
+                    <a:lumMod val="75000"/>
                   </a:schemeClr>
                 </a:solidFill>
                 <a:latin typeface="Arial" panose="020B0604020202020204" pitchFamily="34" charset="0"/>
                 <a:cs typeface="Arial" panose="020B0604020202020204" pitchFamily="34" charset="0"/>
               </a:rPr>
               <a:t>c)</a:t>
-            </a:r>
-          </a:p>
-        </p:txBody>
-      </p:sp>
-      <p:sp>
-        <p:nvSpPr>
-          <p:cNvPr id="1048" name="TextBox 1047">
-            <a:extLst>
-              <a:ext uri="{FF2B5EF4-FFF2-40B4-BE49-F238E27FC236}">
-                <a16:creationId xmlns:a16="http://schemas.microsoft.com/office/drawing/2014/main" id="{3CE966C0-9D84-B761-9D5C-FB4CD6D914F0}"/>
-              </a:ext>
-            </a:extLst>
-          </p:cNvPr>
-          <p:cNvSpPr txBox="1"/>
-          <p:nvPr/>
-        </p:nvSpPr>
-        <p:spPr>
-          <a:xfrm>
-            <a:off x="1297586" y="10150105"/>
-            <a:ext cx="569481" cy="338554"/>
-          </a:xfrm>
-          <a:prstGeom prst="rect">
-            <a:avLst/>
-          </a:prstGeom>
-          <a:noFill/>
-        </p:spPr>
-        <p:txBody>
-          <a:bodyPr wrap="square" rtlCol="0">
-            <a:spAutoFit/>
-          </a:bodyPr>
-          <a:lstStyle/>
-          <a:p>
-            <a:pPr algn="ctr"/>
-            <a:r>
-              <a:rPr lang="en-US" sz="1600" dirty="0">
-                <a:solidFill>
-                  <a:schemeClr val="bg2">
-                    <a:lumMod val="50000"/>
-                  </a:schemeClr>
-                </a:solidFill>
-                <a:latin typeface="Arial" panose="020B0604020202020204" pitchFamily="34" charset="0"/>
-                <a:cs typeface="Arial" panose="020B0604020202020204" pitchFamily="34" charset="0"/>
-              </a:rPr>
-              <a:t>a)</a:t>
             </a:r>
           </a:p>
         </p:txBody>
@@ -6414,7 +5876,7 @@
         </p:nvSpPr>
         <p:spPr>
           <a:xfrm>
-            <a:off x="5234323" y="10195160"/>
+            <a:off x="6962630" y="10121354"/>
             <a:ext cx="569481" cy="338554"/>
           </a:xfrm>
           <a:prstGeom prst="rect">
@@ -6433,7 +5895,7 @@
               <a:rPr lang="en-US" sz="1600" dirty="0">
                 <a:solidFill>
                   <a:schemeClr val="bg2">
-                    <a:lumMod val="50000"/>
+                    <a:lumMod val="75000"/>
                   </a:schemeClr>
                 </a:solidFill>
                 <a:latin typeface="Arial" panose="020B0604020202020204" pitchFamily="34" charset="0"/>
@@ -6458,7 +5920,7 @@
         </p:nvSpPr>
         <p:spPr>
           <a:xfrm>
-            <a:off x="3147962" y="11569223"/>
+            <a:off x="4948187" y="11569223"/>
             <a:ext cx="2032232" cy="338554"/>
           </a:xfrm>
           <a:prstGeom prst="rect">
@@ -6477,7 +5939,7 @@
               <a:rPr lang="en-US" sz="1600" i="1" dirty="0">
                 <a:solidFill>
                   <a:schemeClr val="bg2">
-                    <a:lumMod val="50000"/>
+                    <a:lumMod val="75000"/>
                   </a:schemeClr>
                 </a:solidFill>
                 <a:latin typeface="Arial" panose="020B0604020202020204" pitchFamily="34" charset="0"/>
@@ -6502,7 +5964,7 @@
         </p:nvSpPr>
         <p:spPr>
           <a:xfrm>
-            <a:off x="5049701" y="7967453"/>
+            <a:off x="6849927" y="7967454"/>
             <a:ext cx="141515" cy="130629"/>
           </a:xfrm>
           <a:prstGeom prst="ellipse">
@@ -6562,7 +6024,7 @@
         </p:nvSpPr>
         <p:spPr>
           <a:xfrm>
-            <a:off x="5902702" y="7106379"/>
+            <a:off x="7702928" y="7106380"/>
             <a:ext cx="141515" cy="130629"/>
           </a:xfrm>
           <a:prstGeom prst="ellipse">
@@ -6622,7 +6084,7 @@
         </p:nvSpPr>
         <p:spPr>
           <a:xfrm>
-            <a:off x="6032409" y="6995588"/>
+            <a:off x="7832635" y="6995589"/>
             <a:ext cx="141515" cy="130629"/>
           </a:xfrm>
           <a:prstGeom prst="ellipse">
@@ -6682,7 +6144,7 @@
         </p:nvSpPr>
         <p:spPr>
           <a:xfrm>
-            <a:off x="5615775" y="7410354"/>
+            <a:off x="7416001" y="7410355"/>
             <a:ext cx="141515" cy="130629"/>
           </a:xfrm>
           <a:prstGeom prst="ellipse">
@@ -6742,7 +6204,7 @@
         </p:nvSpPr>
         <p:spPr>
           <a:xfrm>
-            <a:off x="5407937" y="7605618"/>
+            <a:off x="7208163" y="7605619"/>
             <a:ext cx="141515" cy="130629"/>
           </a:xfrm>
           <a:prstGeom prst="ellipse">
@@ -6802,7 +6264,7 @@
         </p:nvSpPr>
         <p:spPr>
           <a:xfrm>
-            <a:off x="5240773" y="7786593"/>
+            <a:off x="7040999" y="7786594"/>
             <a:ext cx="141515" cy="130629"/>
           </a:xfrm>
           <a:prstGeom prst="ellipse">
@@ -6862,7 +6324,7 @@
         </p:nvSpPr>
         <p:spPr>
           <a:xfrm>
-            <a:off x="4496657" y="8496211"/>
+            <a:off x="6296883" y="8496212"/>
             <a:ext cx="141515" cy="130629"/>
           </a:xfrm>
           <a:prstGeom prst="ellipse">
@@ -6922,7 +6384,7 @@
         </p:nvSpPr>
         <p:spPr>
           <a:xfrm>
-            <a:off x="4744055" y="8248561"/>
+            <a:off x="6544281" y="8248562"/>
             <a:ext cx="141515" cy="130629"/>
           </a:xfrm>
           <a:prstGeom prst="ellipse">
@@ -6982,7 +6444,7 @@
         </p:nvSpPr>
         <p:spPr>
           <a:xfrm>
-            <a:off x="5507618" y="7504181"/>
+            <a:off x="7307844" y="7504182"/>
             <a:ext cx="141515" cy="130629"/>
           </a:xfrm>
           <a:prstGeom prst="ellipse">
@@ -7040,7 +6502,7 @@
         </p:nvSpPr>
         <p:spPr>
           <a:xfrm>
-            <a:off x="4927841" y="8082934"/>
+            <a:off x="6728067" y="8082935"/>
             <a:ext cx="141515" cy="130629"/>
           </a:xfrm>
           <a:prstGeom prst="ellipse">
@@ -7084,6 +6546,1829 @@
           </a:p>
         </p:txBody>
       </p:sp>
+      <p:grpSp>
+        <p:nvGrpSpPr>
+          <p:cNvPr id="5" name="Group 4">
+            <a:extLst>
+              <a:ext uri="{FF2B5EF4-FFF2-40B4-BE49-F238E27FC236}">
+                <a16:creationId xmlns:a16="http://schemas.microsoft.com/office/drawing/2014/main" id="{09AC191C-F5C3-E748-3D26-6FF757FE93A5}"/>
+              </a:ext>
+            </a:extLst>
+          </p:cNvPr>
+          <p:cNvGrpSpPr/>
+          <p:nvPr/>
+        </p:nvGrpSpPr>
+        <p:grpSpPr>
+          <a:xfrm>
+            <a:off x="10115910" y="7080058"/>
+            <a:ext cx="2682403" cy="1101530"/>
+            <a:chOff x="8524560" y="6991381"/>
+            <a:chExt cx="2682403" cy="1101530"/>
+          </a:xfrm>
+        </p:grpSpPr>
+        <p:sp>
+          <p:nvSpPr>
+            <p:cNvPr id="1044" name="Oval 1043">
+              <a:extLst>
+                <a:ext uri="{FF2B5EF4-FFF2-40B4-BE49-F238E27FC236}">
+                  <a16:creationId xmlns:a16="http://schemas.microsoft.com/office/drawing/2014/main" id="{F8E8711A-24F1-A5FF-40E4-B7A5E16F723A}"/>
+                </a:ext>
+              </a:extLst>
+            </p:cNvPr>
+            <p:cNvSpPr/>
+            <p:nvPr/>
+          </p:nvSpPr>
+          <p:spPr>
+            <a:xfrm>
+              <a:off x="8524560" y="7462734"/>
+              <a:ext cx="2682403" cy="355600"/>
+            </a:xfrm>
+            <a:prstGeom prst="ellipse">
+              <a:avLst/>
+            </a:prstGeom>
+            <a:noFill/>
+            <a:ln>
+              <a:noFill/>
+            </a:ln>
+          </p:spPr>
+          <p:style>
+            <a:lnRef idx="2">
+              <a:schemeClr val="accent1">
+                <a:shade val="50000"/>
+              </a:schemeClr>
+            </a:lnRef>
+            <a:fillRef idx="1">
+              <a:schemeClr val="accent1"/>
+            </a:fillRef>
+            <a:effectRef idx="0">
+              <a:schemeClr val="accent1"/>
+            </a:effectRef>
+            <a:fontRef idx="minor">
+              <a:schemeClr val="lt1"/>
+            </a:fontRef>
+          </p:style>
+          <p:txBody>
+            <a:bodyPr rtlCol="0" anchor="ctr"/>
+            <a:lstStyle/>
+            <a:p>
+              <a:pPr algn="ctr"/>
+              <a:r>
+                <a:rPr lang="en-US" sz="1600" dirty="0">
+                  <a:solidFill>
+                    <a:sysClr val="windowText" lastClr="000000"/>
+                  </a:solidFill>
+                  <a:latin typeface="Arial" panose="020B0604020202020204" pitchFamily="34" charset="0"/>
+                  <a:cs typeface="Arial" panose="020B0604020202020204" pitchFamily="34" charset="0"/>
+                </a:rPr>
+                <a:t>Dispersal rate &lt; velocity of climate change</a:t>
+              </a:r>
+            </a:p>
+            <a:p>
+              <a:pPr algn="ctr"/>
+              <a:endParaRPr lang="en-US" sz="1600" dirty="0">
+                <a:solidFill>
+                  <a:sysClr val="windowText" lastClr="000000"/>
+                </a:solidFill>
+                <a:latin typeface="Arial" panose="020B0604020202020204" pitchFamily="34" charset="0"/>
+                <a:cs typeface="Arial" panose="020B0604020202020204" pitchFamily="34" charset="0"/>
+              </a:endParaRPr>
+            </a:p>
+            <a:p>
+              <a:pPr algn="ctr"/>
+              <a:r>
+                <a:rPr lang="en-US" sz="1600" dirty="0">
+                  <a:solidFill>
+                    <a:sysClr val="windowText" lastClr="000000"/>
+                  </a:solidFill>
+                  <a:latin typeface="Arial" panose="020B0604020202020204" pitchFamily="34" charset="0"/>
+                  <a:cs typeface="Arial" panose="020B0604020202020204" pitchFamily="34" charset="0"/>
+                </a:rPr>
+                <a:t>Dispersal rate &gt; velocity of climate change</a:t>
+              </a:r>
+            </a:p>
+            <a:p>
+              <a:pPr algn="ctr"/>
+              <a:endParaRPr lang="en-US" sz="1600" dirty="0">
+                <a:solidFill>
+                  <a:sysClr val="windowText" lastClr="000000"/>
+                </a:solidFill>
+                <a:latin typeface="Arial" panose="020B0604020202020204" pitchFamily="34" charset="0"/>
+                <a:cs typeface="Arial" panose="020B0604020202020204" pitchFamily="34" charset="0"/>
+              </a:endParaRPr>
+            </a:p>
+          </p:txBody>
+        </p:sp>
+        <p:sp>
+          <p:nvSpPr>
+            <p:cNvPr id="2" name="Oval 1">
+              <a:extLst>
+                <a:ext uri="{FF2B5EF4-FFF2-40B4-BE49-F238E27FC236}">
+                  <a16:creationId xmlns:a16="http://schemas.microsoft.com/office/drawing/2014/main" id="{5602B72B-26CA-0DEC-2B2B-2C80503C2ECD}"/>
+                </a:ext>
+              </a:extLst>
+            </p:cNvPr>
+            <p:cNvSpPr/>
+            <p:nvPr/>
+          </p:nvSpPr>
+          <p:spPr>
+            <a:xfrm>
+              <a:off x="8812638" y="6991381"/>
+              <a:ext cx="141515" cy="130629"/>
+            </a:xfrm>
+            <a:prstGeom prst="ellipse">
+              <a:avLst/>
+            </a:prstGeom>
+            <a:solidFill>
+              <a:schemeClr val="bg2"/>
+            </a:solidFill>
+            <a:ln w="19050">
+              <a:solidFill>
+                <a:schemeClr val="tx1"/>
+              </a:solidFill>
+            </a:ln>
+          </p:spPr>
+          <p:style>
+            <a:lnRef idx="2">
+              <a:schemeClr val="accent1">
+                <a:shade val="50000"/>
+              </a:schemeClr>
+            </a:lnRef>
+            <a:fillRef idx="1">
+              <a:schemeClr val="accent1"/>
+            </a:fillRef>
+            <a:effectRef idx="0">
+              <a:schemeClr val="accent1"/>
+            </a:effectRef>
+            <a:fontRef idx="minor">
+              <a:schemeClr val="lt1"/>
+            </a:fontRef>
+          </p:style>
+          <p:txBody>
+            <a:bodyPr rtlCol="0" anchor="ctr"/>
+            <a:lstStyle/>
+            <a:p>
+              <a:pPr algn="ctr"/>
+              <a:endParaRPr lang="en-US" sz="1600">
+                <a:solidFill>
+                  <a:schemeClr val="accent2">
+                    <a:lumMod val="50000"/>
+                  </a:schemeClr>
+                </a:solidFill>
+              </a:endParaRPr>
+            </a:p>
+          </p:txBody>
+        </p:sp>
+        <p:sp>
+          <p:nvSpPr>
+            <p:cNvPr id="3" name="Oval 2">
+              <a:extLst>
+                <a:ext uri="{FF2B5EF4-FFF2-40B4-BE49-F238E27FC236}">
+                  <a16:creationId xmlns:a16="http://schemas.microsoft.com/office/drawing/2014/main" id="{A1DCEAFC-4D9D-A13F-39AB-CB6642335A58}"/>
+                </a:ext>
+              </a:extLst>
+            </p:cNvPr>
+            <p:cNvSpPr/>
+            <p:nvPr/>
+          </p:nvSpPr>
+          <p:spPr>
+            <a:xfrm>
+              <a:off x="8812638" y="7962282"/>
+              <a:ext cx="141515" cy="130629"/>
+            </a:xfrm>
+            <a:prstGeom prst="ellipse">
+              <a:avLst/>
+            </a:prstGeom>
+            <a:solidFill>
+              <a:schemeClr val="bg2"/>
+            </a:solidFill>
+            <a:ln>
+              <a:solidFill>
+                <a:schemeClr val="bg2"/>
+              </a:solidFill>
+            </a:ln>
+          </p:spPr>
+          <p:style>
+            <a:lnRef idx="2">
+              <a:schemeClr val="accent1">
+                <a:shade val="50000"/>
+              </a:schemeClr>
+            </a:lnRef>
+            <a:fillRef idx="1">
+              <a:schemeClr val="accent1"/>
+            </a:fillRef>
+            <a:effectRef idx="0">
+              <a:schemeClr val="accent1"/>
+            </a:effectRef>
+            <a:fontRef idx="minor">
+              <a:schemeClr val="lt1"/>
+            </a:fontRef>
+          </p:style>
+          <p:txBody>
+            <a:bodyPr rtlCol="0" anchor="ctr"/>
+            <a:lstStyle/>
+            <a:p>
+              <a:pPr algn="ctr"/>
+              <a:endParaRPr lang="en-US" sz="1600">
+                <a:solidFill>
+                  <a:schemeClr val="accent2">
+                    <a:lumMod val="50000"/>
+                  </a:schemeClr>
+                </a:solidFill>
+              </a:endParaRPr>
+            </a:p>
+          </p:txBody>
+        </p:sp>
+      </p:grpSp>
+      <p:sp>
+        <p:nvSpPr>
+          <p:cNvPr id="4" name="Oval 3">
+            <a:extLst>
+              <a:ext uri="{FF2B5EF4-FFF2-40B4-BE49-F238E27FC236}">
+                <a16:creationId xmlns:a16="http://schemas.microsoft.com/office/drawing/2014/main" id="{104C1C41-E8EF-C18F-8F13-FF04C9603BD2}"/>
+              </a:ext>
+            </a:extLst>
+          </p:cNvPr>
+          <p:cNvSpPr/>
+          <p:nvPr/>
+        </p:nvSpPr>
+        <p:spPr>
+          <a:xfrm>
+            <a:off x="10303931" y="7961643"/>
+            <a:ext cx="1979542" cy="527839"/>
+          </a:xfrm>
+          <a:prstGeom prst="ellipse">
+            <a:avLst/>
+          </a:prstGeom>
+          <a:noFill/>
+          <a:ln>
+            <a:noFill/>
+          </a:ln>
+        </p:spPr>
+        <p:style>
+          <a:lnRef idx="2">
+            <a:schemeClr val="accent1">
+              <a:shade val="50000"/>
+            </a:schemeClr>
+          </a:lnRef>
+          <a:fillRef idx="1">
+            <a:schemeClr val="accent1"/>
+          </a:fillRef>
+          <a:effectRef idx="0">
+            <a:schemeClr val="accent1"/>
+          </a:effectRef>
+          <a:fontRef idx="minor">
+            <a:schemeClr val="lt1"/>
+          </a:fontRef>
+        </p:style>
+        <p:txBody>
+          <a:bodyPr rtlCol="0" anchor="ctr"/>
+          <a:lstStyle/>
+          <a:p>
+            <a:pPr algn="ctr"/>
+            <a:endParaRPr lang="en-US" sz="1200" dirty="0">
+              <a:solidFill>
+                <a:sysClr val="windowText" lastClr="000000"/>
+              </a:solidFill>
+              <a:latin typeface="Arial" panose="020B0604020202020204" pitchFamily="34" charset="0"/>
+              <a:cs typeface="Arial" panose="020B0604020202020204" pitchFamily="34" charset="0"/>
+            </a:endParaRPr>
+          </a:p>
+        </p:txBody>
+      </p:sp>
+      <p:grpSp>
+        <p:nvGrpSpPr>
+          <p:cNvPr id="10" name="Group 9">
+            <a:extLst>
+              <a:ext uri="{FF2B5EF4-FFF2-40B4-BE49-F238E27FC236}">
+                <a16:creationId xmlns:a16="http://schemas.microsoft.com/office/drawing/2014/main" id="{A227FAF9-4CE5-FC2F-6272-ABB21E8B44F0}"/>
+              </a:ext>
+            </a:extLst>
+          </p:cNvPr>
+          <p:cNvGrpSpPr/>
+          <p:nvPr/>
+        </p:nvGrpSpPr>
+        <p:grpSpPr>
+          <a:xfrm>
+            <a:off x="14584836" y="1447956"/>
+            <a:ext cx="2682403" cy="1101530"/>
+            <a:chOff x="8524560" y="6991381"/>
+            <a:chExt cx="2682403" cy="1101530"/>
+          </a:xfrm>
+        </p:grpSpPr>
+        <p:sp>
+          <p:nvSpPr>
+            <p:cNvPr id="18" name="Oval 17">
+              <a:extLst>
+                <a:ext uri="{FF2B5EF4-FFF2-40B4-BE49-F238E27FC236}">
+                  <a16:creationId xmlns:a16="http://schemas.microsoft.com/office/drawing/2014/main" id="{9400B455-E943-3D43-C23B-701C34526CE8}"/>
+                </a:ext>
+              </a:extLst>
+            </p:cNvPr>
+            <p:cNvSpPr/>
+            <p:nvPr/>
+          </p:nvSpPr>
+          <p:spPr>
+            <a:xfrm>
+              <a:off x="8524560" y="7462734"/>
+              <a:ext cx="2682403" cy="355600"/>
+            </a:xfrm>
+            <a:prstGeom prst="ellipse">
+              <a:avLst/>
+            </a:prstGeom>
+            <a:noFill/>
+            <a:ln>
+              <a:noFill/>
+            </a:ln>
+          </p:spPr>
+          <p:style>
+            <a:lnRef idx="2">
+              <a:schemeClr val="accent1">
+                <a:shade val="50000"/>
+              </a:schemeClr>
+            </a:lnRef>
+            <a:fillRef idx="1">
+              <a:schemeClr val="accent1"/>
+            </a:fillRef>
+            <a:effectRef idx="0">
+              <a:schemeClr val="accent1"/>
+            </a:effectRef>
+            <a:fontRef idx="minor">
+              <a:schemeClr val="lt1"/>
+            </a:fontRef>
+          </p:style>
+          <p:txBody>
+            <a:bodyPr rtlCol="0" anchor="ctr"/>
+            <a:lstStyle/>
+            <a:p>
+              <a:pPr algn="ctr"/>
+              <a:r>
+                <a:rPr lang="en-US" sz="1500" dirty="0">
+                  <a:solidFill>
+                    <a:sysClr val="windowText" lastClr="000000"/>
+                  </a:solidFill>
+                  <a:latin typeface="Arial" panose="020B0604020202020204" pitchFamily="34" charset="0"/>
+                  <a:cs typeface="Arial" panose="020B0604020202020204" pitchFamily="34" charset="0"/>
+                </a:rPr>
+                <a:t>Dispersal rate &lt; velocity of climate change</a:t>
+              </a:r>
+            </a:p>
+            <a:p>
+              <a:pPr algn="ctr"/>
+              <a:endParaRPr lang="en-US" sz="1500" dirty="0">
+                <a:solidFill>
+                  <a:sysClr val="windowText" lastClr="000000"/>
+                </a:solidFill>
+                <a:latin typeface="Arial" panose="020B0604020202020204" pitchFamily="34" charset="0"/>
+                <a:cs typeface="Arial" panose="020B0604020202020204" pitchFamily="34" charset="0"/>
+              </a:endParaRPr>
+            </a:p>
+            <a:p>
+              <a:pPr algn="ctr"/>
+              <a:r>
+                <a:rPr lang="en-US" sz="1500" dirty="0">
+                  <a:solidFill>
+                    <a:sysClr val="windowText" lastClr="000000"/>
+                  </a:solidFill>
+                  <a:latin typeface="Arial" panose="020B0604020202020204" pitchFamily="34" charset="0"/>
+                  <a:cs typeface="Arial" panose="020B0604020202020204" pitchFamily="34" charset="0"/>
+                </a:rPr>
+                <a:t>Dispersal rate &gt; velocity of climate change</a:t>
+              </a:r>
+            </a:p>
+            <a:p>
+              <a:pPr algn="ctr"/>
+              <a:endParaRPr lang="en-US" sz="1500" dirty="0">
+                <a:solidFill>
+                  <a:sysClr val="windowText" lastClr="000000"/>
+                </a:solidFill>
+                <a:latin typeface="Arial" panose="020B0604020202020204" pitchFamily="34" charset="0"/>
+                <a:cs typeface="Arial" panose="020B0604020202020204" pitchFamily="34" charset="0"/>
+              </a:endParaRPr>
+            </a:p>
+          </p:txBody>
+        </p:sp>
+        <p:sp>
+          <p:nvSpPr>
+            <p:cNvPr id="45" name="Oval 44">
+              <a:extLst>
+                <a:ext uri="{FF2B5EF4-FFF2-40B4-BE49-F238E27FC236}">
+                  <a16:creationId xmlns:a16="http://schemas.microsoft.com/office/drawing/2014/main" id="{84721976-1D4E-83C8-D22B-92322A378D95}"/>
+                </a:ext>
+              </a:extLst>
+            </p:cNvPr>
+            <p:cNvSpPr/>
+            <p:nvPr/>
+          </p:nvSpPr>
+          <p:spPr>
+            <a:xfrm>
+              <a:off x="8812638" y="6991381"/>
+              <a:ext cx="141515" cy="130629"/>
+            </a:xfrm>
+            <a:prstGeom prst="ellipse">
+              <a:avLst/>
+            </a:prstGeom>
+            <a:solidFill>
+              <a:schemeClr val="bg2"/>
+            </a:solidFill>
+            <a:ln w="19050">
+              <a:solidFill>
+                <a:schemeClr val="tx1"/>
+              </a:solidFill>
+            </a:ln>
+          </p:spPr>
+          <p:style>
+            <a:lnRef idx="2">
+              <a:schemeClr val="accent1">
+                <a:shade val="50000"/>
+              </a:schemeClr>
+            </a:lnRef>
+            <a:fillRef idx="1">
+              <a:schemeClr val="accent1"/>
+            </a:fillRef>
+            <a:effectRef idx="0">
+              <a:schemeClr val="accent1"/>
+            </a:effectRef>
+            <a:fontRef idx="minor">
+              <a:schemeClr val="lt1"/>
+            </a:fontRef>
+          </p:style>
+          <p:txBody>
+            <a:bodyPr rtlCol="0" anchor="ctr"/>
+            <a:lstStyle/>
+            <a:p>
+              <a:pPr algn="ctr"/>
+              <a:endParaRPr lang="en-US" sz="1500">
+                <a:solidFill>
+                  <a:schemeClr val="accent2">
+                    <a:lumMod val="50000"/>
+                  </a:schemeClr>
+                </a:solidFill>
+              </a:endParaRPr>
+            </a:p>
+          </p:txBody>
+        </p:sp>
+        <p:sp>
+          <p:nvSpPr>
+            <p:cNvPr id="46" name="Oval 45">
+              <a:extLst>
+                <a:ext uri="{FF2B5EF4-FFF2-40B4-BE49-F238E27FC236}">
+                  <a16:creationId xmlns:a16="http://schemas.microsoft.com/office/drawing/2014/main" id="{938E23D0-3BCD-5400-D453-D41CC8AEFCFC}"/>
+                </a:ext>
+              </a:extLst>
+            </p:cNvPr>
+            <p:cNvSpPr/>
+            <p:nvPr/>
+          </p:nvSpPr>
+          <p:spPr>
+            <a:xfrm>
+              <a:off x="8812638" y="7962282"/>
+              <a:ext cx="141515" cy="130629"/>
+            </a:xfrm>
+            <a:prstGeom prst="ellipse">
+              <a:avLst/>
+            </a:prstGeom>
+            <a:solidFill>
+              <a:schemeClr val="bg2"/>
+            </a:solidFill>
+            <a:ln>
+              <a:solidFill>
+                <a:schemeClr val="bg2"/>
+              </a:solidFill>
+            </a:ln>
+          </p:spPr>
+          <p:style>
+            <a:lnRef idx="2">
+              <a:schemeClr val="accent1">
+                <a:shade val="50000"/>
+              </a:schemeClr>
+            </a:lnRef>
+            <a:fillRef idx="1">
+              <a:schemeClr val="accent1"/>
+            </a:fillRef>
+            <a:effectRef idx="0">
+              <a:schemeClr val="accent1"/>
+            </a:effectRef>
+            <a:fontRef idx="minor">
+              <a:schemeClr val="lt1"/>
+            </a:fontRef>
+          </p:style>
+          <p:txBody>
+            <a:bodyPr rtlCol="0" anchor="ctr"/>
+            <a:lstStyle/>
+            <a:p>
+              <a:pPr algn="ctr"/>
+              <a:endParaRPr lang="en-US" sz="1500">
+                <a:solidFill>
+                  <a:schemeClr val="accent2">
+                    <a:lumMod val="50000"/>
+                  </a:schemeClr>
+                </a:solidFill>
+              </a:endParaRPr>
+            </a:p>
+          </p:txBody>
+        </p:sp>
+      </p:grpSp>
+      <p:grpSp>
+        <p:nvGrpSpPr>
+          <p:cNvPr id="53" name="Group 52">
+            <a:extLst>
+              <a:ext uri="{FF2B5EF4-FFF2-40B4-BE49-F238E27FC236}">
+                <a16:creationId xmlns:a16="http://schemas.microsoft.com/office/drawing/2014/main" id="{C7D507D7-D76D-B924-77F7-A742EAB8666C}"/>
+              </a:ext>
+            </a:extLst>
+          </p:cNvPr>
+          <p:cNvGrpSpPr/>
+          <p:nvPr/>
+        </p:nvGrpSpPr>
+        <p:grpSpPr>
+          <a:xfrm>
+            <a:off x="4181765" y="1155940"/>
+            <a:ext cx="1476462" cy="800029"/>
+            <a:chOff x="4245026" y="1035170"/>
+            <a:chExt cx="1476462" cy="800029"/>
+          </a:xfrm>
+        </p:grpSpPr>
+        <p:pic>
+          <p:nvPicPr>
+            <p:cNvPr id="48" name="Picture 47" descr="A graph with numbers and a number&#10;&#10;Description automatically generated with medium confidence">
+              <a:extLst>
+                <a:ext uri="{FF2B5EF4-FFF2-40B4-BE49-F238E27FC236}">
+                  <a16:creationId xmlns:a16="http://schemas.microsoft.com/office/drawing/2014/main" id="{BB7C6B30-0A97-2154-FBBC-13EAA9E9E42A}"/>
+                </a:ext>
+              </a:extLst>
+            </p:cNvPr>
+            <p:cNvPicPr>
+              <a:picLocks noChangeAspect="1"/>
+            </p:cNvPicPr>
+            <p:nvPr/>
+          </p:nvPicPr>
+          <p:blipFill rotWithShape="1">
+            <a:blip r:embed="rId8"/>
+            <a:srcRect t="87532" b="8515"/>
+            <a:stretch/>
+          </p:blipFill>
+          <p:spPr>
+            <a:xfrm>
+              <a:off x="4245026" y="1603380"/>
+              <a:ext cx="1465729" cy="231819"/>
+            </a:xfrm>
+            <a:prstGeom prst="rect">
+              <a:avLst/>
+            </a:prstGeom>
+          </p:spPr>
+        </p:pic>
+        <p:pic>
+          <p:nvPicPr>
+            <p:cNvPr id="49" name="Picture 48" descr="A graph with numbers and a number&#10;&#10;Description automatically generated with medium confidence">
+              <a:extLst>
+                <a:ext uri="{FF2B5EF4-FFF2-40B4-BE49-F238E27FC236}">
+                  <a16:creationId xmlns:a16="http://schemas.microsoft.com/office/drawing/2014/main" id="{4B16268D-19FA-FDF7-634F-04EE758CE0F7}"/>
+                </a:ext>
+              </a:extLst>
+            </p:cNvPr>
+            <p:cNvPicPr>
+              <a:picLocks noChangeAspect="1"/>
+            </p:cNvPicPr>
+            <p:nvPr/>
+          </p:nvPicPr>
+          <p:blipFill rotWithShape="1">
+            <a:blip r:embed="rId8"/>
+            <a:srcRect t="75486" b="20340"/>
+            <a:stretch/>
+          </p:blipFill>
+          <p:spPr>
+            <a:xfrm>
+              <a:off x="4255759" y="1220012"/>
+              <a:ext cx="1465729" cy="244699"/>
+            </a:xfrm>
+            <a:prstGeom prst="rect">
+              <a:avLst/>
+            </a:prstGeom>
+          </p:spPr>
+        </p:pic>
+        <p:pic>
+          <p:nvPicPr>
+            <p:cNvPr id="50" name="Picture 49" descr="A graph with numbers and a number&#10;&#10;Description automatically generated with medium confidence">
+              <a:extLst>
+                <a:ext uri="{FF2B5EF4-FFF2-40B4-BE49-F238E27FC236}">
+                  <a16:creationId xmlns:a16="http://schemas.microsoft.com/office/drawing/2014/main" id="{24051341-3DFA-36FE-6AAE-9E0112E668F6}"/>
+                </a:ext>
+              </a:extLst>
+            </p:cNvPr>
+            <p:cNvPicPr>
+              <a:picLocks noChangeAspect="1"/>
+            </p:cNvPicPr>
+            <p:nvPr/>
+          </p:nvPicPr>
+          <p:blipFill rotWithShape="1">
+            <a:blip r:embed="rId8"/>
+            <a:srcRect t="81857" b="14409"/>
+            <a:stretch/>
+          </p:blipFill>
+          <p:spPr>
+            <a:xfrm>
+              <a:off x="4255759" y="1438953"/>
+              <a:ext cx="1465729" cy="218941"/>
+            </a:xfrm>
+            <a:prstGeom prst="rect">
+              <a:avLst/>
+            </a:prstGeom>
+          </p:spPr>
+        </p:pic>
+        <p:pic>
+          <p:nvPicPr>
+            <p:cNvPr id="52" name="Picture 51" descr="A graph with numbers and a number&#10;&#10;Description automatically generated with medium confidence">
+              <a:extLst>
+                <a:ext uri="{FF2B5EF4-FFF2-40B4-BE49-F238E27FC236}">
+                  <a16:creationId xmlns:a16="http://schemas.microsoft.com/office/drawing/2014/main" id="{1984DC25-7778-4E51-1492-16BF744AE13E}"/>
+                </a:ext>
+              </a:extLst>
+            </p:cNvPr>
+            <p:cNvPicPr>
+              <a:picLocks noChangeAspect="1"/>
+            </p:cNvPicPr>
+            <p:nvPr/>
+          </p:nvPicPr>
+          <p:blipFill rotWithShape="1">
+            <a:blip r:embed="rId8"/>
+            <a:srcRect t="69636" b="26636"/>
+            <a:stretch/>
+          </p:blipFill>
+          <p:spPr>
+            <a:xfrm>
+              <a:off x="4252883" y="1035170"/>
+              <a:ext cx="1465729" cy="218535"/>
+            </a:xfrm>
+            <a:prstGeom prst="rect">
+              <a:avLst/>
+            </a:prstGeom>
+          </p:spPr>
+        </p:pic>
+      </p:grpSp>
+      <p:grpSp>
+        <p:nvGrpSpPr>
+          <p:cNvPr id="54" name="Group 53">
+            <a:extLst>
+              <a:ext uri="{FF2B5EF4-FFF2-40B4-BE49-F238E27FC236}">
+                <a16:creationId xmlns:a16="http://schemas.microsoft.com/office/drawing/2014/main" id="{223587D5-27E8-96D7-B72D-C7B17A6FE0F7}"/>
+              </a:ext>
+            </a:extLst>
+          </p:cNvPr>
+          <p:cNvGrpSpPr/>
+          <p:nvPr/>
+        </p:nvGrpSpPr>
+        <p:grpSpPr>
+          <a:xfrm>
+            <a:off x="3349276" y="10235447"/>
+            <a:ext cx="1476462" cy="800029"/>
+            <a:chOff x="4245026" y="1035170"/>
+            <a:chExt cx="1476462" cy="800029"/>
+          </a:xfrm>
+        </p:grpSpPr>
+        <p:pic>
+          <p:nvPicPr>
+            <p:cNvPr id="55" name="Picture 54" descr="A graph with numbers and a number&#10;&#10;Description automatically generated with medium confidence">
+              <a:extLst>
+                <a:ext uri="{FF2B5EF4-FFF2-40B4-BE49-F238E27FC236}">
+                  <a16:creationId xmlns:a16="http://schemas.microsoft.com/office/drawing/2014/main" id="{357987F2-56AC-B664-06D5-46469D01F3C1}"/>
+                </a:ext>
+              </a:extLst>
+            </p:cNvPr>
+            <p:cNvPicPr>
+              <a:picLocks noChangeAspect="1"/>
+            </p:cNvPicPr>
+            <p:nvPr/>
+          </p:nvPicPr>
+          <p:blipFill rotWithShape="1">
+            <a:blip r:embed="rId8"/>
+            <a:srcRect t="87532" b="8515"/>
+            <a:stretch/>
+          </p:blipFill>
+          <p:spPr>
+            <a:xfrm>
+              <a:off x="4245026" y="1603380"/>
+              <a:ext cx="1465729" cy="231819"/>
+            </a:xfrm>
+            <a:prstGeom prst="rect">
+              <a:avLst/>
+            </a:prstGeom>
+          </p:spPr>
+        </p:pic>
+        <p:pic>
+          <p:nvPicPr>
+            <p:cNvPr id="56" name="Picture 55" descr="A graph with numbers and a number&#10;&#10;Description automatically generated with medium confidence">
+              <a:extLst>
+                <a:ext uri="{FF2B5EF4-FFF2-40B4-BE49-F238E27FC236}">
+                  <a16:creationId xmlns:a16="http://schemas.microsoft.com/office/drawing/2014/main" id="{B415400D-E4D6-EF48-5A3D-EF43CF0F6508}"/>
+                </a:ext>
+              </a:extLst>
+            </p:cNvPr>
+            <p:cNvPicPr>
+              <a:picLocks noChangeAspect="1"/>
+            </p:cNvPicPr>
+            <p:nvPr/>
+          </p:nvPicPr>
+          <p:blipFill rotWithShape="1">
+            <a:blip r:embed="rId8"/>
+            <a:srcRect t="75486" b="20340"/>
+            <a:stretch/>
+          </p:blipFill>
+          <p:spPr>
+            <a:xfrm>
+              <a:off x="4255759" y="1220012"/>
+              <a:ext cx="1465729" cy="244699"/>
+            </a:xfrm>
+            <a:prstGeom prst="rect">
+              <a:avLst/>
+            </a:prstGeom>
+          </p:spPr>
+        </p:pic>
+        <p:pic>
+          <p:nvPicPr>
+            <p:cNvPr id="57" name="Picture 56" descr="A graph with numbers and a number&#10;&#10;Description automatically generated with medium confidence">
+              <a:extLst>
+                <a:ext uri="{FF2B5EF4-FFF2-40B4-BE49-F238E27FC236}">
+                  <a16:creationId xmlns:a16="http://schemas.microsoft.com/office/drawing/2014/main" id="{54CCE401-8428-CBC4-9019-754C3655B5E2}"/>
+                </a:ext>
+              </a:extLst>
+            </p:cNvPr>
+            <p:cNvPicPr>
+              <a:picLocks noChangeAspect="1"/>
+            </p:cNvPicPr>
+            <p:nvPr/>
+          </p:nvPicPr>
+          <p:blipFill rotWithShape="1">
+            <a:blip r:embed="rId8"/>
+            <a:srcRect t="81857" b="14409"/>
+            <a:stretch/>
+          </p:blipFill>
+          <p:spPr>
+            <a:xfrm>
+              <a:off x="4255759" y="1438953"/>
+              <a:ext cx="1465729" cy="218941"/>
+            </a:xfrm>
+            <a:prstGeom prst="rect">
+              <a:avLst/>
+            </a:prstGeom>
+          </p:spPr>
+        </p:pic>
+        <p:pic>
+          <p:nvPicPr>
+            <p:cNvPr id="58" name="Picture 57" descr="A graph with numbers and a number&#10;&#10;Description automatically generated with medium confidence">
+              <a:extLst>
+                <a:ext uri="{FF2B5EF4-FFF2-40B4-BE49-F238E27FC236}">
+                  <a16:creationId xmlns:a16="http://schemas.microsoft.com/office/drawing/2014/main" id="{36750186-DF63-2006-045C-949A6EAC8585}"/>
+                </a:ext>
+              </a:extLst>
+            </p:cNvPr>
+            <p:cNvPicPr>
+              <a:picLocks noChangeAspect="1"/>
+            </p:cNvPicPr>
+            <p:nvPr/>
+          </p:nvPicPr>
+          <p:blipFill rotWithShape="1">
+            <a:blip r:embed="rId8"/>
+            <a:srcRect t="69636" b="26636"/>
+            <a:stretch/>
+          </p:blipFill>
+          <p:spPr>
+            <a:xfrm>
+              <a:off x="4252883" y="1035170"/>
+              <a:ext cx="1465729" cy="218535"/>
+            </a:xfrm>
+            <a:prstGeom prst="rect">
+              <a:avLst/>
+            </a:prstGeom>
+          </p:spPr>
+        </p:pic>
+      </p:grpSp>
+      <p:sp>
+        <p:nvSpPr>
+          <p:cNvPr id="1026" name="TextBox 1025">
+            <a:extLst>
+              <a:ext uri="{FF2B5EF4-FFF2-40B4-BE49-F238E27FC236}">
+                <a16:creationId xmlns:a16="http://schemas.microsoft.com/office/drawing/2014/main" id="{85F2FD1E-7123-5670-4492-0A73A4B876AC}"/>
+              </a:ext>
+            </a:extLst>
+          </p:cNvPr>
+          <p:cNvSpPr txBox="1"/>
+          <p:nvPr/>
+        </p:nvSpPr>
+        <p:spPr>
+          <a:xfrm>
+            <a:off x="4959808" y="3363695"/>
+            <a:ext cx="989437" cy="307777"/>
+          </a:xfrm>
+          <a:prstGeom prst="rect">
+            <a:avLst/>
+          </a:prstGeom>
+          <a:noFill/>
+        </p:spPr>
+        <p:txBody>
+          <a:bodyPr wrap="square" rtlCol="0">
+            <a:spAutoFit/>
+          </a:bodyPr>
+          <a:lstStyle/>
+          <a:p>
+            <a:pPr algn="ctr"/>
+            <a:r>
+              <a:rPr lang="en-US" sz="1400" dirty="0">
+                <a:solidFill>
+                  <a:schemeClr val="bg2">
+                    <a:lumMod val="75000"/>
+                  </a:schemeClr>
+                </a:solidFill>
+                <a:latin typeface="Arial" panose="020B0604020202020204" pitchFamily="34" charset="0"/>
+                <a:cs typeface="Arial" panose="020B0604020202020204" pitchFamily="34" charset="0"/>
+              </a:rPr>
+              <a:t>n = 418</a:t>
+            </a:r>
+          </a:p>
+        </p:txBody>
+      </p:sp>
+      <p:sp>
+        <p:nvSpPr>
+          <p:cNvPr id="1034" name="TextBox 1033">
+            <a:extLst>
+              <a:ext uri="{FF2B5EF4-FFF2-40B4-BE49-F238E27FC236}">
+                <a16:creationId xmlns:a16="http://schemas.microsoft.com/office/drawing/2014/main" id="{8C8FA091-E3AD-47CD-1CB2-E3DF1941FC34}"/>
+              </a:ext>
+            </a:extLst>
+          </p:cNvPr>
+          <p:cNvSpPr txBox="1"/>
+          <p:nvPr/>
+        </p:nvSpPr>
+        <p:spPr>
+          <a:xfrm>
+            <a:off x="8893986" y="3363695"/>
+            <a:ext cx="989437" cy="307777"/>
+          </a:xfrm>
+          <a:prstGeom prst="rect">
+            <a:avLst/>
+          </a:prstGeom>
+          <a:noFill/>
+        </p:spPr>
+        <p:txBody>
+          <a:bodyPr wrap="square" rtlCol="0">
+            <a:spAutoFit/>
+          </a:bodyPr>
+          <a:lstStyle/>
+          <a:p>
+            <a:pPr algn="ctr"/>
+            <a:r>
+              <a:rPr lang="en-US" sz="1400" dirty="0">
+                <a:solidFill>
+                  <a:schemeClr val="bg2">
+                    <a:lumMod val="75000"/>
+                  </a:schemeClr>
+                </a:solidFill>
+                <a:latin typeface="Arial" panose="020B0604020202020204" pitchFamily="34" charset="0"/>
+                <a:cs typeface="Arial" panose="020B0604020202020204" pitchFamily="34" charset="0"/>
+              </a:rPr>
+              <a:t>n = 418</a:t>
+            </a:r>
+          </a:p>
+        </p:txBody>
+      </p:sp>
+      <p:sp>
+        <p:nvSpPr>
+          <p:cNvPr id="1043" name="TextBox 1042">
+            <a:extLst>
+              <a:ext uri="{FF2B5EF4-FFF2-40B4-BE49-F238E27FC236}">
+                <a16:creationId xmlns:a16="http://schemas.microsoft.com/office/drawing/2014/main" id="{AB59456C-5DD6-BDD6-7FC6-69AD13849559}"/>
+              </a:ext>
+            </a:extLst>
+          </p:cNvPr>
+          <p:cNvSpPr txBox="1"/>
+          <p:nvPr/>
+        </p:nvSpPr>
+        <p:spPr>
+          <a:xfrm>
+            <a:off x="12783008" y="3363695"/>
+            <a:ext cx="989437" cy="307777"/>
+          </a:xfrm>
+          <a:prstGeom prst="rect">
+            <a:avLst/>
+          </a:prstGeom>
+          <a:noFill/>
+        </p:spPr>
+        <p:txBody>
+          <a:bodyPr wrap="square" rtlCol="0">
+            <a:spAutoFit/>
+          </a:bodyPr>
+          <a:lstStyle/>
+          <a:p>
+            <a:pPr algn="ctr"/>
+            <a:r>
+              <a:rPr lang="en-US" sz="1400" dirty="0">
+                <a:solidFill>
+                  <a:schemeClr val="bg2">
+                    <a:lumMod val="75000"/>
+                  </a:schemeClr>
+                </a:solidFill>
+                <a:latin typeface="Arial" panose="020B0604020202020204" pitchFamily="34" charset="0"/>
+                <a:cs typeface="Arial" panose="020B0604020202020204" pitchFamily="34" charset="0"/>
+              </a:rPr>
+              <a:t>n = 418</a:t>
+            </a:r>
+          </a:p>
+        </p:txBody>
+      </p:sp>
+      <p:sp>
+        <p:nvSpPr>
+          <p:cNvPr id="1055" name="TextBox 1054">
+            <a:extLst>
+              <a:ext uri="{FF2B5EF4-FFF2-40B4-BE49-F238E27FC236}">
+                <a16:creationId xmlns:a16="http://schemas.microsoft.com/office/drawing/2014/main" id="{79F4CD25-E8D1-2659-3A9A-9B46C2CEEB21}"/>
+              </a:ext>
+            </a:extLst>
+          </p:cNvPr>
+          <p:cNvSpPr txBox="1"/>
+          <p:nvPr/>
+        </p:nvSpPr>
+        <p:spPr>
+          <a:xfrm>
+            <a:off x="9426530" y="12792716"/>
+            <a:ext cx="989437" cy="307777"/>
+          </a:xfrm>
+          <a:prstGeom prst="rect">
+            <a:avLst/>
+          </a:prstGeom>
+          <a:noFill/>
+        </p:spPr>
+        <p:txBody>
+          <a:bodyPr wrap="square" rtlCol="0">
+            <a:spAutoFit/>
+          </a:bodyPr>
+          <a:lstStyle/>
+          <a:p>
+            <a:pPr algn="ctr"/>
+            <a:r>
+              <a:rPr lang="en-US" sz="1400" dirty="0">
+                <a:solidFill>
+                  <a:schemeClr val="bg2">
+                    <a:lumMod val="75000"/>
+                  </a:schemeClr>
+                </a:solidFill>
+                <a:latin typeface="Arial" panose="020B0604020202020204" pitchFamily="34" charset="0"/>
+                <a:cs typeface="Arial" panose="020B0604020202020204" pitchFamily="34" charset="0"/>
+              </a:rPr>
+              <a:t>n = 211</a:t>
+            </a:r>
+          </a:p>
+        </p:txBody>
+      </p:sp>
+      <p:sp>
+        <p:nvSpPr>
+          <p:cNvPr id="1056" name="TextBox 1055">
+            <a:extLst>
+              <a:ext uri="{FF2B5EF4-FFF2-40B4-BE49-F238E27FC236}">
+                <a16:creationId xmlns:a16="http://schemas.microsoft.com/office/drawing/2014/main" id="{F2236158-84C7-54AA-0753-313B735A4922}"/>
+              </a:ext>
+            </a:extLst>
+          </p:cNvPr>
+          <p:cNvSpPr txBox="1"/>
+          <p:nvPr/>
+        </p:nvSpPr>
+        <p:spPr>
+          <a:xfrm>
+            <a:off x="5551461" y="12780729"/>
+            <a:ext cx="989437" cy="307777"/>
+          </a:xfrm>
+          <a:prstGeom prst="rect">
+            <a:avLst/>
+          </a:prstGeom>
+          <a:noFill/>
+        </p:spPr>
+        <p:txBody>
+          <a:bodyPr wrap="square" rtlCol="0">
+            <a:spAutoFit/>
+          </a:bodyPr>
+          <a:lstStyle/>
+          <a:p>
+            <a:pPr algn="ctr"/>
+            <a:r>
+              <a:rPr lang="en-US" sz="1400" dirty="0">
+                <a:solidFill>
+                  <a:schemeClr val="bg2">
+                    <a:lumMod val="75000"/>
+                  </a:schemeClr>
+                </a:solidFill>
+                <a:latin typeface="Arial" panose="020B0604020202020204" pitchFamily="34" charset="0"/>
+                <a:cs typeface="Arial" panose="020B0604020202020204" pitchFamily="34" charset="0"/>
+              </a:rPr>
+              <a:t>n = 211</a:t>
+            </a:r>
+          </a:p>
+        </p:txBody>
+      </p:sp>
+      <p:pic>
+        <p:nvPicPr>
+          <p:cNvPr id="1068" name="Picture 1067" descr="A diagram of a number of red and black dots&#10;&#10;Description automatically generated with medium confidence">
+            <a:extLst>
+              <a:ext uri="{FF2B5EF4-FFF2-40B4-BE49-F238E27FC236}">
+                <a16:creationId xmlns:a16="http://schemas.microsoft.com/office/drawing/2014/main" id="{CF90136F-F9A6-9AAC-0841-766FC09964A5}"/>
+              </a:ext>
+            </a:extLst>
+          </p:cNvPr>
+          <p:cNvPicPr>
+            <a:picLocks noChangeAspect="1"/>
+          </p:cNvPicPr>
+          <p:nvPr/>
+        </p:nvPicPr>
+        <p:blipFill rotWithShape="1">
+          <a:blip r:embed="rId9"/>
+          <a:srcRect r="97191"/>
+          <a:stretch/>
+        </p:blipFill>
+        <p:spPr>
+          <a:xfrm>
+            <a:off x="2599716" y="9976467"/>
+            <a:ext cx="328420" cy="4061806"/>
+          </a:xfrm>
+          <a:prstGeom prst="rect">
+            <a:avLst/>
+          </a:prstGeom>
+        </p:spPr>
+      </p:pic>
+      <p:pic>
+        <p:nvPicPr>
+          <p:cNvPr id="1070" name="Picture 1069" descr="A diagram of a number of red and black dots&#10;&#10;Description automatically generated with medium confidence">
+            <a:extLst>
+              <a:ext uri="{FF2B5EF4-FFF2-40B4-BE49-F238E27FC236}">
+                <a16:creationId xmlns:a16="http://schemas.microsoft.com/office/drawing/2014/main" id="{E3472721-E79D-663D-0DAB-6BEFAEAD6499}"/>
+              </a:ext>
+            </a:extLst>
+          </p:cNvPr>
+          <p:cNvPicPr>
+            <a:picLocks noChangeAspect="1"/>
+          </p:cNvPicPr>
+          <p:nvPr/>
+        </p:nvPicPr>
+        <p:blipFill rotWithShape="1">
+          <a:blip r:embed="rId9"/>
+          <a:srcRect r="97191"/>
+          <a:stretch/>
+        </p:blipFill>
+        <p:spPr>
+          <a:xfrm>
+            <a:off x="6461088" y="9976467"/>
+            <a:ext cx="328420" cy="4061806"/>
+          </a:xfrm>
+          <a:prstGeom prst="rect">
+            <a:avLst/>
+          </a:prstGeom>
+        </p:spPr>
+      </p:pic>
+      <p:sp>
+        <p:nvSpPr>
+          <p:cNvPr id="1071" name="TextBox 1070">
+            <a:extLst>
+              <a:ext uri="{FF2B5EF4-FFF2-40B4-BE49-F238E27FC236}">
+                <a16:creationId xmlns:a16="http://schemas.microsoft.com/office/drawing/2014/main" id="{51DC27EF-7EF7-23E2-930B-999BFD269F40}"/>
+              </a:ext>
+            </a:extLst>
+          </p:cNvPr>
+          <p:cNvSpPr txBox="1"/>
+          <p:nvPr/>
+        </p:nvSpPr>
+        <p:spPr>
+          <a:xfrm>
+            <a:off x="5320363" y="3638759"/>
+            <a:ext cx="989437" cy="292388"/>
+          </a:xfrm>
+          <a:prstGeom prst="rect">
+            <a:avLst/>
+          </a:prstGeom>
+          <a:noFill/>
+        </p:spPr>
+        <p:txBody>
+          <a:bodyPr wrap="square" rtlCol="0">
+            <a:spAutoFit/>
+          </a:bodyPr>
+          <a:lstStyle/>
+          <a:p>
+            <a:pPr algn="ctr"/>
+            <a:r>
+              <a:rPr lang="en-US" sz="1250" dirty="0">
+                <a:solidFill>
+                  <a:srgbClr val="6A6A6A"/>
+                </a:solidFill>
+                <a:highlight>
+                  <a:srgbClr val="FFFFFF"/>
+                </a:highlight>
+                <a:latin typeface="Arial" panose="020B0604020202020204" pitchFamily="34" charset="0"/>
+                <a:cs typeface="Arial" panose="020B0604020202020204" pitchFamily="34" charset="0"/>
+              </a:rPr>
+              <a:t>1200</a:t>
+            </a:r>
+          </a:p>
+        </p:txBody>
+      </p:sp>
+      <p:sp>
+        <p:nvSpPr>
+          <p:cNvPr id="1075" name="TextBox 1074">
+            <a:extLst>
+              <a:ext uri="{FF2B5EF4-FFF2-40B4-BE49-F238E27FC236}">
+                <a16:creationId xmlns:a16="http://schemas.microsoft.com/office/drawing/2014/main" id="{2CDA6199-DF73-A301-2FE1-617C5F38BA40}"/>
+              </a:ext>
+            </a:extLst>
+          </p:cNvPr>
+          <p:cNvSpPr txBox="1"/>
+          <p:nvPr/>
+        </p:nvSpPr>
+        <p:spPr>
+          <a:xfrm>
+            <a:off x="5851284" y="13103219"/>
+            <a:ext cx="989437" cy="292388"/>
+          </a:xfrm>
+          <a:prstGeom prst="rect">
+            <a:avLst/>
+          </a:prstGeom>
+          <a:noFill/>
+        </p:spPr>
+        <p:txBody>
+          <a:bodyPr wrap="square" rtlCol="0">
+            <a:spAutoFit/>
+          </a:bodyPr>
+          <a:lstStyle/>
+          <a:p>
+            <a:pPr algn="ctr"/>
+            <a:r>
+              <a:rPr lang="en-US" sz="1250" dirty="0">
+                <a:solidFill>
+                  <a:srgbClr val="6A6A6A"/>
+                </a:solidFill>
+                <a:highlight>
+                  <a:srgbClr val="FFFFFF"/>
+                </a:highlight>
+                <a:latin typeface="Arial" panose="020B0604020202020204" pitchFamily="34" charset="0"/>
+                <a:cs typeface="Arial" panose="020B0604020202020204" pitchFamily="34" charset="0"/>
+              </a:rPr>
+              <a:t>12.5</a:t>
+            </a:r>
+          </a:p>
+        </p:txBody>
+      </p:sp>
+      <p:sp>
+        <p:nvSpPr>
+          <p:cNvPr id="1077" name="TextBox 1076">
+            <a:extLst>
+              <a:ext uri="{FF2B5EF4-FFF2-40B4-BE49-F238E27FC236}">
+                <a16:creationId xmlns:a16="http://schemas.microsoft.com/office/drawing/2014/main" id="{4FAA6B6D-C5DE-A48D-D5CD-496CF5E0D926}"/>
+              </a:ext>
+            </a:extLst>
+          </p:cNvPr>
+          <p:cNvSpPr txBox="1"/>
+          <p:nvPr/>
+        </p:nvSpPr>
+        <p:spPr>
+          <a:xfrm>
+            <a:off x="9744412" y="13103219"/>
+            <a:ext cx="989437" cy="292388"/>
+          </a:xfrm>
+          <a:prstGeom prst="rect">
+            <a:avLst/>
+          </a:prstGeom>
+          <a:noFill/>
+        </p:spPr>
+        <p:txBody>
+          <a:bodyPr wrap="square" rtlCol="0">
+            <a:spAutoFit/>
+          </a:bodyPr>
+          <a:lstStyle/>
+          <a:p>
+            <a:pPr algn="ctr"/>
+            <a:r>
+              <a:rPr lang="en-US" sz="1250" dirty="0">
+                <a:solidFill>
+                  <a:srgbClr val="6A6A6A"/>
+                </a:solidFill>
+                <a:highlight>
+                  <a:srgbClr val="FFFFFF"/>
+                </a:highlight>
+                <a:latin typeface="Arial" panose="020B0604020202020204" pitchFamily="34" charset="0"/>
+                <a:cs typeface="Arial" panose="020B0604020202020204" pitchFamily="34" charset="0"/>
+              </a:rPr>
+              <a:t>12.5</a:t>
+            </a:r>
+          </a:p>
+        </p:txBody>
+      </p:sp>
+      <p:sp>
+        <p:nvSpPr>
+          <p:cNvPr id="1078" name="TextBox 1077">
+            <a:extLst>
+              <a:ext uri="{FF2B5EF4-FFF2-40B4-BE49-F238E27FC236}">
+                <a16:creationId xmlns:a16="http://schemas.microsoft.com/office/drawing/2014/main" id="{C0846134-3466-B727-5B64-3E62964A4D6E}"/>
+              </a:ext>
+            </a:extLst>
+          </p:cNvPr>
+          <p:cNvSpPr txBox="1"/>
+          <p:nvPr/>
+        </p:nvSpPr>
+        <p:spPr>
+          <a:xfrm>
+            <a:off x="3056715" y="10096847"/>
+            <a:ext cx="569481" cy="338554"/>
+          </a:xfrm>
+          <a:prstGeom prst="rect">
+            <a:avLst/>
+          </a:prstGeom>
+          <a:noFill/>
+        </p:spPr>
+        <p:txBody>
+          <a:bodyPr wrap="square" rtlCol="0">
+            <a:spAutoFit/>
+          </a:bodyPr>
+          <a:lstStyle/>
+          <a:p>
+            <a:pPr algn="ctr"/>
+            <a:r>
+              <a:rPr lang="en-US" sz="1600" dirty="0">
+                <a:solidFill>
+                  <a:schemeClr val="bg2">
+                    <a:lumMod val="75000"/>
+                  </a:schemeClr>
+                </a:solidFill>
+                <a:latin typeface="Arial" panose="020B0604020202020204" pitchFamily="34" charset="0"/>
+                <a:cs typeface="Arial" panose="020B0604020202020204" pitchFamily="34" charset="0"/>
+              </a:rPr>
+              <a:t>a)</a:t>
+            </a:r>
+          </a:p>
+        </p:txBody>
+      </p:sp>
+      <p:grpSp>
+        <p:nvGrpSpPr>
+          <p:cNvPr id="1082" name="Group 1081">
+            <a:extLst>
+              <a:ext uri="{FF2B5EF4-FFF2-40B4-BE49-F238E27FC236}">
+                <a16:creationId xmlns:a16="http://schemas.microsoft.com/office/drawing/2014/main" id="{71E9DCA9-DA9F-F3DC-B105-28D120711969}"/>
+              </a:ext>
+            </a:extLst>
+          </p:cNvPr>
+          <p:cNvGrpSpPr/>
+          <p:nvPr/>
+        </p:nvGrpSpPr>
+        <p:grpSpPr>
+          <a:xfrm>
+            <a:off x="4459977" y="770708"/>
+            <a:ext cx="251992" cy="270796"/>
+            <a:chOff x="4459977" y="766354"/>
+            <a:chExt cx="251992" cy="270796"/>
+          </a:xfrm>
+        </p:grpSpPr>
+        <p:sp>
+          <p:nvSpPr>
+            <p:cNvPr id="1081" name="Rectangle 1080">
+              <a:extLst>
+                <a:ext uri="{FF2B5EF4-FFF2-40B4-BE49-F238E27FC236}">
+                  <a16:creationId xmlns:a16="http://schemas.microsoft.com/office/drawing/2014/main" id="{EA405A46-05C6-5AA9-37B3-FEE1EF8214FF}"/>
+                </a:ext>
+              </a:extLst>
+            </p:cNvPr>
+            <p:cNvSpPr/>
+            <p:nvPr/>
+          </p:nvSpPr>
+          <p:spPr>
+            <a:xfrm>
+              <a:off x="4558937" y="766354"/>
+              <a:ext cx="121920" cy="235132"/>
+            </a:xfrm>
+            <a:prstGeom prst="rect">
+              <a:avLst/>
+            </a:prstGeom>
+            <a:solidFill>
+              <a:schemeClr val="bg1"/>
+            </a:solidFill>
+            <a:ln>
+              <a:noFill/>
+            </a:ln>
+          </p:spPr>
+          <p:style>
+            <a:lnRef idx="2">
+              <a:schemeClr val="accent1">
+                <a:shade val="50000"/>
+              </a:schemeClr>
+            </a:lnRef>
+            <a:fillRef idx="1">
+              <a:schemeClr val="accent1"/>
+            </a:fillRef>
+            <a:effectRef idx="0">
+              <a:schemeClr val="accent1"/>
+            </a:effectRef>
+            <a:fontRef idx="minor">
+              <a:schemeClr val="lt1"/>
+            </a:fontRef>
+          </p:style>
+          <p:txBody>
+            <a:bodyPr rtlCol="0" anchor="ctr"/>
+            <a:lstStyle/>
+            <a:p>
+              <a:pPr algn="ctr"/>
+              <a:endParaRPr lang="en-US"/>
+            </a:p>
+          </p:txBody>
+        </p:sp>
+        <p:sp>
+          <p:nvSpPr>
+            <p:cNvPr id="1080" name="TextBox 1079">
+              <a:extLst>
+                <a:ext uri="{FF2B5EF4-FFF2-40B4-BE49-F238E27FC236}">
+                  <a16:creationId xmlns:a16="http://schemas.microsoft.com/office/drawing/2014/main" id="{D913FFAE-49AC-E555-C569-9755D87ADAD6}"/>
+                </a:ext>
+              </a:extLst>
+            </p:cNvPr>
+            <p:cNvSpPr txBox="1"/>
+            <p:nvPr/>
+          </p:nvSpPr>
+          <p:spPr>
+            <a:xfrm>
+              <a:off x="4459977" y="801188"/>
+              <a:ext cx="251992" cy="235962"/>
+            </a:xfrm>
+            <a:prstGeom prst="rect">
+              <a:avLst/>
+            </a:prstGeom>
+            <a:noFill/>
+          </p:spPr>
+          <p:txBody>
+            <a:bodyPr wrap="none" rtlCol="0">
+              <a:spAutoFit/>
+            </a:bodyPr>
+            <a:lstStyle/>
+            <a:p>
+              <a:r>
+                <a:rPr lang="en-US" sz="1400" baseline="30000" dirty="0">
+                  <a:highlight>
+                    <a:srgbClr val="FFFFFF"/>
+                  </a:highlight>
+                  <a:latin typeface="Arial" panose="020B0604020202020204" pitchFamily="34" charset="0"/>
+                  <a:cs typeface="Arial" panose="020B0604020202020204" pitchFamily="34" charset="0"/>
+                </a:rPr>
+                <a:t>2</a:t>
+              </a:r>
+            </a:p>
+          </p:txBody>
+        </p:sp>
+      </p:grpSp>
+      <p:grpSp>
+        <p:nvGrpSpPr>
+          <p:cNvPr id="1083" name="Group 1082">
+            <a:extLst>
+              <a:ext uri="{FF2B5EF4-FFF2-40B4-BE49-F238E27FC236}">
+                <a16:creationId xmlns:a16="http://schemas.microsoft.com/office/drawing/2014/main" id="{E27CDF01-ACE6-DC2C-78FA-86659F1A51E7}"/>
+              </a:ext>
+            </a:extLst>
+          </p:cNvPr>
+          <p:cNvGrpSpPr/>
+          <p:nvPr/>
+        </p:nvGrpSpPr>
+        <p:grpSpPr>
+          <a:xfrm>
+            <a:off x="8391897" y="770708"/>
+            <a:ext cx="251992" cy="270796"/>
+            <a:chOff x="4459977" y="766354"/>
+            <a:chExt cx="251992" cy="270796"/>
+          </a:xfrm>
+        </p:grpSpPr>
+        <p:sp>
+          <p:nvSpPr>
+            <p:cNvPr id="1084" name="Rectangle 1083">
+              <a:extLst>
+                <a:ext uri="{FF2B5EF4-FFF2-40B4-BE49-F238E27FC236}">
+                  <a16:creationId xmlns:a16="http://schemas.microsoft.com/office/drawing/2014/main" id="{5E07A121-1387-12D5-A09B-7EB3F4C60712}"/>
+                </a:ext>
+              </a:extLst>
+            </p:cNvPr>
+            <p:cNvSpPr/>
+            <p:nvPr/>
+          </p:nvSpPr>
+          <p:spPr>
+            <a:xfrm>
+              <a:off x="4558937" y="766354"/>
+              <a:ext cx="121920" cy="235132"/>
+            </a:xfrm>
+            <a:prstGeom prst="rect">
+              <a:avLst/>
+            </a:prstGeom>
+            <a:solidFill>
+              <a:schemeClr val="bg1"/>
+            </a:solidFill>
+            <a:ln>
+              <a:noFill/>
+            </a:ln>
+          </p:spPr>
+          <p:style>
+            <a:lnRef idx="2">
+              <a:schemeClr val="accent1">
+                <a:shade val="50000"/>
+              </a:schemeClr>
+            </a:lnRef>
+            <a:fillRef idx="1">
+              <a:schemeClr val="accent1"/>
+            </a:fillRef>
+            <a:effectRef idx="0">
+              <a:schemeClr val="accent1"/>
+            </a:effectRef>
+            <a:fontRef idx="minor">
+              <a:schemeClr val="lt1"/>
+            </a:fontRef>
+          </p:style>
+          <p:txBody>
+            <a:bodyPr rtlCol="0" anchor="ctr"/>
+            <a:lstStyle/>
+            <a:p>
+              <a:pPr algn="ctr"/>
+              <a:endParaRPr lang="en-US"/>
+            </a:p>
+          </p:txBody>
+        </p:sp>
+        <p:sp>
+          <p:nvSpPr>
+            <p:cNvPr id="1085" name="TextBox 1084">
+              <a:extLst>
+                <a:ext uri="{FF2B5EF4-FFF2-40B4-BE49-F238E27FC236}">
+                  <a16:creationId xmlns:a16="http://schemas.microsoft.com/office/drawing/2014/main" id="{8C359446-1D1A-37A5-74EC-635799C5B9EB}"/>
+                </a:ext>
+              </a:extLst>
+            </p:cNvPr>
+            <p:cNvSpPr txBox="1"/>
+            <p:nvPr/>
+          </p:nvSpPr>
+          <p:spPr>
+            <a:xfrm>
+              <a:off x="4459977" y="801188"/>
+              <a:ext cx="251992" cy="235962"/>
+            </a:xfrm>
+            <a:prstGeom prst="rect">
+              <a:avLst/>
+            </a:prstGeom>
+            <a:noFill/>
+          </p:spPr>
+          <p:txBody>
+            <a:bodyPr wrap="none" rtlCol="0">
+              <a:spAutoFit/>
+            </a:bodyPr>
+            <a:lstStyle/>
+            <a:p>
+              <a:r>
+                <a:rPr lang="en-US" sz="1400" baseline="30000" dirty="0">
+                  <a:highlight>
+                    <a:srgbClr val="FFFFFF"/>
+                  </a:highlight>
+                  <a:latin typeface="Arial" panose="020B0604020202020204" pitchFamily="34" charset="0"/>
+                  <a:cs typeface="Arial" panose="020B0604020202020204" pitchFamily="34" charset="0"/>
+                </a:rPr>
+                <a:t>2</a:t>
+              </a:r>
+            </a:p>
+          </p:txBody>
+        </p:sp>
+      </p:grpSp>
+      <p:grpSp>
+        <p:nvGrpSpPr>
+          <p:cNvPr id="1086" name="Group 1085">
+            <a:extLst>
+              <a:ext uri="{FF2B5EF4-FFF2-40B4-BE49-F238E27FC236}">
+                <a16:creationId xmlns:a16="http://schemas.microsoft.com/office/drawing/2014/main" id="{A7640DF0-4589-5453-A179-29BE4D5D57B8}"/>
+              </a:ext>
+            </a:extLst>
+          </p:cNvPr>
+          <p:cNvGrpSpPr/>
+          <p:nvPr/>
+        </p:nvGrpSpPr>
+        <p:grpSpPr>
+          <a:xfrm>
+            <a:off x="12293337" y="770708"/>
+            <a:ext cx="251992" cy="270796"/>
+            <a:chOff x="4459977" y="766354"/>
+            <a:chExt cx="251992" cy="270796"/>
+          </a:xfrm>
+        </p:grpSpPr>
+        <p:sp>
+          <p:nvSpPr>
+            <p:cNvPr id="1087" name="Rectangle 1086">
+              <a:extLst>
+                <a:ext uri="{FF2B5EF4-FFF2-40B4-BE49-F238E27FC236}">
+                  <a16:creationId xmlns:a16="http://schemas.microsoft.com/office/drawing/2014/main" id="{44C67481-DBF8-CECD-B1D6-EA94766EC7A1}"/>
+                </a:ext>
+              </a:extLst>
+            </p:cNvPr>
+            <p:cNvSpPr/>
+            <p:nvPr/>
+          </p:nvSpPr>
+          <p:spPr>
+            <a:xfrm>
+              <a:off x="4558937" y="766354"/>
+              <a:ext cx="121920" cy="235132"/>
+            </a:xfrm>
+            <a:prstGeom prst="rect">
+              <a:avLst/>
+            </a:prstGeom>
+            <a:solidFill>
+              <a:schemeClr val="bg1"/>
+            </a:solidFill>
+            <a:ln>
+              <a:noFill/>
+            </a:ln>
+          </p:spPr>
+          <p:style>
+            <a:lnRef idx="2">
+              <a:schemeClr val="accent1">
+                <a:shade val="50000"/>
+              </a:schemeClr>
+            </a:lnRef>
+            <a:fillRef idx="1">
+              <a:schemeClr val="accent1"/>
+            </a:fillRef>
+            <a:effectRef idx="0">
+              <a:schemeClr val="accent1"/>
+            </a:effectRef>
+            <a:fontRef idx="minor">
+              <a:schemeClr val="lt1"/>
+            </a:fontRef>
+          </p:style>
+          <p:txBody>
+            <a:bodyPr rtlCol="0" anchor="ctr"/>
+            <a:lstStyle/>
+            <a:p>
+              <a:pPr algn="ctr"/>
+              <a:endParaRPr lang="en-US"/>
+            </a:p>
+          </p:txBody>
+        </p:sp>
+        <p:sp>
+          <p:nvSpPr>
+            <p:cNvPr id="1088" name="TextBox 1087">
+              <a:extLst>
+                <a:ext uri="{FF2B5EF4-FFF2-40B4-BE49-F238E27FC236}">
+                  <a16:creationId xmlns:a16="http://schemas.microsoft.com/office/drawing/2014/main" id="{B5FAB564-FF90-4E4F-A699-26C9616AF061}"/>
+                </a:ext>
+              </a:extLst>
+            </p:cNvPr>
+            <p:cNvSpPr txBox="1"/>
+            <p:nvPr/>
+          </p:nvSpPr>
+          <p:spPr>
+            <a:xfrm>
+              <a:off x="4459977" y="801188"/>
+              <a:ext cx="251992" cy="235962"/>
+            </a:xfrm>
+            <a:prstGeom prst="rect">
+              <a:avLst/>
+            </a:prstGeom>
+            <a:noFill/>
+          </p:spPr>
+          <p:txBody>
+            <a:bodyPr wrap="none" rtlCol="0">
+              <a:spAutoFit/>
+            </a:bodyPr>
+            <a:lstStyle/>
+            <a:p>
+              <a:r>
+                <a:rPr lang="en-US" sz="1400" baseline="30000" dirty="0">
+                  <a:highlight>
+                    <a:srgbClr val="FFFFFF"/>
+                  </a:highlight>
+                  <a:latin typeface="Arial" panose="020B0604020202020204" pitchFamily="34" charset="0"/>
+                  <a:cs typeface="Arial" panose="020B0604020202020204" pitchFamily="34" charset="0"/>
+                </a:rPr>
+                <a:t>2</a:t>
+              </a:r>
+            </a:p>
+          </p:txBody>
+        </p:sp>
+      </p:grpSp>
+      <p:grpSp>
+        <p:nvGrpSpPr>
+          <p:cNvPr id="1089" name="Group 1088">
+            <a:extLst>
+              <a:ext uri="{FF2B5EF4-FFF2-40B4-BE49-F238E27FC236}">
+                <a16:creationId xmlns:a16="http://schemas.microsoft.com/office/drawing/2014/main" id="{5E8B1D24-7A10-D71B-E33B-E7B33AA73721}"/>
+              </a:ext>
+            </a:extLst>
+          </p:cNvPr>
+          <p:cNvGrpSpPr/>
+          <p:nvPr/>
+        </p:nvGrpSpPr>
+        <p:grpSpPr>
+          <a:xfrm>
+            <a:off x="5069281" y="10452118"/>
+            <a:ext cx="251992" cy="251942"/>
+            <a:chOff x="4474118" y="766354"/>
+            <a:chExt cx="251992" cy="251942"/>
+          </a:xfrm>
+        </p:grpSpPr>
+        <p:sp>
+          <p:nvSpPr>
+            <p:cNvPr id="1090" name="Rectangle 1089">
+              <a:extLst>
+                <a:ext uri="{FF2B5EF4-FFF2-40B4-BE49-F238E27FC236}">
+                  <a16:creationId xmlns:a16="http://schemas.microsoft.com/office/drawing/2014/main" id="{3F6056D7-8145-6A26-308A-283903E9BAB6}"/>
+                </a:ext>
+              </a:extLst>
+            </p:cNvPr>
+            <p:cNvSpPr/>
+            <p:nvPr/>
+          </p:nvSpPr>
+          <p:spPr>
+            <a:xfrm>
+              <a:off x="4558937" y="766354"/>
+              <a:ext cx="121920" cy="235132"/>
+            </a:xfrm>
+            <a:prstGeom prst="rect">
+              <a:avLst/>
+            </a:prstGeom>
+            <a:solidFill>
+              <a:schemeClr val="bg1"/>
+            </a:solidFill>
+            <a:ln>
+              <a:noFill/>
+            </a:ln>
+          </p:spPr>
+          <p:style>
+            <a:lnRef idx="2">
+              <a:schemeClr val="accent1">
+                <a:shade val="50000"/>
+              </a:schemeClr>
+            </a:lnRef>
+            <a:fillRef idx="1">
+              <a:schemeClr val="accent1"/>
+            </a:fillRef>
+            <a:effectRef idx="0">
+              <a:schemeClr val="accent1"/>
+            </a:effectRef>
+            <a:fontRef idx="minor">
+              <a:schemeClr val="lt1"/>
+            </a:fontRef>
+          </p:style>
+          <p:txBody>
+            <a:bodyPr rtlCol="0" anchor="ctr"/>
+            <a:lstStyle/>
+            <a:p>
+              <a:pPr algn="ctr"/>
+              <a:endParaRPr lang="en-US"/>
+            </a:p>
+          </p:txBody>
+        </p:sp>
+        <p:sp>
+          <p:nvSpPr>
+            <p:cNvPr id="1091" name="TextBox 1090">
+              <a:extLst>
+                <a:ext uri="{FF2B5EF4-FFF2-40B4-BE49-F238E27FC236}">
+                  <a16:creationId xmlns:a16="http://schemas.microsoft.com/office/drawing/2014/main" id="{6F5587B4-1D97-771E-5B88-271B96D0D078}"/>
+                </a:ext>
+              </a:extLst>
+            </p:cNvPr>
+            <p:cNvSpPr txBox="1"/>
+            <p:nvPr/>
+          </p:nvSpPr>
+          <p:spPr>
+            <a:xfrm>
+              <a:off x="4474118" y="782334"/>
+              <a:ext cx="251992" cy="235962"/>
+            </a:xfrm>
+            <a:prstGeom prst="rect">
+              <a:avLst/>
+            </a:prstGeom>
+            <a:noFill/>
+          </p:spPr>
+          <p:txBody>
+            <a:bodyPr wrap="none" rtlCol="0">
+              <a:spAutoFit/>
+            </a:bodyPr>
+            <a:lstStyle/>
+            <a:p>
+              <a:r>
+                <a:rPr lang="en-US" sz="1400" baseline="30000" dirty="0">
+                  <a:highlight>
+                    <a:srgbClr val="FFFFFF"/>
+                  </a:highlight>
+                  <a:latin typeface="Arial" panose="020B0604020202020204" pitchFamily="34" charset="0"/>
+                  <a:cs typeface="Arial" panose="020B0604020202020204" pitchFamily="34" charset="0"/>
+                </a:rPr>
+                <a:t>2</a:t>
+              </a:r>
+            </a:p>
+          </p:txBody>
+        </p:sp>
+      </p:grpSp>
+      <p:grpSp>
+        <p:nvGrpSpPr>
+          <p:cNvPr id="1094" name="Group 1093">
+            <a:extLst>
+              <a:ext uri="{FF2B5EF4-FFF2-40B4-BE49-F238E27FC236}">
+                <a16:creationId xmlns:a16="http://schemas.microsoft.com/office/drawing/2014/main" id="{E07788E3-A122-9477-B12B-FC9A9304086F}"/>
+              </a:ext>
+            </a:extLst>
+          </p:cNvPr>
+          <p:cNvGrpSpPr/>
+          <p:nvPr/>
+        </p:nvGrpSpPr>
+        <p:grpSpPr>
+          <a:xfrm>
+            <a:off x="8964123" y="10444262"/>
+            <a:ext cx="251992" cy="251942"/>
+            <a:chOff x="4474118" y="766354"/>
+            <a:chExt cx="251992" cy="251942"/>
+          </a:xfrm>
+        </p:grpSpPr>
+        <p:sp>
+          <p:nvSpPr>
+            <p:cNvPr id="1095" name="Rectangle 1094">
+              <a:extLst>
+                <a:ext uri="{FF2B5EF4-FFF2-40B4-BE49-F238E27FC236}">
+                  <a16:creationId xmlns:a16="http://schemas.microsoft.com/office/drawing/2014/main" id="{B8599089-12F5-9449-560A-0D0D4D111882}"/>
+                </a:ext>
+              </a:extLst>
+            </p:cNvPr>
+            <p:cNvSpPr/>
+            <p:nvPr/>
+          </p:nvSpPr>
+          <p:spPr>
+            <a:xfrm>
+              <a:off x="4558937" y="766354"/>
+              <a:ext cx="121920" cy="235132"/>
+            </a:xfrm>
+            <a:prstGeom prst="rect">
+              <a:avLst/>
+            </a:prstGeom>
+            <a:solidFill>
+              <a:schemeClr val="bg1"/>
+            </a:solidFill>
+            <a:ln>
+              <a:noFill/>
+            </a:ln>
+          </p:spPr>
+          <p:style>
+            <a:lnRef idx="2">
+              <a:schemeClr val="accent1">
+                <a:shade val="50000"/>
+              </a:schemeClr>
+            </a:lnRef>
+            <a:fillRef idx="1">
+              <a:schemeClr val="accent1"/>
+            </a:fillRef>
+            <a:effectRef idx="0">
+              <a:schemeClr val="accent1"/>
+            </a:effectRef>
+            <a:fontRef idx="minor">
+              <a:schemeClr val="lt1"/>
+            </a:fontRef>
+          </p:style>
+          <p:txBody>
+            <a:bodyPr rtlCol="0" anchor="ctr"/>
+            <a:lstStyle/>
+            <a:p>
+              <a:pPr algn="ctr"/>
+              <a:endParaRPr lang="en-US"/>
+            </a:p>
+          </p:txBody>
+        </p:sp>
+        <p:sp>
+          <p:nvSpPr>
+            <p:cNvPr id="1096" name="TextBox 1095">
+              <a:extLst>
+                <a:ext uri="{FF2B5EF4-FFF2-40B4-BE49-F238E27FC236}">
+                  <a16:creationId xmlns:a16="http://schemas.microsoft.com/office/drawing/2014/main" id="{44CB2D26-6CE4-7CB2-0D64-1314C00A07AA}"/>
+                </a:ext>
+              </a:extLst>
+            </p:cNvPr>
+            <p:cNvSpPr txBox="1"/>
+            <p:nvPr/>
+          </p:nvSpPr>
+          <p:spPr>
+            <a:xfrm>
+              <a:off x="4474118" y="782334"/>
+              <a:ext cx="251992" cy="235962"/>
+            </a:xfrm>
+            <a:prstGeom prst="rect">
+              <a:avLst/>
+            </a:prstGeom>
+            <a:noFill/>
+          </p:spPr>
+          <p:txBody>
+            <a:bodyPr wrap="none" rtlCol="0">
+              <a:spAutoFit/>
+            </a:bodyPr>
+            <a:lstStyle/>
+            <a:p>
+              <a:r>
+                <a:rPr lang="en-US" sz="1400" baseline="30000" dirty="0">
+                  <a:highlight>
+                    <a:srgbClr val="FFFFFF"/>
+                  </a:highlight>
+                  <a:latin typeface="Arial" panose="020B0604020202020204" pitchFamily="34" charset="0"/>
+                  <a:cs typeface="Arial" panose="020B0604020202020204" pitchFamily="34" charset="0"/>
+                </a:rPr>
+                <a:t>2</a:t>
+              </a:r>
+            </a:p>
+          </p:txBody>
+        </p:sp>
+      </p:grpSp>
     </p:spTree>
     <p:extLst>
       <p:ext uri="{BB962C8B-B14F-4D97-AF65-F5344CB8AC3E}">

--- a/figures/main-figures.pptx
+++ b/figures/main-figures.pptx
@@ -197,7 +197,7 @@
           <a:p>
             <a:fld id="{B7CE4BC6-D327-1C4F-8429-775CD9D39CD2}" type="datetimeFigureOut">
               <a:rPr lang="en-US" smtClean="0"/>
-              <a:t>2/24/25</a:t>
+              <a:t>8/22/25</a:t>
             </a:fld>
             <a:endParaRPr lang="en-US"/>
           </a:p>
@@ -684,7 +684,7 @@
           <a:p>
             <a:fld id="{3B85B7A5-F096-CF4C-9C20-4BA2556B79B6}" type="datetimeFigureOut">
               <a:rPr lang="en-US" smtClean="0"/>
-              <a:t>2/24/25</a:t>
+              <a:t>8/22/25</a:t>
             </a:fld>
             <a:endParaRPr lang="en-US"/>
           </a:p>
@@ -854,7 +854,7 @@
           <a:p>
             <a:fld id="{3B85B7A5-F096-CF4C-9C20-4BA2556B79B6}" type="datetimeFigureOut">
               <a:rPr lang="en-US" smtClean="0"/>
-              <a:t>2/24/25</a:t>
+              <a:t>8/22/25</a:t>
             </a:fld>
             <a:endParaRPr lang="en-US"/>
           </a:p>
@@ -1034,7 +1034,7 @@
           <a:p>
             <a:fld id="{3B85B7A5-F096-CF4C-9C20-4BA2556B79B6}" type="datetimeFigureOut">
               <a:rPr lang="en-US" smtClean="0"/>
-              <a:t>2/24/25</a:t>
+              <a:t>8/22/25</a:t>
             </a:fld>
             <a:endParaRPr lang="en-US"/>
           </a:p>
@@ -1204,7 +1204,7 @@
           <a:p>
             <a:fld id="{3B85B7A5-F096-CF4C-9C20-4BA2556B79B6}" type="datetimeFigureOut">
               <a:rPr lang="en-US" smtClean="0"/>
-              <a:t>2/24/25</a:t>
+              <a:t>8/22/25</a:t>
             </a:fld>
             <a:endParaRPr lang="en-US"/>
           </a:p>
@@ -1448,7 +1448,7 @@
           <a:p>
             <a:fld id="{3B85B7A5-F096-CF4C-9C20-4BA2556B79B6}" type="datetimeFigureOut">
               <a:rPr lang="en-US" smtClean="0"/>
-              <a:t>2/24/25</a:t>
+              <a:t>8/22/25</a:t>
             </a:fld>
             <a:endParaRPr lang="en-US"/>
           </a:p>
@@ -1680,7 +1680,7 @@
           <a:p>
             <a:fld id="{3B85B7A5-F096-CF4C-9C20-4BA2556B79B6}" type="datetimeFigureOut">
               <a:rPr lang="en-US" smtClean="0"/>
-              <a:t>2/24/25</a:t>
+              <a:t>8/22/25</a:t>
             </a:fld>
             <a:endParaRPr lang="en-US"/>
           </a:p>
@@ -2047,7 +2047,7 @@
           <a:p>
             <a:fld id="{3B85B7A5-F096-CF4C-9C20-4BA2556B79B6}" type="datetimeFigureOut">
               <a:rPr lang="en-US" smtClean="0"/>
-              <a:t>2/24/25</a:t>
+              <a:t>8/22/25</a:t>
             </a:fld>
             <a:endParaRPr lang="en-US"/>
           </a:p>
@@ -2165,7 +2165,7 @@
           <a:p>
             <a:fld id="{3B85B7A5-F096-CF4C-9C20-4BA2556B79B6}" type="datetimeFigureOut">
               <a:rPr lang="en-US" smtClean="0"/>
-              <a:t>2/24/25</a:t>
+              <a:t>8/22/25</a:t>
             </a:fld>
             <a:endParaRPr lang="en-US"/>
           </a:p>
@@ -2260,7 +2260,7 @@
           <a:p>
             <a:fld id="{3B85B7A5-F096-CF4C-9C20-4BA2556B79B6}" type="datetimeFigureOut">
               <a:rPr lang="en-US" smtClean="0"/>
-              <a:t>2/24/25</a:t>
+              <a:t>8/22/25</a:t>
             </a:fld>
             <a:endParaRPr lang="en-US"/>
           </a:p>
@@ -2537,7 +2537,7 @@
           <a:p>
             <a:fld id="{3B85B7A5-F096-CF4C-9C20-4BA2556B79B6}" type="datetimeFigureOut">
               <a:rPr lang="en-US" smtClean="0"/>
-              <a:t>2/24/25</a:t>
+              <a:t>8/22/25</a:t>
             </a:fld>
             <a:endParaRPr lang="en-US"/>
           </a:p>
@@ -2794,7 +2794,7 @@
           <a:p>
             <a:fld id="{3B85B7A5-F096-CF4C-9C20-4BA2556B79B6}" type="datetimeFigureOut">
               <a:rPr lang="en-US" smtClean="0"/>
-              <a:t>2/24/25</a:t>
+              <a:t>8/22/25</a:t>
             </a:fld>
             <a:endParaRPr lang="en-US"/>
           </a:p>
@@ -3007,7 +3007,7 @@
           <a:p>
             <a:fld id="{3B85B7A5-F096-CF4C-9C20-4BA2556B79B6}" type="datetimeFigureOut">
               <a:rPr lang="en-US" smtClean="0"/>
-              <a:t>2/24/25</a:t>
+              <a:t>8/22/25</a:t>
             </a:fld>
             <a:endParaRPr lang="en-US"/>
           </a:p>
@@ -3607,8 +3607,8 @@
         </p:nvSpPr>
         <p:spPr>
           <a:xfrm>
-            <a:off x="2857379" y="8928763"/>
-            <a:ext cx="2900153" cy="338554"/>
+            <a:off x="2778357" y="8928763"/>
+            <a:ext cx="2969083" cy="338554"/>
           </a:xfrm>
           <a:prstGeom prst="rect">
             <a:avLst/>
@@ -3626,7 +3626,7 @@
                 <a:latin typeface="Arial" panose="020B0604020202020204" pitchFamily="34" charset="0"/>
                 <a:cs typeface="Arial" panose="020B0604020202020204" pitchFamily="34" charset="0"/>
               </a:rPr>
-              <a:t>Potential dispersal rate (km/y)</a:t>
+              <a:t>Potential dispersal rate (km/yr)</a:t>
             </a:r>
           </a:p>
         </p:txBody>
@@ -4456,7 +4456,7 @@
                 <a:latin typeface="Arial" panose="020B0604020202020204" pitchFamily="34" charset="0"/>
                 <a:cs typeface="Arial" panose="020B0604020202020204" pitchFamily="34" charset="0"/>
               </a:rPr>
-              <a:t>Minimum of potential dispersal rate and velocity of climate change (km/y)</a:t>
+              <a:t>Minimum of potential dispersal rate and velocity of isotherm shift (km/yr)</a:t>
             </a:r>
           </a:p>
         </p:txBody>
@@ -5420,7 +5420,7 @@
                 <a:latin typeface="Arial" panose="020B0604020202020204" pitchFamily="34" charset="0"/>
                 <a:cs typeface="Arial" panose="020B0604020202020204" pitchFamily="34" charset="0"/>
               </a:rPr>
-              <a:t>Range expansion rate (km/y)</a:t>
+              <a:t>Range expansion rate (km/yr)</a:t>
             </a:r>
           </a:p>
         </p:txBody>
@@ -5499,8 +5499,8 @@
         </p:nvSpPr>
         <p:spPr>
           <a:xfrm>
-            <a:off x="9050855" y="6158783"/>
-            <a:ext cx="1157743" cy="1077218"/>
+            <a:off x="9107299" y="6260382"/>
+            <a:ext cx="1131724" cy="1077218"/>
           </a:xfrm>
           <a:prstGeom prst="rect">
             <a:avLst/>
@@ -5519,143 +5519,11 @@
                 <a:latin typeface="Arial" panose="020B0604020202020204" pitchFamily="34" charset="0"/>
                 <a:cs typeface="Arial" panose="020B0604020202020204" pitchFamily="34" charset="0"/>
               </a:rPr>
-              <a:t>Velocity</a:t>
-            </a:r>
-          </a:p>
-          <a:p>
-            <a:pPr algn="ctr"/>
-            <a:r>
-              <a:rPr lang="en-US" sz="1600" dirty="0">
-                <a:latin typeface="Arial" panose="020B0604020202020204" pitchFamily="34" charset="0"/>
-                <a:cs typeface="Arial" panose="020B0604020202020204" pitchFamily="34" charset="0"/>
-              </a:rPr>
-              <a:t> of climate change (km/y)</a:t>
-            </a:r>
-          </a:p>
-        </p:txBody>
-      </p:sp>
-      <p:sp>
-        <p:nvSpPr>
-          <p:cNvPr id="1038" name="TextBox 1037">
-            <a:extLst>
-              <a:ext uri="{FF2B5EF4-FFF2-40B4-BE49-F238E27FC236}">
-                <a16:creationId xmlns:a16="http://schemas.microsoft.com/office/drawing/2014/main" id="{ED1FCA3A-FBFE-B650-0663-2A8B5E9CC55D}"/>
-              </a:ext>
-            </a:extLst>
-          </p:cNvPr>
-          <p:cNvSpPr txBox="1"/>
-          <p:nvPr/>
-        </p:nvSpPr>
-        <p:spPr>
-          <a:xfrm>
-            <a:off x="9804456" y="7200498"/>
-            <a:ext cx="269626" cy="1754326"/>
-          </a:xfrm>
-          <a:prstGeom prst="rect">
-            <a:avLst/>
-          </a:prstGeom>
-          <a:noFill/>
-        </p:spPr>
-        <p:txBody>
-          <a:bodyPr wrap="none" rtlCol="0">
-            <a:spAutoFit/>
-          </a:bodyPr>
-          <a:lstStyle/>
-          <a:p>
-            <a:r>
-              <a:rPr lang="en-US" sz="1200" dirty="0">
-                <a:latin typeface="Arial" panose="020B0604020202020204" pitchFamily="34" charset="0"/>
-                <a:cs typeface="Arial" panose="020B0604020202020204" pitchFamily="34" charset="0"/>
-              </a:rPr>
-              <a:t>3</a:t>
-            </a:r>
-          </a:p>
-          <a:p>
-            <a:endParaRPr lang="en-US" sz="1200" dirty="0">
-              <a:latin typeface="Arial" panose="020B0604020202020204" pitchFamily="34" charset="0"/>
-              <a:cs typeface="Arial" panose="020B0604020202020204" pitchFamily="34" charset="0"/>
-            </a:endParaRPr>
-          </a:p>
-          <a:p>
-            <a:endParaRPr lang="en-US" sz="1200" dirty="0">
-              <a:latin typeface="Arial" panose="020B0604020202020204" pitchFamily="34" charset="0"/>
-              <a:cs typeface="Arial" panose="020B0604020202020204" pitchFamily="34" charset="0"/>
-            </a:endParaRPr>
-          </a:p>
-          <a:p>
-            <a:r>
-              <a:rPr lang="en-US" sz="1200" dirty="0">
-                <a:latin typeface="Arial" panose="020B0604020202020204" pitchFamily="34" charset="0"/>
-                <a:cs typeface="Arial" panose="020B0604020202020204" pitchFamily="34" charset="0"/>
-              </a:rPr>
-              <a:t>2</a:t>
-            </a:r>
-          </a:p>
-          <a:p>
-            <a:endParaRPr lang="en-US" sz="1200" dirty="0">
-              <a:latin typeface="Arial" panose="020B0604020202020204" pitchFamily="34" charset="0"/>
-              <a:cs typeface="Arial" panose="020B0604020202020204" pitchFamily="34" charset="0"/>
-            </a:endParaRPr>
-          </a:p>
-          <a:p>
-            <a:endParaRPr lang="en-US" sz="1200" dirty="0">
-              <a:latin typeface="Arial" panose="020B0604020202020204" pitchFamily="34" charset="0"/>
-              <a:cs typeface="Arial" panose="020B0604020202020204" pitchFamily="34" charset="0"/>
-            </a:endParaRPr>
-          </a:p>
-          <a:p>
-            <a:r>
-              <a:rPr lang="en-US" sz="1200" dirty="0">
-                <a:latin typeface="Arial" panose="020B0604020202020204" pitchFamily="34" charset="0"/>
-                <a:cs typeface="Arial" panose="020B0604020202020204" pitchFamily="34" charset="0"/>
-              </a:rPr>
-              <a:t>1</a:t>
-            </a:r>
-          </a:p>
-          <a:p>
-            <a:endParaRPr lang="en-US" sz="1200" dirty="0">
-              <a:latin typeface="Arial" panose="020B0604020202020204" pitchFamily="34" charset="0"/>
-              <a:cs typeface="Arial" panose="020B0604020202020204" pitchFamily="34" charset="0"/>
-            </a:endParaRPr>
-          </a:p>
-          <a:p>
-            <a:endParaRPr lang="en-US" sz="1200" dirty="0">
-              <a:latin typeface="Arial" panose="020B0604020202020204" pitchFamily="34" charset="0"/>
-              <a:cs typeface="Arial" panose="020B0604020202020204" pitchFamily="34" charset="0"/>
-            </a:endParaRPr>
-          </a:p>
-        </p:txBody>
-      </p:sp>
-      <p:pic>
-        <p:nvPicPr>
-          <p:cNvPr id="1039" name="Picture 1038">
-            <a:extLst>
-              <a:ext uri="{FF2B5EF4-FFF2-40B4-BE49-F238E27FC236}">
-                <a16:creationId xmlns:a16="http://schemas.microsoft.com/office/drawing/2014/main" id="{542B9DFF-F82D-678B-2B2E-66C4D439A2C4}"/>
-              </a:ext>
-            </a:extLst>
-          </p:cNvPr>
-          <p:cNvPicPr>
-            <a:picLocks noChangeAspect="1"/>
-          </p:cNvPicPr>
-          <p:nvPr/>
-        </p:nvPicPr>
-        <p:blipFill>
-          <a:blip r:embed="rId6"/>
-          <a:stretch>
-            <a:fillRect/>
-          </a:stretch>
-        </p:blipFill>
-        <p:spPr>
-          <a:xfrm>
-            <a:off x="9432140" y="7233684"/>
-            <a:ext cx="347241" cy="1576661"/>
-          </a:xfrm>
-          <a:prstGeom prst="rect">
-            <a:avLst/>
-          </a:prstGeom>
-        </p:spPr>
-      </p:pic>
+              <a:t>Velocity of isotherm shift (km/yr)</a:t>
+            </a:r>
+          </a:p>
+        </p:txBody>
+      </p:sp>
       <p:pic>
         <p:nvPicPr>
           <p:cNvPr id="1041" name="Picture 1040">
@@ -5671,7 +5539,7 @@
           <p:nvPr/>
         </p:nvPicPr>
         <p:blipFill>
-          <a:blip r:embed="rId7"/>
+          <a:blip r:embed="rId6"/>
           <a:stretch>
             <a:fillRect/>
           </a:stretch>
@@ -6560,8 +6428,8 @@
         </p:nvGrpSpPr>
         <p:grpSpPr>
           <a:xfrm>
-            <a:off x="10115910" y="7080058"/>
-            <a:ext cx="2682403" cy="1101530"/>
+            <a:off x="10127199" y="6888147"/>
+            <a:ext cx="3024597" cy="1101530"/>
             <a:chOff x="8524560" y="6991381"/>
             <a:chExt cx="2682403" cy="1101530"/>
           </a:xfrm>
@@ -6620,7 +6488,7 @@
                   <a:latin typeface="Arial" panose="020B0604020202020204" pitchFamily="34" charset="0"/>
                   <a:cs typeface="Arial" panose="020B0604020202020204" pitchFamily="34" charset="0"/>
                 </a:rPr>
-                <a:t>Dispersal rate &lt; velocity of climate change</a:t>
+                <a:t>Dispersal rate &lt; velocity of isotherm shift</a:t>
               </a:r>
             </a:p>
             <a:p>
@@ -6643,7 +6511,7 @@
                   <a:latin typeface="Arial" panose="020B0604020202020204" pitchFamily="34" charset="0"/>
                   <a:cs typeface="Arial" panose="020B0604020202020204" pitchFamily="34" charset="0"/>
                 </a:rPr>
-                <a:t>Dispersal rate &gt; velocity of climate change</a:t>
+                <a:t>Dispersal rate &gt; velocity of isotherm shift</a:t>
               </a:r>
             </a:p>
             <a:p>
@@ -6793,7 +6661,7 @@
         </p:nvSpPr>
         <p:spPr>
           <a:xfrm>
-            <a:off x="10303931" y="7961643"/>
+            <a:off x="10315220" y="7769732"/>
             <a:ext cx="1979542" cy="527839"/>
           </a:xfrm>
           <a:prstGeom prst="ellipse">
@@ -7103,7 +6971,7 @@
             <p:nvPr/>
           </p:nvPicPr>
           <p:blipFill rotWithShape="1">
-            <a:blip r:embed="rId8"/>
+            <a:blip r:embed="rId7"/>
             <a:srcRect t="87532" b="8515"/>
             <a:stretch/>
           </p:blipFill>
@@ -7132,7 +7000,7 @@
             <p:nvPr/>
           </p:nvPicPr>
           <p:blipFill rotWithShape="1">
-            <a:blip r:embed="rId8"/>
+            <a:blip r:embed="rId7"/>
             <a:srcRect t="75486" b="20340"/>
             <a:stretch/>
           </p:blipFill>
@@ -7161,7 +7029,7 @@
             <p:nvPr/>
           </p:nvPicPr>
           <p:blipFill rotWithShape="1">
-            <a:blip r:embed="rId8"/>
+            <a:blip r:embed="rId7"/>
             <a:srcRect t="81857" b="14409"/>
             <a:stretch/>
           </p:blipFill>
@@ -7190,7 +7058,7 @@
             <p:nvPr/>
           </p:nvPicPr>
           <p:blipFill rotWithShape="1">
-            <a:blip r:embed="rId8"/>
+            <a:blip r:embed="rId7"/>
             <a:srcRect t="69636" b="26636"/>
             <a:stretch/>
           </p:blipFill>
@@ -7240,7 +7108,7 @@
             <p:nvPr/>
           </p:nvPicPr>
           <p:blipFill rotWithShape="1">
-            <a:blip r:embed="rId8"/>
+            <a:blip r:embed="rId7"/>
             <a:srcRect t="87532" b="8515"/>
             <a:stretch/>
           </p:blipFill>
@@ -7269,7 +7137,7 @@
             <p:nvPr/>
           </p:nvPicPr>
           <p:blipFill rotWithShape="1">
-            <a:blip r:embed="rId8"/>
+            <a:blip r:embed="rId7"/>
             <a:srcRect t="75486" b="20340"/>
             <a:stretch/>
           </p:blipFill>
@@ -7298,7 +7166,7 @@
             <p:nvPr/>
           </p:nvPicPr>
           <p:blipFill rotWithShape="1">
-            <a:blip r:embed="rId8"/>
+            <a:blip r:embed="rId7"/>
             <a:srcRect t="81857" b="14409"/>
             <a:stretch/>
           </p:blipFill>
@@ -7327,7 +7195,7 @@
             <p:nvPr/>
           </p:nvPicPr>
           <p:blipFill rotWithShape="1">
-            <a:blip r:embed="rId8"/>
+            <a:blip r:embed="rId7"/>
             <a:srcRect t="69636" b="26636"/>
             <a:stretch/>
           </p:blipFill>
@@ -7577,7 +7445,7 @@
           <p:nvPr/>
         </p:nvPicPr>
         <p:blipFill rotWithShape="1">
-          <a:blip r:embed="rId9"/>
+          <a:blip r:embed="rId8"/>
           <a:srcRect r="97191"/>
           <a:stretch/>
         </p:blipFill>
@@ -7606,7 +7474,7 @@
           <p:nvPr/>
         </p:nvPicPr>
         <p:blipFill rotWithShape="1">
-          <a:blip r:embed="rId9"/>
+          <a:blip r:embed="rId8"/>
           <a:srcRect r="97191"/>
           <a:stretch/>
         </p:blipFill>
@@ -8365,6 +8233,287 @@
                 </a:rPr>
                 <a:t>2</a:t>
               </a:r>
+            </a:p>
+          </p:txBody>
+        </p:sp>
+      </p:grpSp>
+      <p:grpSp>
+        <p:nvGrpSpPr>
+          <p:cNvPr id="13" name="Group 12">
+            <a:extLst>
+              <a:ext uri="{FF2B5EF4-FFF2-40B4-BE49-F238E27FC236}">
+                <a16:creationId xmlns:a16="http://schemas.microsoft.com/office/drawing/2014/main" id="{46B50931-B151-8947-205A-2AA548190C55}"/>
+              </a:ext>
+            </a:extLst>
+          </p:cNvPr>
+          <p:cNvGrpSpPr/>
+          <p:nvPr/>
+        </p:nvGrpSpPr>
+        <p:grpSpPr>
+          <a:xfrm>
+            <a:off x="9493954" y="7392408"/>
+            <a:ext cx="444660" cy="1384995"/>
+            <a:chOff x="9460088" y="7144053"/>
+            <a:chExt cx="444660" cy="1384995"/>
+          </a:xfrm>
+        </p:grpSpPr>
+        <p:sp>
+          <p:nvSpPr>
+            <p:cNvPr id="1038" name="TextBox 1037">
+              <a:extLst>
+                <a:ext uri="{FF2B5EF4-FFF2-40B4-BE49-F238E27FC236}">
+                  <a16:creationId xmlns:a16="http://schemas.microsoft.com/office/drawing/2014/main" id="{ED1FCA3A-FBFE-B650-0663-2A8B5E9CC55D}"/>
+                </a:ext>
+              </a:extLst>
+            </p:cNvPr>
+            <p:cNvSpPr txBox="1"/>
+            <p:nvPr/>
+          </p:nvSpPr>
+          <p:spPr>
+            <a:xfrm>
+              <a:off x="9635122" y="7144053"/>
+              <a:ext cx="269626" cy="1384995"/>
+            </a:xfrm>
+            <a:prstGeom prst="rect">
+              <a:avLst/>
+            </a:prstGeom>
+            <a:noFill/>
+          </p:spPr>
+          <p:txBody>
+            <a:bodyPr wrap="none" rtlCol="0">
+              <a:spAutoFit/>
+            </a:bodyPr>
+            <a:lstStyle/>
+            <a:p>
+              <a:r>
+                <a:rPr lang="en-US" sz="1200" dirty="0">
+                  <a:latin typeface="Arial" panose="020B0604020202020204" pitchFamily="34" charset="0"/>
+                  <a:cs typeface="Arial" panose="020B0604020202020204" pitchFamily="34" charset="0"/>
+                </a:rPr>
+                <a:t>3</a:t>
+              </a:r>
+            </a:p>
+            <a:p>
+              <a:endParaRPr lang="en-US" sz="400" dirty="0">
+                <a:latin typeface="Arial" panose="020B0604020202020204" pitchFamily="34" charset="0"/>
+                <a:cs typeface="Arial" panose="020B0604020202020204" pitchFamily="34" charset="0"/>
+              </a:endParaRPr>
+            </a:p>
+            <a:p>
+              <a:endParaRPr lang="en-US" sz="400" dirty="0">
+                <a:latin typeface="Arial" panose="020B0604020202020204" pitchFamily="34" charset="0"/>
+                <a:cs typeface="Arial" panose="020B0604020202020204" pitchFamily="34" charset="0"/>
+              </a:endParaRPr>
+            </a:p>
+            <a:p>
+              <a:endParaRPr lang="en-US" sz="400" dirty="0">
+                <a:latin typeface="Arial" panose="020B0604020202020204" pitchFamily="34" charset="0"/>
+                <a:cs typeface="Arial" panose="020B0604020202020204" pitchFamily="34" charset="0"/>
+              </a:endParaRPr>
+            </a:p>
+            <a:p>
+              <a:r>
+                <a:rPr lang="en-US" sz="1200" dirty="0">
+                  <a:latin typeface="Arial" panose="020B0604020202020204" pitchFamily="34" charset="0"/>
+                  <a:cs typeface="Arial" panose="020B0604020202020204" pitchFamily="34" charset="0"/>
+                </a:rPr>
+                <a:t>2</a:t>
+              </a:r>
+            </a:p>
+            <a:p>
+              <a:endParaRPr lang="en-US" sz="400" dirty="0">
+                <a:latin typeface="Arial" panose="020B0604020202020204" pitchFamily="34" charset="0"/>
+                <a:cs typeface="Arial" panose="020B0604020202020204" pitchFamily="34" charset="0"/>
+              </a:endParaRPr>
+            </a:p>
+            <a:p>
+              <a:endParaRPr lang="en-US" sz="400" dirty="0">
+                <a:latin typeface="Arial" panose="020B0604020202020204" pitchFamily="34" charset="0"/>
+                <a:cs typeface="Arial" panose="020B0604020202020204" pitchFamily="34" charset="0"/>
+              </a:endParaRPr>
+            </a:p>
+            <a:p>
+              <a:endParaRPr lang="en-US" sz="400" dirty="0">
+                <a:latin typeface="Arial" panose="020B0604020202020204" pitchFamily="34" charset="0"/>
+                <a:cs typeface="Arial" panose="020B0604020202020204" pitchFamily="34" charset="0"/>
+              </a:endParaRPr>
+            </a:p>
+            <a:p>
+              <a:r>
+                <a:rPr lang="en-US" sz="1200" dirty="0">
+                  <a:latin typeface="Arial" panose="020B0604020202020204" pitchFamily="34" charset="0"/>
+                  <a:cs typeface="Arial" panose="020B0604020202020204" pitchFamily="34" charset="0"/>
+                </a:rPr>
+                <a:t>1</a:t>
+              </a:r>
+            </a:p>
+            <a:p>
+              <a:endParaRPr lang="en-US" sz="1200" dirty="0">
+                <a:latin typeface="Arial" panose="020B0604020202020204" pitchFamily="34" charset="0"/>
+                <a:cs typeface="Arial" panose="020B0604020202020204" pitchFamily="34" charset="0"/>
+              </a:endParaRPr>
+            </a:p>
+            <a:p>
+              <a:endParaRPr lang="en-US" sz="1200" dirty="0">
+                <a:latin typeface="Arial" panose="020B0604020202020204" pitchFamily="34" charset="0"/>
+                <a:cs typeface="Arial" panose="020B0604020202020204" pitchFamily="34" charset="0"/>
+              </a:endParaRPr>
+            </a:p>
+          </p:txBody>
+        </p:sp>
+        <p:sp>
+          <p:nvSpPr>
+            <p:cNvPr id="9" name="Rectangle 8">
+              <a:extLst>
+                <a:ext uri="{FF2B5EF4-FFF2-40B4-BE49-F238E27FC236}">
+                  <a16:creationId xmlns:a16="http://schemas.microsoft.com/office/drawing/2014/main" id="{092DB8FD-2790-1008-4AF4-7A5403E1A0BB}"/>
+                </a:ext>
+              </a:extLst>
+            </p:cNvPr>
+            <p:cNvSpPr/>
+            <p:nvPr/>
+          </p:nvSpPr>
+          <p:spPr>
+            <a:xfrm>
+              <a:off x="9460088" y="7191021"/>
+              <a:ext cx="180622" cy="191912"/>
+            </a:xfrm>
+            <a:prstGeom prst="rect">
+              <a:avLst/>
+            </a:prstGeom>
+            <a:solidFill>
+              <a:srgbClr val="C00000"/>
+            </a:solidFill>
+            <a:ln>
+              <a:noFill/>
+            </a:ln>
+          </p:spPr>
+          <p:style>
+            <a:lnRef idx="2">
+              <a:schemeClr val="accent1">
+                <a:shade val="50000"/>
+              </a:schemeClr>
+            </a:lnRef>
+            <a:fillRef idx="1">
+              <a:schemeClr val="accent1"/>
+            </a:fillRef>
+            <a:effectRef idx="0">
+              <a:schemeClr val="accent1"/>
+            </a:effectRef>
+            <a:fontRef idx="minor">
+              <a:schemeClr val="lt1"/>
+            </a:fontRef>
+          </p:style>
+          <p:txBody>
+            <a:bodyPr rtlCol="0" anchor="ctr"/>
+            <a:lstStyle/>
+            <a:p>
+              <a:pPr algn="ctr"/>
+              <a:endParaRPr lang="en-US"/>
+            </a:p>
+          </p:txBody>
+        </p:sp>
+        <p:sp>
+          <p:nvSpPr>
+            <p:cNvPr id="11" name="Rectangle 10">
+              <a:extLst>
+                <a:ext uri="{FF2B5EF4-FFF2-40B4-BE49-F238E27FC236}">
+                  <a16:creationId xmlns:a16="http://schemas.microsoft.com/office/drawing/2014/main" id="{0707409E-5172-3234-5783-9DCCC47525DA}"/>
+                </a:ext>
+              </a:extLst>
+            </p:cNvPr>
+            <p:cNvSpPr/>
+            <p:nvPr/>
+          </p:nvSpPr>
+          <p:spPr>
+            <a:xfrm>
+              <a:off x="9465733" y="7557910"/>
+              <a:ext cx="180622" cy="191912"/>
+            </a:xfrm>
+            <a:prstGeom prst="rect">
+              <a:avLst/>
+            </a:prstGeom>
+            <a:solidFill>
+              <a:srgbClr val="9C9EBE"/>
+            </a:solidFill>
+            <a:ln>
+              <a:noFill/>
+            </a:ln>
+          </p:spPr>
+          <p:style>
+            <a:lnRef idx="2">
+              <a:schemeClr val="accent1">
+                <a:shade val="50000"/>
+              </a:schemeClr>
+            </a:lnRef>
+            <a:fillRef idx="1">
+              <a:schemeClr val="accent1"/>
+            </a:fillRef>
+            <a:effectRef idx="0">
+              <a:schemeClr val="accent1"/>
+            </a:effectRef>
+            <a:fontRef idx="minor">
+              <a:schemeClr val="lt1"/>
+            </a:fontRef>
+          </p:style>
+          <p:txBody>
+            <a:bodyPr rtlCol="0" anchor="ctr"/>
+            <a:lstStyle/>
+            <a:p>
+              <a:pPr algn="ctr"/>
+              <a:endParaRPr lang="en-US"/>
+            </a:p>
+          </p:txBody>
+        </p:sp>
+        <p:sp>
+          <p:nvSpPr>
+            <p:cNvPr id="12" name="Rectangle 11">
+              <a:extLst>
+                <a:ext uri="{FF2B5EF4-FFF2-40B4-BE49-F238E27FC236}">
+                  <a16:creationId xmlns:a16="http://schemas.microsoft.com/office/drawing/2014/main" id="{2F02311C-131C-3092-6D15-B447EFFCF088}"/>
+                </a:ext>
+              </a:extLst>
+            </p:cNvPr>
+            <p:cNvSpPr/>
+            <p:nvPr/>
+          </p:nvSpPr>
+          <p:spPr>
+            <a:xfrm>
+              <a:off x="9460089" y="7924798"/>
+              <a:ext cx="180622" cy="191912"/>
+            </a:xfrm>
+            <a:prstGeom prst="rect">
+              <a:avLst/>
+            </a:prstGeom>
+            <a:solidFill>
+              <a:srgbClr val="F3CABA"/>
+            </a:solidFill>
+            <a:ln>
+              <a:noFill/>
+            </a:ln>
+          </p:spPr>
+          <p:style>
+            <a:lnRef idx="2">
+              <a:schemeClr val="accent1">
+                <a:shade val="50000"/>
+              </a:schemeClr>
+            </a:lnRef>
+            <a:fillRef idx="1">
+              <a:schemeClr val="accent1"/>
+            </a:fillRef>
+            <a:effectRef idx="0">
+              <a:schemeClr val="accent1"/>
+            </a:effectRef>
+            <a:fontRef idx="minor">
+              <a:schemeClr val="lt1"/>
+            </a:fontRef>
+          </p:style>
+          <p:txBody>
+            <a:bodyPr rtlCol="0" anchor="ctr"/>
+            <a:lstStyle/>
+            <a:p>
+              <a:pPr algn="ctr"/>
+              <a:endParaRPr lang="en-US"/>
             </a:p>
           </p:txBody>
         </p:sp>

--- a/figures/main-figures.pptx
+++ b/figures/main-figures.pptx
@@ -5,10 +5,11 @@
     <p:sldMasterId id="2147483684" r:id="rId1"/>
   </p:sldMasterIdLst>
   <p:notesMasterIdLst>
-    <p:notesMasterId r:id="rId3"/>
+    <p:notesMasterId r:id="rId4"/>
   </p:notesMasterIdLst>
   <p:sldIdLst>
     <p:sldId id="256" r:id="rId2"/>
+    <p:sldId id="257" r:id="rId3"/>
   </p:sldIdLst>
   <p:sldSz cx="18000663" cy="14400213"/>
   <p:notesSz cx="6858000" cy="9144000"/>
@@ -197,7 +198,7 @@
           <a:p>
             <a:fld id="{B7CE4BC6-D327-1C4F-8429-775CD9D39CD2}" type="datetimeFigureOut">
               <a:rPr lang="en-US" smtClean="0"/>
-              <a:t>8/22/25</a:t>
+              <a:t>9/30/25</a:t>
             </a:fld>
             <a:endParaRPr lang="en-US"/>
           </a:p>
@@ -553,6 +554,95 @@
 </p:notes>
 </file>
 
+<file path=ppt/notesSlides/notesSlide2.xml><?xml version="1.0" encoding="utf-8"?>
+<p:notes xmlns:a="http://schemas.openxmlformats.org/drawingml/2006/main" xmlns:r="http://schemas.openxmlformats.org/officeDocument/2006/relationships" xmlns:p="http://schemas.openxmlformats.org/presentationml/2006/main">
+  <p:cSld>
+    <p:spTree>
+      <p:nvGrpSpPr>
+        <p:cNvPr id="1" name=""/>
+        <p:cNvGrpSpPr/>
+        <p:nvPr/>
+      </p:nvGrpSpPr>
+      <p:grpSpPr>
+        <a:xfrm>
+          <a:off x="0" y="0"/>
+          <a:ext cx="0" cy="0"/>
+          <a:chOff x="0" y="0"/>
+          <a:chExt cx="0" cy="0"/>
+        </a:xfrm>
+      </p:grpSpPr>
+      <p:sp>
+        <p:nvSpPr>
+          <p:cNvPr id="2" name="Slide Image Placeholder 1"/>
+          <p:cNvSpPr>
+            <a:spLocks noGrp="1" noRot="1" noChangeAspect="1"/>
+          </p:cNvSpPr>
+          <p:nvPr>
+            <p:ph type="sldImg"/>
+          </p:nvPr>
+        </p:nvSpPr>
+        <p:spPr>
+          <a:xfrm>
+            <a:off x="1500188" y="1143000"/>
+            <a:ext cx="3857625" cy="3086100"/>
+          </a:xfrm>
+        </p:spPr>
+      </p:sp>
+      <p:sp>
+        <p:nvSpPr>
+          <p:cNvPr id="3" name="Notes Placeholder 2"/>
+          <p:cNvSpPr>
+            <a:spLocks noGrp="1"/>
+          </p:cNvSpPr>
+          <p:nvPr>
+            <p:ph type="body" idx="1"/>
+          </p:nvPr>
+        </p:nvSpPr>
+        <p:spPr/>
+        <p:txBody>
+          <a:bodyPr/>
+          <a:lstStyle/>
+          <a:p>
+            <a:endParaRPr lang="en-US" dirty="0"/>
+          </a:p>
+        </p:txBody>
+      </p:sp>
+      <p:sp>
+        <p:nvSpPr>
+          <p:cNvPr id="4" name="Slide Number Placeholder 3"/>
+          <p:cNvSpPr>
+            <a:spLocks noGrp="1"/>
+          </p:cNvSpPr>
+          <p:nvPr>
+            <p:ph type="sldNum" sz="quarter" idx="5"/>
+          </p:nvPr>
+        </p:nvSpPr>
+        <p:spPr/>
+        <p:txBody>
+          <a:bodyPr/>
+          <a:lstStyle/>
+          <a:p>
+            <a:fld id="{0EDDD83D-09B1-744F-A4D6-788A40015F47}" type="slidenum">
+              <a:rPr lang="en-US" smtClean="0"/>
+              <a:t>2</a:t>
+            </a:fld>
+            <a:endParaRPr lang="en-US"/>
+          </a:p>
+        </p:txBody>
+      </p:sp>
+    </p:spTree>
+    <p:extLst>
+      <p:ext uri="{BB962C8B-B14F-4D97-AF65-F5344CB8AC3E}">
+        <p14:creationId xmlns:p14="http://schemas.microsoft.com/office/powerpoint/2010/main" val="3434800687"/>
+      </p:ext>
+    </p:extLst>
+  </p:cSld>
+  <p:clrMapOvr>
+    <a:masterClrMapping/>
+  </p:clrMapOvr>
+</p:notes>
+</file>
+
 <file path=ppt/slideLayouts/slideLayout1.xml><?xml version="1.0" encoding="utf-8"?>
 <p:sldLayout xmlns:a="http://schemas.openxmlformats.org/drawingml/2006/main" xmlns:r="http://schemas.openxmlformats.org/officeDocument/2006/relationships" xmlns:p="http://schemas.openxmlformats.org/presentationml/2006/main" type="title" preserve="1">
   <p:cSld name="Title Slide">
@@ -684,7 +774,7 @@
           <a:p>
             <a:fld id="{3B85B7A5-F096-CF4C-9C20-4BA2556B79B6}" type="datetimeFigureOut">
               <a:rPr lang="en-US" smtClean="0"/>
-              <a:t>8/22/25</a:t>
+              <a:t>9/30/25</a:t>
             </a:fld>
             <a:endParaRPr lang="en-US"/>
           </a:p>
@@ -854,7 +944,7 @@
           <a:p>
             <a:fld id="{3B85B7A5-F096-CF4C-9C20-4BA2556B79B6}" type="datetimeFigureOut">
               <a:rPr lang="en-US" smtClean="0"/>
-              <a:t>8/22/25</a:t>
+              <a:t>9/30/25</a:t>
             </a:fld>
             <a:endParaRPr lang="en-US"/>
           </a:p>
@@ -1034,7 +1124,7 @@
           <a:p>
             <a:fld id="{3B85B7A5-F096-CF4C-9C20-4BA2556B79B6}" type="datetimeFigureOut">
               <a:rPr lang="en-US" smtClean="0"/>
-              <a:t>8/22/25</a:t>
+              <a:t>9/30/25</a:t>
             </a:fld>
             <a:endParaRPr lang="en-US"/>
           </a:p>
@@ -1204,7 +1294,7 @@
           <a:p>
             <a:fld id="{3B85B7A5-F096-CF4C-9C20-4BA2556B79B6}" type="datetimeFigureOut">
               <a:rPr lang="en-US" smtClean="0"/>
-              <a:t>8/22/25</a:t>
+              <a:t>9/30/25</a:t>
             </a:fld>
             <a:endParaRPr lang="en-US"/>
           </a:p>
@@ -1448,7 +1538,7 @@
           <a:p>
             <a:fld id="{3B85B7A5-F096-CF4C-9C20-4BA2556B79B6}" type="datetimeFigureOut">
               <a:rPr lang="en-US" smtClean="0"/>
-              <a:t>8/22/25</a:t>
+              <a:t>9/30/25</a:t>
             </a:fld>
             <a:endParaRPr lang="en-US"/>
           </a:p>
@@ -1680,7 +1770,7 @@
           <a:p>
             <a:fld id="{3B85B7A5-F096-CF4C-9C20-4BA2556B79B6}" type="datetimeFigureOut">
               <a:rPr lang="en-US" smtClean="0"/>
-              <a:t>8/22/25</a:t>
+              <a:t>9/30/25</a:t>
             </a:fld>
             <a:endParaRPr lang="en-US"/>
           </a:p>
@@ -2047,7 +2137,7 @@
           <a:p>
             <a:fld id="{3B85B7A5-F096-CF4C-9C20-4BA2556B79B6}" type="datetimeFigureOut">
               <a:rPr lang="en-US" smtClean="0"/>
-              <a:t>8/22/25</a:t>
+              <a:t>9/30/25</a:t>
             </a:fld>
             <a:endParaRPr lang="en-US"/>
           </a:p>
@@ -2165,7 +2255,7 @@
           <a:p>
             <a:fld id="{3B85B7A5-F096-CF4C-9C20-4BA2556B79B6}" type="datetimeFigureOut">
               <a:rPr lang="en-US" smtClean="0"/>
-              <a:t>8/22/25</a:t>
+              <a:t>9/30/25</a:t>
             </a:fld>
             <a:endParaRPr lang="en-US"/>
           </a:p>
@@ -2260,7 +2350,7 @@
           <a:p>
             <a:fld id="{3B85B7A5-F096-CF4C-9C20-4BA2556B79B6}" type="datetimeFigureOut">
               <a:rPr lang="en-US" smtClean="0"/>
-              <a:t>8/22/25</a:t>
+              <a:t>9/30/25</a:t>
             </a:fld>
             <a:endParaRPr lang="en-US"/>
           </a:p>
@@ -2537,7 +2627,7 @@
           <a:p>
             <a:fld id="{3B85B7A5-F096-CF4C-9C20-4BA2556B79B6}" type="datetimeFigureOut">
               <a:rPr lang="en-US" smtClean="0"/>
-              <a:t>8/22/25</a:t>
+              <a:t>9/30/25</a:t>
             </a:fld>
             <a:endParaRPr lang="en-US"/>
           </a:p>
@@ -2794,7 +2884,7 @@
           <a:p>
             <a:fld id="{3B85B7A5-F096-CF4C-9C20-4BA2556B79B6}" type="datetimeFigureOut">
               <a:rPr lang="en-US" smtClean="0"/>
-              <a:t>8/22/25</a:t>
+              <a:t>9/30/25</a:t>
             </a:fld>
             <a:endParaRPr lang="en-US"/>
           </a:p>
@@ -3007,7 +3097,7 @@
           <a:p>
             <a:fld id="{3B85B7A5-F096-CF4C-9C20-4BA2556B79B6}" type="datetimeFigureOut">
               <a:rPr lang="en-US" smtClean="0"/>
-              <a:t>8/22/25</a:t>
+              <a:t>9/30/25</a:t>
             </a:fld>
             <a:endParaRPr lang="en-US"/>
           </a:p>
@@ -8522,6 +8612,4326 @@
     <p:extLst>
       <p:ext uri="{BB962C8B-B14F-4D97-AF65-F5344CB8AC3E}">
         <p14:creationId xmlns:p14="http://schemas.microsoft.com/office/powerpoint/2010/main" val="1320583270"/>
+      </p:ext>
+    </p:extLst>
+  </p:cSld>
+  <p:clrMapOvr>
+    <a:masterClrMapping/>
+  </p:clrMapOvr>
+</p:sld>
+</file>
+
+<file path=ppt/slides/slide2.xml><?xml version="1.0" encoding="utf-8"?>
+<p:sld xmlns:a="http://schemas.openxmlformats.org/drawingml/2006/main" xmlns:r="http://schemas.openxmlformats.org/officeDocument/2006/relationships" xmlns:p="http://schemas.openxmlformats.org/presentationml/2006/main">
+  <p:cSld>
+    <p:spTree>
+      <p:nvGrpSpPr>
+        <p:cNvPr id="1" name=""/>
+        <p:cNvGrpSpPr/>
+        <p:nvPr/>
+      </p:nvGrpSpPr>
+      <p:grpSpPr>
+        <a:xfrm>
+          <a:off x="0" y="0"/>
+          <a:ext cx="0" cy="0"/>
+          <a:chOff x="0" y="0"/>
+          <a:chExt cx="0" cy="0"/>
+        </a:xfrm>
+      </p:grpSpPr>
+      <p:pic>
+        <p:nvPicPr>
+          <p:cNvPr id="1054" name="Picture 1053" descr="A comparison of a graph&#10;&#10;Description automatically generated with medium confidence">
+            <a:extLst>
+              <a:ext uri="{FF2B5EF4-FFF2-40B4-BE49-F238E27FC236}">
+                <a16:creationId xmlns:a16="http://schemas.microsoft.com/office/drawing/2014/main" id="{601CBA8F-E743-A9BD-E797-B7C1458B01BE}"/>
+              </a:ext>
+            </a:extLst>
+          </p:cNvPr>
+          <p:cNvPicPr>
+            <a:picLocks noChangeAspect="1"/>
+          </p:cNvPicPr>
+          <p:nvPr/>
+        </p:nvPicPr>
+        <p:blipFill>
+          <a:blip r:embed="rId3"/>
+          <a:stretch>
+            <a:fillRect/>
+          </a:stretch>
+        </p:blipFill>
+        <p:spPr>
+          <a:xfrm>
+            <a:off x="2626035" y="9926800"/>
+            <a:ext cx="7962451" cy="3704752"/>
+          </a:xfrm>
+          <a:prstGeom prst="rect">
+            <a:avLst/>
+          </a:prstGeom>
+        </p:spPr>
+      </p:pic>
+      <p:cxnSp>
+        <p:nvCxnSpPr>
+          <p:cNvPr id="24" name="Straight Connector 23">
+            <a:extLst>
+              <a:ext uri="{FF2B5EF4-FFF2-40B4-BE49-F238E27FC236}">
+                <a16:creationId xmlns:a16="http://schemas.microsoft.com/office/drawing/2014/main" id="{CB28AF64-5FE2-4177-B896-B673AA63A8AF}"/>
+              </a:ext>
+            </a:extLst>
+          </p:cNvPr>
+          <p:cNvCxnSpPr>
+            <a:cxnSpLocks/>
+          </p:cNvCxnSpPr>
+          <p:nvPr/>
+        </p:nvCxnSpPr>
+        <p:spPr>
+          <a:xfrm flipV="1">
+            <a:off x="2947855" y="6388189"/>
+            <a:ext cx="2338447" cy="2260401"/>
+          </a:xfrm>
+          <a:prstGeom prst="line">
+            <a:avLst/>
+          </a:prstGeom>
+          <a:ln w="28575">
+            <a:solidFill>
+              <a:schemeClr val="bg2">
+                <a:lumMod val="75000"/>
+              </a:schemeClr>
+            </a:solidFill>
+            <a:prstDash val="dash"/>
+          </a:ln>
+        </p:spPr>
+        <p:style>
+          <a:lnRef idx="1">
+            <a:schemeClr val="accent1"/>
+          </a:lnRef>
+          <a:fillRef idx="0">
+            <a:schemeClr val="accent1"/>
+          </a:fillRef>
+          <a:effectRef idx="0">
+            <a:schemeClr val="accent1"/>
+          </a:effectRef>
+          <a:fontRef idx="minor">
+            <a:schemeClr val="tx1"/>
+          </a:fontRef>
+        </p:style>
+      </p:cxnSp>
+      <p:cxnSp>
+        <p:nvCxnSpPr>
+          <p:cNvPr id="25" name="Straight Connector 24">
+            <a:extLst>
+              <a:ext uri="{FF2B5EF4-FFF2-40B4-BE49-F238E27FC236}">
+                <a16:creationId xmlns:a16="http://schemas.microsoft.com/office/drawing/2014/main" id="{915F6282-2B1B-228A-1F2A-09866CEF00ED}"/>
+              </a:ext>
+            </a:extLst>
+          </p:cNvPr>
+          <p:cNvCxnSpPr>
+            <a:cxnSpLocks/>
+          </p:cNvCxnSpPr>
+          <p:nvPr/>
+        </p:nvCxnSpPr>
+        <p:spPr>
+          <a:xfrm flipV="1">
+            <a:off x="6280191" y="6388189"/>
+            <a:ext cx="2338447" cy="2260401"/>
+          </a:xfrm>
+          <a:prstGeom prst="line">
+            <a:avLst/>
+          </a:prstGeom>
+          <a:ln w="28575">
+            <a:solidFill>
+              <a:schemeClr val="bg2">
+                <a:lumMod val="75000"/>
+              </a:schemeClr>
+            </a:solidFill>
+            <a:prstDash val="dash"/>
+          </a:ln>
+        </p:spPr>
+        <p:style>
+          <a:lnRef idx="1">
+            <a:schemeClr val="accent1"/>
+          </a:lnRef>
+          <a:fillRef idx="0">
+            <a:schemeClr val="accent1"/>
+          </a:fillRef>
+          <a:effectRef idx="0">
+            <a:schemeClr val="accent1"/>
+          </a:effectRef>
+          <a:fontRef idx="minor">
+            <a:schemeClr val="tx1"/>
+          </a:fontRef>
+        </p:style>
+      </p:cxnSp>
+      <p:sp>
+        <p:nvSpPr>
+          <p:cNvPr id="26" name="TextBox 25">
+            <a:extLst>
+              <a:ext uri="{FF2B5EF4-FFF2-40B4-BE49-F238E27FC236}">
+                <a16:creationId xmlns:a16="http://schemas.microsoft.com/office/drawing/2014/main" id="{E66A50E0-3856-12B0-11FA-69AE0CB6C6F8}"/>
+              </a:ext>
+            </a:extLst>
+          </p:cNvPr>
+          <p:cNvSpPr txBox="1"/>
+          <p:nvPr/>
+        </p:nvSpPr>
+        <p:spPr>
+          <a:xfrm>
+            <a:off x="2778357" y="8928763"/>
+            <a:ext cx="2969083" cy="338554"/>
+          </a:xfrm>
+          <a:prstGeom prst="rect">
+            <a:avLst/>
+          </a:prstGeom>
+          <a:noFill/>
+        </p:spPr>
+        <p:txBody>
+          <a:bodyPr wrap="none" rtlCol="0">
+            <a:spAutoFit/>
+          </a:bodyPr>
+          <a:lstStyle/>
+          <a:p>
+            <a:r>
+              <a:rPr lang="en-US" sz="1600" dirty="0">
+                <a:latin typeface="Arial" panose="020B0604020202020204" pitchFamily="34" charset="0"/>
+                <a:cs typeface="Arial" panose="020B0604020202020204" pitchFamily="34" charset="0"/>
+              </a:rPr>
+              <a:t>Potential dispersal rate (km/yr)</a:t>
+            </a:r>
+          </a:p>
+        </p:txBody>
+      </p:sp>
+      <p:cxnSp>
+        <p:nvCxnSpPr>
+          <p:cNvPr id="27" name="Straight Connector 26">
+            <a:extLst>
+              <a:ext uri="{FF2B5EF4-FFF2-40B4-BE49-F238E27FC236}">
+                <a16:creationId xmlns:a16="http://schemas.microsoft.com/office/drawing/2014/main" id="{0FA6EB6D-AE5C-F6C5-BA2C-2015A0A54EB3}"/>
+              </a:ext>
+            </a:extLst>
+          </p:cNvPr>
+          <p:cNvCxnSpPr>
+            <a:cxnSpLocks/>
+          </p:cNvCxnSpPr>
+          <p:nvPr/>
+        </p:nvCxnSpPr>
+        <p:spPr>
+          <a:xfrm flipV="1">
+            <a:off x="4041291" y="7030717"/>
+            <a:ext cx="562778" cy="562105"/>
+          </a:xfrm>
+          <a:prstGeom prst="line">
+            <a:avLst/>
+          </a:prstGeom>
+          <a:ln w="38100">
+            <a:solidFill>
+              <a:srgbClr val="B2172B"/>
+            </a:solidFill>
+          </a:ln>
+        </p:spPr>
+        <p:style>
+          <a:lnRef idx="1">
+            <a:schemeClr val="accent1"/>
+          </a:lnRef>
+          <a:fillRef idx="0">
+            <a:schemeClr val="accent1"/>
+          </a:fillRef>
+          <a:effectRef idx="0">
+            <a:schemeClr val="accent1"/>
+          </a:effectRef>
+          <a:fontRef idx="minor">
+            <a:schemeClr val="tx1"/>
+          </a:fontRef>
+        </p:style>
+      </p:cxnSp>
+      <p:cxnSp>
+        <p:nvCxnSpPr>
+          <p:cNvPr id="28" name="Straight Connector 27">
+            <a:extLst>
+              <a:ext uri="{FF2B5EF4-FFF2-40B4-BE49-F238E27FC236}">
+                <a16:creationId xmlns:a16="http://schemas.microsoft.com/office/drawing/2014/main" id="{8BC36E59-43AB-2F5D-BD23-8D8DEC84B4D9}"/>
+              </a:ext>
+            </a:extLst>
+          </p:cNvPr>
+          <p:cNvCxnSpPr>
+            <a:cxnSpLocks/>
+          </p:cNvCxnSpPr>
+          <p:nvPr/>
+        </p:nvCxnSpPr>
+        <p:spPr>
+          <a:xfrm>
+            <a:off x="4601402" y="7044217"/>
+            <a:ext cx="1018602" cy="0"/>
+          </a:xfrm>
+          <a:prstGeom prst="line">
+            <a:avLst/>
+          </a:prstGeom>
+          <a:ln w="38100">
+            <a:solidFill>
+              <a:srgbClr val="B2172B"/>
+            </a:solidFill>
+          </a:ln>
+        </p:spPr>
+        <p:style>
+          <a:lnRef idx="1">
+            <a:schemeClr val="accent1"/>
+          </a:lnRef>
+          <a:fillRef idx="0">
+            <a:schemeClr val="accent1"/>
+          </a:fillRef>
+          <a:effectRef idx="0">
+            <a:schemeClr val="accent1"/>
+          </a:effectRef>
+          <a:fontRef idx="minor">
+            <a:schemeClr val="tx1"/>
+          </a:fontRef>
+        </p:style>
+      </p:cxnSp>
+      <p:cxnSp>
+        <p:nvCxnSpPr>
+          <p:cNvPr id="29" name="Straight Connector 28">
+            <a:extLst>
+              <a:ext uri="{FF2B5EF4-FFF2-40B4-BE49-F238E27FC236}">
+                <a16:creationId xmlns:a16="http://schemas.microsoft.com/office/drawing/2014/main" id="{0508A0BF-C736-0203-97B0-7891F3034E3F}"/>
+              </a:ext>
+            </a:extLst>
+          </p:cNvPr>
+          <p:cNvCxnSpPr>
+            <a:cxnSpLocks/>
+          </p:cNvCxnSpPr>
+          <p:nvPr/>
+        </p:nvCxnSpPr>
+        <p:spPr>
+          <a:xfrm flipV="1">
+            <a:off x="2959354" y="7551575"/>
+            <a:ext cx="1119260" cy="1112760"/>
+          </a:xfrm>
+          <a:prstGeom prst="line">
+            <a:avLst/>
+          </a:prstGeom>
+          <a:ln w="38100">
+            <a:solidFill>
+              <a:srgbClr val="F3CABA"/>
+            </a:solidFill>
+          </a:ln>
+        </p:spPr>
+        <p:style>
+          <a:lnRef idx="1">
+            <a:schemeClr val="accent1"/>
+          </a:lnRef>
+          <a:fillRef idx="0">
+            <a:schemeClr val="accent1"/>
+          </a:fillRef>
+          <a:effectRef idx="0">
+            <a:schemeClr val="accent1"/>
+          </a:effectRef>
+          <a:fontRef idx="minor">
+            <a:schemeClr val="tx1"/>
+          </a:fontRef>
+        </p:style>
+      </p:cxnSp>
+      <p:cxnSp>
+        <p:nvCxnSpPr>
+          <p:cNvPr id="30" name="Straight Connector 29">
+            <a:extLst>
+              <a:ext uri="{FF2B5EF4-FFF2-40B4-BE49-F238E27FC236}">
+                <a16:creationId xmlns:a16="http://schemas.microsoft.com/office/drawing/2014/main" id="{648454D4-21E2-538C-A81D-8504C6155B85}"/>
+              </a:ext>
+            </a:extLst>
+          </p:cNvPr>
+          <p:cNvCxnSpPr>
+            <a:cxnSpLocks/>
+          </p:cNvCxnSpPr>
+          <p:nvPr/>
+        </p:nvCxnSpPr>
+        <p:spPr>
+          <a:xfrm>
+            <a:off x="4059322" y="7563712"/>
+            <a:ext cx="1547982" cy="0"/>
+          </a:xfrm>
+          <a:prstGeom prst="line">
+            <a:avLst/>
+          </a:prstGeom>
+          <a:ln w="38100">
+            <a:solidFill>
+              <a:srgbClr val="F3CABA"/>
+            </a:solidFill>
+          </a:ln>
+        </p:spPr>
+        <p:style>
+          <a:lnRef idx="1">
+            <a:schemeClr val="accent1"/>
+          </a:lnRef>
+          <a:fillRef idx="0">
+            <a:schemeClr val="accent1"/>
+          </a:fillRef>
+          <a:effectRef idx="0">
+            <a:schemeClr val="accent1"/>
+          </a:effectRef>
+          <a:fontRef idx="minor">
+            <a:schemeClr val="tx1"/>
+          </a:fontRef>
+        </p:style>
+      </p:cxnSp>
+      <p:cxnSp>
+        <p:nvCxnSpPr>
+          <p:cNvPr id="31" name="Straight Connector 30">
+            <a:extLst>
+              <a:ext uri="{FF2B5EF4-FFF2-40B4-BE49-F238E27FC236}">
+                <a16:creationId xmlns:a16="http://schemas.microsoft.com/office/drawing/2014/main" id="{5F7C059A-F43D-26E2-8D16-8C364F870365}"/>
+              </a:ext>
+            </a:extLst>
+          </p:cNvPr>
+          <p:cNvCxnSpPr>
+            <a:cxnSpLocks/>
+          </p:cNvCxnSpPr>
+          <p:nvPr/>
+        </p:nvCxnSpPr>
+        <p:spPr>
+          <a:xfrm flipV="1">
+            <a:off x="2941983" y="8118735"/>
+            <a:ext cx="562490" cy="561187"/>
+          </a:xfrm>
+          <a:prstGeom prst="line">
+            <a:avLst/>
+          </a:prstGeom>
+          <a:ln w="38100">
+            <a:solidFill>
+              <a:srgbClr val="9C9EBE"/>
+            </a:solidFill>
+          </a:ln>
+        </p:spPr>
+        <p:style>
+          <a:lnRef idx="1">
+            <a:schemeClr val="accent1"/>
+          </a:lnRef>
+          <a:fillRef idx="0">
+            <a:schemeClr val="accent1"/>
+          </a:fillRef>
+          <a:effectRef idx="0">
+            <a:schemeClr val="accent1"/>
+          </a:effectRef>
+          <a:fontRef idx="minor">
+            <a:schemeClr val="tx1"/>
+          </a:fontRef>
+        </p:style>
+      </p:cxnSp>
+      <p:cxnSp>
+        <p:nvCxnSpPr>
+          <p:cNvPr id="32" name="Straight Connector 31">
+            <a:extLst>
+              <a:ext uri="{FF2B5EF4-FFF2-40B4-BE49-F238E27FC236}">
+                <a16:creationId xmlns:a16="http://schemas.microsoft.com/office/drawing/2014/main" id="{1581D6B6-C1BF-83D0-2BA4-3E84E59A7E0A}"/>
+              </a:ext>
+            </a:extLst>
+          </p:cNvPr>
+          <p:cNvCxnSpPr>
+            <a:cxnSpLocks/>
+          </p:cNvCxnSpPr>
+          <p:nvPr/>
+        </p:nvCxnSpPr>
+        <p:spPr>
+          <a:xfrm>
+            <a:off x="3505666" y="8132800"/>
+            <a:ext cx="2088939" cy="0"/>
+          </a:xfrm>
+          <a:prstGeom prst="line">
+            <a:avLst/>
+          </a:prstGeom>
+          <a:ln w="38100">
+            <a:solidFill>
+              <a:srgbClr val="9C9EBE"/>
+            </a:solidFill>
+          </a:ln>
+        </p:spPr>
+        <p:style>
+          <a:lnRef idx="1">
+            <a:schemeClr val="accent1"/>
+          </a:lnRef>
+          <a:fillRef idx="0">
+            <a:schemeClr val="accent1"/>
+          </a:fillRef>
+          <a:effectRef idx="0">
+            <a:schemeClr val="accent1"/>
+          </a:effectRef>
+          <a:fontRef idx="minor">
+            <a:schemeClr val="tx1"/>
+          </a:fontRef>
+        </p:style>
+      </p:cxnSp>
+      <p:sp>
+        <p:nvSpPr>
+          <p:cNvPr id="33" name="TextBox 32">
+            <a:extLst>
+              <a:ext uri="{FF2B5EF4-FFF2-40B4-BE49-F238E27FC236}">
+                <a16:creationId xmlns:a16="http://schemas.microsoft.com/office/drawing/2014/main" id="{98E855DD-B14A-3F76-08DB-64105E5EBCFF}"/>
+              </a:ext>
+            </a:extLst>
+          </p:cNvPr>
+          <p:cNvSpPr txBox="1"/>
+          <p:nvPr/>
+        </p:nvSpPr>
+        <p:spPr>
+          <a:xfrm>
+            <a:off x="2631776" y="5699627"/>
+            <a:ext cx="269626" cy="2677656"/>
+          </a:xfrm>
+          <a:prstGeom prst="rect">
+            <a:avLst/>
+          </a:prstGeom>
+          <a:noFill/>
+        </p:spPr>
+        <p:txBody>
+          <a:bodyPr wrap="none" rtlCol="0">
+            <a:spAutoFit/>
+          </a:bodyPr>
+          <a:lstStyle/>
+          <a:p>
+            <a:endParaRPr lang="en-US" sz="1200" dirty="0">
+              <a:latin typeface="Arial" panose="020B0604020202020204" pitchFamily="34" charset="0"/>
+              <a:cs typeface="Arial" panose="020B0604020202020204" pitchFamily="34" charset="0"/>
+            </a:endParaRPr>
+          </a:p>
+          <a:p>
+            <a:endParaRPr lang="en-US" sz="1200" dirty="0">
+              <a:latin typeface="Arial" panose="020B0604020202020204" pitchFamily="34" charset="0"/>
+              <a:cs typeface="Arial" panose="020B0604020202020204" pitchFamily="34" charset="0"/>
+            </a:endParaRPr>
+          </a:p>
+          <a:p>
+            <a:endParaRPr lang="en-US" sz="1200" dirty="0">
+              <a:latin typeface="Arial" panose="020B0604020202020204" pitchFamily="34" charset="0"/>
+              <a:cs typeface="Arial" panose="020B0604020202020204" pitchFamily="34" charset="0"/>
+            </a:endParaRPr>
+          </a:p>
+          <a:p>
+            <a:r>
+              <a:rPr lang="en-US" sz="1200" dirty="0">
+                <a:latin typeface="Arial" panose="020B0604020202020204" pitchFamily="34" charset="0"/>
+                <a:cs typeface="Arial" panose="020B0604020202020204" pitchFamily="34" charset="0"/>
+              </a:rPr>
+              <a:t>4</a:t>
+            </a:r>
+          </a:p>
+          <a:p>
+            <a:endParaRPr lang="en-US" sz="1200" dirty="0">
+              <a:latin typeface="Arial" panose="020B0604020202020204" pitchFamily="34" charset="0"/>
+              <a:cs typeface="Arial" panose="020B0604020202020204" pitchFamily="34" charset="0"/>
+            </a:endParaRPr>
+          </a:p>
+          <a:p>
+            <a:endParaRPr lang="en-US" sz="1200" dirty="0">
+              <a:latin typeface="Arial" panose="020B0604020202020204" pitchFamily="34" charset="0"/>
+              <a:cs typeface="Arial" panose="020B0604020202020204" pitchFamily="34" charset="0"/>
+            </a:endParaRPr>
+          </a:p>
+          <a:p>
+            <a:r>
+              <a:rPr lang="en-US" sz="1200" dirty="0">
+                <a:latin typeface="Arial" panose="020B0604020202020204" pitchFamily="34" charset="0"/>
+                <a:cs typeface="Arial" panose="020B0604020202020204" pitchFamily="34" charset="0"/>
+              </a:rPr>
+              <a:t>3</a:t>
+            </a:r>
+          </a:p>
+          <a:p>
+            <a:endParaRPr lang="en-US" sz="1200" dirty="0">
+              <a:latin typeface="Arial" panose="020B0604020202020204" pitchFamily="34" charset="0"/>
+              <a:cs typeface="Arial" panose="020B0604020202020204" pitchFamily="34" charset="0"/>
+            </a:endParaRPr>
+          </a:p>
+          <a:p>
+            <a:endParaRPr lang="en-US" sz="1200" dirty="0">
+              <a:latin typeface="Arial" panose="020B0604020202020204" pitchFamily="34" charset="0"/>
+              <a:cs typeface="Arial" panose="020B0604020202020204" pitchFamily="34" charset="0"/>
+            </a:endParaRPr>
+          </a:p>
+          <a:p>
+            <a:r>
+              <a:rPr lang="en-US" sz="1200" dirty="0">
+                <a:latin typeface="Arial" panose="020B0604020202020204" pitchFamily="34" charset="0"/>
+                <a:cs typeface="Arial" panose="020B0604020202020204" pitchFamily="34" charset="0"/>
+              </a:rPr>
+              <a:t>2</a:t>
+            </a:r>
+          </a:p>
+          <a:p>
+            <a:endParaRPr lang="en-US" sz="1200" dirty="0">
+              <a:latin typeface="Arial" panose="020B0604020202020204" pitchFamily="34" charset="0"/>
+              <a:cs typeface="Arial" panose="020B0604020202020204" pitchFamily="34" charset="0"/>
+            </a:endParaRPr>
+          </a:p>
+          <a:p>
+            <a:endParaRPr lang="en-US" sz="1200" dirty="0">
+              <a:latin typeface="Arial" panose="020B0604020202020204" pitchFamily="34" charset="0"/>
+              <a:cs typeface="Arial" panose="020B0604020202020204" pitchFamily="34" charset="0"/>
+            </a:endParaRPr>
+          </a:p>
+          <a:p>
+            <a:r>
+              <a:rPr lang="en-US" sz="1200" dirty="0">
+                <a:latin typeface="Arial" panose="020B0604020202020204" pitchFamily="34" charset="0"/>
+                <a:cs typeface="Arial" panose="020B0604020202020204" pitchFamily="34" charset="0"/>
+              </a:rPr>
+              <a:t>1</a:t>
+            </a:r>
+          </a:p>
+          <a:p>
+            <a:endParaRPr lang="en-US" sz="1200" dirty="0">
+              <a:latin typeface="Arial" panose="020B0604020202020204" pitchFamily="34" charset="0"/>
+              <a:cs typeface="Arial" panose="020B0604020202020204" pitchFamily="34" charset="0"/>
+            </a:endParaRPr>
+          </a:p>
+        </p:txBody>
+      </p:sp>
+      <p:sp>
+        <p:nvSpPr>
+          <p:cNvPr id="34" name="TextBox 33">
+            <a:extLst>
+              <a:ext uri="{FF2B5EF4-FFF2-40B4-BE49-F238E27FC236}">
+                <a16:creationId xmlns:a16="http://schemas.microsoft.com/office/drawing/2014/main" id="{FCD032D6-7700-C6E6-8D30-DA1490FD0ADF}"/>
+              </a:ext>
+            </a:extLst>
+          </p:cNvPr>
+          <p:cNvSpPr txBox="1"/>
+          <p:nvPr/>
+        </p:nvSpPr>
+        <p:spPr>
+          <a:xfrm>
+            <a:off x="3409210" y="8709045"/>
+            <a:ext cx="2891743" cy="276999"/>
+          </a:xfrm>
+          <a:prstGeom prst="rect">
+            <a:avLst/>
+          </a:prstGeom>
+          <a:noFill/>
+        </p:spPr>
+        <p:txBody>
+          <a:bodyPr wrap="square" rtlCol="0">
+            <a:spAutoFit/>
+          </a:bodyPr>
+          <a:lstStyle/>
+          <a:p>
+            <a:r>
+              <a:rPr lang="en-US" sz="1200" dirty="0">
+                <a:latin typeface="Arial" panose="020B0604020202020204" pitchFamily="34" charset="0"/>
+                <a:cs typeface="Arial" panose="020B0604020202020204" pitchFamily="34" charset="0"/>
+              </a:rPr>
+              <a:t>1            2            3            4             </a:t>
+            </a:r>
+          </a:p>
+        </p:txBody>
+      </p:sp>
+      <p:sp>
+        <p:nvSpPr>
+          <p:cNvPr id="35" name="TextBox 34">
+            <a:extLst>
+              <a:ext uri="{FF2B5EF4-FFF2-40B4-BE49-F238E27FC236}">
+                <a16:creationId xmlns:a16="http://schemas.microsoft.com/office/drawing/2014/main" id="{19791573-3401-4971-ADA8-3AF61D544D21}"/>
+              </a:ext>
+            </a:extLst>
+          </p:cNvPr>
+          <p:cNvSpPr txBox="1"/>
+          <p:nvPr/>
+        </p:nvSpPr>
+        <p:spPr>
+          <a:xfrm>
+            <a:off x="2846459" y="6117213"/>
+            <a:ext cx="569481" cy="338554"/>
+          </a:xfrm>
+          <a:prstGeom prst="rect">
+            <a:avLst/>
+          </a:prstGeom>
+          <a:noFill/>
+        </p:spPr>
+        <p:txBody>
+          <a:bodyPr wrap="square" rtlCol="0">
+            <a:spAutoFit/>
+          </a:bodyPr>
+          <a:lstStyle/>
+          <a:p>
+            <a:pPr algn="ctr"/>
+            <a:r>
+              <a:rPr lang="en-US" sz="1600" dirty="0">
+                <a:solidFill>
+                  <a:schemeClr val="bg2">
+                    <a:lumMod val="75000"/>
+                  </a:schemeClr>
+                </a:solidFill>
+                <a:latin typeface="Arial" panose="020B0604020202020204" pitchFamily="34" charset="0"/>
+                <a:cs typeface="Arial" panose="020B0604020202020204" pitchFamily="34" charset="0"/>
+              </a:rPr>
+              <a:t>a)</a:t>
+            </a:r>
+          </a:p>
+        </p:txBody>
+      </p:sp>
+      <p:sp>
+        <p:nvSpPr>
+          <p:cNvPr id="36" name="Oval 35">
+            <a:extLst>
+              <a:ext uri="{FF2B5EF4-FFF2-40B4-BE49-F238E27FC236}">
+                <a16:creationId xmlns:a16="http://schemas.microsoft.com/office/drawing/2014/main" id="{BEE8699E-F273-6FF7-DC63-85059E130FD0}"/>
+              </a:ext>
+            </a:extLst>
+          </p:cNvPr>
+          <p:cNvSpPr/>
+          <p:nvPr/>
+        </p:nvSpPr>
+        <p:spPr>
+          <a:xfrm>
+            <a:off x="3549478" y="7954657"/>
+            <a:ext cx="141515" cy="130629"/>
+          </a:xfrm>
+          <a:prstGeom prst="ellipse">
+            <a:avLst/>
+          </a:prstGeom>
+          <a:solidFill>
+            <a:srgbClr val="B2172B"/>
+          </a:solidFill>
+          <a:ln w="19050">
+            <a:solidFill>
+              <a:schemeClr val="tx1"/>
+            </a:solidFill>
+          </a:ln>
+        </p:spPr>
+        <p:style>
+          <a:lnRef idx="2">
+            <a:schemeClr val="accent1">
+              <a:shade val="50000"/>
+            </a:schemeClr>
+          </a:lnRef>
+          <a:fillRef idx="1">
+            <a:schemeClr val="accent1"/>
+          </a:fillRef>
+          <a:effectRef idx="0">
+            <a:schemeClr val="accent1"/>
+          </a:effectRef>
+          <a:fontRef idx="minor">
+            <a:schemeClr val="lt1"/>
+          </a:fontRef>
+        </p:style>
+        <p:txBody>
+          <a:bodyPr rtlCol="0" anchor="ctr"/>
+          <a:lstStyle/>
+          <a:p>
+            <a:pPr algn="ctr"/>
+            <a:endParaRPr lang="en-US">
+              <a:solidFill>
+                <a:schemeClr val="accent2">
+                  <a:lumMod val="50000"/>
+                </a:schemeClr>
+              </a:solidFill>
+            </a:endParaRPr>
+          </a:p>
+        </p:txBody>
+      </p:sp>
+      <p:sp>
+        <p:nvSpPr>
+          <p:cNvPr id="37" name="Oval 36">
+            <a:extLst>
+              <a:ext uri="{FF2B5EF4-FFF2-40B4-BE49-F238E27FC236}">
+                <a16:creationId xmlns:a16="http://schemas.microsoft.com/office/drawing/2014/main" id="{354D3C8F-B1BA-6D29-DC90-52EDBF833981}"/>
+              </a:ext>
+            </a:extLst>
+          </p:cNvPr>
+          <p:cNvSpPr/>
+          <p:nvPr/>
+        </p:nvSpPr>
+        <p:spPr>
+          <a:xfrm>
+            <a:off x="4402479" y="7093583"/>
+            <a:ext cx="141515" cy="130629"/>
+          </a:xfrm>
+          <a:prstGeom prst="ellipse">
+            <a:avLst/>
+          </a:prstGeom>
+          <a:solidFill>
+            <a:srgbClr val="B2172B"/>
+          </a:solidFill>
+          <a:ln w="19050">
+            <a:solidFill>
+              <a:schemeClr val="tx1"/>
+            </a:solidFill>
+          </a:ln>
+        </p:spPr>
+        <p:style>
+          <a:lnRef idx="2">
+            <a:schemeClr val="accent1">
+              <a:shade val="50000"/>
+            </a:schemeClr>
+          </a:lnRef>
+          <a:fillRef idx="1">
+            <a:schemeClr val="accent1"/>
+          </a:fillRef>
+          <a:effectRef idx="0">
+            <a:schemeClr val="accent1"/>
+          </a:effectRef>
+          <a:fontRef idx="minor">
+            <a:schemeClr val="lt1"/>
+          </a:fontRef>
+        </p:style>
+        <p:txBody>
+          <a:bodyPr rtlCol="0" anchor="ctr"/>
+          <a:lstStyle/>
+          <a:p>
+            <a:pPr algn="ctr"/>
+            <a:endParaRPr lang="en-US">
+              <a:solidFill>
+                <a:schemeClr val="accent2">
+                  <a:lumMod val="50000"/>
+                </a:schemeClr>
+              </a:solidFill>
+            </a:endParaRPr>
+          </a:p>
+        </p:txBody>
+      </p:sp>
+      <p:sp>
+        <p:nvSpPr>
+          <p:cNvPr id="38" name="Oval 37">
+            <a:extLst>
+              <a:ext uri="{FF2B5EF4-FFF2-40B4-BE49-F238E27FC236}">
+                <a16:creationId xmlns:a16="http://schemas.microsoft.com/office/drawing/2014/main" id="{10BECA27-75D0-9CB3-CB85-06E4F830C2EA}"/>
+              </a:ext>
+            </a:extLst>
+          </p:cNvPr>
+          <p:cNvSpPr/>
+          <p:nvPr/>
+        </p:nvSpPr>
+        <p:spPr>
+          <a:xfrm>
+            <a:off x="5048715" y="6982792"/>
+            <a:ext cx="141515" cy="130629"/>
+          </a:xfrm>
+          <a:prstGeom prst="ellipse">
+            <a:avLst/>
+          </a:prstGeom>
+          <a:solidFill>
+            <a:srgbClr val="B2172B"/>
+          </a:solidFill>
+          <a:ln>
+            <a:solidFill>
+              <a:srgbClr val="B2172B"/>
+            </a:solidFill>
+          </a:ln>
+        </p:spPr>
+        <p:style>
+          <a:lnRef idx="2">
+            <a:schemeClr val="accent1">
+              <a:shade val="50000"/>
+            </a:schemeClr>
+          </a:lnRef>
+          <a:fillRef idx="1">
+            <a:schemeClr val="accent1"/>
+          </a:fillRef>
+          <a:effectRef idx="0">
+            <a:schemeClr val="accent1"/>
+          </a:effectRef>
+          <a:fontRef idx="minor">
+            <a:schemeClr val="lt1"/>
+          </a:fontRef>
+        </p:style>
+        <p:txBody>
+          <a:bodyPr rtlCol="0" anchor="ctr"/>
+          <a:lstStyle/>
+          <a:p>
+            <a:pPr algn="ctr"/>
+            <a:endParaRPr lang="en-US">
+              <a:solidFill>
+                <a:schemeClr val="accent2">
+                  <a:lumMod val="50000"/>
+                </a:schemeClr>
+              </a:solidFill>
+            </a:endParaRPr>
+          </a:p>
+        </p:txBody>
+      </p:sp>
+      <p:sp>
+        <p:nvSpPr>
+          <p:cNvPr id="39" name="Oval 38">
+            <a:extLst>
+              <a:ext uri="{FF2B5EF4-FFF2-40B4-BE49-F238E27FC236}">
+                <a16:creationId xmlns:a16="http://schemas.microsoft.com/office/drawing/2014/main" id="{823A49DE-0586-7321-F6C6-EB2C3AC37273}"/>
+              </a:ext>
+            </a:extLst>
+          </p:cNvPr>
+          <p:cNvSpPr/>
+          <p:nvPr/>
+        </p:nvSpPr>
+        <p:spPr>
+          <a:xfrm>
+            <a:off x="4115552" y="7397558"/>
+            <a:ext cx="141515" cy="130629"/>
+          </a:xfrm>
+          <a:prstGeom prst="ellipse">
+            <a:avLst/>
+          </a:prstGeom>
+          <a:solidFill>
+            <a:srgbClr val="B2172B"/>
+          </a:solidFill>
+          <a:ln w="19050">
+            <a:solidFill>
+              <a:schemeClr val="tx1"/>
+            </a:solidFill>
+          </a:ln>
+        </p:spPr>
+        <p:style>
+          <a:lnRef idx="2">
+            <a:schemeClr val="accent1">
+              <a:shade val="50000"/>
+            </a:schemeClr>
+          </a:lnRef>
+          <a:fillRef idx="1">
+            <a:schemeClr val="accent1"/>
+          </a:fillRef>
+          <a:effectRef idx="0">
+            <a:schemeClr val="accent1"/>
+          </a:effectRef>
+          <a:fontRef idx="minor">
+            <a:schemeClr val="lt1"/>
+          </a:fontRef>
+        </p:style>
+        <p:txBody>
+          <a:bodyPr rtlCol="0" anchor="ctr"/>
+          <a:lstStyle/>
+          <a:p>
+            <a:pPr algn="ctr"/>
+            <a:endParaRPr lang="en-US">
+              <a:solidFill>
+                <a:schemeClr val="accent2">
+                  <a:lumMod val="50000"/>
+                </a:schemeClr>
+              </a:solidFill>
+            </a:endParaRPr>
+          </a:p>
+        </p:txBody>
+      </p:sp>
+      <p:cxnSp>
+        <p:nvCxnSpPr>
+          <p:cNvPr id="40" name="Straight Connector 39">
+            <a:extLst>
+              <a:ext uri="{FF2B5EF4-FFF2-40B4-BE49-F238E27FC236}">
+                <a16:creationId xmlns:a16="http://schemas.microsoft.com/office/drawing/2014/main" id="{238696BA-A5E6-6909-9553-555066BC9A22}"/>
+              </a:ext>
+            </a:extLst>
+          </p:cNvPr>
+          <p:cNvCxnSpPr>
+            <a:cxnSpLocks/>
+          </p:cNvCxnSpPr>
+          <p:nvPr/>
+        </p:nvCxnSpPr>
+        <p:spPr>
+          <a:xfrm>
+            <a:off x="6223287" y="6220741"/>
+            <a:ext cx="0" cy="2491683"/>
+          </a:xfrm>
+          <a:prstGeom prst="line">
+            <a:avLst/>
+          </a:prstGeom>
+          <a:ln w="28575">
+            <a:solidFill>
+              <a:schemeClr val="tx1"/>
+            </a:solidFill>
+          </a:ln>
+        </p:spPr>
+        <p:style>
+          <a:lnRef idx="1">
+            <a:schemeClr val="accent1"/>
+          </a:lnRef>
+          <a:fillRef idx="0">
+            <a:schemeClr val="accent1"/>
+          </a:fillRef>
+          <a:effectRef idx="0">
+            <a:schemeClr val="accent1"/>
+          </a:effectRef>
+          <a:fontRef idx="minor">
+            <a:schemeClr val="tx1"/>
+          </a:fontRef>
+        </p:style>
+      </p:cxnSp>
+      <p:cxnSp>
+        <p:nvCxnSpPr>
+          <p:cNvPr id="41" name="Straight Connector 40">
+            <a:extLst>
+              <a:ext uri="{FF2B5EF4-FFF2-40B4-BE49-F238E27FC236}">
+                <a16:creationId xmlns:a16="http://schemas.microsoft.com/office/drawing/2014/main" id="{BC654A08-4197-1F28-F560-69090ED02B1C}"/>
+              </a:ext>
+            </a:extLst>
+          </p:cNvPr>
+          <p:cNvCxnSpPr>
+            <a:cxnSpLocks/>
+          </p:cNvCxnSpPr>
+          <p:nvPr/>
+        </p:nvCxnSpPr>
+        <p:spPr>
+          <a:xfrm flipH="1">
+            <a:off x="6234173" y="8701537"/>
+            <a:ext cx="2660360" cy="0"/>
+          </a:xfrm>
+          <a:prstGeom prst="line">
+            <a:avLst/>
+          </a:prstGeom>
+          <a:ln w="28575">
+            <a:solidFill>
+              <a:schemeClr val="tx1"/>
+            </a:solidFill>
+          </a:ln>
+        </p:spPr>
+        <p:style>
+          <a:lnRef idx="1">
+            <a:schemeClr val="accent1"/>
+          </a:lnRef>
+          <a:fillRef idx="0">
+            <a:schemeClr val="accent1"/>
+          </a:fillRef>
+          <a:effectRef idx="0">
+            <a:schemeClr val="accent1"/>
+          </a:effectRef>
+          <a:fontRef idx="minor">
+            <a:schemeClr val="tx1"/>
+          </a:fontRef>
+        </p:style>
+      </p:cxnSp>
+      <p:sp>
+        <p:nvSpPr>
+          <p:cNvPr id="42" name="TextBox 41">
+            <a:extLst>
+              <a:ext uri="{FF2B5EF4-FFF2-40B4-BE49-F238E27FC236}">
+                <a16:creationId xmlns:a16="http://schemas.microsoft.com/office/drawing/2014/main" id="{A65315F1-FD2B-9078-9C44-2367AACD6439}"/>
+              </a:ext>
+            </a:extLst>
+          </p:cNvPr>
+          <p:cNvSpPr txBox="1"/>
+          <p:nvPr/>
+        </p:nvSpPr>
+        <p:spPr>
+          <a:xfrm>
+            <a:off x="5806951" y="8910868"/>
+            <a:ext cx="3610227" cy="584775"/>
+          </a:xfrm>
+          <a:prstGeom prst="rect">
+            <a:avLst/>
+          </a:prstGeom>
+          <a:noFill/>
+        </p:spPr>
+        <p:txBody>
+          <a:bodyPr wrap="square" rtlCol="0">
+            <a:spAutoFit/>
+          </a:bodyPr>
+          <a:lstStyle/>
+          <a:p>
+            <a:pPr algn="ctr"/>
+            <a:r>
+              <a:rPr lang="en-US" sz="1600" dirty="0">
+                <a:latin typeface="Arial" panose="020B0604020202020204" pitchFamily="34" charset="0"/>
+                <a:cs typeface="Arial" panose="020B0604020202020204" pitchFamily="34" charset="0"/>
+              </a:rPr>
+              <a:t>Minimum of potential dispersal rate and velocity of isotherm shift (km/yr)</a:t>
+            </a:r>
+          </a:p>
+        </p:txBody>
+      </p:sp>
+      <p:sp>
+        <p:nvSpPr>
+          <p:cNvPr id="43" name="TextBox 42">
+            <a:extLst>
+              <a:ext uri="{FF2B5EF4-FFF2-40B4-BE49-F238E27FC236}">
+                <a16:creationId xmlns:a16="http://schemas.microsoft.com/office/drawing/2014/main" id="{F7E81AD1-9BE2-8851-3F5F-C9A721D7075B}"/>
+              </a:ext>
+            </a:extLst>
+          </p:cNvPr>
+          <p:cNvSpPr txBox="1"/>
+          <p:nvPr/>
+        </p:nvSpPr>
+        <p:spPr>
+          <a:xfrm>
+            <a:off x="5917246" y="5713755"/>
+            <a:ext cx="269626" cy="2677656"/>
+          </a:xfrm>
+          <a:prstGeom prst="rect">
+            <a:avLst/>
+          </a:prstGeom>
+          <a:noFill/>
+        </p:spPr>
+        <p:txBody>
+          <a:bodyPr wrap="none" rtlCol="0">
+            <a:spAutoFit/>
+          </a:bodyPr>
+          <a:lstStyle/>
+          <a:p>
+            <a:endParaRPr lang="en-US" sz="1200" dirty="0">
+              <a:latin typeface="Arial" panose="020B0604020202020204" pitchFamily="34" charset="0"/>
+              <a:cs typeface="Arial" panose="020B0604020202020204" pitchFamily="34" charset="0"/>
+            </a:endParaRPr>
+          </a:p>
+          <a:p>
+            <a:endParaRPr lang="en-US" sz="1200" dirty="0">
+              <a:latin typeface="Arial" panose="020B0604020202020204" pitchFamily="34" charset="0"/>
+              <a:cs typeface="Arial" panose="020B0604020202020204" pitchFamily="34" charset="0"/>
+            </a:endParaRPr>
+          </a:p>
+          <a:p>
+            <a:endParaRPr lang="en-US" sz="1200" dirty="0">
+              <a:latin typeface="Arial" panose="020B0604020202020204" pitchFamily="34" charset="0"/>
+              <a:cs typeface="Arial" panose="020B0604020202020204" pitchFamily="34" charset="0"/>
+            </a:endParaRPr>
+          </a:p>
+          <a:p>
+            <a:r>
+              <a:rPr lang="en-US" sz="1200" dirty="0">
+                <a:latin typeface="Arial" panose="020B0604020202020204" pitchFamily="34" charset="0"/>
+                <a:cs typeface="Arial" panose="020B0604020202020204" pitchFamily="34" charset="0"/>
+              </a:rPr>
+              <a:t>4</a:t>
+            </a:r>
+          </a:p>
+          <a:p>
+            <a:endParaRPr lang="en-US" sz="1200" dirty="0">
+              <a:latin typeface="Arial" panose="020B0604020202020204" pitchFamily="34" charset="0"/>
+              <a:cs typeface="Arial" panose="020B0604020202020204" pitchFamily="34" charset="0"/>
+            </a:endParaRPr>
+          </a:p>
+          <a:p>
+            <a:endParaRPr lang="en-US" sz="1200" dirty="0">
+              <a:latin typeface="Arial" panose="020B0604020202020204" pitchFamily="34" charset="0"/>
+              <a:cs typeface="Arial" panose="020B0604020202020204" pitchFamily="34" charset="0"/>
+            </a:endParaRPr>
+          </a:p>
+          <a:p>
+            <a:r>
+              <a:rPr lang="en-US" sz="1200" dirty="0">
+                <a:latin typeface="Arial" panose="020B0604020202020204" pitchFamily="34" charset="0"/>
+                <a:cs typeface="Arial" panose="020B0604020202020204" pitchFamily="34" charset="0"/>
+              </a:rPr>
+              <a:t>3</a:t>
+            </a:r>
+          </a:p>
+          <a:p>
+            <a:endParaRPr lang="en-US" sz="1200" dirty="0">
+              <a:latin typeface="Arial" panose="020B0604020202020204" pitchFamily="34" charset="0"/>
+              <a:cs typeface="Arial" panose="020B0604020202020204" pitchFamily="34" charset="0"/>
+            </a:endParaRPr>
+          </a:p>
+          <a:p>
+            <a:endParaRPr lang="en-US" sz="1200" dirty="0">
+              <a:latin typeface="Arial" panose="020B0604020202020204" pitchFamily="34" charset="0"/>
+              <a:cs typeface="Arial" panose="020B0604020202020204" pitchFamily="34" charset="0"/>
+            </a:endParaRPr>
+          </a:p>
+          <a:p>
+            <a:r>
+              <a:rPr lang="en-US" sz="1200" dirty="0">
+                <a:latin typeface="Arial" panose="020B0604020202020204" pitchFamily="34" charset="0"/>
+                <a:cs typeface="Arial" panose="020B0604020202020204" pitchFamily="34" charset="0"/>
+              </a:rPr>
+              <a:t>2</a:t>
+            </a:r>
+          </a:p>
+          <a:p>
+            <a:endParaRPr lang="en-US" sz="1200" dirty="0">
+              <a:latin typeface="Arial" panose="020B0604020202020204" pitchFamily="34" charset="0"/>
+              <a:cs typeface="Arial" panose="020B0604020202020204" pitchFamily="34" charset="0"/>
+            </a:endParaRPr>
+          </a:p>
+          <a:p>
+            <a:endParaRPr lang="en-US" sz="1200" dirty="0">
+              <a:latin typeface="Arial" panose="020B0604020202020204" pitchFamily="34" charset="0"/>
+              <a:cs typeface="Arial" panose="020B0604020202020204" pitchFamily="34" charset="0"/>
+            </a:endParaRPr>
+          </a:p>
+          <a:p>
+            <a:r>
+              <a:rPr lang="en-US" sz="1200" dirty="0">
+                <a:latin typeface="Arial" panose="020B0604020202020204" pitchFamily="34" charset="0"/>
+                <a:cs typeface="Arial" panose="020B0604020202020204" pitchFamily="34" charset="0"/>
+              </a:rPr>
+              <a:t>1</a:t>
+            </a:r>
+          </a:p>
+          <a:p>
+            <a:endParaRPr lang="en-US" sz="1200" dirty="0">
+              <a:latin typeface="Arial" panose="020B0604020202020204" pitchFamily="34" charset="0"/>
+              <a:cs typeface="Arial" panose="020B0604020202020204" pitchFamily="34" charset="0"/>
+            </a:endParaRPr>
+          </a:p>
+        </p:txBody>
+      </p:sp>
+      <p:sp>
+        <p:nvSpPr>
+          <p:cNvPr id="44" name="TextBox 43">
+            <a:extLst>
+              <a:ext uri="{FF2B5EF4-FFF2-40B4-BE49-F238E27FC236}">
+                <a16:creationId xmlns:a16="http://schemas.microsoft.com/office/drawing/2014/main" id="{D1618240-1B4F-D3A8-8997-1D703EBC5607}"/>
+              </a:ext>
+            </a:extLst>
+          </p:cNvPr>
+          <p:cNvSpPr txBox="1"/>
+          <p:nvPr/>
+        </p:nvSpPr>
+        <p:spPr>
+          <a:xfrm>
+            <a:off x="6694680" y="8723173"/>
+            <a:ext cx="2891743" cy="276999"/>
+          </a:xfrm>
+          <a:prstGeom prst="rect">
+            <a:avLst/>
+          </a:prstGeom>
+          <a:noFill/>
+        </p:spPr>
+        <p:txBody>
+          <a:bodyPr wrap="square" rtlCol="0">
+            <a:spAutoFit/>
+          </a:bodyPr>
+          <a:lstStyle/>
+          <a:p>
+            <a:r>
+              <a:rPr lang="en-US" sz="1200" dirty="0">
+                <a:latin typeface="Arial" panose="020B0604020202020204" pitchFamily="34" charset="0"/>
+                <a:cs typeface="Arial" panose="020B0604020202020204" pitchFamily="34" charset="0"/>
+              </a:rPr>
+              <a:t>1            2            3            4            </a:t>
+            </a:r>
+          </a:p>
+        </p:txBody>
+      </p:sp>
+      <p:sp>
+        <p:nvSpPr>
+          <p:cNvPr id="59" name="TextBox 58">
+            <a:extLst>
+              <a:ext uri="{FF2B5EF4-FFF2-40B4-BE49-F238E27FC236}">
+                <a16:creationId xmlns:a16="http://schemas.microsoft.com/office/drawing/2014/main" id="{A27BEDD4-7EE8-86A2-AC37-766D65FFEB9F}"/>
+              </a:ext>
+            </a:extLst>
+          </p:cNvPr>
+          <p:cNvSpPr txBox="1"/>
+          <p:nvPr/>
+        </p:nvSpPr>
+        <p:spPr>
+          <a:xfrm>
+            <a:off x="6138762" y="6117213"/>
+            <a:ext cx="569481" cy="338554"/>
+          </a:xfrm>
+          <a:prstGeom prst="rect">
+            <a:avLst/>
+          </a:prstGeom>
+          <a:noFill/>
+        </p:spPr>
+        <p:txBody>
+          <a:bodyPr wrap="square" rtlCol="0">
+            <a:spAutoFit/>
+          </a:bodyPr>
+          <a:lstStyle/>
+          <a:p>
+            <a:pPr algn="ctr"/>
+            <a:r>
+              <a:rPr lang="en-US" sz="1600" dirty="0">
+                <a:solidFill>
+                  <a:schemeClr val="bg2">
+                    <a:lumMod val="75000"/>
+                  </a:schemeClr>
+                </a:solidFill>
+                <a:latin typeface="Arial" panose="020B0604020202020204" pitchFamily="34" charset="0"/>
+                <a:cs typeface="Arial" panose="020B0604020202020204" pitchFamily="34" charset="0"/>
+              </a:rPr>
+              <a:t>b)</a:t>
+            </a:r>
+          </a:p>
+        </p:txBody>
+      </p:sp>
+      <p:sp>
+        <p:nvSpPr>
+          <p:cNvPr id="60" name="Oval 59">
+            <a:extLst>
+              <a:ext uri="{FF2B5EF4-FFF2-40B4-BE49-F238E27FC236}">
+                <a16:creationId xmlns:a16="http://schemas.microsoft.com/office/drawing/2014/main" id="{4C5D6DC3-B351-79DF-ACBA-5621C4D99514}"/>
+              </a:ext>
+            </a:extLst>
+          </p:cNvPr>
+          <p:cNvSpPr/>
+          <p:nvPr/>
+        </p:nvSpPr>
+        <p:spPr>
+          <a:xfrm>
+            <a:off x="3907714" y="7592822"/>
+            <a:ext cx="141515" cy="130629"/>
+          </a:xfrm>
+          <a:prstGeom prst="ellipse">
+            <a:avLst/>
+          </a:prstGeom>
+          <a:solidFill>
+            <a:srgbClr val="F3CABA"/>
+          </a:solidFill>
+          <a:ln w="19050">
+            <a:solidFill>
+              <a:schemeClr val="tx1"/>
+            </a:solidFill>
+          </a:ln>
+        </p:spPr>
+        <p:style>
+          <a:lnRef idx="2">
+            <a:schemeClr val="accent1">
+              <a:shade val="50000"/>
+            </a:schemeClr>
+          </a:lnRef>
+          <a:fillRef idx="1">
+            <a:schemeClr val="accent1"/>
+          </a:fillRef>
+          <a:effectRef idx="0">
+            <a:schemeClr val="accent1"/>
+          </a:effectRef>
+          <a:fontRef idx="minor">
+            <a:schemeClr val="lt1"/>
+          </a:fontRef>
+        </p:style>
+        <p:txBody>
+          <a:bodyPr rtlCol="0" anchor="ctr"/>
+          <a:lstStyle/>
+          <a:p>
+            <a:pPr algn="ctr"/>
+            <a:endParaRPr lang="en-US">
+              <a:solidFill>
+                <a:schemeClr val="accent2">
+                  <a:lumMod val="50000"/>
+                </a:schemeClr>
+              </a:solidFill>
+            </a:endParaRPr>
+          </a:p>
+        </p:txBody>
+      </p:sp>
+      <p:sp>
+        <p:nvSpPr>
+          <p:cNvPr id="61" name="Oval 60">
+            <a:extLst>
+              <a:ext uri="{FF2B5EF4-FFF2-40B4-BE49-F238E27FC236}">
+                <a16:creationId xmlns:a16="http://schemas.microsoft.com/office/drawing/2014/main" id="{EB55F448-5A3A-7678-679C-EF543653C5E6}"/>
+              </a:ext>
+            </a:extLst>
+          </p:cNvPr>
+          <p:cNvSpPr/>
+          <p:nvPr/>
+        </p:nvSpPr>
+        <p:spPr>
+          <a:xfrm>
+            <a:off x="3740550" y="7773797"/>
+            <a:ext cx="141515" cy="130629"/>
+          </a:xfrm>
+          <a:prstGeom prst="ellipse">
+            <a:avLst/>
+          </a:prstGeom>
+          <a:solidFill>
+            <a:srgbClr val="F3CABA"/>
+          </a:solidFill>
+          <a:ln w="19050">
+            <a:solidFill>
+              <a:schemeClr val="tx1"/>
+            </a:solidFill>
+          </a:ln>
+        </p:spPr>
+        <p:style>
+          <a:lnRef idx="2">
+            <a:schemeClr val="accent1">
+              <a:shade val="50000"/>
+            </a:schemeClr>
+          </a:lnRef>
+          <a:fillRef idx="1">
+            <a:schemeClr val="accent1"/>
+          </a:fillRef>
+          <a:effectRef idx="0">
+            <a:schemeClr val="accent1"/>
+          </a:effectRef>
+          <a:fontRef idx="minor">
+            <a:schemeClr val="lt1"/>
+          </a:fontRef>
+        </p:style>
+        <p:txBody>
+          <a:bodyPr rtlCol="0" anchor="ctr"/>
+          <a:lstStyle/>
+          <a:p>
+            <a:pPr algn="ctr"/>
+            <a:endParaRPr lang="en-US">
+              <a:solidFill>
+                <a:schemeClr val="accent2">
+                  <a:lumMod val="50000"/>
+                </a:schemeClr>
+              </a:solidFill>
+            </a:endParaRPr>
+          </a:p>
+        </p:txBody>
+      </p:sp>
+      <p:sp>
+        <p:nvSpPr>
+          <p:cNvPr id="62" name="Oval 61">
+            <a:extLst>
+              <a:ext uri="{FF2B5EF4-FFF2-40B4-BE49-F238E27FC236}">
+                <a16:creationId xmlns:a16="http://schemas.microsoft.com/office/drawing/2014/main" id="{C568E85D-55A1-9036-1E99-C41BE5AA6547}"/>
+              </a:ext>
+            </a:extLst>
+          </p:cNvPr>
+          <p:cNvSpPr/>
+          <p:nvPr/>
+        </p:nvSpPr>
+        <p:spPr>
+          <a:xfrm>
+            <a:off x="2996434" y="8483415"/>
+            <a:ext cx="141515" cy="130629"/>
+          </a:xfrm>
+          <a:prstGeom prst="ellipse">
+            <a:avLst/>
+          </a:prstGeom>
+          <a:solidFill>
+            <a:srgbClr val="F3CABA"/>
+          </a:solidFill>
+          <a:ln w="19050">
+            <a:solidFill>
+              <a:schemeClr val="tx1"/>
+            </a:solidFill>
+          </a:ln>
+        </p:spPr>
+        <p:style>
+          <a:lnRef idx="2">
+            <a:schemeClr val="accent1">
+              <a:shade val="50000"/>
+            </a:schemeClr>
+          </a:lnRef>
+          <a:fillRef idx="1">
+            <a:schemeClr val="accent1"/>
+          </a:fillRef>
+          <a:effectRef idx="0">
+            <a:schemeClr val="accent1"/>
+          </a:effectRef>
+          <a:fontRef idx="minor">
+            <a:schemeClr val="lt1"/>
+          </a:fontRef>
+        </p:style>
+        <p:txBody>
+          <a:bodyPr rtlCol="0" anchor="ctr"/>
+          <a:lstStyle/>
+          <a:p>
+            <a:pPr algn="ctr"/>
+            <a:endParaRPr lang="en-US">
+              <a:solidFill>
+                <a:schemeClr val="accent2">
+                  <a:lumMod val="50000"/>
+                </a:schemeClr>
+              </a:solidFill>
+            </a:endParaRPr>
+          </a:p>
+        </p:txBody>
+      </p:sp>
+      <p:sp>
+        <p:nvSpPr>
+          <p:cNvPr id="63" name="Oval 62">
+            <a:extLst>
+              <a:ext uri="{FF2B5EF4-FFF2-40B4-BE49-F238E27FC236}">
+                <a16:creationId xmlns:a16="http://schemas.microsoft.com/office/drawing/2014/main" id="{EFFD6B70-1A5B-7BE6-2F22-D286152D13B0}"/>
+              </a:ext>
+            </a:extLst>
+          </p:cNvPr>
+          <p:cNvSpPr/>
+          <p:nvPr/>
+        </p:nvSpPr>
+        <p:spPr>
+          <a:xfrm>
+            <a:off x="3243832" y="8235765"/>
+            <a:ext cx="141515" cy="130629"/>
+          </a:xfrm>
+          <a:prstGeom prst="ellipse">
+            <a:avLst/>
+          </a:prstGeom>
+          <a:solidFill>
+            <a:srgbClr val="F3CABA"/>
+          </a:solidFill>
+          <a:ln w="19050">
+            <a:solidFill>
+              <a:schemeClr val="tx1"/>
+            </a:solidFill>
+          </a:ln>
+        </p:spPr>
+        <p:style>
+          <a:lnRef idx="2">
+            <a:schemeClr val="accent1">
+              <a:shade val="50000"/>
+            </a:schemeClr>
+          </a:lnRef>
+          <a:fillRef idx="1">
+            <a:schemeClr val="accent1"/>
+          </a:fillRef>
+          <a:effectRef idx="0">
+            <a:schemeClr val="accent1"/>
+          </a:effectRef>
+          <a:fontRef idx="minor">
+            <a:schemeClr val="lt1"/>
+          </a:fontRef>
+        </p:style>
+        <p:txBody>
+          <a:bodyPr rtlCol="0" anchor="ctr"/>
+          <a:lstStyle/>
+          <a:p>
+            <a:pPr algn="ctr"/>
+            <a:endParaRPr lang="en-US">
+              <a:solidFill>
+                <a:schemeClr val="accent2">
+                  <a:lumMod val="50000"/>
+                </a:schemeClr>
+              </a:solidFill>
+            </a:endParaRPr>
+          </a:p>
+        </p:txBody>
+      </p:sp>
+      <p:sp>
+        <p:nvSpPr>
+          <p:cNvPr id="1024" name="Oval 1023">
+            <a:extLst>
+              <a:ext uri="{FF2B5EF4-FFF2-40B4-BE49-F238E27FC236}">
+                <a16:creationId xmlns:a16="http://schemas.microsoft.com/office/drawing/2014/main" id="{4D051B26-BA83-93C1-3718-04FF78D315FC}"/>
+              </a:ext>
+            </a:extLst>
+          </p:cNvPr>
+          <p:cNvSpPr/>
+          <p:nvPr/>
+        </p:nvSpPr>
+        <p:spPr>
+          <a:xfrm>
+            <a:off x="4523924" y="7491385"/>
+            <a:ext cx="141515" cy="130629"/>
+          </a:xfrm>
+          <a:prstGeom prst="ellipse">
+            <a:avLst/>
+          </a:prstGeom>
+          <a:solidFill>
+            <a:srgbClr val="F3CABA"/>
+          </a:solidFill>
+          <a:ln w="19050">
+            <a:noFill/>
+          </a:ln>
+        </p:spPr>
+        <p:style>
+          <a:lnRef idx="2">
+            <a:schemeClr val="accent1">
+              <a:shade val="50000"/>
+            </a:schemeClr>
+          </a:lnRef>
+          <a:fillRef idx="1">
+            <a:schemeClr val="accent1"/>
+          </a:fillRef>
+          <a:effectRef idx="0">
+            <a:schemeClr val="accent1"/>
+          </a:effectRef>
+          <a:fontRef idx="minor">
+            <a:schemeClr val="lt1"/>
+          </a:fontRef>
+        </p:style>
+        <p:txBody>
+          <a:bodyPr rtlCol="0" anchor="ctr"/>
+          <a:lstStyle/>
+          <a:p>
+            <a:pPr algn="ctr"/>
+            <a:endParaRPr lang="en-US">
+              <a:solidFill>
+                <a:schemeClr val="accent2">
+                  <a:lumMod val="50000"/>
+                </a:schemeClr>
+              </a:solidFill>
+            </a:endParaRPr>
+          </a:p>
+        </p:txBody>
+      </p:sp>
+      <p:sp>
+        <p:nvSpPr>
+          <p:cNvPr id="1025" name="Oval 1024">
+            <a:extLst>
+              <a:ext uri="{FF2B5EF4-FFF2-40B4-BE49-F238E27FC236}">
+                <a16:creationId xmlns:a16="http://schemas.microsoft.com/office/drawing/2014/main" id="{CC525035-B838-0910-CEF9-79A16B107641}"/>
+              </a:ext>
+            </a:extLst>
+          </p:cNvPr>
+          <p:cNvSpPr/>
+          <p:nvPr/>
+        </p:nvSpPr>
+        <p:spPr>
+          <a:xfrm>
+            <a:off x="4921651" y="7497254"/>
+            <a:ext cx="141515" cy="130629"/>
+          </a:xfrm>
+          <a:prstGeom prst="ellipse">
+            <a:avLst/>
+          </a:prstGeom>
+          <a:solidFill>
+            <a:srgbClr val="F3CABA"/>
+          </a:solidFill>
+          <a:ln w="19050">
+            <a:noFill/>
+          </a:ln>
+        </p:spPr>
+        <p:style>
+          <a:lnRef idx="2">
+            <a:schemeClr val="accent1">
+              <a:shade val="50000"/>
+            </a:schemeClr>
+          </a:lnRef>
+          <a:fillRef idx="1">
+            <a:schemeClr val="accent1"/>
+          </a:fillRef>
+          <a:effectRef idx="0">
+            <a:schemeClr val="accent1"/>
+          </a:effectRef>
+          <a:fontRef idx="minor">
+            <a:schemeClr val="lt1"/>
+          </a:fontRef>
+        </p:style>
+        <p:txBody>
+          <a:bodyPr rtlCol="0" anchor="ctr"/>
+          <a:lstStyle/>
+          <a:p>
+            <a:pPr algn="ctr"/>
+            <a:endParaRPr lang="en-US">
+              <a:solidFill>
+                <a:schemeClr val="accent2">
+                  <a:lumMod val="50000"/>
+                </a:schemeClr>
+              </a:solidFill>
+            </a:endParaRPr>
+          </a:p>
+        </p:txBody>
+      </p:sp>
+      <p:sp>
+        <p:nvSpPr>
+          <p:cNvPr id="1027" name="Oval 1026">
+            <a:extLst>
+              <a:ext uri="{FF2B5EF4-FFF2-40B4-BE49-F238E27FC236}">
+                <a16:creationId xmlns:a16="http://schemas.microsoft.com/office/drawing/2014/main" id="{18F2381D-1FE8-6B2B-448E-5F9F6974851A}"/>
+              </a:ext>
+            </a:extLst>
+          </p:cNvPr>
+          <p:cNvSpPr/>
+          <p:nvPr/>
+        </p:nvSpPr>
+        <p:spPr>
+          <a:xfrm>
+            <a:off x="5397436" y="7495102"/>
+            <a:ext cx="141515" cy="130629"/>
+          </a:xfrm>
+          <a:prstGeom prst="ellipse">
+            <a:avLst/>
+          </a:prstGeom>
+          <a:solidFill>
+            <a:srgbClr val="F3CABA"/>
+          </a:solidFill>
+          <a:ln w="19050">
+            <a:noFill/>
+          </a:ln>
+        </p:spPr>
+        <p:style>
+          <a:lnRef idx="2">
+            <a:schemeClr val="accent1">
+              <a:shade val="50000"/>
+            </a:schemeClr>
+          </a:lnRef>
+          <a:fillRef idx="1">
+            <a:schemeClr val="accent1"/>
+          </a:fillRef>
+          <a:effectRef idx="0">
+            <a:schemeClr val="accent1"/>
+          </a:effectRef>
+          <a:fontRef idx="minor">
+            <a:schemeClr val="lt1"/>
+          </a:fontRef>
+        </p:style>
+        <p:txBody>
+          <a:bodyPr rtlCol="0" anchor="ctr"/>
+          <a:lstStyle/>
+          <a:p>
+            <a:pPr algn="ctr"/>
+            <a:endParaRPr lang="en-US">
+              <a:solidFill>
+                <a:schemeClr val="accent2">
+                  <a:lumMod val="50000"/>
+                </a:schemeClr>
+              </a:solidFill>
+            </a:endParaRPr>
+          </a:p>
+        </p:txBody>
+      </p:sp>
+      <p:sp>
+        <p:nvSpPr>
+          <p:cNvPr id="1028" name="Oval 1027">
+            <a:extLst>
+              <a:ext uri="{FF2B5EF4-FFF2-40B4-BE49-F238E27FC236}">
+                <a16:creationId xmlns:a16="http://schemas.microsoft.com/office/drawing/2014/main" id="{21937490-E407-683C-3052-B73439CE7ED2}"/>
+              </a:ext>
+            </a:extLst>
+          </p:cNvPr>
+          <p:cNvSpPr/>
+          <p:nvPr/>
+        </p:nvSpPr>
+        <p:spPr>
+          <a:xfrm>
+            <a:off x="3888305" y="8070138"/>
+            <a:ext cx="141515" cy="130629"/>
+          </a:xfrm>
+          <a:prstGeom prst="ellipse">
+            <a:avLst/>
+          </a:prstGeom>
+          <a:solidFill>
+            <a:srgbClr val="9C9EBE"/>
+          </a:solidFill>
+          <a:ln w="19050">
+            <a:noFill/>
+          </a:ln>
+        </p:spPr>
+        <p:style>
+          <a:lnRef idx="2">
+            <a:schemeClr val="accent1">
+              <a:shade val="50000"/>
+            </a:schemeClr>
+          </a:lnRef>
+          <a:fillRef idx="1">
+            <a:schemeClr val="accent1"/>
+          </a:fillRef>
+          <a:effectRef idx="0">
+            <a:schemeClr val="accent1"/>
+          </a:effectRef>
+          <a:fontRef idx="minor">
+            <a:schemeClr val="lt1"/>
+          </a:fontRef>
+        </p:style>
+        <p:txBody>
+          <a:bodyPr rtlCol="0" anchor="ctr"/>
+          <a:lstStyle/>
+          <a:p>
+            <a:pPr algn="ctr"/>
+            <a:endParaRPr lang="en-US">
+              <a:solidFill>
+                <a:schemeClr val="accent2">
+                  <a:lumMod val="50000"/>
+                </a:schemeClr>
+              </a:solidFill>
+            </a:endParaRPr>
+          </a:p>
+        </p:txBody>
+      </p:sp>
+      <p:sp>
+        <p:nvSpPr>
+          <p:cNvPr id="1029" name="Oval 1028">
+            <a:extLst>
+              <a:ext uri="{FF2B5EF4-FFF2-40B4-BE49-F238E27FC236}">
+                <a16:creationId xmlns:a16="http://schemas.microsoft.com/office/drawing/2014/main" id="{269DEF91-D307-5ADC-DE88-857F4A707774}"/>
+              </a:ext>
+            </a:extLst>
+          </p:cNvPr>
+          <p:cNvSpPr/>
+          <p:nvPr/>
+        </p:nvSpPr>
+        <p:spPr>
+          <a:xfrm>
+            <a:off x="4427280" y="8063814"/>
+            <a:ext cx="141515" cy="130629"/>
+          </a:xfrm>
+          <a:prstGeom prst="ellipse">
+            <a:avLst/>
+          </a:prstGeom>
+          <a:solidFill>
+            <a:srgbClr val="9C9EBE"/>
+          </a:solidFill>
+          <a:ln w="19050">
+            <a:noFill/>
+          </a:ln>
+        </p:spPr>
+        <p:style>
+          <a:lnRef idx="2">
+            <a:schemeClr val="accent1">
+              <a:shade val="50000"/>
+            </a:schemeClr>
+          </a:lnRef>
+          <a:fillRef idx="1">
+            <a:schemeClr val="accent1"/>
+          </a:fillRef>
+          <a:effectRef idx="0">
+            <a:schemeClr val="accent1"/>
+          </a:effectRef>
+          <a:fontRef idx="minor">
+            <a:schemeClr val="lt1"/>
+          </a:fontRef>
+        </p:style>
+        <p:txBody>
+          <a:bodyPr rtlCol="0" anchor="ctr"/>
+          <a:lstStyle/>
+          <a:p>
+            <a:pPr algn="ctr"/>
+            <a:endParaRPr lang="en-US">
+              <a:solidFill>
+                <a:schemeClr val="accent2">
+                  <a:lumMod val="50000"/>
+                </a:schemeClr>
+              </a:solidFill>
+            </a:endParaRPr>
+          </a:p>
+        </p:txBody>
+      </p:sp>
+      <p:sp>
+        <p:nvSpPr>
+          <p:cNvPr id="1030" name="Oval 1029">
+            <a:extLst>
+              <a:ext uri="{FF2B5EF4-FFF2-40B4-BE49-F238E27FC236}">
+                <a16:creationId xmlns:a16="http://schemas.microsoft.com/office/drawing/2014/main" id="{A87EEE3C-B534-3721-4898-0D709A2EB822}"/>
+              </a:ext>
+            </a:extLst>
+          </p:cNvPr>
+          <p:cNvSpPr/>
+          <p:nvPr/>
+        </p:nvSpPr>
+        <p:spPr>
+          <a:xfrm>
+            <a:off x="5230168" y="8058534"/>
+            <a:ext cx="141515" cy="130629"/>
+          </a:xfrm>
+          <a:prstGeom prst="ellipse">
+            <a:avLst/>
+          </a:prstGeom>
+          <a:solidFill>
+            <a:srgbClr val="9C9EBE"/>
+          </a:solidFill>
+          <a:ln w="19050">
+            <a:noFill/>
+          </a:ln>
+        </p:spPr>
+        <p:style>
+          <a:lnRef idx="2">
+            <a:schemeClr val="accent1">
+              <a:shade val="50000"/>
+            </a:schemeClr>
+          </a:lnRef>
+          <a:fillRef idx="1">
+            <a:schemeClr val="accent1"/>
+          </a:fillRef>
+          <a:effectRef idx="0">
+            <a:schemeClr val="accent1"/>
+          </a:effectRef>
+          <a:fontRef idx="minor">
+            <a:schemeClr val="lt1"/>
+          </a:fontRef>
+        </p:style>
+        <p:txBody>
+          <a:bodyPr rtlCol="0" anchor="ctr"/>
+          <a:lstStyle/>
+          <a:p>
+            <a:pPr algn="ctr"/>
+            <a:endParaRPr lang="en-US">
+              <a:solidFill>
+                <a:schemeClr val="accent2">
+                  <a:lumMod val="50000"/>
+                </a:schemeClr>
+              </a:solidFill>
+            </a:endParaRPr>
+          </a:p>
+        </p:txBody>
+      </p:sp>
+      <p:cxnSp>
+        <p:nvCxnSpPr>
+          <p:cNvPr id="1031" name="Straight Connector 1030">
+            <a:extLst>
+              <a:ext uri="{FF2B5EF4-FFF2-40B4-BE49-F238E27FC236}">
+                <a16:creationId xmlns:a16="http://schemas.microsoft.com/office/drawing/2014/main" id="{9DC352BB-5D5F-FD38-8565-9B9F0DB1A9CF}"/>
+              </a:ext>
+            </a:extLst>
+          </p:cNvPr>
+          <p:cNvCxnSpPr>
+            <a:cxnSpLocks/>
+          </p:cNvCxnSpPr>
+          <p:nvPr/>
+        </p:nvCxnSpPr>
+        <p:spPr>
+          <a:xfrm flipH="1">
+            <a:off x="2948704" y="8687409"/>
+            <a:ext cx="2645901" cy="0"/>
+          </a:xfrm>
+          <a:prstGeom prst="line">
+            <a:avLst/>
+          </a:prstGeom>
+          <a:ln w="28575">
+            <a:solidFill>
+              <a:schemeClr val="tx1"/>
+            </a:solidFill>
+          </a:ln>
+        </p:spPr>
+        <p:style>
+          <a:lnRef idx="1">
+            <a:schemeClr val="accent1"/>
+          </a:lnRef>
+          <a:fillRef idx="0">
+            <a:schemeClr val="accent1"/>
+          </a:fillRef>
+          <a:effectRef idx="0">
+            <a:schemeClr val="accent1"/>
+          </a:effectRef>
+          <a:fontRef idx="minor">
+            <a:schemeClr val="tx1"/>
+          </a:fontRef>
+        </p:style>
+      </p:cxnSp>
+      <p:cxnSp>
+        <p:nvCxnSpPr>
+          <p:cNvPr id="1032" name="Straight Connector 1031">
+            <a:extLst>
+              <a:ext uri="{FF2B5EF4-FFF2-40B4-BE49-F238E27FC236}">
+                <a16:creationId xmlns:a16="http://schemas.microsoft.com/office/drawing/2014/main" id="{FFADD811-A3E1-5070-9969-4ACD8E3346DD}"/>
+              </a:ext>
+            </a:extLst>
+          </p:cNvPr>
+          <p:cNvCxnSpPr>
+            <a:cxnSpLocks/>
+          </p:cNvCxnSpPr>
+          <p:nvPr/>
+        </p:nvCxnSpPr>
+        <p:spPr>
+          <a:xfrm>
+            <a:off x="2937817" y="6194185"/>
+            <a:ext cx="0" cy="2504110"/>
+          </a:xfrm>
+          <a:prstGeom prst="line">
+            <a:avLst/>
+          </a:prstGeom>
+          <a:ln w="28575">
+            <a:solidFill>
+              <a:schemeClr val="tx1"/>
+            </a:solidFill>
+          </a:ln>
+        </p:spPr>
+        <p:style>
+          <a:lnRef idx="1">
+            <a:schemeClr val="accent1"/>
+          </a:lnRef>
+          <a:fillRef idx="0">
+            <a:schemeClr val="accent1"/>
+          </a:fillRef>
+          <a:effectRef idx="0">
+            <a:schemeClr val="accent1"/>
+          </a:effectRef>
+          <a:fontRef idx="minor">
+            <a:schemeClr val="tx1"/>
+          </a:fontRef>
+        </p:style>
+      </p:cxnSp>
+      <p:sp>
+        <p:nvSpPr>
+          <p:cNvPr id="1033" name="TextBox 1032">
+            <a:extLst>
+              <a:ext uri="{FF2B5EF4-FFF2-40B4-BE49-F238E27FC236}">
+                <a16:creationId xmlns:a16="http://schemas.microsoft.com/office/drawing/2014/main" id="{AFAB3690-8F19-403D-1359-8FF4B9F82E8B}"/>
+              </a:ext>
+            </a:extLst>
+          </p:cNvPr>
+          <p:cNvSpPr txBox="1"/>
+          <p:nvPr/>
+        </p:nvSpPr>
+        <p:spPr>
+          <a:xfrm>
+            <a:off x="3749812" y="6362265"/>
+            <a:ext cx="2032232" cy="338554"/>
+          </a:xfrm>
+          <a:prstGeom prst="rect">
+            <a:avLst/>
+          </a:prstGeom>
+          <a:noFill/>
+        </p:spPr>
+        <p:txBody>
+          <a:bodyPr wrap="square" rtlCol="0">
+            <a:spAutoFit/>
+          </a:bodyPr>
+          <a:lstStyle/>
+          <a:p>
+            <a:pPr algn="ctr"/>
+            <a:r>
+              <a:rPr lang="en-US" sz="1600" i="1" dirty="0">
+                <a:solidFill>
+                  <a:schemeClr val="bg2">
+                    <a:lumMod val="75000"/>
+                  </a:schemeClr>
+                </a:solidFill>
+                <a:latin typeface="Arial" panose="020B0604020202020204" pitchFamily="34" charset="0"/>
+                <a:cs typeface="Arial" panose="020B0604020202020204" pitchFamily="34" charset="0"/>
+              </a:rPr>
+              <a:t>1:1</a:t>
+            </a:r>
+          </a:p>
+        </p:txBody>
+      </p:sp>
+      <p:sp>
+        <p:nvSpPr>
+          <p:cNvPr id="1035" name="TextBox 1034">
+            <a:extLst>
+              <a:ext uri="{FF2B5EF4-FFF2-40B4-BE49-F238E27FC236}">
+                <a16:creationId xmlns:a16="http://schemas.microsoft.com/office/drawing/2014/main" id="{401F6452-4BCF-D391-4EE7-FBE4E6C7DB24}"/>
+              </a:ext>
+            </a:extLst>
+          </p:cNvPr>
+          <p:cNvSpPr txBox="1"/>
+          <p:nvPr/>
+        </p:nvSpPr>
+        <p:spPr>
+          <a:xfrm rot="16200000">
+            <a:off x="1029999" y="7277521"/>
+            <a:ext cx="2900904" cy="338554"/>
+          </a:xfrm>
+          <a:prstGeom prst="rect">
+            <a:avLst/>
+          </a:prstGeom>
+          <a:noFill/>
+        </p:spPr>
+        <p:txBody>
+          <a:bodyPr wrap="square" rtlCol="0">
+            <a:spAutoFit/>
+          </a:bodyPr>
+          <a:lstStyle/>
+          <a:p>
+            <a:pPr algn="ctr"/>
+            <a:r>
+              <a:rPr lang="en-US" sz="1600" dirty="0">
+                <a:latin typeface="Arial" panose="020B0604020202020204" pitchFamily="34" charset="0"/>
+                <a:cs typeface="Arial" panose="020B0604020202020204" pitchFamily="34" charset="0"/>
+              </a:rPr>
+              <a:t>Range expansion rate (km/yr)</a:t>
+            </a:r>
+          </a:p>
+        </p:txBody>
+      </p:sp>
+      <p:sp>
+        <p:nvSpPr>
+          <p:cNvPr id="1036" name="Oval 1035">
+            <a:extLst>
+              <a:ext uri="{FF2B5EF4-FFF2-40B4-BE49-F238E27FC236}">
+                <a16:creationId xmlns:a16="http://schemas.microsoft.com/office/drawing/2014/main" id="{D2AA29B6-45C0-D1E7-02BF-7B7437742845}"/>
+              </a:ext>
+            </a:extLst>
+          </p:cNvPr>
+          <p:cNvSpPr/>
+          <p:nvPr/>
+        </p:nvSpPr>
+        <p:spPr>
+          <a:xfrm>
+            <a:off x="4977350" y="5780323"/>
+            <a:ext cx="141515" cy="130629"/>
+          </a:xfrm>
+          <a:prstGeom prst="ellipse">
+            <a:avLst/>
+          </a:prstGeom>
+          <a:solidFill>
+            <a:schemeClr val="bg1"/>
+          </a:solidFill>
+          <a:ln w="19050">
+            <a:solidFill>
+              <a:schemeClr val="bg1"/>
+            </a:solidFill>
+          </a:ln>
+        </p:spPr>
+        <p:style>
+          <a:lnRef idx="2">
+            <a:schemeClr val="accent1">
+              <a:shade val="50000"/>
+            </a:schemeClr>
+          </a:lnRef>
+          <a:fillRef idx="1">
+            <a:schemeClr val="accent1"/>
+          </a:fillRef>
+          <a:effectRef idx="0">
+            <a:schemeClr val="accent1"/>
+          </a:effectRef>
+          <a:fontRef idx="minor">
+            <a:schemeClr val="lt1"/>
+          </a:fontRef>
+        </p:style>
+        <p:txBody>
+          <a:bodyPr rtlCol="0" anchor="ctr"/>
+          <a:lstStyle/>
+          <a:p>
+            <a:pPr algn="ctr"/>
+            <a:endParaRPr lang="en-US">
+              <a:solidFill>
+                <a:schemeClr val="accent2">
+                  <a:lumMod val="50000"/>
+                </a:schemeClr>
+              </a:solidFill>
+            </a:endParaRPr>
+          </a:p>
+        </p:txBody>
+      </p:sp>
+      <p:sp>
+        <p:nvSpPr>
+          <p:cNvPr id="1037" name="TextBox 1036">
+            <a:extLst>
+              <a:ext uri="{FF2B5EF4-FFF2-40B4-BE49-F238E27FC236}">
+                <a16:creationId xmlns:a16="http://schemas.microsoft.com/office/drawing/2014/main" id="{4F7285F9-E473-3351-BF40-14F3A0626619}"/>
+              </a:ext>
+            </a:extLst>
+          </p:cNvPr>
+          <p:cNvSpPr txBox="1"/>
+          <p:nvPr/>
+        </p:nvSpPr>
+        <p:spPr>
+          <a:xfrm>
+            <a:off x="9107299" y="6260382"/>
+            <a:ext cx="1131724" cy="1077218"/>
+          </a:xfrm>
+          <a:prstGeom prst="rect">
+            <a:avLst/>
+          </a:prstGeom>
+          <a:noFill/>
+        </p:spPr>
+        <p:txBody>
+          <a:bodyPr wrap="square" rtlCol="0">
+            <a:spAutoFit/>
+          </a:bodyPr>
+          <a:lstStyle/>
+          <a:p>
+            <a:pPr algn="ctr"/>
+            <a:r>
+              <a:rPr lang="en-US" sz="1600" dirty="0">
+                <a:latin typeface="Arial" panose="020B0604020202020204" pitchFamily="34" charset="0"/>
+                <a:cs typeface="Arial" panose="020B0604020202020204" pitchFamily="34" charset="0"/>
+              </a:rPr>
+              <a:t>Velocity of isotherm shift (km/yr)</a:t>
+            </a:r>
+          </a:p>
+        </p:txBody>
+      </p:sp>
+      <p:sp>
+        <p:nvSpPr>
+          <p:cNvPr id="1049" name="TextBox 1048">
+            <a:extLst>
+              <a:ext uri="{FF2B5EF4-FFF2-40B4-BE49-F238E27FC236}">
+                <a16:creationId xmlns:a16="http://schemas.microsoft.com/office/drawing/2014/main" id="{35574FFE-88A9-EBA9-93A0-8D480D091E6E}"/>
+              </a:ext>
+            </a:extLst>
+          </p:cNvPr>
+          <p:cNvSpPr txBox="1"/>
+          <p:nvPr/>
+        </p:nvSpPr>
+        <p:spPr>
+          <a:xfrm>
+            <a:off x="7104673" y="10174620"/>
+            <a:ext cx="569481" cy="338554"/>
+          </a:xfrm>
+          <a:prstGeom prst="rect">
+            <a:avLst/>
+          </a:prstGeom>
+          <a:noFill/>
+        </p:spPr>
+        <p:txBody>
+          <a:bodyPr wrap="square" rtlCol="0">
+            <a:spAutoFit/>
+          </a:bodyPr>
+          <a:lstStyle/>
+          <a:p>
+            <a:pPr algn="ctr"/>
+            <a:r>
+              <a:rPr lang="en-US" sz="1600" dirty="0">
+                <a:solidFill>
+                  <a:schemeClr val="bg2">
+                    <a:lumMod val="75000"/>
+                  </a:schemeClr>
+                </a:solidFill>
+                <a:latin typeface="Arial" panose="020B0604020202020204" pitchFamily="34" charset="0"/>
+                <a:cs typeface="Arial" panose="020B0604020202020204" pitchFamily="34" charset="0"/>
+              </a:rPr>
+              <a:t>b)</a:t>
+            </a:r>
+          </a:p>
+        </p:txBody>
+      </p:sp>
+      <p:sp>
+        <p:nvSpPr>
+          <p:cNvPr id="1050" name="TextBox 1049">
+            <a:extLst>
+              <a:ext uri="{FF2B5EF4-FFF2-40B4-BE49-F238E27FC236}">
+                <a16:creationId xmlns:a16="http://schemas.microsoft.com/office/drawing/2014/main" id="{AE510EC9-F2D5-C6FB-6A49-9E5238F66796}"/>
+              </a:ext>
+            </a:extLst>
+          </p:cNvPr>
+          <p:cNvSpPr txBox="1"/>
+          <p:nvPr/>
+        </p:nvSpPr>
+        <p:spPr>
+          <a:xfrm>
+            <a:off x="4992575" y="11604734"/>
+            <a:ext cx="2032232" cy="338554"/>
+          </a:xfrm>
+          <a:prstGeom prst="rect">
+            <a:avLst/>
+          </a:prstGeom>
+          <a:noFill/>
+        </p:spPr>
+        <p:txBody>
+          <a:bodyPr wrap="square" rtlCol="0">
+            <a:spAutoFit/>
+          </a:bodyPr>
+          <a:lstStyle/>
+          <a:p>
+            <a:pPr algn="ctr"/>
+            <a:r>
+              <a:rPr lang="en-US" sz="1600" i="1" dirty="0">
+                <a:solidFill>
+                  <a:schemeClr val="bg2">
+                    <a:lumMod val="75000"/>
+                  </a:schemeClr>
+                </a:solidFill>
+                <a:latin typeface="Arial" panose="020B0604020202020204" pitchFamily="34" charset="0"/>
+                <a:cs typeface="Arial" panose="020B0604020202020204" pitchFamily="34" charset="0"/>
+              </a:rPr>
+              <a:t>1:1</a:t>
+            </a:r>
+          </a:p>
+        </p:txBody>
+      </p:sp>
+      <p:sp>
+        <p:nvSpPr>
+          <p:cNvPr id="1058" name="Oval 1057">
+            <a:extLst>
+              <a:ext uri="{FF2B5EF4-FFF2-40B4-BE49-F238E27FC236}">
+                <a16:creationId xmlns:a16="http://schemas.microsoft.com/office/drawing/2014/main" id="{E3449B27-44B5-366E-79CA-9E0AB9FEE90B}"/>
+              </a:ext>
+            </a:extLst>
+          </p:cNvPr>
+          <p:cNvSpPr/>
+          <p:nvPr/>
+        </p:nvSpPr>
+        <p:spPr>
+          <a:xfrm>
+            <a:off x="6849927" y="7967454"/>
+            <a:ext cx="141515" cy="130629"/>
+          </a:xfrm>
+          <a:prstGeom prst="ellipse">
+            <a:avLst/>
+          </a:prstGeom>
+          <a:solidFill>
+            <a:srgbClr val="B2172B"/>
+          </a:solidFill>
+          <a:ln w="19050">
+            <a:solidFill>
+              <a:schemeClr val="tx1"/>
+            </a:solidFill>
+          </a:ln>
+        </p:spPr>
+        <p:style>
+          <a:lnRef idx="2">
+            <a:schemeClr val="accent1">
+              <a:shade val="50000"/>
+            </a:schemeClr>
+          </a:lnRef>
+          <a:fillRef idx="1">
+            <a:schemeClr val="accent1"/>
+          </a:fillRef>
+          <a:effectRef idx="0">
+            <a:schemeClr val="accent1"/>
+          </a:effectRef>
+          <a:fontRef idx="minor">
+            <a:schemeClr val="lt1"/>
+          </a:fontRef>
+        </p:style>
+        <p:txBody>
+          <a:bodyPr rtlCol="0" anchor="ctr"/>
+          <a:lstStyle/>
+          <a:p>
+            <a:pPr algn="ctr"/>
+            <a:endParaRPr lang="en-US">
+              <a:solidFill>
+                <a:schemeClr val="accent2">
+                  <a:lumMod val="50000"/>
+                </a:schemeClr>
+              </a:solidFill>
+            </a:endParaRPr>
+          </a:p>
+        </p:txBody>
+      </p:sp>
+      <p:sp>
+        <p:nvSpPr>
+          <p:cNvPr id="1059" name="Oval 1058">
+            <a:extLst>
+              <a:ext uri="{FF2B5EF4-FFF2-40B4-BE49-F238E27FC236}">
+                <a16:creationId xmlns:a16="http://schemas.microsoft.com/office/drawing/2014/main" id="{5326EFE2-3069-3A3F-A7B0-003952C2FDAD}"/>
+              </a:ext>
+            </a:extLst>
+          </p:cNvPr>
+          <p:cNvSpPr/>
+          <p:nvPr/>
+        </p:nvSpPr>
+        <p:spPr>
+          <a:xfrm>
+            <a:off x="7702928" y="7106380"/>
+            <a:ext cx="141515" cy="130629"/>
+          </a:xfrm>
+          <a:prstGeom prst="ellipse">
+            <a:avLst/>
+          </a:prstGeom>
+          <a:solidFill>
+            <a:srgbClr val="B2172B"/>
+          </a:solidFill>
+          <a:ln w="19050">
+            <a:solidFill>
+              <a:schemeClr val="tx1"/>
+            </a:solidFill>
+          </a:ln>
+        </p:spPr>
+        <p:style>
+          <a:lnRef idx="2">
+            <a:schemeClr val="accent1">
+              <a:shade val="50000"/>
+            </a:schemeClr>
+          </a:lnRef>
+          <a:fillRef idx="1">
+            <a:schemeClr val="accent1"/>
+          </a:fillRef>
+          <a:effectRef idx="0">
+            <a:schemeClr val="accent1"/>
+          </a:effectRef>
+          <a:fontRef idx="minor">
+            <a:schemeClr val="lt1"/>
+          </a:fontRef>
+        </p:style>
+        <p:txBody>
+          <a:bodyPr rtlCol="0" anchor="ctr"/>
+          <a:lstStyle/>
+          <a:p>
+            <a:pPr algn="ctr"/>
+            <a:endParaRPr lang="en-US">
+              <a:solidFill>
+                <a:schemeClr val="accent2">
+                  <a:lumMod val="50000"/>
+                </a:schemeClr>
+              </a:solidFill>
+            </a:endParaRPr>
+          </a:p>
+        </p:txBody>
+      </p:sp>
+      <p:sp>
+        <p:nvSpPr>
+          <p:cNvPr id="1060" name="Oval 1059">
+            <a:extLst>
+              <a:ext uri="{FF2B5EF4-FFF2-40B4-BE49-F238E27FC236}">
+                <a16:creationId xmlns:a16="http://schemas.microsoft.com/office/drawing/2014/main" id="{98D03691-5D17-7DCC-547A-E87BD48D8222}"/>
+              </a:ext>
+            </a:extLst>
+          </p:cNvPr>
+          <p:cNvSpPr/>
+          <p:nvPr/>
+        </p:nvSpPr>
+        <p:spPr>
+          <a:xfrm>
+            <a:off x="7832635" y="6995589"/>
+            <a:ext cx="141515" cy="130629"/>
+          </a:xfrm>
+          <a:prstGeom prst="ellipse">
+            <a:avLst/>
+          </a:prstGeom>
+          <a:solidFill>
+            <a:srgbClr val="B2172B"/>
+          </a:solidFill>
+          <a:ln>
+            <a:solidFill>
+              <a:srgbClr val="B2172B"/>
+            </a:solidFill>
+          </a:ln>
+        </p:spPr>
+        <p:style>
+          <a:lnRef idx="2">
+            <a:schemeClr val="accent1">
+              <a:shade val="50000"/>
+            </a:schemeClr>
+          </a:lnRef>
+          <a:fillRef idx="1">
+            <a:schemeClr val="accent1"/>
+          </a:fillRef>
+          <a:effectRef idx="0">
+            <a:schemeClr val="accent1"/>
+          </a:effectRef>
+          <a:fontRef idx="minor">
+            <a:schemeClr val="lt1"/>
+          </a:fontRef>
+        </p:style>
+        <p:txBody>
+          <a:bodyPr rtlCol="0" anchor="ctr"/>
+          <a:lstStyle/>
+          <a:p>
+            <a:pPr algn="ctr"/>
+            <a:endParaRPr lang="en-US">
+              <a:solidFill>
+                <a:schemeClr val="accent2">
+                  <a:lumMod val="50000"/>
+                </a:schemeClr>
+              </a:solidFill>
+            </a:endParaRPr>
+          </a:p>
+        </p:txBody>
+      </p:sp>
+      <p:sp>
+        <p:nvSpPr>
+          <p:cNvPr id="1061" name="Oval 1060">
+            <a:extLst>
+              <a:ext uri="{FF2B5EF4-FFF2-40B4-BE49-F238E27FC236}">
+                <a16:creationId xmlns:a16="http://schemas.microsoft.com/office/drawing/2014/main" id="{125C68A8-7EDD-D896-51A7-9A6DE998D4CB}"/>
+              </a:ext>
+            </a:extLst>
+          </p:cNvPr>
+          <p:cNvSpPr/>
+          <p:nvPr/>
+        </p:nvSpPr>
+        <p:spPr>
+          <a:xfrm>
+            <a:off x="7416001" y="7410355"/>
+            <a:ext cx="141515" cy="130629"/>
+          </a:xfrm>
+          <a:prstGeom prst="ellipse">
+            <a:avLst/>
+          </a:prstGeom>
+          <a:solidFill>
+            <a:srgbClr val="B2172B"/>
+          </a:solidFill>
+          <a:ln w="19050">
+            <a:solidFill>
+              <a:schemeClr val="tx1"/>
+            </a:solidFill>
+          </a:ln>
+        </p:spPr>
+        <p:style>
+          <a:lnRef idx="2">
+            <a:schemeClr val="accent1">
+              <a:shade val="50000"/>
+            </a:schemeClr>
+          </a:lnRef>
+          <a:fillRef idx="1">
+            <a:schemeClr val="accent1"/>
+          </a:fillRef>
+          <a:effectRef idx="0">
+            <a:schemeClr val="accent1"/>
+          </a:effectRef>
+          <a:fontRef idx="minor">
+            <a:schemeClr val="lt1"/>
+          </a:fontRef>
+        </p:style>
+        <p:txBody>
+          <a:bodyPr rtlCol="0" anchor="ctr"/>
+          <a:lstStyle/>
+          <a:p>
+            <a:pPr algn="ctr"/>
+            <a:endParaRPr lang="en-US">
+              <a:solidFill>
+                <a:schemeClr val="accent2">
+                  <a:lumMod val="50000"/>
+                </a:schemeClr>
+              </a:solidFill>
+            </a:endParaRPr>
+          </a:p>
+        </p:txBody>
+      </p:sp>
+      <p:sp>
+        <p:nvSpPr>
+          <p:cNvPr id="1062" name="Oval 1061">
+            <a:extLst>
+              <a:ext uri="{FF2B5EF4-FFF2-40B4-BE49-F238E27FC236}">
+                <a16:creationId xmlns:a16="http://schemas.microsoft.com/office/drawing/2014/main" id="{746D4208-CECA-D292-2444-98499F23E5DD}"/>
+              </a:ext>
+            </a:extLst>
+          </p:cNvPr>
+          <p:cNvSpPr/>
+          <p:nvPr/>
+        </p:nvSpPr>
+        <p:spPr>
+          <a:xfrm>
+            <a:off x="7208163" y="7605619"/>
+            <a:ext cx="141515" cy="130629"/>
+          </a:xfrm>
+          <a:prstGeom prst="ellipse">
+            <a:avLst/>
+          </a:prstGeom>
+          <a:solidFill>
+            <a:srgbClr val="F3CABA"/>
+          </a:solidFill>
+          <a:ln w="19050">
+            <a:solidFill>
+              <a:schemeClr val="tx1"/>
+            </a:solidFill>
+          </a:ln>
+        </p:spPr>
+        <p:style>
+          <a:lnRef idx="2">
+            <a:schemeClr val="accent1">
+              <a:shade val="50000"/>
+            </a:schemeClr>
+          </a:lnRef>
+          <a:fillRef idx="1">
+            <a:schemeClr val="accent1"/>
+          </a:fillRef>
+          <a:effectRef idx="0">
+            <a:schemeClr val="accent1"/>
+          </a:effectRef>
+          <a:fontRef idx="minor">
+            <a:schemeClr val="lt1"/>
+          </a:fontRef>
+        </p:style>
+        <p:txBody>
+          <a:bodyPr rtlCol="0" anchor="ctr"/>
+          <a:lstStyle/>
+          <a:p>
+            <a:pPr algn="ctr"/>
+            <a:endParaRPr lang="en-US">
+              <a:solidFill>
+                <a:schemeClr val="accent2">
+                  <a:lumMod val="50000"/>
+                </a:schemeClr>
+              </a:solidFill>
+            </a:endParaRPr>
+          </a:p>
+        </p:txBody>
+      </p:sp>
+      <p:sp>
+        <p:nvSpPr>
+          <p:cNvPr id="1063" name="Oval 1062">
+            <a:extLst>
+              <a:ext uri="{FF2B5EF4-FFF2-40B4-BE49-F238E27FC236}">
+                <a16:creationId xmlns:a16="http://schemas.microsoft.com/office/drawing/2014/main" id="{EA92D02E-331B-B6B8-5247-1AFA99ABDC45}"/>
+              </a:ext>
+            </a:extLst>
+          </p:cNvPr>
+          <p:cNvSpPr/>
+          <p:nvPr/>
+        </p:nvSpPr>
+        <p:spPr>
+          <a:xfrm>
+            <a:off x="7040999" y="7786594"/>
+            <a:ext cx="141515" cy="130629"/>
+          </a:xfrm>
+          <a:prstGeom prst="ellipse">
+            <a:avLst/>
+          </a:prstGeom>
+          <a:solidFill>
+            <a:srgbClr val="F3CABA"/>
+          </a:solidFill>
+          <a:ln w="19050">
+            <a:solidFill>
+              <a:schemeClr val="tx1"/>
+            </a:solidFill>
+          </a:ln>
+        </p:spPr>
+        <p:style>
+          <a:lnRef idx="2">
+            <a:schemeClr val="accent1">
+              <a:shade val="50000"/>
+            </a:schemeClr>
+          </a:lnRef>
+          <a:fillRef idx="1">
+            <a:schemeClr val="accent1"/>
+          </a:fillRef>
+          <a:effectRef idx="0">
+            <a:schemeClr val="accent1"/>
+          </a:effectRef>
+          <a:fontRef idx="minor">
+            <a:schemeClr val="lt1"/>
+          </a:fontRef>
+        </p:style>
+        <p:txBody>
+          <a:bodyPr rtlCol="0" anchor="ctr"/>
+          <a:lstStyle/>
+          <a:p>
+            <a:pPr algn="ctr"/>
+            <a:endParaRPr lang="en-US">
+              <a:solidFill>
+                <a:schemeClr val="accent2">
+                  <a:lumMod val="50000"/>
+                </a:schemeClr>
+              </a:solidFill>
+            </a:endParaRPr>
+          </a:p>
+        </p:txBody>
+      </p:sp>
+      <p:sp>
+        <p:nvSpPr>
+          <p:cNvPr id="1064" name="Oval 1063">
+            <a:extLst>
+              <a:ext uri="{FF2B5EF4-FFF2-40B4-BE49-F238E27FC236}">
+                <a16:creationId xmlns:a16="http://schemas.microsoft.com/office/drawing/2014/main" id="{4DB40CC1-3434-CAA9-DD60-C2C6017D5675}"/>
+              </a:ext>
+            </a:extLst>
+          </p:cNvPr>
+          <p:cNvSpPr/>
+          <p:nvPr/>
+        </p:nvSpPr>
+        <p:spPr>
+          <a:xfrm>
+            <a:off x="6296883" y="8496212"/>
+            <a:ext cx="141515" cy="130629"/>
+          </a:xfrm>
+          <a:prstGeom prst="ellipse">
+            <a:avLst/>
+          </a:prstGeom>
+          <a:solidFill>
+            <a:srgbClr val="F3CABA"/>
+          </a:solidFill>
+          <a:ln w="19050">
+            <a:solidFill>
+              <a:schemeClr val="tx1"/>
+            </a:solidFill>
+          </a:ln>
+        </p:spPr>
+        <p:style>
+          <a:lnRef idx="2">
+            <a:schemeClr val="accent1">
+              <a:shade val="50000"/>
+            </a:schemeClr>
+          </a:lnRef>
+          <a:fillRef idx="1">
+            <a:schemeClr val="accent1"/>
+          </a:fillRef>
+          <a:effectRef idx="0">
+            <a:schemeClr val="accent1"/>
+          </a:effectRef>
+          <a:fontRef idx="minor">
+            <a:schemeClr val="lt1"/>
+          </a:fontRef>
+        </p:style>
+        <p:txBody>
+          <a:bodyPr rtlCol="0" anchor="ctr"/>
+          <a:lstStyle/>
+          <a:p>
+            <a:pPr algn="ctr"/>
+            <a:endParaRPr lang="en-US">
+              <a:solidFill>
+                <a:schemeClr val="accent2">
+                  <a:lumMod val="50000"/>
+                </a:schemeClr>
+              </a:solidFill>
+            </a:endParaRPr>
+          </a:p>
+        </p:txBody>
+      </p:sp>
+      <p:sp>
+        <p:nvSpPr>
+          <p:cNvPr id="1065" name="Oval 1064">
+            <a:extLst>
+              <a:ext uri="{FF2B5EF4-FFF2-40B4-BE49-F238E27FC236}">
+                <a16:creationId xmlns:a16="http://schemas.microsoft.com/office/drawing/2014/main" id="{4481A440-9345-0746-716B-94CC8F474C85}"/>
+              </a:ext>
+            </a:extLst>
+          </p:cNvPr>
+          <p:cNvSpPr/>
+          <p:nvPr/>
+        </p:nvSpPr>
+        <p:spPr>
+          <a:xfrm>
+            <a:off x="6544281" y="8248562"/>
+            <a:ext cx="141515" cy="130629"/>
+          </a:xfrm>
+          <a:prstGeom prst="ellipse">
+            <a:avLst/>
+          </a:prstGeom>
+          <a:solidFill>
+            <a:srgbClr val="F3CABA"/>
+          </a:solidFill>
+          <a:ln w="19050">
+            <a:solidFill>
+              <a:schemeClr val="tx1"/>
+            </a:solidFill>
+          </a:ln>
+        </p:spPr>
+        <p:style>
+          <a:lnRef idx="2">
+            <a:schemeClr val="accent1">
+              <a:shade val="50000"/>
+            </a:schemeClr>
+          </a:lnRef>
+          <a:fillRef idx="1">
+            <a:schemeClr val="accent1"/>
+          </a:fillRef>
+          <a:effectRef idx="0">
+            <a:schemeClr val="accent1"/>
+          </a:effectRef>
+          <a:fontRef idx="minor">
+            <a:schemeClr val="lt1"/>
+          </a:fontRef>
+        </p:style>
+        <p:txBody>
+          <a:bodyPr rtlCol="0" anchor="ctr"/>
+          <a:lstStyle/>
+          <a:p>
+            <a:pPr algn="ctr"/>
+            <a:endParaRPr lang="en-US">
+              <a:solidFill>
+                <a:schemeClr val="accent2">
+                  <a:lumMod val="50000"/>
+                </a:schemeClr>
+              </a:solidFill>
+            </a:endParaRPr>
+          </a:p>
+        </p:txBody>
+      </p:sp>
+      <p:sp>
+        <p:nvSpPr>
+          <p:cNvPr id="1066" name="Oval 1065">
+            <a:extLst>
+              <a:ext uri="{FF2B5EF4-FFF2-40B4-BE49-F238E27FC236}">
+                <a16:creationId xmlns:a16="http://schemas.microsoft.com/office/drawing/2014/main" id="{81CBDB01-C765-7672-492F-326061403CEB}"/>
+              </a:ext>
+            </a:extLst>
+          </p:cNvPr>
+          <p:cNvSpPr/>
+          <p:nvPr/>
+        </p:nvSpPr>
+        <p:spPr>
+          <a:xfrm>
+            <a:off x="7307844" y="7504182"/>
+            <a:ext cx="141515" cy="130629"/>
+          </a:xfrm>
+          <a:prstGeom prst="ellipse">
+            <a:avLst/>
+          </a:prstGeom>
+          <a:solidFill>
+            <a:srgbClr val="F3CABA"/>
+          </a:solidFill>
+          <a:ln w="19050">
+            <a:noFill/>
+          </a:ln>
+        </p:spPr>
+        <p:style>
+          <a:lnRef idx="2">
+            <a:schemeClr val="accent1">
+              <a:shade val="50000"/>
+            </a:schemeClr>
+          </a:lnRef>
+          <a:fillRef idx="1">
+            <a:schemeClr val="accent1"/>
+          </a:fillRef>
+          <a:effectRef idx="0">
+            <a:schemeClr val="accent1"/>
+          </a:effectRef>
+          <a:fontRef idx="minor">
+            <a:schemeClr val="lt1"/>
+          </a:fontRef>
+        </p:style>
+        <p:txBody>
+          <a:bodyPr rtlCol="0" anchor="ctr"/>
+          <a:lstStyle/>
+          <a:p>
+            <a:pPr algn="ctr"/>
+            <a:endParaRPr lang="en-US">
+              <a:solidFill>
+                <a:schemeClr val="accent2">
+                  <a:lumMod val="50000"/>
+                </a:schemeClr>
+              </a:solidFill>
+            </a:endParaRPr>
+          </a:p>
+        </p:txBody>
+      </p:sp>
+      <p:sp>
+        <p:nvSpPr>
+          <p:cNvPr id="1069" name="Oval 1068">
+            <a:extLst>
+              <a:ext uri="{FF2B5EF4-FFF2-40B4-BE49-F238E27FC236}">
+                <a16:creationId xmlns:a16="http://schemas.microsoft.com/office/drawing/2014/main" id="{59A71674-4F09-0D22-11D4-43D7926733FF}"/>
+              </a:ext>
+            </a:extLst>
+          </p:cNvPr>
+          <p:cNvSpPr/>
+          <p:nvPr/>
+        </p:nvSpPr>
+        <p:spPr>
+          <a:xfrm>
+            <a:off x="6728067" y="8082935"/>
+            <a:ext cx="141515" cy="130629"/>
+          </a:xfrm>
+          <a:prstGeom prst="ellipse">
+            <a:avLst/>
+          </a:prstGeom>
+          <a:solidFill>
+            <a:srgbClr val="9C9EBE"/>
+          </a:solidFill>
+          <a:ln w="19050">
+            <a:noFill/>
+          </a:ln>
+        </p:spPr>
+        <p:style>
+          <a:lnRef idx="2">
+            <a:schemeClr val="accent1">
+              <a:shade val="50000"/>
+            </a:schemeClr>
+          </a:lnRef>
+          <a:fillRef idx="1">
+            <a:schemeClr val="accent1"/>
+          </a:fillRef>
+          <a:effectRef idx="0">
+            <a:schemeClr val="accent1"/>
+          </a:effectRef>
+          <a:fontRef idx="minor">
+            <a:schemeClr val="lt1"/>
+          </a:fontRef>
+        </p:style>
+        <p:txBody>
+          <a:bodyPr rtlCol="0" anchor="ctr"/>
+          <a:lstStyle/>
+          <a:p>
+            <a:pPr algn="ctr"/>
+            <a:endParaRPr lang="en-US">
+              <a:solidFill>
+                <a:schemeClr val="accent2">
+                  <a:lumMod val="50000"/>
+                </a:schemeClr>
+              </a:solidFill>
+            </a:endParaRPr>
+          </a:p>
+        </p:txBody>
+      </p:sp>
+      <p:grpSp>
+        <p:nvGrpSpPr>
+          <p:cNvPr id="5" name="Group 4">
+            <a:extLst>
+              <a:ext uri="{FF2B5EF4-FFF2-40B4-BE49-F238E27FC236}">
+                <a16:creationId xmlns:a16="http://schemas.microsoft.com/office/drawing/2014/main" id="{09AC191C-F5C3-E748-3D26-6FF757FE93A5}"/>
+              </a:ext>
+            </a:extLst>
+          </p:cNvPr>
+          <p:cNvGrpSpPr/>
+          <p:nvPr/>
+        </p:nvGrpSpPr>
+        <p:grpSpPr>
+          <a:xfrm>
+            <a:off x="10127199" y="6888147"/>
+            <a:ext cx="3024597" cy="1101530"/>
+            <a:chOff x="8524560" y="6991381"/>
+            <a:chExt cx="2682403" cy="1101530"/>
+          </a:xfrm>
+        </p:grpSpPr>
+        <p:sp>
+          <p:nvSpPr>
+            <p:cNvPr id="1044" name="Oval 1043">
+              <a:extLst>
+                <a:ext uri="{FF2B5EF4-FFF2-40B4-BE49-F238E27FC236}">
+                  <a16:creationId xmlns:a16="http://schemas.microsoft.com/office/drawing/2014/main" id="{F8E8711A-24F1-A5FF-40E4-B7A5E16F723A}"/>
+                </a:ext>
+              </a:extLst>
+            </p:cNvPr>
+            <p:cNvSpPr/>
+            <p:nvPr/>
+          </p:nvSpPr>
+          <p:spPr>
+            <a:xfrm>
+              <a:off x="8524560" y="7462734"/>
+              <a:ext cx="2682403" cy="355600"/>
+            </a:xfrm>
+            <a:prstGeom prst="ellipse">
+              <a:avLst/>
+            </a:prstGeom>
+            <a:noFill/>
+            <a:ln>
+              <a:noFill/>
+            </a:ln>
+          </p:spPr>
+          <p:style>
+            <a:lnRef idx="2">
+              <a:schemeClr val="accent1">
+                <a:shade val="50000"/>
+              </a:schemeClr>
+            </a:lnRef>
+            <a:fillRef idx="1">
+              <a:schemeClr val="accent1"/>
+            </a:fillRef>
+            <a:effectRef idx="0">
+              <a:schemeClr val="accent1"/>
+            </a:effectRef>
+            <a:fontRef idx="minor">
+              <a:schemeClr val="lt1"/>
+            </a:fontRef>
+          </p:style>
+          <p:txBody>
+            <a:bodyPr rtlCol="0" anchor="ctr"/>
+            <a:lstStyle/>
+            <a:p>
+              <a:pPr algn="ctr"/>
+              <a:r>
+                <a:rPr lang="en-US" sz="1600" dirty="0">
+                  <a:solidFill>
+                    <a:sysClr val="windowText" lastClr="000000"/>
+                  </a:solidFill>
+                  <a:latin typeface="Arial" panose="020B0604020202020204" pitchFamily="34" charset="0"/>
+                  <a:cs typeface="Arial" panose="020B0604020202020204" pitchFamily="34" charset="0"/>
+                </a:rPr>
+                <a:t>Dispersal rate &lt; velocity of isotherm shift</a:t>
+              </a:r>
+            </a:p>
+            <a:p>
+              <a:pPr algn="ctr"/>
+              <a:endParaRPr lang="en-US" sz="1600" dirty="0">
+                <a:solidFill>
+                  <a:sysClr val="windowText" lastClr="000000"/>
+                </a:solidFill>
+                <a:latin typeface="Arial" panose="020B0604020202020204" pitchFamily="34" charset="0"/>
+                <a:cs typeface="Arial" panose="020B0604020202020204" pitchFamily="34" charset="0"/>
+              </a:endParaRPr>
+            </a:p>
+            <a:p>
+              <a:pPr algn="ctr"/>
+              <a:r>
+                <a:rPr lang="en-US" sz="1600" dirty="0">
+                  <a:solidFill>
+                    <a:sysClr val="windowText" lastClr="000000"/>
+                  </a:solidFill>
+                  <a:latin typeface="Arial" panose="020B0604020202020204" pitchFamily="34" charset="0"/>
+                  <a:cs typeface="Arial" panose="020B0604020202020204" pitchFamily="34" charset="0"/>
+                </a:rPr>
+                <a:t>Dispersal rate &gt; velocity of isotherm shift</a:t>
+              </a:r>
+            </a:p>
+            <a:p>
+              <a:pPr algn="ctr"/>
+              <a:endParaRPr lang="en-US" sz="1600" dirty="0">
+                <a:solidFill>
+                  <a:sysClr val="windowText" lastClr="000000"/>
+                </a:solidFill>
+                <a:latin typeface="Arial" panose="020B0604020202020204" pitchFamily="34" charset="0"/>
+                <a:cs typeface="Arial" panose="020B0604020202020204" pitchFamily="34" charset="0"/>
+              </a:endParaRPr>
+            </a:p>
+          </p:txBody>
+        </p:sp>
+        <p:sp>
+          <p:nvSpPr>
+            <p:cNvPr id="2" name="Oval 1">
+              <a:extLst>
+                <a:ext uri="{FF2B5EF4-FFF2-40B4-BE49-F238E27FC236}">
+                  <a16:creationId xmlns:a16="http://schemas.microsoft.com/office/drawing/2014/main" id="{5602B72B-26CA-0DEC-2B2B-2C80503C2ECD}"/>
+                </a:ext>
+              </a:extLst>
+            </p:cNvPr>
+            <p:cNvSpPr/>
+            <p:nvPr/>
+          </p:nvSpPr>
+          <p:spPr>
+            <a:xfrm>
+              <a:off x="8812638" y="6991381"/>
+              <a:ext cx="141515" cy="130629"/>
+            </a:xfrm>
+            <a:prstGeom prst="ellipse">
+              <a:avLst/>
+            </a:prstGeom>
+            <a:solidFill>
+              <a:schemeClr val="bg2"/>
+            </a:solidFill>
+            <a:ln w="19050">
+              <a:solidFill>
+                <a:schemeClr val="tx1"/>
+              </a:solidFill>
+            </a:ln>
+          </p:spPr>
+          <p:style>
+            <a:lnRef idx="2">
+              <a:schemeClr val="accent1">
+                <a:shade val="50000"/>
+              </a:schemeClr>
+            </a:lnRef>
+            <a:fillRef idx="1">
+              <a:schemeClr val="accent1"/>
+            </a:fillRef>
+            <a:effectRef idx="0">
+              <a:schemeClr val="accent1"/>
+            </a:effectRef>
+            <a:fontRef idx="minor">
+              <a:schemeClr val="lt1"/>
+            </a:fontRef>
+          </p:style>
+          <p:txBody>
+            <a:bodyPr rtlCol="0" anchor="ctr"/>
+            <a:lstStyle/>
+            <a:p>
+              <a:pPr algn="ctr"/>
+              <a:endParaRPr lang="en-US" sz="1600">
+                <a:solidFill>
+                  <a:schemeClr val="accent2">
+                    <a:lumMod val="50000"/>
+                  </a:schemeClr>
+                </a:solidFill>
+              </a:endParaRPr>
+            </a:p>
+          </p:txBody>
+        </p:sp>
+        <p:sp>
+          <p:nvSpPr>
+            <p:cNvPr id="3" name="Oval 2">
+              <a:extLst>
+                <a:ext uri="{FF2B5EF4-FFF2-40B4-BE49-F238E27FC236}">
+                  <a16:creationId xmlns:a16="http://schemas.microsoft.com/office/drawing/2014/main" id="{A1DCEAFC-4D9D-A13F-39AB-CB6642335A58}"/>
+                </a:ext>
+              </a:extLst>
+            </p:cNvPr>
+            <p:cNvSpPr/>
+            <p:nvPr/>
+          </p:nvSpPr>
+          <p:spPr>
+            <a:xfrm>
+              <a:off x="8812638" y="7962282"/>
+              <a:ext cx="141515" cy="130629"/>
+            </a:xfrm>
+            <a:prstGeom prst="ellipse">
+              <a:avLst/>
+            </a:prstGeom>
+            <a:solidFill>
+              <a:schemeClr val="bg2"/>
+            </a:solidFill>
+            <a:ln>
+              <a:solidFill>
+                <a:schemeClr val="bg2"/>
+              </a:solidFill>
+            </a:ln>
+          </p:spPr>
+          <p:style>
+            <a:lnRef idx="2">
+              <a:schemeClr val="accent1">
+                <a:shade val="50000"/>
+              </a:schemeClr>
+            </a:lnRef>
+            <a:fillRef idx="1">
+              <a:schemeClr val="accent1"/>
+            </a:fillRef>
+            <a:effectRef idx="0">
+              <a:schemeClr val="accent1"/>
+            </a:effectRef>
+            <a:fontRef idx="minor">
+              <a:schemeClr val="lt1"/>
+            </a:fontRef>
+          </p:style>
+          <p:txBody>
+            <a:bodyPr rtlCol="0" anchor="ctr"/>
+            <a:lstStyle/>
+            <a:p>
+              <a:pPr algn="ctr"/>
+              <a:endParaRPr lang="en-US" sz="1600">
+                <a:solidFill>
+                  <a:schemeClr val="accent2">
+                    <a:lumMod val="50000"/>
+                  </a:schemeClr>
+                </a:solidFill>
+              </a:endParaRPr>
+            </a:p>
+          </p:txBody>
+        </p:sp>
+      </p:grpSp>
+      <p:sp>
+        <p:nvSpPr>
+          <p:cNvPr id="4" name="Oval 3">
+            <a:extLst>
+              <a:ext uri="{FF2B5EF4-FFF2-40B4-BE49-F238E27FC236}">
+                <a16:creationId xmlns:a16="http://schemas.microsoft.com/office/drawing/2014/main" id="{104C1C41-E8EF-C18F-8F13-FF04C9603BD2}"/>
+              </a:ext>
+            </a:extLst>
+          </p:cNvPr>
+          <p:cNvSpPr/>
+          <p:nvPr/>
+        </p:nvSpPr>
+        <p:spPr>
+          <a:xfrm>
+            <a:off x="10315220" y="7769732"/>
+            <a:ext cx="1979542" cy="527839"/>
+          </a:xfrm>
+          <a:prstGeom prst="ellipse">
+            <a:avLst/>
+          </a:prstGeom>
+          <a:noFill/>
+          <a:ln>
+            <a:noFill/>
+          </a:ln>
+        </p:spPr>
+        <p:style>
+          <a:lnRef idx="2">
+            <a:schemeClr val="accent1">
+              <a:shade val="50000"/>
+            </a:schemeClr>
+          </a:lnRef>
+          <a:fillRef idx="1">
+            <a:schemeClr val="accent1"/>
+          </a:fillRef>
+          <a:effectRef idx="0">
+            <a:schemeClr val="accent1"/>
+          </a:effectRef>
+          <a:fontRef idx="minor">
+            <a:schemeClr val="lt1"/>
+          </a:fontRef>
+        </p:style>
+        <p:txBody>
+          <a:bodyPr rtlCol="0" anchor="ctr"/>
+          <a:lstStyle/>
+          <a:p>
+            <a:pPr algn="ctr"/>
+            <a:endParaRPr lang="en-US" sz="1200" dirty="0">
+              <a:solidFill>
+                <a:sysClr val="windowText" lastClr="000000"/>
+              </a:solidFill>
+              <a:latin typeface="Arial" panose="020B0604020202020204" pitchFamily="34" charset="0"/>
+              <a:cs typeface="Arial" panose="020B0604020202020204" pitchFamily="34" charset="0"/>
+            </a:endParaRPr>
+          </a:p>
+        </p:txBody>
+      </p:sp>
+      <p:grpSp>
+        <p:nvGrpSpPr>
+          <p:cNvPr id="10" name="Group 9">
+            <a:extLst>
+              <a:ext uri="{FF2B5EF4-FFF2-40B4-BE49-F238E27FC236}">
+                <a16:creationId xmlns:a16="http://schemas.microsoft.com/office/drawing/2014/main" id="{A227FAF9-4CE5-FC2F-6272-ABB21E8B44F0}"/>
+              </a:ext>
+            </a:extLst>
+          </p:cNvPr>
+          <p:cNvGrpSpPr/>
+          <p:nvPr/>
+        </p:nvGrpSpPr>
+        <p:grpSpPr>
+          <a:xfrm>
+            <a:off x="13735341" y="1023213"/>
+            <a:ext cx="3394419" cy="896594"/>
+            <a:chOff x="8524560" y="7105104"/>
+            <a:chExt cx="2682403" cy="760350"/>
+          </a:xfrm>
+        </p:grpSpPr>
+        <p:sp>
+          <p:nvSpPr>
+            <p:cNvPr id="18" name="Oval 17">
+              <a:extLst>
+                <a:ext uri="{FF2B5EF4-FFF2-40B4-BE49-F238E27FC236}">
+                  <a16:creationId xmlns:a16="http://schemas.microsoft.com/office/drawing/2014/main" id="{9400B455-E943-3D43-C23B-701C34526CE8}"/>
+                </a:ext>
+              </a:extLst>
+            </p:cNvPr>
+            <p:cNvSpPr/>
+            <p:nvPr/>
+          </p:nvSpPr>
+          <p:spPr>
+            <a:xfrm>
+              <a:off x="8524560" y="7462734"/>
+              <a:ext cx="2682403" cy="355600"/>
+            </a:xfrm>
+            <a:prstGeom prst="ellipse">
+              <a:avLst/>
+            </a:prstGeom>
+            <a:noFill/>
+            <a:ln>
+              <a:noFill/>
+            </a:ln>
+          </p:spPr>
+          <p:style>
+            <a:lnRef idx="2">
+              <a:schemeClr val="accent1">
+                <a:shade val="50000"/>
+              </a:schemeClr>
+            </a:lnRef>
+            <a:fillRef idx="1">
+              <a:schemeClr val="accent1"/>
+            </a:fillRef>
+            <a:effectRef idx="0">
+              <a:schemeClr val="accent1"/>
+            </a:effectRef>
+            <a:fontRef idx="minor">
+              <a:schemeClr val="lt1"/>
+            </a:fontRef>
+          </p:style>
+          <p:txBody>
+            <a:bodyPr rtlCol="0" anchor="ctr"/>
+            <a:lstStyle/>
+            <a:p>
+              <a:pPr algn="ctr"/>
+              <a:r>
+                <a:rPr lang="en-US" sz="1600" dirty="0">
+                  <a:solidFill>
+                    <a:sysClr val="windowText" lastClr="000000"/>
+                  </a:solidFill>
+                  <a:latin typeface="Arial" panose="020B0604020202020204" pitchFamily="34" charset="0"/>
+                  <a:cs typeface="Arial" panose="020B0604020202020204" pitchFamily="34" charset="0"/>
+                </a:rPr>
+                <a:t>Dispersal rate &lt; velocity of isotherm shift</a:t>
+              </a:r>
+            </a:p>
+            <a:p>
+              <a:pPr algn="ctr"/>
+              <a:endParaRPr lang="en-US" sz="1600" dirty="0">
+                <a:solidFill>
+                  <a:sysClr val="windowText" lastClr="000000"/>
+                </a:solidFill>
+                <a:latin typeface="Arial" panose="020B0604020202020204" pitchFamily="34" charset="0"/>
+                <a:cs typeface="Arial" panose="020B0604020202020204" pitchFamily="34" charset="0"/>
+              </a:endParaRPr>
+            </a:p>
+            <a:p>
+              <a:pPr algn="ctr"/>
+              <a:r>
+                <a:rPr lang="en-US" sz="1600" dirty="0">
+                  <a:solidFill>
+                    <a:sysClr val="windowText" lastClr="000000"/>
+                  </a:solidFill>
+                  <a:latin typeface="Arial" panose="020B0604020202020204" pitchFamily="34" charset="0"/>
+                  <a:cs typeface="Arial" panose="020B0604020202020204" pitchFamily="34" charset="0"/>
+                </a:rPr>
+                <a:t>Dispersal rate &gt; velocity of isotherm shift</a:t>
+              </a:r>
+            </a:p>
+            <a:p>
+              <a:pPr algn="ctr"/>
+              <a:endParaRPr lang="en-US" sz="1600" dirty="0">
+                <a:solidFill>
+                  <a:sysClr val="windowText" lastClr="000000"/>
+                </a:solidFill>
+                <a:latin typeface="Arial" panose="020B0604020202020204" pitchFamily="34" charset="0"/>
+                <a:cs typeface="Arial" panose="020B0604020202020204" pitchFamily="34" charset="0"/>
+              </a:endParaRPr>
+            </a:p>
+          </p:txBody>
+        </p:sp>
+        <p:sp>
+          <p:nvSpPr>
+            <p:cNvPr id="45" name="Oval 44">
+              <a:extLst>
+                <a:ext uri="{FF2B5EF4-FFF2-40B4-BE49-F238E27FC236}">
+                  <a16:creationId xmlns:a16="http://schemas.microsoft.com/office/drawing/2014/main" id="{84721976-1D4E-83C8-D22B-92322A378D95}"/>
+                </a:ext>
+              </a:extLst>
+            </p:cNvPr>
+            <p:cNvSpPr/>
+            <p:nvPr/>
+          </p:nvSpPr>
+          <p:spPr>
+            <a:xfrm>
+              <a:off x="8812638" y="7105104"/>
+              <a:ext cx="141515" cy="130629"/>
+            </a:xfrm>
+            <a:prstGeom prst="ellipse">
+              <a:avLst/>
+            </a:prstGeom>
+            <a:solidFill>
+              <a:schemeClr val="bg2"/>
+            </a:solidFill>
+            <a:ln w="19050">
+              <a:solidFill>
+                <a:schemeClr val="tx1"/>
+              </a:solidFill>
+            </a:ln>
+          </p:spPr>
+          <p:style>
+            <a:lnRef idx="2">
+              <a:schemeClr val="accent1">
+                <a:shade val="50000"/>
+              </a:schemeClr>
+            </a:lnRef>
+            <a:fillRef idx="1">
+              <a:schemeClr val="accent1"/>
+            </a:fillRef>
+            <a:effectRef idx="0">
+              <a:schemeClr val="accent1"/>
+            </a:effectRef>
+            <a:fontRef idx="minor">
+              <a:schemeClr val="lt1"/>
+            </a:fontRef>
+          </p:style>
+          <p:txBody>
+            <a:bodyPr rtlCol="0" anchor="ctr"/>
+            <a:lstStyle/>
+            <a:p>
+              <a:pPr algn="ctr"/>
+              <a:endParaRPr lang="en-US" sz="1600">
+                <a:solidFill>
+                  <a:schemeClr val="accent2">
+                    <a:lumMod val="50000"/>
+                  </a:schemeClr>
+                </a:solidFill>
+                <a:latin typeface="Arial" panose="020B0604020202020204" pitchFamily="34" charset="0"/>
+                <a:cs typeface="Arial" panose="020B0604020202020204" pitchFamily="34" charset="0"/>
+              </a:endParaRPr>
+            </a:p>
+          </p:txBody>
+        </p:sp>
+        <p:sp>
+          <p:nvSpPr>
+            <p:cNvPr id="46" name="Oval 45">
+              <a:extLst>
+                <a:ext uri="{FF2B5EF4-FFF2-40B4-BE49-F238E27FC236}">
+                  <a16:creationId xmlns:a16="http://schemas.microsoft.com/office/drawing/2014/main" id="{938E23D0-3BCD-5400-D453-D41CC8AEFCFC}"/>
+                </a:ext>
+              </a:extLst>
+            </p:cNvPr>
+            <p:cNvSpPr/>
+            <p:nvPr/>
+          </p:nvSpPr>
+          <p:spPr>
+            <a:xfrm>
+              <a:off x="8812638" y="7734825"/>
+              <a:ext cx="141515" cy="130629"/>
+            </a:xfrm>
+            <a:prstGeom prst="ellipse">
+              <a:avLst/>
+            </a:prstGeom>
+            <a:solidFill>
+              <a:schemeClr val="bg2"/>
+            </a:solidFill>
+            <a:ln>
+              <a:solidFill>
+                <a:schemeClr val="bg2"/>
+              </a:solidFill>
+            </a:ln>
+          </p:spPr>
+          <p:style>
+            <a:lnRef idx="2">
+              <a:schemeClr val="accent1">
+                <a:shade val="50000"/>
+              </a:schemeClr>
+            </a:lnRef>
+            <a:fillRef idx="1">
+              <a:schemeClr val="accent1"/>
+            </a:fillRef>
+            <a:effectRef idx="0">
+              <a:schemeClr val="accent1"/>
+            </a:effectRef>
+            <a:fontRef idx="minor">
+              <a:schemeClr val="lt1"/>
+            </a:fontRef>
+          </p:style>
+          <p:txBody>
+            <a:bodyPr rtlCol="0" anchor="ctr"/>
+            <a:lstStyle/>
+            <a:p>
+              <a:pPr algn="ctr"/>
+              <a:endParaRPr lang="en-US" sz="1600" dirty="0">
+                <a:solidFill>
+                  <a:schemeClr val="accent2">
+                    <a:lumMod val="50000"/>
+                  </a:schemeClr>
+                </a:solidFill>
+                <a:latin typeface="Arial" panose="020B0604020202020204" pitchFamily="34" charset="0"/>
+                <a:cs typeface="Arial" panose="020B0604020202020204" pitchFamily="34" charset="0"/>
+              </a:endParaRPr>
+            </a:p>
+          </p:txBody>
+        </p:sp>
+      </p:grpSp>
+      <p:sp>
+        <p:nvSpPr>
+          <p:cNvPr id="1055" name="TextBox 1054">
+            <a:extLst>
+              <a:ext uri="{FF2B5EF4-FFF2-40B4-BE49-F238E27FC236}">
+                <a16:creationId xmlns:a16="http://schemas.microsoft.com/office/drawing/2014/main" id="{79F4CD25-E8D1-2659-3A9A-9B46C2CEEB21}"/>
+              </a:ext>
+            </a:extLst>
+          </p:cNvPr>
+          <p:cNvSpPr txBox="1"/>
+          <p:nvPr/>
+        </p:nvSpPr>
+        <p:spPr>
+          <a:xfrm>
+            <a:off x="9426530" y="12837105"/>
+            <a:ext cx="989437" cy="307777"/>
+          </a:xfrm>
+          <a:prstGeom prst="rect">
+            <a:avLst/>
+          </a:prstGeom>
+          <a:noFill/>
+        </p:spPr>
+        <p:txBody>
+          <a:bodyPr wrap="square" rtlCol="0">
+            <a:spAutoFit/>
+          </a:bodyPr>
+          <a:lstStyle/>
+          <a:p>
+            <a:pPr algn="ctr"/>
+            <a:r>
+              <a:rPr lang="en-US" sz="1400" dirty="0">
+                <a:solidFill>
+                  <a:schemeClr val="bg2">
+                    <a:lumMod val="75000"/>
+                  </a:schemeClr>
+                </a:solidFill>
+                <a:latin typeface="Arial" panose="020B0604020202020204" pitchFamily="34" charset="0"/>
+                <a:cs typeface="Arial" panose="020B0604020202020204" pitchFamily="34" charset="0"/>
+              </a:rPr>
+              <a:t>n = 189</a:t>
+            </a:r>
+          </a:p>
+        </p:txBody>
+      </p:sp>
+      <p:sp>
+        <p:nvSpPr>
+          <p:cNvPr id="1056" name="TextBox 1055">
+            <a:extLst>
+              <a:ext uri="{FF2B5EF4-FFF2-40B4-BE49-F238E27FC236}">
+                <a16:creationId xmlns:a16="http://schemas.microsoft.com/office/drawing/2014/main" id="{F2236158-84C7-54AA-0753-313B735A4922}"/>
+              </a:ext>
+            </a:extLst>
+          </p:cNvPr>
+          <p:cNvSpPr txBox="1"/>
+          <p:nvPr/>
+        </p:nvSpPr>
+        <p:spPr>
+          <a:xfrm>
+            <a:off x="5436051" y="12807362"/>
+            <a:ext cx="989437" cy="307777"/>
+          </a:xfrm>
+          <a:prstGeom prst="rect">
+            <a:avLst/>
+          </a:prstGeom>
+          <a:noFill/>
+        </p:spPr>
+        <p:txBody>
+          <a:bodyPr wrap="square" rtlCol="0">
+            <a:spAutoFit/>
+          </a:bodyPr>
+          <a:lstStyle/>
+          <a:p>
+            <a:pPr algn="ctr"/>
+            <a:r>
+              <a:rPr lang="en-US" sz="1400" dirty="0">
+                <a:solidFill>
+                  <a:schemeClr val="bg2">
+                    <a:lumMod val="75000"/>
+                  </a:schemeClr>
+                </a:solidFill>
+                <a:latin typeface="Arial" panose="020B0604020202020204" pitchFamily="34" charset="0"/>
+                <a:cs typeface="Arial" panose="020B0604020202020204" pitchFamily="34" charset="0"/>
+              </a:rPr>
+              <a:t>n = 189</a:t>
+            </a:r>
+          </a:p>
+        </p:txBody>
+      </p:sp>
+      <p:sp>
+        <p:nvSpPr>
+          <p:cNvPr id="1078" name="TextBox 1077">
+            <a:extLst>
+              <a:ext uri="{FF2B5EF4-FFF2-40B4-BE49-F238E27FC236}">
+                <a16:creationId xmlns:a16="http://schemas.microsoft.com/office/drawing/2014/main" id="{C0846134-3466-B727-5B64-3E62964A4D6E}"/>
+              </a:ext>
+            </a:extLst>
+          </p:cNvPr>
+          <p:cNvSpPr txBox="1"/>
+          <p:nvPr/>
+        </p:nvSpPr>
+        <p:spPr>
+          <a:xfrm>
+            <a:off x="3145492" y="10185623"/>
+            <a:ext cx="569481" cy="338554"/>
+          </a:xfrm>
+          <a:prstGeom prst="rect">
+            <a:avLst/>
+          </a:prstGeom>
+          <a:noFill/>
+        </p:spPr>
+        <p:txBody>
+          <a:bodyPr wrap="square" rtlCol="0">
+            <a:spAutoFit/>
+          </a:bodyPr>
+          <a:lstStyle/>
+          <a:p>
+            <a:pPr algn="ctr"/>
+            <a:r>
+              <a:rPr lang="en-US" sz="1600" dirty="0">
+                <a:solidFill>
+                  <a:schemeClr val="bg2">
+                    <a:lumMod val="75000"/>
+                  </a:schemeClr>
+                </a:solidFill>
+                <a:latin typeface="Arial" panose="020B0604020202020204" pitchFamily="34" charset="0"/>
+                <a:cs typeface="Arial" panose="020B0604020202020204" pitchFamily="34" charset="0"/>
+              </a:rPr>
+              <a:t>a)</a:t>
+            </a:r>
+          </a:p>
+        </p:txBody>
+      </p:sp>
+      <p:grpSp>
+        <p:nvGrpSpPr>
+          <p:cNvPr id="1089" name="Group 1088">
+            <a:extLst>
+              <a:ext uri="{FF2B5EF4-FFF2-40B4-BE49-F238E27FC236}">
+                <a16:creationId xmlns:a16="http://schemas.microsoft.com/office/drawing/2014/main" id="{5E8B1D24-7A10-D71B-E33B-E7B33AA73721}"/>
+              </a:ext>
+            </a:extLst>
+          </p:cNvPr>
+          <p:cNvGrpSpPr/>
+          <p:nvPr/>
+        </p:nvGrpSpPr>
+        <p:grpSpPr>
+          <a:xfrm>
+            <a:off x="5087037" y="10514261"/>
+            <a:ext cx="251992" cy="251942"/>
+            <a:chOff x="4474118" y="766354"/>
+            <a:chExt cx="251992" cy="251942"/>
+          </a:xfrm>
+        </p:grpSpPr>
+        <p:sp>
+          <p:nvSpPr>
+            <p:cNvPr id="1090" name="Rectangle 1089">
+              <a:extLst>
+                <a:ext uri="{FF2B5EF4-FFF2-40B4-BE49-F238E27FC236}">
+                  <a16:creationId xmlns:a16="http://schemas.microsoft.com/office/drawing/2014/main" id="{3F6056D7-8145-6A26-308A-283903E9BAB6}"/>
+                </a:ext>
+              </a:extLst>
+            </p:cNvPr>
+            <p:cNvSpPr/>
+            <p:nvPr/>
+          </p:nvSpPr>
+          <p:spPr>
+            <a:xfrm>
+              <a:off x="4558937" y="766354"/>
+              <a:ext cx="121920" cy="235132"/>
+            </a:xfrm>
+            <a:prstGeom prst="rect">
+              <a:avLst/>
+            </a:prstGeom>
+            <a:solidFill>
+              <a:schemeClr val="bg1"/>
+            </a:solidFill>
+            <a:ln>
+              <a:noFill/>
+            </a:ln>
+          </p:spPr>
+          <p:style>
+            <a:lnRef idx="2">
+              <a:schemeClr val="accent1">
+                <a:shade val="50000"/>
+              </a:schemeClr>
+            </a:lnRef>
+            <a:fillRef idx="1">
+              <a:schemeClr val="accent1"/>
+            </a:fillRef>
+            <a:effectRef idx="0">
+              <a:schemeClr val="accent1"/>
+            </a:effectRef>
+            <a:fontRef idx="minor">
+              <a:schemeClr val="lt1"/>
+            </a:fontRef>
+          </p:style>
+          <p:txBody>
+            <a:bodyPr rtlCol="0" anchor="ctr"/>
+            <a:lstStyle/>
+            <a:p>
+              <a:pPr algn="ctr"/>
+              <a:endParaRPr lang="en-US"/>
+            </a:p>
+          </p:txBody>
+        </p:sp>
+        <p:sp>
+          <p:nvSpPr>
+            <p:cNvPr id="1091" name="TextBox 1090">
+              <a:extLst>
+                <a:ext uri="{FF2B5EF4-FFF2-40B4-BE49-F238E27FC236}">
+                  <a16:creationId xmlns:a16="http://schemas.microsoft.com/office/drawing/2014/main" id="{6F5587B4-1D97-771E-5B88-271B96D0D078}"/>
+                </a:ext>
+              </a:extLst>
+            </p:cNvPr>
+            <p:cNvSpPr txBox="1"/>
+            <p:nvPr/>
+          </p:nvSpPr>
+          <p:spPr>
+            <a:xfrm>
+              <a:off x="4474118" y="782334"/>
+              <a:ext cx="251992" cy="235962"/>
+            </a:xfrm>
+            <a:prstGeom prst="rect">
+              <a:avLst/>
+            </a:prstGeom>
+            <a:noFill/>
+          </p:spPr>
+          <p:txBody>
+            <a:bodyPr wrap="none" rtlCol="0">
+              <a:spAutoFit/>
+            </a:bodyPr>
+            <a:lstStyle/>
+            <a:p>
+              <a:r>
+                <a:rPr lang="en-US" sz="1400" baseline="30000" dirty="0">
+                  <a:highlight>
+                    <a:srgbClr val="FFFFFF"/>
+                  </a:highlight>
+                  <a:latin typeface="Arial" panose="020B0604020202020204" pitchFamily="34" charset="0"/>
+                  <a:cs typeface="Arial" panose="020B0604020202020204" pitchFamily="34" charset="0"/>
+                </a:rPr>
+                <a:t>2</a:t>
+              </a:r>
+            </a:p>
+          </p:txBody>
+        </p:sp>
+      </p:grpSp>
+      <p:grpSp>
+        <p:nvGrpSpPr>
+          <p:cNvPr id="1094" name="Group 1093">
+            <a:extLst>
+              <a:ext uri="{FF2B5EF4-FFF2-40B4-BE49-F238E27FC236}">
+                <a16:creationId xmlns:a16="http://schemas.microsoft.com/office/drawing/2014/main" id="{E07788E3-A122-9477-B12B-FC9A9304086F}"/>
+              </a:ext>
+            </a:extLst>
+          </p:cNvPr>
+          <p:cNvGrpSpPr/>
+          <p:nvPr/>
+        </p:nvGrpSpPr>
+        <p:grpSpPr>
+          <a:xfrm>
+            <a:off x="9061778" y="10515283"/>
+            <a:ext cx="251992" cy="251942"/>
+            <a:chOff x="4474118" y="766354"/>
+            <a:chExt cx="251992" cy="251942"/>
+          </a:xfrm>
+        </p:grpSpPr>
+        <p:sp>
+          <p:nvSpPr>
+            <p:cNvPr id="1095" name="Rectangle 1094">
+              <a:extLst>
+                <a:ext uri="{FF2B5EF4-FFF2-40B4-BE49-F238E27FC236}">
+                  <a16:creationId xmlns:a16="http://schemas.microsoft.com/office/drawing/2014/main" id="{B8599089-12F5-9449-560A-0D0D4D111882}"/>
+                </a:ext>
+              </a:extLst>
+            </p:cNvPr>
+            <p:cNvSpPr/>
+            <p:nvPr/>
+          </p:nvSpPr>
+          <p:spPr>
+            <a:xfrm>
+              <a:off x="4558937" y="766354"/>
+              <a:ext cx="121920" cy="235132"/>
+            </a:xfrm>
+            <a:prstGeom prst="rect">
+              <a:avLst/>
+            </a:prstGeom>
+            <a:solidFill>
+              <a:schemeClr val="bg1"/>
+            </a:solidFill>
+            <a:ln>
+              <a:noFill/>
+            </a:ln>
+          </p:spPr>
+          <p:style>
+            <a:lnRef idx="2">
+              <a:schemeClr val="accent1">
+                <a:shade val="50000"/>
+              </a:schemeClr>
+            </a:lnRef>
+            <a:fillRef idx="1">
+              <a:schemeClr val="accent1"/>
+            </a:fillRef>
+            <a:effectRef idx="0">
+              <a:schemeClr val="accent1"/>
+            </a:effectRef>
+            <a:fontRef idx="minor">
+              <a:schemeClr val="lt1"/>
+            </a:fontRef>
+          </p:style>
+          <p:txBody>
+            <a:bodyPr rtlCol="0" anchor="ctr"/>
+            <a:lstStyle/>
+            <a:p>
+              <a:pPr algn="ctr"/>
+              <a:endParaRPr lang="en-US"/>
+            </a:p>
+          </p:txBody>
+        </p:sp>
+        <p:sp>
+          <p:nvSpPr>
+            <p:cNvPr id="1096" name="TextBox 1095">
+              <a:extLst>
+                <a:ext uri="{FF2B5EF4-FFF2-40B4-BE49-F238E27FC236}">
+                  <a16:creationId xmlns:a16="http://schemas.microsoft.com/office/drawing/2014/main" id="{44CB2D26-6CE4-7CB2-0D64-1314C00A07AA}"/>
+                </a:ext>
+              </a:extLst>
+            </p:cNvPr>
+            <p:cNvSpPr txBox="1"/>
+            <p:nvPr/>
+          </p:nvSpPr>
+          <p:spPr>
+            <a:xfrm>
+              <a:off x="4474118" y="782334"/>
+              <a:ext cx="251992" cy="235962"/>
+            </a:xfrm>
+            <a:prstGeom prst="rect">
+              <a:avLst/>
+            </a:prstGeom>
+            <a:noFill/>
+          </p:spPr>
+          <p:txBody>
+            <a:bodyPr wrap="none" rtlCol="0">
+              <a:spAutoFit/>
+            </a:bodyPr>
+            <a:lstStyle/>
+            <a:p>
+              <a:r>
+                <a:rPr lang="en-US" sz="1400" baseline="30000" dirty="0">
+                  <a:highlight>
+                    <a:srgbClr val="FFFFFF"/>
+                  </a:highlight>
+                  <a:latin typeface="Arial" panose="020B0604020202020204" pitchFamily="34" charset="0"/>
+                  <a:cs typeface="Arial" panose="020B0604020202020204" pitchFamily="34" charset="0"/>
+                </a:rPr>
+                <a:t>2</a:t>
+              </a:r>
+            </a:p>
+          </p:txBody>
+        </p:sp>
+      </p:grpSp>
+      <p:grpSp>
+        <p:nvGrpSpPr>
+          <p:cNvPr id="13" name="Group 12">
+            <a:extLst>
+              <a:ext uri="{FF2B5EF4-FFF2-40B4-BE49-F238E27FC236}">
+                <a16:creationId xmlns:a16="http://schemas.microsoft.com/office/drawing/2014/main" id="{46B50931-B151-8947-205A-2AA548190C55}"/>
+              </a:ext>
+            </a:extLst>
+          </p:cNvPr>
+          <p:cNvGrpSpPr/>
+          <p:nvPr/>
+        </p:nvGrpSpPr>
+        <p:grpSpPr>
+          <a:xfrm>
+            <a:off x="9493954" y="7392408"/>
+            <a:ext cx="444660" cy="1384995"/>
+            <a:chOff x="9460088" y="7144053"/>
+            <a:chExt cx="444660" cy="1384995"/>
+          </a:xfrm>
+        </p:grpSpPr>
+        <p:sp>
+          <p:nvSpPr>
+            <p:cNvPr id="1038" name="TextBox 1037">
+              <a:extLst>
+                <a:ext uri="{FF2B5EF4-FFF2-40B4-BE49-F238E27FC236}">
+                  <a16:creationId xmlns:a16="http://schemas.microsoft.com/office/drawing/2014/main" id="{ED1FCA3A-FBFE-B650-0663-2A8B5E9CC55D}"/>
+                </a:ext>
+              </a:extLst>
+            </p:cNvPr>
+            <p:cNvSpPr txBox="1"/>
+            <p:nvPr/>
+          </p:nvSpPr>
+          <p:spPr>
+            <a:xfrm>
+              <a:off x="9635122" y="7144053"/>
+              <a:ext cx="269626" cy="1384995"/>
+            </a:xfrm>
+            <a:prstGeom prst="rect">
+              <a:avLst/>
+            </a:prstGeom>
+            <a:noFill/>
+          </p:spPr>
+          <p:txBody>
+            <a:bodyPr wrap="none" rtlCol="0">
+              <a:spAutoFit/>
+            </a:bodyPr>
+            <a:lstStyle/>
+            <a:p>
+              <a:r>
+                <a:rPr lang="en-US" sz="1200" dirty="0">
+                  <a:latin typeface="Arial" panose="020B0604020202020204" pitchFamily="34" charset="0"/>
+                  <a:cs typeface="Arial" panose="020B0604020202020204" pitchFamily="34" charset="0"/>
+                </a:rPr>
+                <a:t>3</a:t>
+              </a:r>
+            </a:p>
+            <a:p>
+              <a:endParaRPr lang="en-US" sz="400" dirty="0">
+                <a:latin typeface="Arial" panose="020B0604020202020204" pitchFamily="34" charset="0"/>
+                <a:cs typeface="Arial" panose="020B0604020202020204" pitchFamily="34" charset="0"/>
+              </a:endParaRPr>
+            </a:p>
+            <a:p>
+              <a:endParaRPr lang="en-US" sz="400" dirty="0">
+                <a:latin typeface="Arial" panose="020B0604020202020204" pitchFamily="34" charset="0"/>
+                <a:cs typeface="Arial" panose="020B0604020202020204" pitchFamily="34" charset="0"/>
+              </a:endParaRPr>
+            </a:p>
+            <a:p>
+              <a:endParaRPr lang="en-US" sz="400" dirty="0">
+                <a:latin typeface="Arial" panose="020B0604020202020204" pitchFamily="34" charset="0"/>
+                <a:cs typeface="Arial" panose="020B0604020202020204" pitchFamily="34" charset="0"/>
+              </a:endParaRPr>
+            </a:p>
+            <a:p>
+              <a:r>
+                <a:rPr lang="en-US" sz="1200" dirty="0">
+                  <a:latin typeface="Arial" panose="020B0604020202020204" pitchFamily="34" charset="0"/>
+                  <a:cs typeface="Arial" panose="020B0604020202020204" pitchFamily="34" charset="0"/>
+                </a:rPr>
+                <a:t>2</a:t>
+              </a:r>
+            </a:p>
+            <a:p>
+              <a:endParaRPr lang="en-US" sz="400" dirty="0">
+                <a:latin typeface="Arial" panose="020B0604020202020204" pitchFamily="34" charset="0"/>
+                <a:cs typeface="Arial" panose="020B0604020202020204" pitchFamily="34" charset="0"/>
+              </a:endParaRPr>
+            </a:p>
+            <a:p>
+              <a:endParaRPr lang="en-US" sz="400" dirty="0">
+                <a:latin typeface="Arial" panose="020B0604020202020204" pitchFamily="34" charset="0"/>
+                <a:cs typeface="Arial" panose="020B0604020202020204" pitchFamily="34" charset="0"/>
+              </a:endParaRPr>
+            </a:p>
+            <a:p>
+              <a:endParaRPr lang="en-US" sz="400" dirty="0">
+                <a:latin typeface="Arial" panose="020B0604020202020204" pitchFamily="34" charset="0"/>
+                <a:cs typeface="Arial" panose="020B0604020202020204" pitchFamily="34" charset="0"/>
+              </a:endParaRPr>
+            </a:p>
+            <a:p>
+              <a:r>
+                <a:rPr lang="en-US" sz="1200" dirty="0">
+                  <a:latin typeface="Arial" panose="020B0604020202020204" pitchFamily="34" charset="0"/>
+                  <a:cs typeface="Arial" panose="020B0604020202020204" pitchFamily="34" charset="0"/>
+                </a:rPr>
+                <a:t>1</a:t>
+              </a:r>
+            </a:p>
+            <a:p>
+              <a:endParaRPr lang="en-US" sz="1200" dirty="0">
+                <a:latin typeface="Arial" panose="020B0604020202020204" pitchFamily="34" charset="0"/>
+                <a:cs typeface="Arial" panose="020B0604020202020204" pitchFamily="34" charset="0"/>
+              </a:endParaRPr>
+            </a:p>
+            <a:p>
+              <a:endParaRPr lang="en-US" sz="1200" dirty="0">
+                <a:latin typeface="Arial" panose="020B0604020202020204" pitchFamily="34" charset="0"/>
+                <a:cs typeface="Arial" panose="020B0604020202020204" pitchFamily="34" charset="0"/>
+              </a:endParaRPr>
+            </a:p>
+          </p:txBody>
+        </p:sp>
+        <p:sp>
+          <p:nvSpPr>
+            <p:cNvPr id="9" name="Rectangle 8">
+              <a:extLst>
+                <a:ext uri="{FF2B5EF4-FFF2-40B4-BE49-F238E27FC236}">
+                  <a16:creationId xmlns:a16="http://schemas.microsoft.com/office/drawing/2014/main" id="{092DB8FD-2790-1008-4AF4-7A5403E1A0BB}"/>
+                </a:ext>
+              </a:extLst>
+            </p:cNvPr>
+            <p:cNvSpPr/>
+            <p:nvPr/>
+          </p:nvSpPr>
+          <p:spPr>
+            <a:xfrm>
+              <a:off x="9460088" y="7191021"/>
+              <a:ext cx="180622" cy="191912"/>
+            </a:xfrm>
+            <a:prstGeom prst="rect">
+              <a:avLst/>
+            </a:prstGeom>
+            <a:solidFill>
+              <a:srgbClr val="C00000"/>
+            </a:solidFill>
+            <a:ln>
+              <a:noFill/>
+            </a:ln>
+          </p:spPr>
+          <p:style>
+            <a:lnRef idx="2">
+              <a:schemeClr val="accent1">
+                <a:shade val="50000"/>
+              </a:schemeClr>
+            </a:lnRef>
+            <a:fillRef idx="1">
+              <a:schemeClr val="accent1"/>
+            </a:fillRef>
+            <a:effectRef idx="0">
+              <a:schemeClr val="accent1"/>
+            </a:effectRef>
+            <a:fontRef idx="minor">
+              <a:schemeClr val="lt1"/>
+            </a:fontRef>
+          </p:style>
+          <p:txBody>
+            <a:bodyPr rtlCol="0" anchor="ctr"/>
+            <a:lstStyle/>
+            <a:p>
+              <a:pPr algn="ctr"/>
+              <a:endParaRPr lang="en-US"/>
+            </a:p>
+          </p:txBody>
+        </p:sp>
+        <p:sp>
+          <p:nvSpPr>
+            <p:cNvPr id="11" name="Rectangle 10">
+              <a:extLst>
+                <a:ext uri="{FF2B5EF4-FFF2-40B4-BE49-F238E27FC236}">
+                  <a16:creationId xmlns:a16="http://schemas.microsoft.com/office/drawing/2014/main" id="{0707409E-5172-3234-5783-9DCCC47525DA}"/>
+                </a:ext>
+              </a:extLst>
+            </p:cNvPr>
+            <p:cNvSpPr/>
+            <p:nvPr/>
+          </p:nvSpPr>
+          <p:spPr>
+            <a:xfrm>
+              <a:off x="9465733" y="7557910"/>
+              <a:ext cx="180622" cy="191912"/>
+            </a:xfrm>
+            <a:prstGeom prst="rect">
+              <a:avLst/>
+            </a:prstGeom>
+            <a:solidFill>
+              <a:srgbClr val="9C9EBE"/>
+            </a:solidFill>
+            <a:ln>
+              <a:noFill/>
+            </a:ln>
+          </p:spPr>
+          <p:style>
+            <a:lnRef idx="2">
+              <a:schemeClr val="accent1">
+                <a:shade val="50000"/>
+              </a:schemeClr>
+            </a:lnRef>
+            <a:fillRef idx="1">
+              <a:schemeClr val="accent1"/>
+            </a:fillRef>
+            <a:effectRef idx="0">
+              <a:schemeClr val="accent1"/>
+            </a:effectRef>
+            <a:fontRef idx="minor">
+              <a:schemeClr val="lt1"/>
+            </a:fontRef>
+          </p:style>
+          <p:txBody>
+            <a:bodyPr rtlCol="0" anchor="ctr"/>
+            <a:lstStyle/>
+            <a:p>
+              <a:pPr algn="ctr"/>
+              <a:endParaRPr lang="en-US"/>
+            </a:p>
+          </p:txBody>
+        </p:sp>
+        <p:sp>
+          <p:nvSpPr>
+            <p:cNvPr id="12" name="Rectangle 11">
+              <a:extLst>
+                <a:ext uri="{FF2B5EF4-FFF2-40B4-BE49-F238E27FC236}">
+                  <a16:creationId xmlns:a16="http://schemas.microsoft.com/office/drawing/2014/main" id="{2F02311C-131C-3092-6D15-B447EFFCF088}"/>
+                </a:ext>
+              </a:extLst>
+            </p:cNvPr>
+            <p:cNvSpPr/>
+            <p:nvPr/>
+          </p:nvSpPr>
+          <p:spPr>
+            <a:xfrm>
+              <a:off x="9460089" y="7924798"/>
+              <a:ext cx="180622" cy="191912"/>
+            </a:xfrm>
+            <a:prstGeom prst="rect">
+              <a:avLst/>
+            </a:prstGeom>
+            <a:solidFill>
+              <a:srgbClr val="F3CABA"/>
+            </a:solidFill>
+            <a:ln>
+              <a:noFill/>
+            </a:ln>
+          </p:spPr>
+          <p:style>
+            <a:lnRef idx="2">
+              <a:schemeClr val="accent1">
+                <a:shade val="50000"/>
+              </a:schemeClr>
+            </a:lnRef>
+            <a:fillRef idx="1">
+              <a:schemeClr val="accent1"/>
+            </a:fillRef>
+            <a:effectRef idx="0">
+              <a:schemeClr val="accent1"/>
+            </a:effectRef>
+            <a:fontRef idx="minor">
+              <a:schemeClr val="lt1"/>
+            </a:fontRef>
+          </p:style>
+          <p:txBody>
+            <a:bodyPr rtlCol="0" anchor="ctr"/>
+            <a:lstStyle/>
+            <a:p>
+              <a:pPr algn="ctr"/>
+              <a:endParaRPr lang="en-US"/>
+            </a:p>
+          </p:txBody>
+        </p:sp>
+      </p:grpSp>
+      <p:pic>
+        <p:nvPicPr>
+          <p:cNvPr id="14" name="Picture 13" descr="A diagram of a number of red dots&#10;&#10;Description automatically generated">
+            <a:extLst>
+              <a:ext uri="{FF2B5EF4-FFF2-40B4-BE49-F238E27FC236}">
+                <a16:creationId xmlns:a16="http://schemas.microsoft.com/office/drawing/2014/main" id="{ADED19A7-84E8-CE2A-ACFB-A5008212BF2D}"/>
+              </a:ext>
+            </a:extLst>
+          </p:cNvPr>
+          <p:cNvPicPr>
+            <a:picLocks noChangeAspect="1"/>
+          </p:cNvPicPr>
+          <p:nvPr/>
+        </p:nvPicPr>
+        <p:blipFill>
+          <a:blip r:embed="rId4"/>
+          <a:stretch>
+            <a:fillRect/>
+          </a:stretch>
+        </p:blipFill>
+        <p:spPr>
+          <a:xfrm>
+            <a:off x="8464751" y="808058"/>
+            <a:ext cx="5600871" cy="4718683"/>
+          </a:xfrm>
+          <a:prstGeom prst="rect">
+            <a:avLst/>
+          </a:prstGeom>
+        </p:spPr>
+      </p:pic>
+      <p:sp>
+        <p:nvSpPr>
+          <p:cNvPr id="17" name="TextBox 16">
+            <a:extLst>
+              <a:ext uri="{FF2B5EF4-FFF2-40B4-BE49-F238E27FC236}">
+                <a16:creationId xmlns:a16="http://schemas.microsoft.com/office/drawing/2014/main" id="{302576C4-FDC6-5DE8-36B3-127FA6105CAE}"/>
+              </a:ext>
+            </a:extLst>
+          </p:cNvPr>
+          <p:cNvSpPr txBox="1"/>
+          <p:nvPr/>
+        </p:nvSpPr>
+        <p:spPr>
+          <a:xfrm>
+            <a:off x="12863690" y="4399118"/>
+            <a:ext cx="989437" cy="338554"/>
+          </a:xfrm>
+          <a:prstGeom prst="rect">
+            <a:avLst/>
+          </a:prstGeom>
+          <a:noFill/>
+        </p:spPr>
+        <p:txBody>
+          <a:bodyPr wrap="square" rtlCol="0">
+            <a:spAutoFit/>
+          </a:bodyPr>
+          <a:lstStyle/>
+          <a:p>
+            <a:pPr algn="ctr"/>
+            <a:r>
+              <a:rPr lang="en-US" sz="1600" dirty="0">
+                <a:solidFill>
+                  <a:schemeClr val="bg2">
+                    <a:lumMod val="75000"/>
+                  </a:schemeClr>
+                </a:solidFill>
+                <a:latin typeface="Arial" panose="020B0604020202020204" pitchFamily="34" charset="0"/>
+                <a:cs typeface="Arial" panose="020B0604020202020204" pitchFamily="34" charset="0"/>
+              </a:rPr>
+              <a:t>n = 421</a:t>
+            </a:r>
+          </a:p>
+        </p:txBody>
+      </p:sp>
+      <p:pic>
+        <p:nvPicPr>
+          <p:cNvPr id="20" name="Picture 19" descr="A diagram of a number of birds&#10;&#10;Description automatically generated with medium confidence">
+            <a:extLst>
+              <a:ext uri="{FF2B5EF4-FFF2-40B4-BE49-F238E27FC236}">
+                <a16:creationId xmlns:a16="http://schemas.microsoft.com/office/drawing/2014/main" id="{D40606D2-676B-3117-36AD-4829CFCF165C}"/>
+              </a:ext>
+            </a:extLst>
+          </p:cNvPr>
+          <p:cNvPicPr>
+            <a:picLocks noChangeAspect="1"/>
+          </p:cNvPicPr>
+          <p:nvPr/>
+        </p:nvPicPr>
+        <p:blipFill>
+          <a:blip r:embed="rId5"/>
+          <a:stretch>
+            <a:fillRect/>
+          </a:stretch>
+        </p:blipFill>
+        <p:spPr>
+          <a:xfrm>
+            <a:off x="1196180" y="530363"/>
+            <a:ext cx="7373155" cy="5090507"/>
+          </a:xfrm>
+          <a:prstGeom prst="rect">
+            <a:avLst/>
+          </a:prstGeom>
+        </p:spPr>
+      </p:pic>
+      <p:sp>
+        <p:nvSpPr>
+          <p:cNvPr id="21" name="TextBox 20">
+            <a:extLst>
+              <a:ext uri="{FF2B5EF4-FFF2-40B4-BE49-F238E27FC236}">
+                <a16:creationId xmlns:a16="http://schemas.microsoft.com/office/drawing/2014/main" id="{2927037C-2455-5579-89A5-9148D55B4A1C}"/>
+              </a:ext>
+            </a:extLst>
+          </p:cNvPr>
+          <p:cNvSpPr txBox="1"/>
+          <p:nvPr/>
+        </p:nvSpPr>
+        <p:spPr>
+          <a:xfrm>
+            <a:off x="2391160" y="1738627"/>
+            <a:ext cx="661322" cy="338554"/>
+          </a:xfrm>
+          <a:prstGeom prst="rect">
+            <a:avLst/>
+          </a:prstGeom>
+          <a:solidFill>
+            <a:schemeClr val="bg1"/>
+          </a:solidFill>
+        </p:spPr>
+        <p:txBody>
+          <a:bodyPr wrap="square" rtlCol="0">
+            <a:spAutoFit/>
+          </a:bodyPr>
+          <a:lstStyle/>
+          <a:p>
+            <a:r>
+              <a:rPr lang="en-US" sz="1600" i="1" dirty="0">
+                <a:solidFill>
+                  <a:schemeClr val="bg2">
+                    <a:lumMod val="75000"/>
+                  </a:schemeClr>
+                </a:solidFill>
+                <a:latin typeface="Arial" panose="020B0604020202020204" pitchFamily="34" charset="0"/>
+                <a:cs typeface="Arial" panose="020B0604020202020204" pitchFamily="34" charset="0"/>
+              </a:rPr>
+              <a:t>1:1</a:t>
+            </a:r>
+          </a:p>
+        </p:txBody>
+      </p:sp>
+      <p:sp>
+        <p:nvSpPr>
+          <p:cNvPr id="23" name="TextBox 22">
+            <a:extLst>
+              <a:ext uri="{FF2B5EF4-FFF2-40B4-BE49-F238E27FC236}">
+                <a16:creationId xmlns:a16="http://schemas.microsoft.com/office/drawing/2014/main" id="{387095A4-E390-4C28-08B0-023D077343E1}"/>
+              </a:ext>
+            </a:extLst>
+          </p:cNvPr>
+          <p:cNvSpPr txBox="1"/>
+          <p:nvPr/>
+        </p:nvSpPr>
+        <p:spPr>
+          <a:xfrm>
+            <a:off x="11674113" y="2657509"/>
+            <a:ext cx="508923" cy="338554"/>
+          </a:xfrm>
+          <a:prstGeom prst="rect">
+            <a:avLst/>
+          </a:prstGeom>
+          <a:solidFill>
+            <a:schemeClr val="bg1"/>
+          </a:solidFill>
+        </p:spPr>
+        <p:txBody>
+          <a:bodyPr wrap="square" rtlCol="0">
+            <a:spAutoFit/>
+          </a:bodyPr>
+          <a:lstStyle/>
+          <a:p>
+            <a:r>
+              <a:rPr lang="en-US" sz="1600" i="1" dirty="0">
+                <a:solidFill>
+                  <a:schemeClr val="bg2">
+                    <a:lumMod val="75000"/>
+                  </a:schemeClr>
+                </a:solidFill>
+                <a:latin typeface="Arial" panose="020B0604020202020204" pitchFamily="34" charset="0"/>
+                <a:cs typeface="Arial" panose="020B0604020202020204" pitchFamily="34" charset="0"/>
+              </a:rPr>
+              <a:t>1:1</a:t>
+            </a:r>
+          </a:p>
+        </p:txBody>
+      </p:sp>
+      <p:sp>
+        <p:nvSpPr>
+          <p:cNvPr id="47" name="TextBox 46">
+            <a:extLst>
+              <a:ext uri="{FF2B5EF4-FFF2-40B4-BE49-F238E27FC236}">
+                <a16:creationId xmlns:a16="http://schemas.microsoft.com/office/drawing/2014/main" id="{3A05D1CC-ADAE-DA59-3D2A-CD44C0CCBE6E}"/>
+              </a:ext>
+            </a:extLst>
+          </p:cNvPr>
+          <p:cNvSpPr txBox="1"/>
+          <p:nvPr/>
+        </p:nvSpPr>
+        <p:spPr>
+          <a:xfrm>
+            <a:off x="5727784" y="4551519"/>
+            <a:ext cx="989437" cy="338554"/>
+          </a:xfrm>
+          <a:prstGeom prst="rect">
+            <a:avLst/>
+          </a:prstGeom>
+          <a:noFill/>
+        </p:spPr>
+        <p:txBody>
+          <a:bodyPr wrap="square" rtlCol="0">
+            <a:spAutoFit/>
+          </a:bodyPr>
+          <a:lstStyle/>
+          <a:p>
+            <a:pPr algn="ctr"/>
+            <a:r>
+              <a:rPr lang="en-US" sz="1600" dirty="0">
+                <a:solidFill>
+                  <a:schemeClr val="bg2">
+                    <a:lumMod val="75000"/>
+                  </a:schemeClr>
+                </a:solidFill>
+                <a:latin typeface="Arial" panose="020B0604020202020204" pitchFamily="34" charset="0"/>
+                <a:cs typeface="Arial" panose="020B0604020202020204" pitchFamily="34" charset="0"/>
+              </a:rPr>
+              <a:t>n = 421</a:t>
+            </a:r>
+          </a:p>
+        </p:txBody>
+      </p:sp>
+      <p:pic>
+        <p:nvPicPr>
+          <p:cNvPr id="51" name="Picture 50" descr="A diagram of a number of birds&#10;&#10;Description automatically generated with medium confidence">
+            <a:extLst>
+              <a:ext uri="{FF2B5EF4-FFF2-40B4-BE49-F238E27FC236}">
+                <a16:creationId xmlns:a16="http://schemas.microsoft.com/office/drawing/2014/main" id="{FC6B891B-AC9C-C01F-30F0-8C52CC8E62DA}"/>
+              </a:ext>
+            </a:extLst>
+          </p:cNvPr>
+          <p:cNvPicPr>
+            <a:picLocks noChangeAspect="1"/>
+          </p:cNvPicPr>
+          <p:nvPr/>
+        </p:nvPicPr>
+        <p:blipFill rotWithShape="1">
+          <a:blip r:embed="rId5"/>
+          <a:srcRect l="77641" t="29549" r="839" b="17847"/>
+          <a:stretch/>
+        </p:blipFill>
+        <p:spPr>
+          <a:xfrm>
+            <a:off x="13924879" y="2316480"/>
+            <a:ext cx="1454649" cy="2454895"/>
+          </a:xfrm>
+          <a:prstGeom prst="rect">
+            <a:avLst/>
+          </a:prstGeom>
+        </p:spPr>
+      </p:pic>
+      <p:pic>
+        <p:nvPicPr>
+          <p:cNvPr id="1039" name="Picture 1038" descr="A diagram of a number of birds&#10;&#10;Description automatically generated with medium confidence">
+            <a:extLst>
+              <a:ext uri="{FF2B5EF4-FFF2-40B4-BE49-F238E27FC236}">
+                <a16:creationId xmlns:a16="http://schemas.microsoft.com/office/drawing/2014/main" id="{13142BF3-004A-7313-C0E7-9EDCFC00D604}"/>
+              </a:ext>
+            </a:extLst>
+          </p:cNvPr>
+          <p:cNvPicPr>
+            <a:picLocks noChangeAspect="1"/>
+          </p:cNvPicPr>
+          <p:nvPr/>
+        </p:nvPicPr>
+        <p:blipFill rotWithShape="1">
+          <a:blip r:embed="rId5"/>
+          <a:srcRect l="79499" t="15321" r="6284" b="79206"/>
+          <a:stretch/>
+        </p:blipFill>
+        <p:spPr>
+          <a:xfrm>
+            <a:off x="11900648" y="891987"/>
+            <a:ext cx="944489" cy="251013"/>
+          </a:xfrm>
+          <a:prstGeom prst="rect">
+            <a:avLst/>
+          </a:prstGeom>
+        </p:spPr>
+      </p:pic>
+      <p:pic>
+        <p:nvPicPr>
+          <p:cNvPr id="1040" name="Picture 1039" descr="A diagram of a number of birds&#10;&#10;Description automatically generated with medium confidence">
+            <a:extLst>
+              <a:ext uri="{FF2B5EF4-FFF2-40B4-BE49-F238E27FC236}">
+                <a16:creationId xmlns:a16="http://schemas.microsoft.com/office/drawing/2014/main" id="{ADFCBEDB-009A-5C28-7460-D531F2340DD3}"/>
+              </a:ext>
+            </a:extLst>
+          </p:cNvPr>
+          <p:cNvPicPr>
+            <a:picLocks noChangeAspect="1"/>
+          </p:cNvPicPr>
+          <p:nvPr/>
+        </p:nvPicPr>
+        <p:blipFill rotWithShape="1">
+          <a:blip r:embed="rId5"/>
+          <a:srcRect l="79499" t="21815" r="6284" b="73640"/>
+          <a:stretch/>
+        </p:blipFill>
+        <p:spPr>
+          <a:xfrm>
+            <a:off x="12711952" y="914399"/>
+            <a:ext cx="995082" cy="219637"/>
+          </a:xfrm>
+          <a:prstGeom prst="rect">
+            <a:avLst/>
+          </a:prstGeom>
+        </p:spPr>
+      </p:pic>
+      <p:sp>
+        <p:nvSpPr>
+          <p:cNvPr id="1057" name="TextBox 1056">
+            <a:extLst>
+              <a:ext uri="{FF2B5EF4-FFF2-40B4-BE49-F238E27FC236}">
+                <a16:creationId xmlns:a16="http://schemas.microsoft.com/office/drawing/2014/main" id="{16E2F88A-F72E-BC61-20FC-68DE57209733}"/>
+              </a:ext>
+            </a:extLst>
+          </p:cNvPr>
+          <p:cNvSpPr txBox="1"/>
+          <p:nvPr/>
+        </p:nvSpPr>
+        <p:spPr>
+          <a:xfrm>
+            <a:off x="15584557" y="11847443"/>
+            <a:ext cx="184731" cy="369332"/>
+          </a:xfrm>
+          <a:prstGeom prst="rect">
+            <a:avLst/>
+          </a:prstGeom>
+          <a:noFill/>
+        </p:spPr>
+        <p:txBody>
+          <a:bodyPr wrap="none" rtlCol="0">
+            <a:spAutoFit/>
+          </a:bodyPr>
+          <a:lstStyle/>
+          <a:p>
+            <a:endParaRPr lang="en-US" dirty="0"/>
+          </a:p>
+        </p:txBody>
+      </p:sp>
+      <p:pic>
+        <p:nvPicPr>
+          <p:cNvPr id="1073" name="Picture 1072" descr="A graph of a speed limit&#10;&#10;Description automatically generated with medium confidence">
+            <a:extLst>
+              <a:ext uri="{FF2B5EF4-FFF2-40B4-BE49-F238E27FC236}">
+                <a16:creationId xmlns:a16="http://schemas.microsoft.com/office/drawing/2014/main" id="{6CA5A2AE-49CB-680D-CF79-036B2B7AED59}"/>
+              </a:ext>
+            </a:extLst>
+          </p:cNvPr>
+          <p:cNvPicPr>
+            <a:picLocks noChangeAspect="1"/>
+          </p:cNvPicPr>
+          <p:nvPr/>
+        </p:nvPicPr>
+        <p:blipFill rotWithShape="1">
+          <a:blip r:embed="rId6"/>
+          <a:srcRect t="38995" r="9760"/>
+          <a:stretch/>
+        </p:blipFill>
+        <p:spPr>
+          <a:xfrm>
+            <a:off x="10491058" y="10478666"/>
+            <a:ext cx="1091342" cy="2951082"/>
+          </a:xfrm>
+          <a:prstGeom prst="rect">
+            <a:avLst/>
+          </a:prstGeom>
+        </p:spPr>
+      </p:pic>
+    </p:spTree>
+    <p:extLst>
+      <p:ext uri="{BB962C8B-B14F-4D97-AF65-F5344CB8AC3E}">
+        <p14:creationId xmlns:p14="http://schemas.microsoft.com/office/powerpoint/2010/main" val="2974795568"/>
       </p:ext>
     </p:extLst>
   </p:cSld>

--- a/figures/main-figures.pptx
+++ b/figures/main-figures.pptx
@@ -5,11 +5,12 @@
     <p:sldMasterId id="2147483684" r:id="rId1"/>
   </p:sldMasterIdLst>
   <p:notesMasterIdLst>
-    <p:notesMasterId r:id="rId4"/>
+    <p:notesMasterId r:id="rId5"/>
   </p:notesMasterIdLst>
   <p:sldIdLst>
     <p:sldId id="256" r:id="rId2"/>
     <p:sldId id="257" r:id="rId3"/>
+    <p:sldId id="258" r:id="rId4"/>
   </p:sldIdLst>
   <p:sldSz cx="18000663" cy="14400213"/>
   <p:notesSz cx="6858000" cy="9144000"/>
@@ -198,7 +199,7 @@
           <a:p>
             <a:fld id="{B7CE4BC6-D327-1C4F-8429-775CD9D39CD2}" type="datetimeFigureOut">
               <a:rPr lang="en-US" smtClean="0"/>
-              <a:t>9/30/25</a:t>
+              <a:t>10/5/25</a:t>
             </a:fld>
             <a:endParaRPr lang="en-US"/>
           </a:p>
@@ -774,7 +775,7 @@
           <a:p>
             <a:fld id="{3B85B7A5-F096-CF4C-9C20-4BA2556B79B6}" type="datetimeFigureOut">
               <a:rPr lang="en-US" smtClean="0"/>
-              <a:t>9/30/25</a:t>
+              <a:t>10/5/25</a:t>
             </a:fld>
             <a:endParaRPr lang="en-US"/>
           </a:p>
@@ -944,7 +945,7 @@
           <a:p>
             <a:fld id="{3B85B7A5-F096-CF4C-9C20-4BA2556B79B6}" type="datetimeFigureOut">
               <a:rPr lang="en-US" smtClean="0"/>
-              <a:t>9/30/25</a:t>
+              <a:t>10/5/25</a:t>
             </a:fld>
             <a:endParaRPr lang="en-US"/>
           </a:p>
@@ -1124,7 +1125,7 @@
           <a:p>
             <a:fld id="{3B85B7A5-F096-CF4C-9C20-4BA2556B79B6}" type="datetimeFigureOut">
               <a:rPr lang="en-US" smtClean="0"/>
-              <a:t>9/30/25</a:t>
+              <a:t>10/5/25</a:t>
             </a:fld>
             <a:endParaRPr lang="en-US"/>
           </a:p>
@@ -1294,7 +1295,7 @@
           <a:p>
             <a:fld id="{3B85B7A5-F096-CF4C-9C20-4BA2556B79B6}" type="datetimeFigureOut">
               <a:rPr lang="en-US" smtClean="0"/>
-              <a:t>9/30/25</a:t>
+              <a:t>10/5/25</a:t>
             </a:fld>
             <a:endParaRPr lang="en-US"/>
           </a:p>
@@ -1538,7 +1539,7 @@
           <a:p>
             <a:fld id="{3B85B7A5-F096-CF4C-9C20-4BA2556B79B6}" type="datetimeFigureOut">
               <a:rPr lang="en-US" smtClean="0"/>
-              <a:t>9/30/25</a:t>
+              <a:t>10/5/25</a:t>
             </a:fld>
             <a:endParaRPr lang="en-US"/>
           </a:p>
@@ -1770,7 +1771,7 @@
           <a:p>
             <a:fld id="{3B85B7A5-F096-CF4C-9C20-4BA2556B79B6}" type="datetimeFigureOut">
               <a:rPr lang="en-US" smtClean="0"/>
-              <a:t>9/30/25</a:t>
+              <a:t>10/5/25</a:t>
             </a:fld>
             <a:endParaRPr lang="en-US"/>
           </a:p>
@@ -2137,7 +2138,7 @@
           <a:p>
             <a:fld id="{3B85B7A5-F096-CF4C-9C20-4BA2556B79B6}" type="datetimeFigureOut">
               <a:rPr lang="en-US" smtClean="0"/>
-              <a:t>9/30/25</a:t>
+              <a:t>10/5/25</a:t>
             </a:fld>
             <a:endParaRPr lang="en-US"/>
           </a:p>
@@ -2255,7 +2256,7 @@
           <a:p>
             <a:fld id="{3B85B7A5-F096-CF4C-9C20-4BA2556B79B6}" type="datetimeFigureOut">
               <a:rPr lang="en-US" smtClean="0"/>
-              <a:t>9/30/25</a:t>
+              <a:t>10/5/25</a:t>
             </a:fld>
             <a:endParaRPr lang="en-US"/>
           </a:p>
@@ -2350,7 +2351,7 @@
           <a:p>
             <a:fld id="{3B85B7A5-F096-CF4C-9C20-4BA2556B79B6}" type="datetimeFigureOut">
               <a:rPr lang="en-US" smtClean="0"/>
-              <a:t>9/30/25</a:t>
+              <a:t>10/5/25</a:t>
             </a:fld>
             <a:endParaRPr lang="en-US"/>
           </a:p>
@@ -2627,7 +2628,7 @@
           <a:p>
             <a:fld id="{3B85B7A5-F096-CF4C-9C20-4BA2556B79B6}" type="datetimeFigureOut">
               <a:rPr lang="en-US" smtClean="0"/>
-              <a:t>9/30/25</a:t>
+              <a:t>10/5/25</a:t>
             </a:fld>
             <a:endParaRPr lang="en-US"/>
           </a:p>
@@ -2884,7 +2885,7 @@
           <a:p>
             <a:fld id="{3B85B7A5-F096-CF4C-9C20-4BA2556B79B6}" type="datetimeFigureOut">
               <a:rPr lang="en-US" smtClean="0"/>
-              <a:t>9/30/25</a:t>
+              <a:t>10/5/25</a:t>
             </a:fld>
             <a:endParaRPr lang="en-US"/>
           </a:p>
@@ -3097,7 +3098,7 @@
           <a:p>
             <a:fld id="{3B85B7A5-F096-CF4C-9C20-4BA2556B79B6}" type="datetimeFigureOut">
               <a:rPr lang="en-US" smtClean="0"/>
-              <a:t>9/30/25</a:t>
+              <a:t>10/5/25</a:t>
             </a:fld>
             <a:endParaRPr lang="en-US"/>
           </a:p>
@@ -3554,7 +3555,7 @@
         </p:blipFill>
         <p:spPr>
           <a:xfrm>
-            <a:off x="2576446" y="10035252"/>
+            <a:off x="333989" y="8511252"/>
             <a:ext cx="7800454" cy="3629378"/>
           </a:xfrm>
           <a:prstGeom prst="rect">
@@ -3607,7 +3608,7 @@
         </p:nvCxnSpPr>
         <p:spPr>
           <a:xfrm flipV="1">
-            <a:off x="2947855" y="6388189"/>
+            <a:off x="1293226" y="4951275"/>
             <a:ext cx="2338447" cy="2260401"/>
           </a:xfrm>
           <a:prstGeom prst="line">
@@ -3653,7 +3654,7 @@
         </p:nvCxnSpPr>
         <p:spPr>
           <a:xfrm flipV="1">
-            <a:off x="6280191" y="6388189"/>
+            <a:off x="4625562" y="4951275"/>
             <a:ext cx="2338447" cy="2260401"/>
           </a:xfrm>
           <a:prstGeom prst="line">
@@ -3697,7 +3698,7 @@
         </p:nvSpPr>
         <p:spPr>
           <a:xfrm>
-            <a:off x="2778357" y="8928763"/>
+            <a:off x="1123728" y="7491849"/>
             <a:ext cx="2969083" cy="338554"/>
           </a:xfrm>
           <a:prstGeom prst="rect">
@@ -3737,7 +3738,7 @@
         </p:nvCxnSpPr>
         <p:spPr>
           <a:xfrm flipV="1">
-            <a:off x="4041291" y="7030717"/>
+            <a:off x="2386662" y="5593803"/>
             <a:ext cx="562778" cy="562105"/>
           </a:xfrm>
           <a:prstGeom prst="line">
@@ -3780,7 +3781,7 @@
         </p:nvCxnSpPr>
         <p:spPr>
           <a:xfrm>
-            <a:off x="4601402" y="7044217"/>
+            <a:off x="2946773" y="5607303"/>
             <a:ext cx="1018602" cy="0"/>
           </a:xfrm>
           <a:prstGeom prst="line">
@@ -3823,7 +3824,7 @@
         </p:nvCxnSpPr>
         <p:spPr>
           <a:xfrm flipV="1">
-            <a:off x="2959354" y="7551575"/>
+            <a:off x="1304725" y="6114661"/>
             <a:ext cx="1119260" cy="1112760"/>
           </a:xfrm>
           <a:prstGeom prst="line">
@@ -3866,7 +3867,7 @@
         </p:nvCxnSpPr>
         <p:spPr>
           <a:xfrm>
-            <a:off x="4059322" y="7563712"/>
+            <a:off x="2404693" y="6126798"/>
             <a:ext cx="1547982" cy="0"/>
           </a:xfrm>
           <a:prstGeom prst="line">
@@ -3909,7 +3910,7 @@
         </p:nvCxnSpPr>
         <p:spPr>
           <a:xfrm flipV="1">
-            <a:off x="2941983" y="8118735"/>
+            <a:off x="1287354" y="6681821"/>
             <a:ext cx="562490" cy="561187"/>
           </a:xfrm>
           <a:prstGeom prst="line">
@@ -3952,7 +3953,7 @@
         </p:nvCxnSpPr>
         <p:spPr>
           <a:xfrm>
-            <a:off x="3505666" y="8132800"/>
+            <a:off x="1851037" y="6695886"/>
             <a:ext cx="2088939" cy="0"/>
           </a:xfrm>
           <a:prstGeom prst="line">
@@ -3993,7 +3994,7 @@
         </p:nvSpPr>
         <p:spPr>
           <a:xfrm>
-            <a:off x="2631776" y="5699627"/>
+            <a:off x="977147" y="4262713"/>
             <a:ext cx="269626" cy="2677656"/>
           </a:xfrm>
           <a:prstGeom prst="rect">
@@ -4118,7 +4119,7 @@
         </p:nvSpPr>
         <p:spPr>
           <a:xfrm>
-            <a:off x="3409210" y="8709045"/>
+            <a:off x="1754581" y="7272131"/>
             <a:ext cx="2891743" cy="276999"/>
           </a:xfrm>
           <a:prstGeom prst="rect">
@@ -4156,7 +4157,7 @@
         </p:nvSpPr>
         <p:spPr>
           <a:xfrm>
-            <a:off x="2846459" y="6117213"/>
+            <a:off x="1191830" y="4680299"/>
             <a:ext cx="569481" cy="338554"/>
           </a:xfrm>
           <a:prstGeom prst="rect">
@@ -4200,7 +4201,7 @@
         </p:nvSpPr>
         <p:spPr>
           <a:xfrm>
-            <a:off x="3549478" y="7954657"/>
+            <a:off x="1894849" y="6517743"/>
             <a:ext cx="141515" cy="130629"/>
           </a:xfrm>
           <a:prstGeom prst="ellipse">
@@ -4260,7 +4261,7 @@
         </p:nvSpPr>
         <p:spPr>
           <a:xfrm>
-            <a:off x="4402479" y="7093583"/>
+            <a:off x="2747850" y="5656669"/>
             <a:ext cx="141515" cy="130629"/>
           </a:xfrm>
           <a:prstGeom prst="ellipse">
@@ -4320,7 +4321,7 @@
         </p:nvSpPr>
         <p:spPr>
           <a:xfrm>
-            <a:off x="5048715" y="6982792"/>
+            <a:off x="3394086" y="5545878"/>
             <a:ext cx="141515" cy="130629"/>
           </a:xfrm>
           <a:prstGeom prst="ellipse">
@@ -4380,7 +4381,7 @@
         </p:nvSpPr>
         <p:spPr>
           <a:xfrm>
-            <a:off x="4115552" y="7397558"/>
+            <a:off x="2460923" y="5960644"/>
             <a:ext cx="141515" cy="130629"/>
           </a:xfrm>
           <a:prstGeom prst="ellipse">
@@ -4442,7 +4443,7 @@
         </p:nvCxnSpPr>
         <p:spPr>
           <a:xfrm>
-            <a:off x="6223287" y="6220741"/>
+            <a:off x="4568658" y="4783827"/>
             <a:ext cx="0" cy="2491683"/>
           </a:xfrm>
           <a:prstGeom prst="line">
@@ -4485,7 +4486,7 @@
         </p:nvCxnSpPr>
         <p:spPr>
           <a:xfrm flipH="1">
-            <a:off x="6234173" y="8701537"/>
+            <a:off x="4579544" y="7264623"/>
             <a:ext cx="2660360" cy="0"/>
           </a:xfrm>
           <a:prstGeom prst="line">
@@ -4526,7 +4527,7 @@
         </p:nvSpPr>
         <p:spPr>
           <a:xfrm>
-            <a:off x="5806951" y="8910868"/>
+            <a:off x="4152322" y="7473954"/>
             <a:ext cx="3610227" cy="584775"/>
           </a:xfrm>
           <a:prstGeom prst="rect">
@@ -4546,7 +4547,7 @@
                 <a:latin typeface="Arial" panose="020B0604020202020204" pitchFamily="34" charset="0"/>
                 <a:cs typeface="Arial" panose="020B0604020202020204" pitchFamily="34" charset="0"/>
               </a:rPr>
-              <a:t>Minimum of potential dispersal rate and velocity of isotherm shift (km/yr)</a:t>
+              <a:t>Minimum of potential dispersal rate and velocity of climate change (km/yr)</a:t>
             </a:r>
           </a:p>
         </p:txBody>
@@ -4565,7 +4566,7 @@
         </p:nvSpPr>
         <p:spPr>
           <a:xfrm>
-            <a:off x="5917246" y="5713755"/>
+            <a:off x="4262617" y="4276841"/>
             <a:ext cx="269626" cy="2677656"/>
           </a:xfrm>
           <a:prstGeom prst="rect">
@@ -4690,7 +4691,7 @@
         </p:nvSpPr>
         <p:spPr>
           <a:xfrm>
-            <a:off x="6694680" y="8723173"/>
+            <a:off x="5040051" y="7286259"/>
             <a:ext cx="2891743" cy="276999"/>
           </a:xfrm>
           <a:prstGeom prst="rect">
@@ -4728,7 +4729,7 @@
         </p:nvSpPr>
         <p:spPr>
           <a:xfrm>
-            <a:off x="6138762" y="6117213"/>
+            <a:off x="4484133" y="4680299"/>
             <a:ext cx="569481" cy="338554"/>
           </a:xfrm>
           <a:prstGeom prst="rect">
@@ -4772,7 +4773,7 @@
         </p:nvSpPr>
         <p:spPr>
           <a:xfrm>
-            <a:off x="3907714" y="7592822"/>
+            <a:off x="2253085" y="6155908"/>
             <a:ext cx="141515" cy="130629"/>
           </a:xfrm>
           <a:prstGeom prst="ellipse">
@@ -4832,7 +4833,7 @@
         </p:nvSpPr>
         <p:spPr>
           <a:xfrm>
-            <a:off x="3740550" y="7773797"/>
+            <a:off x="2085921" y="6336883"/>
             <a:ext cx="141515" cy="130629"/>
           </a:xfrm>
           <a:prstGeom prst="ellipse">
@@ -4892,7 +4893,7 @@
         </p:nvSpPr>
         <p:spPr>
           <a:xfrm>
-            <a:off x="2996434" y="8483415"/>
+            <a:off x="1341805" y="7046501"/>
             <a:ext cx="141515" cy="130629"/>
           </a:xfrm>
           <a:prstGeom prst="ellipse">
@@ -4952,7 +4953,7 @@
         </p:nvSpPr>
         <p:spPr>
           <a:xfrm>
-            <a:off x="3243832" y="8235765"/>
+            <a:off x="1589203" y="6798851"/>
             <a:ext cx="141515" cy="130629"/>
           </a:xfrm>
           <a:prstGeom prst="ellipse">
@@ -5012,7 +5013,7 @@
         </p:nvSpPr>
         <p:spPr>
           <a:xfrm>
-            <a:off x="4523924" y="7491385"/>
+            <a:off x="2869295" y="6054471"/>
             <a:ext cx="141515" cy="130629"/>
           </a:xfrm>
           <a:prstGeom prst="ellipse">
@@ -5070,7 +5071,7 @@
         </p:nvSpPr>
         <p:spPr>
           <a:xfrm>
-            <a:off x="4921651" y="7497254"/>
+            <a:off x="3267022" y="6060340"/>
             <a:ext cx="141515" cy="130629"/>
           </a:xfrm>
           <a:prstGeom prst="ellipse">
@@ -5128,7 +5129,7 @@
         </p:nvSpPr>
         <p:spPr>
           <a:xfrm>
-            <a:off x="5397436" y="7495102"/>
+            <a:off x="3742807" y="6058188"/>
             <a:ext cx="141515" cy="130629"/>
           </a:xfrm>
           <a:prstGeom prst="ellipse">
@@ -5186,7 +5187,7 @@
         </p:nvSpPr>
         <p:spPr>
           <a:xfrm>
-            <a:off x="3888305" y="8070138"/>
+            <a:off x="2233676" y="6633224"/>
             <a:ext cx="141515" cy="130629"/>
           </a:xfrm>
           <a:prstGeom prst="ellipse">
@@ -5244,7 +5245,7 @@
         </p:nvSpPr>
         <p:spPr>
           <a:xfrm>
-            <a:off x="4427280" y="8063814"/>
+            <a:off x="2772651" y="6626900"/>
             <a:ext cx="141515" cy="130629"/>
           </a:xfrm>
           <a:prstGeom prst="ellipse">
@@ -5302,7 +5303,7 @@
         </p:nvSpPr>
         <p:spPr>
           <a:xfrm>
-            <a:off x="5230168" y="8058534"/>
+            <a:off x="3575539" y="6621620"/>
             <a:ext cx="141515" cy="130629"/>
           </a:xfrm>
           <a:prstGeom prst="ellipse">
@@ -5362,7 +5363,7 @@
         </p:nvCxnSpPr>
         <p:spPr>
           <a:xfrm flipH="1">
-            <a:off x="2948704" y="8687409"/>
+            <a:off x="1294075" y="7250495"/>
             <a:ext cx="2645901" cy="0"/>
           </a:xfrm>
           <a:prstGeom prst="line">
@@ -5405,7 +5406,7 @@
         </p:nvCxnSpPr>
         <p:spPr>
           <a:xfrm>
-            <a:off x="2937817" y="6194185"/>
+            <a:off x="1283188" y="4757271"/>
             <a:ext cx="0" cy="2504110"/>
           </a:xfrm>
           <a:prstGeom prst="line">
@@ -5446,7 +5447,7 @@
         </p:nvSpPr>
         <p:spPr>
           <a:xfrm>
-            <a:off x="3749812" y="6362265"/>
+            <a:off x="2095183" y="4925351"/>
             <a:ext cx="2032232" cy="338554"/>
           </a:xfrm>
           <a:prstGeom prst="rect">
@@ -5490,7 +5491,7 @@
         </p:nvSpPr>
         <p:spPr>
           <a:xfrm rot="16200000">
-            <a:off x="1029999" y="7277521"/>
+            <a:off x="-624630" y="5840607"/>
             <a:ext cx="2900904" cy="338554"/>
           </a:xfrm>
           <a:prstGeom prst="rect">
@@ -5529,7 +5530,7 @@
         </p:nvSpPr>
         <p:spPr>
           <a:xfrm>
-            <a:off x="4977350" y="5780323"/>
+            <a:off x="3322721" y="4343409"/>
             <a:ext cx="141515" cy="130629"/>
           </a:xfrm>
           <a:prstGeom prst="ellipse">
@@ -5589,8 +5590,8 @@
         </p:nvSpPr>
         <p:spPr>
           <a:xfrm>
-            <a:off x="9107299" y="6260382"/>
-            <a:ext cx="1131724" cy="1077218"/>
+            <a:off x="7189911" y="5012654"/>
+            <a:ext cx="1655294" cy="830997"/>
           </a:xfrm>
           <a:prstGeom prst="rect">
             <a:avLst/>
@@ -5609,7 +5610,7 @@
                 <a:latin typeface="Arial" panose="020B0604020202020204" pitchFamily="34" charset="0"/>
                 <a:cs typeface="Arial" panose="020B0604020202020204" pitchFamily="34" charset="0"/>
               </a:rPr>
-              <a:t>Velocity of isotherm shift (km/yr)</a:t>
+              <a:t>Velocity of climate change (km/yr)</a:t>
             </a:r>
           </a:p>
         </p:txBody>
@@ -5636,7 +5637,7 @@
         </p:blipFill>
         <p:spPr>
           <a:xfrm>
-            <a:off x="10476234" y="10405407"/>
+            <a:off x="8233777" y="8881407"/>
             <a:ext cx="1004705" cy="2466095"/>
           </a:xfrm>
           <a:prstGeom prst="rect">
@@ -5834,7 +5835,7 @@
         </p:nvSpPr>
         <p:spPr>
           <a:xfrm>
-            <a:off x="6962630" y="10121354"/>
+            <a:off x="4720173" y="8597354"/>
             <a:ext cx="569481" cy="338554"/>
           </a:xfrm>
           <a:prstGeom prst="rect">
@@ -5878,7 +5879,7 @@
         </p:nvSpPr>
         <p:spPr>
           <a:xfrm>
-            <a:off x="4948187" y="11569223"/>
+            <a:off x="2705730" y="10045223"/>
             <a:ext cx="2032232" cy="338554"/>
           </a:xfrm>
           <a:prstGeom prst="rect">
@@ -5922,7 +5923,7 @@
         </p:nvSpPr>
         <p:spPr>
           <a:xfrm>
-            <a:off x="6849927" y="7967454"/>
+            <a:off x="5195298" y="6530540"/>
             <a:ext cx="141515" cy="130629"/>
           </a:xfrm>
           <a:prstGeom prst="ellipse">
@@ -5982,7 +5983,7 @@
         </p:nvSpPr>
         <p:spPr>
           <a:xfrm>
-            <a:off x="7702928" y="7106380"/>
+            <a:off x="6048299" y="5669466"/>
             <a:ext cx="141515" cy="130629"/>
           </a:xfrm>
           <a:prstGeom prst="ellipse">
@@ -6042,7 +6043,7 @@
         </p:nvSpPr>
         <p:spPr>
           <a:xfrm>
-            <a:off x="7832635" y="6995589"/>
+            <a:off x="6178006" y="5558675"/>
             <a:ext cx="141515" cy="130629"/>
           </a:xfrm>
           <a:prstGeom prst="ellipse">
@@ -6102,7 +6103,7 @@
         </p:nvSpPr>
         <p:spPr>
           <a:xfrm>
-            <a:off x="7416001" y="7410355"/>
+            <a:off x="5761372" y="5973441"/>
             <a:ext cx="141515" cy="130629"/>
           </a:xfrm>
           <a:prstGeom prst="ellipse">
@@ -6162,7 +6163,7 @@
         </p:nvSpPr>
         <p:spPr>
           <a:xfrm>
-            <a:off x="7208163" y="7605619"/>
+            <a:off x="5553534" y="6168705"/>
             <a:ext cx="141515" cy="130629"/>
           </a:xfrm>
           <a:prstGeom prst="ellipse">
@@ -6222,7 +6223,7 @@
         </p:nvSpPr>
         <p:spPr>
           <a:xfrm>
-            <a:off x="7040999" y="7786594"/>
+            <a:off x="5386370" y="6349680"/>
             <a:ext cx="141515" cy="130629"/>
           </a:xfrm>
           <a:prstGeom prst="ellipse">
@@ -6282,7 +6283,7 @@
         </p:nvSpPr>
         <p:spPr>
           <a:xfrm>
-            <a:off x="6296883" y="8496212"/>
+            <a:off x="4642254" y="7059298"/>
             <a:ext cx="141515" cy="130629"/>
           </a:xfrm>
           <a:prstGeom prst="ellipse">
@@ -6342,7 +6343,7 @@
         </p:nvSpPr>
         <p:spPr>
           <a:xfrm>
-            <a:off x="6544281" y="8248562"/>
+            <a:off x="4889652" y="6811648"/>
             <a:ext cx="141515" cy="130629"/>
           </a:xfrm>
           <a:prstGeom prst="ellipse">
@@ -6402,7 +6403,7 @@
         </p:nvSpPr>
         <p:spPr>
           <a:xfrm>
-            <a:off x="7307844" y="7504182"/>
+            <a:off x="5653215" y="6067268"/>
             <a:ext cx="141515" cy="130629"/>
           </a:xfrm>
           <a:prstGeom prst="ellipse">
@@ -6460,7 +6461,7 @@
         </p:nvSpPr>
         <p:spPr>
           <a:xfrm>
-            <a:off x="6728067" y="8082935"/>
+            <a:off x="5073438" y="6646021"/>
             <a:ext cx="141515" cy="130629"/>
           </a:xfrm>
           <a:prstGeom prst="ellipse">
@@ -6518,10 +6519,10 @@
         </p:nvGrpSpPr>
         <p:grpSpPr>
           <a:xfrm>
-            <a:off x="10127199" y="6888147"/>
-            <a:ext cx="3024597" cy="1101530"/>
-            <a:chOff x="8524560" y="6991381"/>
-            <a:chExt cx="2682403" cy="1101530"/>
+            <a:off x="8630225" y="5499892"/>
+            <a:ext cx="3024597" cy="1136931"/>
+            <a:chOff x="8524560" y="7193781"/>
+            <a:chExt cx="2682403" cy="951930"/>
           </a:xfrm>
         </p:grpSpPr>
         <p:sp>
@@ -6578,7 +6579,7 @@
                   <a:latin typeface="Arial" panose="020B0604020202020204" pitchFamily="34" charset="0"/>
                   <a:cs typeface="Arial" panose="020B0604020202020204" pitchFamily="34" charset="0"/>
                 </a:rPr>
-                <a:t>Dispersal rate &lt; velocity of isotherm shift</a:t>
+                <a:t>Dispersal rate &lt; velocity of climate change</a:t>
               </a:r>
             </a:p>
             <a:p>
@@ -6601,18 +6602,8 @@
                   <a:latin typeface="Arial" panose="020B0604020202020204" pitchFamily="34" charset="0"/>
                   <a:cs typeface="Arial" panose="020B0604020202020204" pitchFamily="34" charset="0"/>
                 </a:rPr>
-                <a:t>Dispersal rate &gt; velocity of isotherm shift</a:t>
+                <a:t>Dispersal rate &gt; velocity of climate change</a:t>
               </a:r>
-            </a:p>
-            <a:p>
-              <a:pPr algn="ctr"/>
-              <a:endParaRPr lang="en-US" sz="1600" dirty="0">
-                <a:solidFill>
-                  <a:sysClr val="windowText" lastClr="000000"/>
-                </a:solidFill>
-                <a:latin typeface="Arial" panose="020B0604020202020204" pitchFamily="34" charset="0"/>
-                <a:cs typeface="Arial" panose="020B0604020202020204" pitchFamily="34" charset="0"/>
-              </a:endParaRPr>
             </a:p>
           </p:txBody>
         </p:sp>
@@ -6630,7 +6621,7 @@
           </p:nvSpPr>
           <p:spPr>
             <a:xfrm>
-              <a:off x="8812638" y="6991381"/>
+              <a:off x="8877886" y="7193781"/>
               <a:ext cx="141515" cy="130629"/>
             </a:xfrm>
             <a:prstGeom prst="ellipse">
@@ -6690,7 +6681,7 @@
           </p:nvSpPr>
           <p:spPr>
             <a:xfrm>
-              <a:off x="8812638" y="7962282"/>
+              <a:off x="8877888" y="8015082"/>
               <a:ext cx="141515" cy="130629"/>
             </a:xfrm>
             <a:prstGeom prst="ellipse">
@@ -6751,7 +6742,7 @@
         </p:nvSpPr>
         <p:spPr>
           <a:xfrm>
-            <a:off x="10315220" y="7769732"/>
+            <a:off x="8660591" y="6332818"/>
             <a:ext cx="1979542" cy="527839"/>
           </a:xfrm>
           <a:prstGeom prst="ellipse">
@@ -7177,7 +7168,7 @@
         </p:nvGrpSpPr>
         <p:grpSpPr>
           <a:xfrm>
-            <a:off x="3349276" y="10235447"/>
+            <a:off x="1106819" y="8711447"/>
             <a:ext cx="1476462" cy="800029"/>
             <a:chOff x="4245026" y="1035170"/>
             <a:chExt cx="1476462" cy="800029"/>
@@ -7446,7 +7437,7 @@
         </p:nvSpPr>
         <p:spPr>
           <a:xfrm>
-            <a:off x="9426530" y="12792716"/>
+            <a:off x="7184073" y="11268716"/>
             <a:ext cx="989437" cy="307777"/>
           </a:xfrm>
           <a:prstGeom prst="rect">
@@ -7490,7 +7481,7 @@
         </p:nvSpPr>
         <p:spPr>
           <a:xfrm>
-            <a:off x="5551461" y="12780729"/>
+            <a:off x="3309004" y="11256729"/>
             <a:ext cx="989437" cy="307777"/>
           </a:xfrm>
           <a:prstGeom prst="rect">
@@ -7541,7 +7532,7 @@
         </p:blipFill>
         <p:spPr>
           <a:xfrm>
-            <a:off x="2599716" y="9976467"/>
+            <a:off x="357259" y="8452467"/>
             <a:ext cx="328420" cy="4061806"/>
           </a:xfrm>
           <a:prstGeom prst="rect">
@@ -7570,7 +7561,7 @@
         </p:blipFill>
         <p:spPr>
           <a:xfrm>
-            <a:off x="6461088" y="9976467"/>
+            <a:off x="4218631" y="8452467"/>
             <a:ext cx="328420" cy="4061806"/>
           </a:xfrm>
           <a:prstGeom prst="rect">
@@ -7637,7 +7628,7 @@
         </p:nvSpPr>
         <p:spPr>
           <a:xfrm>
-            <a:off x="5851284" y="13103219"/>
+            <a:off x="3608827" y="11579219"/>
             <a:ext cx="989437" cy="292388"/>
           </a:xfrm>
           <a:prstGeom prst="rect">
@@ -7682,7 +7673,7 @@
         </p:nvSpPr>
         <p:spPr>
           <a:xfrm>
-            <a:off x="9744412" y="13103219"/>
+            <a:off x="7501955" y="11579219"/>
             <a:ext cx="989437" cy="292388"/>
           </a:xfrm>
           <a:prstGeom prst="rect">
@@ -7727,7 +7718,7 @@
         </p:nvSpPr>
         <p:spPr>
           <a:xfrm>
-            <a:off x="3056715" y="10096847"/>
+            <a:off x="814258" y="8572847"/>
             <a:ext cx="569481" cy="338554"/>
           </a:xfrm>
           <a:prstGeom prst="rect">
@@ -8113,7 +8104,7 @@
         </p:nvGrpSpPr>
         <p:grpSpPr>
           <a:xfrm>
-            <a:off x="5069281" y="10452118"/>
+            <a:off x="2826824" y="8928118"/>
             <a:ext cx="251992" cy="251942"/>
             <a:chOff x="4474118" y="766354"/>
             <a:chExt cx="251992" cy="251942"/>
@@ -8227,7 +8218,7 @@
         </p:nvGrpSpPr>
         <p:grpSpPr>
           <a:xfrm>
-            <a:off x="8964123" y="10444262"/>
+            <a:off x="6721666" y="8920262"/>
             <a:ext cx="251992" cy="251942"/>
             <a:chOff x="4474118" y="766354"/>
             <a:chExt cx="251992" cy="251942"/>
@@ -8341,7 +8332,7 @@
         </p:nvGrpSpPr>
         <p:grpSpPr>
           <a:xfrm>
-            <a:off x="9493954" y="7392408"/>
+            <a:off x="7839325" y="5955494"/>
             <a:ext cx="444660" cy="1384995"/>
             <a:chOff x="9460088" y="7144053"/>
             <a:chExt cx="444660" cy="1384995"/>
@@ -12932,6 +12923,1454 @@
     <p:extLst>
       <p:ext uri="{BB962C8B-B14F-4D97-AF65-F5344CB8AC3E}">
         <p14:creationId xmlns:p14="http://schemas.microsoft.com/office/powerpoint/2010/main" val="2974795568"/>
+      </p:ext>
+    </p:extLst>
+  </p:cSld>
+  <p:clrMapOvr>
+    <a:masterClrMapping/>
+  </p:clrMapOvr>
+</p:sld>
+</file>
+
+<file path=ppt/slides/slide3.xml><?xml version="1.0" encoding="utf-8"?>
+<p:sld xmlns:a="http://schemas.openxmlformats.org/drawingml/2006/main" xmlns:r="http://schemas.openxmlformats.org/officeDocument/2006/relationships" xmlns:p="http://schemas.openxmlformats.org/presentationml/2006/main">
+  <p:cSld>
+    <p:spTree>
+      <p:nvGrpSpPr>
+        <p:cNvPr id="1" name=""/>
+        <p:cNvGrpSpPr/>
+        <p:nvPr/>
+      </p:nvGrpSpPr>
+      <p:grpSpPr>
+        <a:xfrm>
+          <a:off x="0" y="0"/>
+          <a:ext cx="0" cy="0"/>
+          <a:chOff x="0" y="0"/>
+          <a:chExt cx="0" cy="0"/>
+        </a:xfrm>
+      </p:grpSpPr>
+      <p:pic>
+        <p:nvPicPr>
+          <p:cNvPr id="63" name="Picture 62" descr="A comparison of a number of objects&#10;&#10;Description automatically generated with medium confidence">
+            <a:extLst>
+              <a:ext uri="{FF2B5EF4-FFF2-40B4-BE49-F238E27FC236}">
+                <a16:creationId xmlns:a16="http://schemas.microsoft.com/office/drawing/2014/main" id="{5A1BFFD5-FFA3-1934-DC4A-4FB8DB4749DC}"/>
+              </a:ext>
+            </a:extLst>
+          </p:cNvPr>
+          <p:cNvPicPr>
+            <a:picLocks noChangeAspect="1"/>
+          </p:cNvPicPr>
+          <p:nvPr/>
+        </p:nvPicPr>
+        <p:blipFill rotWithShape="1">
+          <a:blip r:embed="rId2"/>
+          <a:srcRect l="53972"/>
+          <a:stretch/>
+        </p:blipFill>
+        <p:spPr>
+          <a:xfrm>
+            <a:off x="5443369" y="9905654"/>
+            <a:ext cx="3621350" cy="3810346"/>
+          </a:xfrm>
+          <a:prstGeom prst="rect">
+            <a:avLst/>
+          </a:prstGeom>
+        </p:spPr>
+      </p:pic>
+      <p:pic>
+        <p:nvPicPr>
+          <p:cNvPr id="62" name="Picture 61" descr="A comparison of a number of objects&#10;&#10;Description automatically generated with medium confidence">
+            <a:extLst>
+              <a:ext uri="{FF2B5EF4-FFF2-40B4-BE49-F238E27FC236}">
+                <a16:creationId xmlns:a16="http://schemas.microsoft.com/office/drawing/2014/main" id="{5F3B0331-B4AC-A356-07DA-E370DC138332}"/>
+              </a:ext>
+            </a:extLst>
+          </p:cNvPr>
+          <p:cNvPicPr>
+            <a:picLocks noChangeAspect="1"/>
+          </p:cNvPicPr>
+          <p:nvPr/>
+        </p:nvPicPr>
+        <p:blipFill rotWithShape="1">
+          <a:blip r:embed="rId2"/>
+          <a:srcRect r="50928"/>
+          <a:stretch/>
+        </p:blipFill>
+        <p:spPr>
+          <a:xfrm>
+            <a:off x="1593300" y="9905654"/>
+            <a:ext cx="3860827" cy="3810346"/>
+          </a:xfrm>
+          <a:prstGeom prst="rect">
+            <a:avLst/>
+          </a:prstGeom>
+        </p:spPr>
+      </p:pic>
+      <p:grpSp>
+        <p:nvGrpSpPr>
+          <p:cNvPr id="4" name="Group 3">
+            <a:extLst>
+              <a:ext uri="{FF2B5EF4-FFF2-40B4-BE49-F238E27FC236}">
+                <a16:creationId xmlns:a16="http://schemas.microsoft.com/office/drawing/2014/main" id="{5A977331-3A10-2AA2-4159-A41771328D12}"/>
+              </a:ext>
+            </a:extLst>
+          </p:cNvPr>
+          <p:cNvGrpSpPr/>
+          <p:nvPr/>
+        </p:nvGrpSpPr>
+        <p:grpSpPr>
+          <a:xfrm>
+            <a:off x="1532186" y="5608977"/>
+            <a:ext cx="7973267" cy="3942721"/>
+            <a:chOff x="9605032" y="8887755"/>
+            <a:chExt cx="7973267" cy="3942721"/>
+          </a:xfrm>
+        </p:grpSpPr>
+        <p:pic>
+          <p:nvPicPr>
+            <p:cNvPr id="5" name="Picture 4" descr="A comparison of a number of numbers&#10;&#10;Description automatically generated with medium confidence">
+              <a:extLst>
+                <a:ext uri="{FF2B5EF4-FFF2-40B4-BE49-F238E27FC236}">
+                  <a16:creationId xmlns:a16="http://schemas.microsoft.com/office/drawing/2014/main" id="{D66EF849-EEA1-95C3-43D5-8A8403E45E43}"/>
+                </a:ext>
+              </a:extLst>
+            </p:cNvPr>
+            <p:cNvPicPr>
+              <a:picLocks noChangeAspect="1"/>
+            </p:cNvPicPr>
+            <p:nvPr/>
+          </p:nvPicPr>
+          <p:blipFill rotWithShape="1">
+            <a:blip r:embed="rId3"/>
+            <a:srcRect r="50802"/>
+            <a:stretch/>
+          </p:blipFill>
+          <p:spPr>
+            <a:xfrm>
+              <a:off x="9605032" y="8887755"/>
+              <a:ext cx="4124031" cy="3942721"/>
+            </a:xfrm>
+            <a:prstGeom prst="rect">
+              <a:avLst/>
+            </a:prstGeom>
+          </p:spPr>
+        </p:pic>
+        <p:pic>
+          <p:nvPicPr>
+            <p:cNvPr id="6" name="Picture 5" descr="A comparison of a number of numbers&#10;&#10;Description automatically generated with medium confidence">
+              <a:extLst>
+                <a:ext uri="{FF2B5EF4-FFF2-40B4-BE49-F238E27FC236}">
+                  <a16:creationId xmlns:a16="http://schemas.microsoft.com/office/drawing/2014/main" id="{090CD19D-8A6D-BAC7-8064-B5ECD60EE85D}"/>
+                </a:ext>
+              </a:extLst>
+            </p:cNvPr>
+            <p:cNvPicPr>
+              <a:picLocks noChangeAspect="1"/>
+            </p:cNvPicPr>
+            <p:nvPr/>
+          </p:nvPicPr>
+          <p:blipFill rotWithShape="1">
+            <a:blip r:embed="rId3"/>
+            <a:srcRect l="53769"/>
+            <a:stretch/>
+          </p:blipFill>
+          <p:spPr>
+            <a:xfrm>
+              <a:off x="13702939" y="8887755"/>
+              <a:ext cx="3875360" cy="3942721"/>
+            </a:xfrm>
+            <a:prstGeom prst="rect">
+              <a:avLst/>
+            </a:prstGeom>
+          </p:spPr>
+        </p:pic>
+      </p:grpSp>
+      <p:sp>
+        <p:nvSpPr>
+          <p:cNvPr id="7" name="TextBox 6">
+            <a:extLst>
+              <a:ext uri="{FF2B5EF4-FFF2-40B4-BE49-F238E27FC236}">
+                <a16:creationId xmlns:a16="http://schemas.microsoft.com/office/drawing/2014/main" id="{C5DCB04A-1679-181A-C48A-5C8976A33C98}"/>
+              </a:ext>
+            </a:extLst>
+          </p:cNvPr>
+          <p:cNvSpPr txBox="1"/>
+          <p:nvPr/>
+        </p:nvSpPr>
+        <p:spPr>
+          <a:xfrm>
+            <a:off x="1982898" y="5587496"/>
+            <a:ext cx="569481" cy="338554"/>
+          </a:xfrm>
+          <a:prstGeom prst="rect">
+            <a:avLst/>
+          </a:prstGeom>
+          <a:noFill/>
+        </p:spPr>
+        <p:txBody>
+          <a:bodyPr wrap="square" rtlCol="0">
+            <a:spAutoFit/>
+          </a:bodyPr>
+          <a:lstStyle/>
+          <a:p>
+            <a:pPr algn="ctr"/>
+            <a:r>
+              <a:rPr lang="en-US" sz="1600" dirty="0">
+                <a:solidFill>
+                  <a:schemeClr val="bg2">
+                    <a:lumMod val="75000"/>
+                  </a:schemeClr>
+                </a:solidFill>
+                <a:latin typeface="Arial" panose="020B0604020202020204" pitchFamily="34" charset="0"/>
+                <a:cs typeface="Arial" panose="020B0604020202020204" pitchFamily="34" charset="0"/>
+              </a:rPr>
+              <a:t>a)</a:t>
+            </a:r>
+          </a:p>
+        </p:txBody>
+      </p:sp>
+      <p:sp>
+        <p:nvSpPr>
+          <p:cNvPr id="8" name="TextBox 7">
+            <a:extLst>
+              <a:ext uri="{FF2B5EF4-FFF2-40B4-BE49-F238E27FC236}">
+                <a16:creationId xmlns:a16="http://schemas.microsoft.com/office/drawing/2014/main" id="{DAFA91EC-2692-A102-B567-CA96379F9A10}"/>
+              </a:ext>
+            </a:extLst>
+          </p:cNvPr>
+          <p:cNvSpPr txBox="1"/>
+          <p:nvPr/>
+        </p:nvSpPr>
+        <p:spPr>
+          <a:xfrm>
+            <a:off x="5772261" y="5589557"/>
+            <a:ext cx="569481" cy="338554"/>
+          </a:xfrm>
+          <a:prstGeom prst="rect">
+            <a:avLst/>
+          </a:prstGeom>
+          <a:noFill/>
+        </p:spPr>
+        <p:txBody>
+          <a:bodyPr wrap="square" rtlCol="0">
+            <a:spAutoFit/>
+          </a:bodyPr>
+          <a:lstStyle/>
+          <a:p>
+            <a:pPr algn="ctr"/>
+            <a:r>
+              <a:rPr lang="en-US" sz="1600" dirty="0">
+                <a:solidFill>
+                  <a:schemeClr val="bg2">
+                    <a:lumMod val="75000"/>
+                  </a:schemeClr>
+                </a:solidFill>
+                <a:latin typeface="Arial" panose="020B0604020202020204" pitchFamily="34" charset="0"/>
+                <a:cs typeface="Arial" panose="020B0604020202020204" pitchFamily="34" charset="0"/>
+              </a:rPr>
+              <a:t>b)</a:t>
+            </a:r>
+          </a:p>
+        </p:txBody>
+      </p:sp>
+      <p:sp>
+        <p:nvSpPr>
+          <p:cNvPr id="27" name="TextBox 26">
+            <a:extLst>
+              <a:ext uri="{FF2B5EF4-FFF2-40B4-BE49-F238E27FC236}">
+                <a16:creationId xmlns:a16="http://schemas.microsoft.com/office/drawing/2014/main" id="{6ABD2FF3-C6BB-E532-BED6-20A96FDB6371}"/>
+              </a:ext>
+            </a:extLst>
+          </p:cNvPr>
+          <p:cNvSpPr txBox="1"/>
+          <p:nvPr/>
+        </p:nvSpPr>
+        <p:spPr>
+          <a:xfrm>
+            <a:off x="1491729" y="6288152"/>
+            <a:ext cx="2032232" cy="323165"/>
+          </a:xfrm>
+          <a:prstGeom prst="rect">
+            <a:avLst/>
+          </a:prstGeom>
+          <a:noFill/>
+        </p:spPr>
+        <p:txBody>
+          <a:bodyPr wrap="square" rtlCol="0">
+            <a:spAutoFit/>
+          </a:bodyPr>
+          <a:lstStyle/>
+          <a:p>
+            <a:pPr algn="ctr"/>
+            <a:r>
+              <a:rPr lang="en-US" sz="1500" i="1" dirty="0">
+                <a:solidFill>
+                  <a:schemeClr val="bg2">
+                    <a:lumMod val="75000"/>
+                  </a:schemeClr>
+                </a:solidFill>
+                <a:latin typeface="Arial" panose="020B0604020202020204" pitchFamily="34" charset="0"/>
+                <a:cs typeface="Arial" panose="020B0604020202020204" pitchFamily="34" charset="0"/>
+              </a:rPr>
+              <a:t>1:1</a:t>
+            </a:r>
+          </a:p>
+        </p:txBody>
+      </p:sp>
+      <p:sp>
+        <p:nvSpPr>
+          <p:cNvPr id="28" name="TextBox 27">
+            <a:extLst>
+              <a:ext uri="{FF2B5EF4-FFF2-40B4-BE49-F238E27FC236}">
+                <a16:creationId xmlns:a16="http://schemas.microsoft.com/office/drawing/2014/main" id="{BDDB2A1A-B631-E8BE-93BD-E0B5FE6E52BD}"/>
+              </a:ext>
+            </a:extLst>
+          </p:cNvPr>
+          <p:cNvSpPr txBox="1"/>
+          <p:nvPr/>
+        </p:nvSpPr>
+        <p:spPr>
+          <a:xfrm>
+            <a:off x="6830083" y="7185135"/>
+            <a:ext cx="2032232" cy="323165"/>
+          </a:xfrm>
+          <a:prstGeom prst="rect">
+            <a:avLst/>
+          </a:prstGeom>
+          <a:noFill/>
+        </p:spPr>
+        <p:txBody>
+          <a:bodyPr wrap="square" rtlCol="0">
+            <a:spAutoFit/>
+          </a:bodyPr>
+          <a:lstStyle/>
+          <a:p>
+            <a:pPr algn="ctr"/>
+            <a:r>
+              <a:rPr lang="en-US" sz="1500" i="1" dirty="0">
+                <a:solidFill>
+                  <a:schemeClr val="bg2">
+                    <a:lumMod val="75000"/>
+                  </a:schemeClr>
+                </a:solidFill>
+                <a:latin typeface="Arial" panose="020B0604020202020204" pitchFamily="34" charset="0"/>
+                <a:cs typeface="Arial" panose="020B0604020202020204" pitchFamily="34" charset="0"/>
+              </a:rPr>
+              <a:t>1:1</a:t>
+            </a:r>
+          </a:p>
+        </p:txBody>
+      </p:sp>
+      <p:grpSp>
+        <p:nvGrpSpPr>
+          <p:cNvPr id="38" name="Group 37">
+            <a:extLst>
+              <a:ext uri="{FF2B5EF4-FFF2-40B4-BE49-F238E27FC236}">
+                <a16:creationId xmlns:a16="http://schemas.microsoft.com/office/drawing/2014/main" id="{C8B0B9F7-3836-9606-EDEA-7A85282427A6}"/>
+              </a:ext>
+            </a:extLst>
+          </p:cNvPr>
+          <p:cNvGrpSpPr/>
+          <p:nvPr/>
+        </p:nvGrpSpPr>
+        <p:grpSpPr>
+          <a:xfrm>
+            <a:off x="9440113" y="6095999"/>
+            <a:ext cx="1491510" cy="2329544"/>
+            <a:chOff x="9440113" y="6095999"/>
+            <a:chExt cx="1491510" cy="2329544"/>
+          </a:xfrm>
+        </p:grpSpPr>
+        <p:pic>
+          <p:nvPicPr>
+            <p:cNvPr id="34" name="Picture 33" descr="A graph of a speed limit&#10;&#10;Description automatically generated">
+              <a:extLst>
+                <a:ext uri="{FF2B5EF4-FFF2-40B4-BE49-F238E27FC236}">
+                  <a16:creationId xmlns:a16="http://schemas.microsoft.com/office/drawing/2014/main" id="{70F231E0-1B11-9F23-802C-3CB67D99E9E4}"/>
+                </a:ext>
+              </a:extLst>
+            </p:cNvPr>
+            <p:cNvPicPr>
+              <a:picLocks noChangeAspect="1"/>
+            </p:cNvPicPr>
+            <p:nvPr/>
+          </p:nvPicPr>
+          <p:blipFill rotWithShape="1">
+            <a:blip r:embed="rId4"/>
+            <a:srcRect t="53824" b="14354"/>
+            <a:stretch/>
+          </p:blipFill>
+          <p:spPr>
+            <a:xfrm>
+              <a:off x="9679599" y="6831874"/>
+              <a:ext cx="1252024" cy="1593669"/>
+            </a:xfrm>
+            <a:prstGeom prst="rect">
+              <a:avLst/>
+            </a:prstGeom>
+          </p:spPr>
+        </p:pic>
+        <p:grpSp>
+          <p:nvGrpSpPr>
+            <p:cNvPr id="37" name="Group 36">
+              <a:extLst>
+                <a:ext uri="{FF2B5EF4-FFF2-40B4-BE49-F238E27FC236}">
+                  <a16:creationId xmlns:a16="http://schemas.microsoft.com/office/drawing/2014/main" id="{C14F6EAF-4C7F-0DC9-73AF-1AA925F15BBF}"/>
+                </a:ext>
+              </a:extLst>
+            </p:cNvPr>
+            <p:cNvGrpSpPr/>
+            <p:nvPr/>
+          </p:nvGrpSpPr>
+          <p:grpSpPr>
+            <a:xfrm>
+              <a:off x="9440113" y="6095999"/>
+              <a:ext cx="1339109" cy="683623"/>
+              <a:chOff x="9440113" y="6095999"/>
+              <a:chExt cx="1339109" cy="683623"/>
+            </a:xfrm>
+          </p:grpSpPr>
+          <p:pic>
+            <p:nvPicPr>
+              <p:cNvPr id="35" name="Picture 34" descr="A graph of a speed limit&#10;&#10;Description automatically generated">
+                <a:extLst>
+                  <a:ext uri="{FF2B5EF4-FFF2-40B4-BE49-F238E27FC236}">
+                    <a16:creationId xmlns:a16="http://schemas.microsoft.com/office/drawing/2014/main" id="{79801BCA-5B9B-66E9-6334-16FE4AE5B98F}"/>
+                  </a:ext>
+                </a:extLst>
+              </p:cNvPr>
+              <p:cNvPicPr>
+                <a:picLocks noChangeAspect="1"/>
+              </p:cNvPicPr>
+              <p:nvPr/>
+            </p:nvPicPr>
+            <p:blipFill rotWithShape="1">
+              <a:blip r:embed="rId4"/>
+              <a:srcRect t="39218" b="47132"/>
+              <a:stretch/>
+            </p:blipFill>
+            <p:spPr>
+              <a:xfrm>
+                <a:off x="9440113" y="6095999"/>
+                <a:ext cx="1252024" cy="683623"/>
+              </a:xfrm>
+              <a:prstGeom prst="rect">
+                <a:avLst/>
+              </a:prstGeom>
+            </p:spPr>
+          </p:pic>
+          <p:pic>
+            <p:nvPicPr>
+              <p:cNvPr id="36" name="Picture 35" descr="A graph of a speed limit&#10;&#10;Description automatically generated">
+                <a:extLst>
+                  <a:ext uri="{FF2B5EF4-FFF2-40B4-BE49-F238E27FC236}">
+                    <a16:creationId xmlns:a16="http://schemas.microsoft.com/office/drawing/2014/main" id="{882A5B41-C2FB-360A-47DF-59250925F092}"/>
+                  </a:ext>
+                </a:extLst>
+              </p:cNvPr>
+              <p:cNvPicPr>
+                <a:picLocks noChangeAspect="1"/>
+              </p:cNvPicPr>
+              <p:nvPr/>
+            </p:nvPicPr>
+            <p:blipFill rotWithShape="1">
+              <a:blip r:embed="rId4"/>
+              <a:srcRect t="44870" b="50957"/>
+              <a:stretch/>
+            </p:blipFill>
+            <p:spPr>
+              <a:xfrm>
+                <a:off x="9527198" y="6374673"/>
+                <a:ext cx="1252024" cy="209005"/>
+              </a:xfrm>
+              <a:prstGeom prst="rect">
+                <a:avLst/>
+              </a:prstGeom>
+            </p:spPr>
+          </p:pic>
+        </p:grpSp>
+      </p:grpSp>
+      <p:grpSp>
+        <p:nvGrpSpPr>
+          <p:cNvPr id="39" name="Group 38">
+            <a:extLst>
+              <a:ext uri="{FF2B5EF4-FFF2-40B4-BE49-F238E27FC236}">
+                <a16:creationId xmlns:a16="http://schemas.microsoft.com/office/drawing/2014/main" id="{DBFA5765-5379-C65F-1ADE-7CA7118C7A72}"/>
+              </a:ext>
+            </a:extLst>
+          </p:cNvPr>
+          <p:cNvGrpSpPr/>
+          <p:nvPr/>
+        </p:nvGrpSpPr>
+        <p:grpSpPr>
+          <a:xfrm>
+            <a:off x="10325935" y="7032127"/>
+            <a:ext cx="3394419" cy="896594"/>
+            <a:chOff x="8524560" y="7105104"/>
+            <a:chExt cx="2682403" cy="760350"/>
+          </a:xfrm>
+        </p:grpSpPr>
+        <p:sp>
+          <p:nvSpPr>
+            <p:cNvPr id="40" name="Oval 39">
+              <a:extLst>
+                <a:ext uri="{FF2B5EF4-FFF2-40B4-BE49-F238E27FC236}">
+                  <a16:creationId xmlns:a16="http://schemas.microsoft.com/office/drawing/2014/main" id="{84E38108-195F-3969-7BD2-B2A38B7FCCB0}"/>
+                </a:ext>
+              </a:extLst>
+            </p:cNvPr>
+            <p:cNvSpPr/>
+            <p:nvPr/>
+          </p:nvSpPr>
+          <p:spPr>
+            <a:xfrm>
+              <a:off x="8524560" y="7462734"/>
+              <a:ext cx="2682403" cy="355600"/>
+            </a:xfrm>
+            <a:prstGeom prst="ellipse">
+              <a:avLst/>
+            </a:prstGeom>
+            <a:noFill/>
+            <a:ln>
+              <a:noFill/>
+            </a:ln>
+          </p:spPr>
+          <p:style>
+            <a:lnRef idx="2">
+              <a:schemeClr val="accent1">
+                <a:shade val="50000"/>
+              </a:schemeClr>
+            </a:lnRef>
+            <a:fillRef idx="1">
+              <a:schemeClr val="accent1"/>
+            </a:fillRef>
+            <a:effectRef idx="0">
+              <a:schemeClr val="accent1"/>
+            </a:effectRef>
+            <a:fontRef idx="minor">
+              <a:schemeClr val="lt1"/>
+            </a:fontRef>
+          </p:style>
+          <p:txBody>
+            <a:bodyPr rtlCol="0" anchor="ctr"/>
+            <a:lstStyle/>
+            <a:p>
+              <a:pPr algn="ctr"/>
+              <a:r>
+                <a:rPr lang="en-US" sz="1500" dirty="0">
+                  <a:solidFill>
+                    <a:sysClr val="windowText" lastClr="000000"/>
+                  </a:solidFill>
+                  <a:latin typeface="Arial" panose="020B0604020202020204" pitchFamily="34" charset="0"/>
+                  <a:cs typeface="Arial" panose="020B0604020202020204" pitchFamily="34" charset="0"/>
+                </a:rPr>
+                <a:t>Dispersal rate &lt; velocity of isotherm shift</a:t>
+              </a:r>
+            </a:p>
+            <a:p>
+              <a:pPr algn="ctr"/>
+              <a:endParaRPr lang="en-US" sz="1500" dirty="0">
+                <a:solidFill>
+                  <a:sysClr val="windowText" lastClr="000000"/>
+                </a:solidFill>
+                <a:latin typeface="Arial" panose="020B0604020202020204" pitchFamily="34" charset="0"/>
+                <a:cs typeface="Arial" panose="020B0604020202020204" pitchFamily="34" charset="0"/>
+              </a:endParaRPr>
+            </a:p>
+            <a:p>
+              <a:pPr algn="ctr"/>
+              <a:r>
+                <a:rPr lang="en-US" sz="1500" dirty="0">
+                  <a:solidFill>
+                    <a:sysClr val="windowText" lastClr="000000"/>
+                  </a:solidFill>
+                  <a:latin typeface="Arial" panose="020B0604020202020204" pitchFamily="34" charset="0"/>
+                  <a:cs typeface="Arial" panose="020B0604020202020204" pitchFamily="34" charset="0"/>
+                </a:rPr>
+                <a:t>Dispersal rate &gt; velocity of isotherm shift</a:t>
+              </a:r>
+            </a:p>
+            <a:p>
+              <a:pPr algn="ctr"/>
+              <a:endParaRPr lang="en-US" sz="1500" dirty="0">
+                <a:solidFill>
+                  <a:sysClr val="windowText" lastClr="000000"/>
+                </a:solidFill>
+                <a:latin typeface="Arial" panose="020B0604020202020204" pitchFamily="34" charset="0"/>
+                <a:cs typeface="Arial" panose="020B0604020202020204" pitchFamily="34" charset="0"/>
+              </a:endParaRPr>
+            </a:p>
+          </p:txBody>
+        </p:sp>
+        <p:sp>
+          <p:nvSpPr>
+            <p:cNvPr id="41" name="Oval 40">
+              <a:extLst>
+                <a:ext uri="{FF2B5EF4-FFF2-40B4-BE49-F238E27FC236}">
+                  <a16:creationId xmlns:a16="http://schemas.microsoft.com/office/drawing/2014/main" id="{EF1D8C11-FFF0-DAFE-A764-4D905687D305}"/>
+                </a:ext>
+              </a:extLst>
+            </p:cNvPr>
+            <p:cNvSpPr/>
+            <p:nvPr/>
+          </p:nvSpPr>
+          <p:spPr>
+            <a:xfrm>
+              <a:off x="8812638" y="7105104"/>
+              <a:ext cx="141515" cy="130629"/>
+            </a:xfrm>
+            <a:prstGeom prst="ellipse">
+              <a:avLst/>
+            </a:prstGeom>
+            <a:solidFill>
+              <a:schemeClr val="bg2"/>
+            </a:solidFill>
+            <a:ln w="19050">
+              <a:solidFill>
+                <a:schemeClr val="tx1"/>
+              </a:solidFill>
+            </a:ln>
+          </p:spPr>
+          <p:style>
+            <a:lnRef idx="2">
+              <a:schemeClr val="accent1">
+                <a:shade val="50000"/>
+              </a:schemeClr>
+            </a:lnRef>
+            <a:fillRef idx="1">
+              <a:schemeClr val="accent1"/>
+            </a:fillRef>
+            <a:effectRef idx="0">
+              <a:schemeClr val="accent1"/>
+            </a:effectRef>
+            <a:fontRef idx="minor">
+              <a:schemeClr val="lt1"/>
+            </a:fontRef>
+          </p:style>
+          <p:txBody>
+            <a:bodyPr rtlCol="0" anchor="ctr"/>
+            <a:lstStyle/>
+            <a:p>
+              <a:pPr algn="ctr"/>
+              <a:endParaRPr lang="en-US" sz="1500">
+                <a:solidFill>
+                  <a:schemeClr val="accent2">
+                    <a:lumMod val="50000"/>
+                  </a:schemeClr>
+                </a:solidFill>
+                <a:latin typeface="Arial" panose="020B0604020202020204" pitchFamily="34" charset="0"/>
+                <a:cs typeface="Arial" panose="020B0604020202020204" pitchFamily="34" charset="0"/>
+              </a:endParaRPr>
+            </a:p>
+          </p:txBody>
+        </p:sp>
+        <p:sp>
+          <p:nvSpPr>
+            <p:cNvPr id="42" name="Oval 41">
+              <a:extLst>
+                <a:ext uri="{FF2B5EF4-FFF2-40B4-BE49-F238E27FC236}">
+                  <a16:creationId xmlns:a16="http://schemas.microsoft.com/office/drawing/2014/main" id="{C34A499D-0A55-36AD-5AC1-DC726DC315A8}"/>
+                </a:ext>
+              </a:extLst>
+            </p:cNvPr>
+            <p:cNvSpPr/>
+            <p:nvPr/>
+          </p:nvSpPr>
+          <p:spPr>
+            <a:xfrm>
+              <a:off x="8812638" y="7734825"/>
+              <a:ext cx="141515" cy="130629"/>
+            </a:xfrm>
+            <a:prstGeom prst="ellipse">
+              <a:avLst/>
+            </a:prstGeom>
+            <a:solidFill>
+              <a:schemeClr val="bg2"/>
+            </a:solidFill>
+            <a:ln>
+              <a:solidFill>
+                <a:schemeClr val="bg2"/>
+              </a:solidFill>
+            </a:ln>
+          </p:spPr>
+          <p:style>
+            <a:lnRef idx="2">
+              <a:schemeClr val="accent1">
+                <a:shade val="50000"/>
+              </a:schemeClr>
+            </a:lnRef>
+            <a:fillRef idx="1">
+              <a:schemeClr val="accent1"/>
+            </a:fillRef>
+            <a:effectRef idx="0">
+              <a:schemeClr val="accent1"/>
+            </a:effectRef>
+            <a:fontRef idx="minor">
+              <a:schemeClr val="lt1"/>
+            </a:fontRef>
+          </p:style>
+          <p:txBody>
+            <a:bodyPr rtlCol="0" anchor="ctr"/>
+            <a:lstStyle/>
+            <a:p>
+              <a:pPr algn="ctr"/>
+              <a:endParaRPr lang="en-US" sz="1500" dirty="0">
+                <a:solidFill>
+                  <a:schemeClr val="accent2">
+                    <a:lumMod val="50000"/>
+                  </a:schemeClr>
+                </a:solidFill>
+                <a:latin typeface="Arial" panose="020B0604020202020204" pitchFamily="34" charset="0"/>
+                <a:cs typeface="Arial" panose="020B0604020202020204" pitchFamily="34" charset="0"/>
+              </a:endParaRPr>
+            </a:p>
+          </p:txBody>
+        </p:sp>
+      </p:grpSp>
+      <p:sp>
+        <p:nvSpPr>
+          <p:cNvPr id="44" name="TextBox 43">
+            <a:extLst>
+              <a:ext uri="{FF2B5EF4-FFF2-40B4-BE49-F238E27FC236}">
+                <a16:creationId xmlns:a16="http://schemas.microsoft.com/office/drawing/2014/main" id="{6C85EF0D-91E4-F66F-44A9-FB56D4B42C90}"/>
+              </a:ext>
+            </a:extLst>
+          </p:cNvPr>
+          <p:cNvSpPr txBox="1"/>
+          <p:nvPr/>
+        </p:nvSpPr>
+        <p:spPr>
+          <a:xfrm>
+            <a:off x="5598603" y="10142347"/>
+            <a:ext cx="569481" cy="338554"/>
+          </a:xfrm>
+          <a:prstGeom prst="rect">
+            <a:avLst/>
+          </a:prstGeom>
+          <a:noFill/>
+        </p:spPr>
+        <p:txBody>
+          <a:bodyPr wrap="square" rtlCol="0">
+            <a:spAutoFit/>
+          </a:bodyPr>
+          <a:lstStyle/>
+          <a:p>
+            <a:pPr algn="ctr"/>
+            <a:r>
+              <a:rPr lang="en-US" sz="1600" dirty="0">
+                <a:solidFill>
+                  <a:schemeClr val="bg2">
+                    <a:lumMod val="75000"/>
+                  </a:schemeClr>
+                </a:solidFill>
+                <a:latin typeface="Arial" panose="020B0604020202020204" pitchFamily="34" charset="0"/>
+                <a:cs typeface="Arial" panose="020B0604020202020204" pitchFamily="34" charset="0"/>
+              </a:rPr>
+              <a:t>b)</a:t>
+            </a:r>
+          </a:p>
+        </p:txBody>
+      </p:sp>
+      <p:sp>
+        <p:nvSpPr>
+          <p:cNvPr id="45" name="TextBox 44">
+            <a:extLst>
+              <a:ext uri="{FF2B5EF4-FFF2-40B4-BE49-F238E27FC236}">
+                <a16:creationId xmlns:a16="http://schemas.microsoft.com/office/drawing/2014/main" id="{46117A35-79FA-97BD-DFC8-B3D9C0FCF0CB}"/>
+              </a:ext>
+            </a:extLst>
+          </p:cNvPr>
+          <p:cNvSpPr txBox="1"/>
+          <p:nvPr/>
+        </p:nvSpPr>
+        <p:spPr>
+          <a:xfrm>
+            <a:off x="3680142" y="11690796"/>
+            <a:ext cx="2032232" cy="323165"/>
+          </a:xfrm>
+          <a:prstGeom prst="rect">
+            <a:avLst/>
+          </a:prstGeom>
+          <a:noFill/>
+        </p:spPr>
+        <p:txBody>
+          <a:bodyPr wrap="square" rtlCol="0">
+            <a:spAutoFit/>
+          </a:bodyPr>
+          <a:lstStyle/>
+          <a:p>
+            <a:pPr algn="ctr"/>
+            <a:r>
+              <a:rPr lang="en-US" sz="1500" i="1" dirty="0">
+                <a:solidFill>
+                  <a:schemeClr val="bg2">
+                    <a:lumMod val="75000"/>
+                  </a:schemeClr>
+                </a:solidFill>
+                <a:latin typeface="Arial" panose="020B0604020202020204" pitchFamily="34" charset="0"/>
+                <a:cs typeface="Arial" panose="020B0604020202020204" pitchFamily="34" charset="0"/>
+              </a:rPr>
+              <a:t>1:1</a:t>
+            </a:r>
+          </a:p>
+        </p:txBody>
+      </p:sp>
+      <p:sp>
+        <p:nvSpPr>
+          <p:cNvPr id="46" name="TextBox 45">
+            <a:extLst>
+              <a:ext uri="{FF2B5EF4-FFF2-40B4-BE49-F238E27FC236}">
+                <a16:creationId xmlns:a16="http://schemas.microsoft.com/office/drawing/2014/main" id="{A74F646B-4A7A-FA9E-BDE7-531CCBB0639D}"/>
+              </a:ext>
+            </a:extLst>
+          </p:cNvPr>
+          <p:cNvSpPr txBox="1"/>
+          <p:nvPr/>
+        </p:nvSpPr>
+        <p:spPr>
+          <a:xfrm>
+            <a:off x="7974248" y="12966197"/>
+            <a:ext cx="989437" cy="307777"/>
+          </a:xfrm>
+          <a:prstGeom prst="rect">
+            <a:avLst/>
+          </a:prstGeom>
+          <a:noFill/>
+        </p:spPr>
+        <p:txBody>
+          <a:bodyPr wrap="square" rtlCol="0">
+            <a:spAutoFit/>
+          </a:bodyPr>
+          <a:lstStyle/>
+          <a:p>
+            <a:pPr algn="ctr"/>
+            <a:r>
+              <a:rPr lang="en-US" sz="1400" dirty="0">
+                <a:solidFill>
+                  <a:schemeClr val="bg2">
+                    <a:lumMod val="75000"/>
+                  </a:schemeClr>
+                </a:solidFill>
+                <a:latin typeface="Arial" panose="020B0604020202020204" pitchFamily="34" charset="0"/>
+                <a:cs typeface="Arial" panose="020B0604020202020204" pitchFamily="34" charset="0"/>
+              </a:rPr>
+              <a:t>n = 189</a:t>
+            </a:r>
+          </a:p>
+        </p:txBody>
+      </p:sp>
+      <p:sp>
+        <p:nvSpPr>
+          <p:cNvPr id="47" name="TextBox 46">
+            <a:extLst>
+              <a:ext uri="{FF2B5EF4-FFF2-40B4-BE49-F238E27FC236}">
+                <a16:creationId xmlns:a16="http://schemas.microsoft.com/office/drawing/2014/main" id="{B499E649-1029-DBEB-2BED-D897BC4DD20E}"/>
+              </a:ext>
+            </a:extLst>
+          </p:cNvPr>
+          <p:cNvSpPr txBox="1"/>
+          <p:nvPr/>
+        </p:nvSpPr>
+        <p:spPr>
+          <a:xfrm>
+            <a:off x="4424832" y="12968727"/>
+            <a:ext cx="989437" cy="307777"/>
+          </a:xfrm>
+          <a:prstGeom prst="rect">
+            <a:avLst/>
+          </a:prstGeom>
+          <a:noFill/>
+        </p:spPr>
+        <p:txBody>
+          <a:bodyPr wrap="square" rtlCol="0">
+            <a:spAutoFit/>
+          </a:bodyPr>
+          <a:lstStyle/>
+          <a:p>
+            <a:pPr algn="ctr"/>
+            <a:r>
+              <a:rPr lang="en-US" sz="1400" dirty="0">
+                <a:solidFill>
+                  <a:schemeClr val="bg2">
+                    <a:lumMod val="75000"/>
+                  </a:schemeClr>
+                </a:solidFill>
+                <a:latin typeface="Arial" panose="020B0604020202020204" pitchFamily="34" charset="0"/>
+                <a:cs typeface="Arial" panose="020B0604020202020204" pitchFamily="34" charset="0"/>
+              </a:rPr>
+              <a:t>n = 189</a:t>
+            </a:r>
+          </a:p>
+        </p:txBody>
+      </p:sp>
+      <p:sp>
+        <p:nvSpPr>
+          <p:cNvPr id="48" name="TextBox 47">
+            <a:extLst>
+              <a:ext uri="{FF2B5EF4-FFF2-40B4-BE49-F238E27FC236}">
+                <a16:creationId xmlns:a16="http://schemas.microsoft.com/office/drawing/2014/main" id="{672BF206-B97C-FC73-10B5-41A217B357C3}"/>
+              </a:ext>
+            </a:extLst>
+          </p:cNvPr>
+          <p:cNvSpPr txBox="1"/>
+          <p:nvPr/>
+        </p:nvSpPr>
+        <p:spPr>
+          <a:xfrm>
+            <a:off x="2058970" y="10131835"/>
+            <a:ext cx="569481" cy="338554"/>
+          </a:xfrm>
+          <a:prstGeom prst="rect">
+            <a:avLst/>
+          </a:prstGeom>
+          <a:noFill/>
+        </p:spPr>
+        <p:txBody>
+          <a:bodyPr wrap="square" rtlCol="0">
+            <a:spAutoFit/>
+          </a:bodyPr>
+          <a:lstStyle/>
+          <a:p>
+            <a:pPr algn="ctr"/>
+            <a:r>
+              <a:rPr lang="en-US" sz="1600" dirty="0">
+                <a:solidFill>
+                  <a:schemeClr val="bg2">
+                    <a:lumMod val="75000"/>
+                  </a:schemeClr>
+                </a:solidFill>
+                <a:latin typeface="Arial" panose="020B0604020202020204" pitchFamily="34" charset="0"/>
+                <a:cs typeface="Arial" panose="020B0604020202020204" pitchFamily="34" charset="0"/>
+              </a:rPr>
+              <a:t>a)</a:t>
+            </a:r>
+          </a:p>
+        </p:txBody>
+      </p:sp>
+      <p:grpSp>
+        <p:nvGrpSpPr>
+          <p:cNvPr id="49" name="Group 48">
+            <a:extLst>
+              <a:ext uri="{FF2B5EF4-FFF2-40B4-BE49-F238E27FC236}">
+                <a16:creationId xmlns:a16="http://schemas.microsoft.com/office/drawing/2014/main" id="{19F5A916-91E7-14CC-E288-C1F880241F46}"/>
+              </a:ext>
+            </a:extLst>
+          </p:cNvPr>
+          <p:cNvGrpSpPr/>
+          <p:nvPr/>
+        </p:nvGrpSpPr>
+        <p:grpSpPr>
+          <a:xfrm>
+            <a:off x="4000515" y="10481988"/>
+            <a:ext cx="251992" cy="251942"/>
+            <a:chOff x="4474118" y="766354"/>
+            <a:chExt cx="251992" cy="251942"/>
+          </a:xfrm>
+        </p:grpSpPr>
+        <p:sp>
+          <p:nvSpPr>
+            <p:cNvPr id="50" name="Rectangle 49">
+              <a:extLst>
+                <a:ext uri="{FF2B5EF4-FFF2-40B4-BE49-F238E27FC236}">
+                  <a16:creationId xmlns:a16="http://schemas.microsoft.com/office/drawing/2014/main" id="{68D143C4-45EF-90F2-DCFE-FAC3E9AED632}"/>
+                </a:ext>
+              </a:extLst>
+            </p:cNvPr>
+            <p:cNvSpPr/>
+            <p:nvPr/>
+          </p:nvSpPr>
+          <p:spPr>
+            <a:xfrm>
+              <a:off x="4558937" y="766354"/>
+              <a:ext cx="121920" cy="235132"/>
+            </a:xfrm>
+            <a:prstGeom prst="rect">
+              <a:avLst/>
+            </a:prstGeom>
+            <a:solidFill>
+              <a:schemeClr val="bg1"/>
+            </a:solidFill>
+            <a:ln>
+              <a:noFill/>
+            </a:ln>
+          </p:spPr>
+          <p:style>
+            <a:lnRef idx="2">
+              <a:schemeClr val="accent1">
+                <a:shade val="50000"/>
+              </a:schemeClr>
+            </a:lnRef>
+            <a:fillRef idx="1">
+              <a:schemeClr val="accent1"/>
+            </a:fillRef>
+            <a:effectRef idx="0">
+              <a:schemeClr val="accent1"/>
+            </a:effectRef>
+            <a:fontRef idx="minor">
+              <a:schemeClr val="lt1"/>
+            </a:fontRef>
+          </p:style>
+          <p:txBody>
+            <a:bodyPr rtlCol="0" anchor="ctr"/>
+            <a:lstStyle/>
+            <a:p>
+              <a:pPr algn="ctr"/>
+              <a:endParaRPr lang="en-US"/>
+            </a:p>
+          </p:txBody>
+        </p:sp>
+        <p:sp>
+          <p:nvSpPr>
+            <p:cNvPr id="51" name="TextBox 50">
+              <a:extLst>
+                <a:ext uri="{FF2B5EF4-FFF2-40B4-BE49-F238E27FC236}">
+                  <a16:creationId xmlns:a16="http://schemas.microsoft.com/office/drawing/2014/main" id="{5142AC8A-96E6-66FA-1E33-07EFC802AE5A}"/>
+                </a:ext>
+              </a:extLst>
+            </p:cNvPr>
+            <p:cNvSpPr txBox="1"/>
+            <p:nvPr/>
+          </p:nvSpPr>
+          <p:spPr>
+            <a:xfrm>
+              <a:off x="4474118" y="782334"/>
+              <a:ext cx="251992" cy="235962"/>
+            </a:xfrm>
+            <a:prstGeom prst="rect">
+              <a:avLst/>
+            </a:prstGeom>
+            <a:noFill/>
+          </p:spPr>
+          <p:txBody>
+            <a:bodyPr wrap="none" rtlCol="0">
+              <a:spAutoFit/>
+            </a:bodyPr>
+            <a:lstStyle/>
+            <a:p>
+              <a:r>
+                <a:rPr lang="en-US" sz="1400" baseline="30000" dirty="0">
+                  <a:highlight>
+                    <a:srgbClr val="FFFFFF"/>
+                  </a:highlight>
+                  <a:latin typeface="Arial" panose="020B0604020202020204" pitchFamily="34" charset="0"/>
+                  <a:cs typeface="Arial" panose="020B0604020202020204" pitchFamily="34" charset="0"/>
+                </a:rPr>
+                <a:t>2</a:t>
+              </a:r>
+            </a:p>
+          </p:txBody>
+        </p:sp>
+      </p:grpSp>
+      <p:grpSp>
+        <p:nvGrpSpPr>
+          <p:cNvPr id="52" name="Group 51">
+            <a:extLst>
+              <a:ext uri="{FF2B5EF4-FFF2-40B4-BE49-F238E27FC236}">
+                <a16:creationId xmlns:a16="http://schemas.microsoft.com/office/drawing/2014/main" id="{03A10A4B-F7CE-FD79-C19D-8533AF380C14}"/>
+              </a:ext>
+            </a:extLst>
+          </p:cNvPr>
+          <p:cNvGrpSpPr/>
+          <p:nvPr/>
+        </p:nvGrpSpPr>
+        <p:grpSpPr>
+          <a:xfrm>
+            <a:off x="7534192" y="10472253"/>
+            <a:ext cx="251992" cy="251942"/>
+            <a:chOff x="4474118" y="766354"/>
+            <a:chExt cx="251992" cy="251942"/>
+          </a:xfrm>
+        </p:grpSpPr>
+        <p:sp>
+          <p:nvSpPr>
+            <p:cNvPr id="53" name="Rectangle 52">
+              <a:extLst>
+                <a:ext uri="{FF2B5EF4-FFF2-40B4-BE49-F238E27FC236}">
+                  <a16:creationId xmlns:a16="http://schemas.microsoft.com/office/drawing/2014/main" id="{A0EDA8B7-22D3-4D87-453F-794B13814ACD}"/>
+                </a:ext>
+              </a:extLst>
+            </p:cNvPr>
+            <p:cNvSpPr/>
+            <p:nvPr/>
+          </p:nvSpPr>
+          <p:spPr>
+            <a:xfrm>
+              <a:off x="4558937" y="766354"/>
+              <a:ext cx="121920" cy="235132"/>
+            </a:xfrm>
+            <a:prstGeom prst="rect">
+              <a:avLst/>
+            </a:prstGeom>
+            <a:solidFill>
+              <a:schemeClr val="bg1"/>
+            </a:solidFill>
+            <a:ln>
+              <a:noFill/>
+            </a:ln>
+          </p:spPr>
+          <p:style>
+            <a:lnRef idx="2">
+              <a:schemeClr val="accent1">
+                <a:shade val="50000"/>
+              </a:schemeClr>
+            </a:lnRef>
+            <a:fillRef idx="1">
+              <a:schemeClr val="accent1"/>
+            </a:fillRef>
+            <a:effectRef idx="0">
+              <a:schemeClr val="accent1"/>
+            </a:effectRef>
+            <a:fontRef idx="minor">
+              <a:schemeClr val="lt1"/>
+            </a:fontRef>
+          </p:style>
+          <p:txBody>
+            <a:bodyPr rtlCol="0" anchor="ctr"/>
+            <a:lstStyle/>
+            <a:p>
+              <a:pPr algn="ctr"/>
+              <a:endParaRPr lang="en-US"/>
+            </a:p>
+          </p:txBody>
+        </p:sp>
+        <p:sp>
+          <p:nvSpPr>
+            <p:cNvPr id="54" name="TextBox 53">
+              <a:extLst>
+                <a:ext uri="{FF2B5EF4-FFF2-40B4-BE49-F238E27FC236}">
+                  <a16:creationId xmlns:a16="http://schemas.microsoft.com/office/drawing/2014/main" id="{819BF3D3-3654-CBF7-2F6C-A6F6A2216E79}"/>
+                </a:ext>
+              </a:extLst>
+            </p:cNvPr>
+            <p:cNvSpPr txBox="1"/>
+            <p:nvPr/>
+          </p:nvSpPr>
+          <p:spPr>
+            <a:xfrm>
+              <a:off x="4474118" y="782334"/>
+              <a:ext cx="251992" cy="235962"/>
+            </a:xfrm>
+            <a:prstGeom prst="rect">
+              <a:avLst/>
+            </a:prstGeom>
+            <a:noFill/>
+          </p:spPr>
+          <p:txBody>
+            <a:bodyPr wrap="none" rtlCol="0">
+              <a:spAutoFit/>
+            </a:bodyPr>
+            <a:lstStyle/>
+            <a:p>
+              <a:r>
+                <a:rPr lang="en-US" sz="1400" baseline="30000" dirty="0">
+                  <a:highlight>
+                    <a:srgbClr val="FFFFFF"/>
+                  </a:highlight>
+                  <a:latin typeface="Arial" panose="020B0604020202020204" pitchFamily="34" charset="0"/>
+                  <a:cs typeface="Arial" panose="020B0604020202020204" pitchFamily="34" charset="0"/>
+                </a:rPr>
+                <a:t>2</a:t>
+              </a:r>
+            </a:p>
+          </p:txBody>
+        </p:sp>
+      </p:grpSp>
+      <p:pic>
+        <p:nvPicPr>
+          <p:cNvPr id="55" name="Picture 54" descr="A graph of a speed limit&#10;&#10;Description automatically generated with medium confidence">
+            <a:extLst>
+              <a:ext uri="{FF2B5EF4-FFF2-40B4-BE49-F238E27FC236}">
+                <a16:creationId xmlns:a16="http://schemas.microsoft.com/office/drawing/2014/main" id="{6342B4BB-991E-657C-AD57-84E173C767A1}"/>
+              </a:ext>
+            </a:extLst>
+          </p:cNvPr>
+          <p:cNvPicPr>
+            <a:picLocks noChangeAspect="1"/>
+          </p:cNvPicPr>
+          <p:nvPr/>
+        </p:nvPicPr>
+        <p:blipFill rotWithShape="1">
+          <a:blip r:embed="rId5"/>
+          <a:srcRect t="52768" r="9760"/>
+          <a:stretch/>
+        </p:blipFill>
+        <p:spPr>
+          <a:xfrm>
+            <a:off x="9167866" y="11241742"/>
+            <a:ext cx="1091342" cy="2284826"/>
+          </a:xfrm>
+          <a:prstGeom prst="rect">
+            <a:avLst/>
+          </a:prstGeom>
+        </p:spPr>
+      </p:pic>
+      <p:sp>
+        <p:nvSpPr>
+          <p:cNvPr id="64" name="TextBox 63">
+            <a:extLst>
+              <a:ext uri="{FF2B5EF4-FFF2-40B4-BE49-F238E27FC236}">
+                <a16:creationId xmlns:a16="http://schemas.microsoft.com/office/drawing/2014/main" id="{3281B7CB-EF65-171B-811C-FF87BDC4ED6B}"/>
+              </a:ext>
+            </a:extLst>
+          </p:cNvPr>
+          <p:cNvSpPr txBox="1"/>
+          <p:nvPr/>
+        </p:nvSpPr>
+        <p:spPr>
+          <a:xfrm>
+            <a:off x="4652535" y="8613673"/>
+            <a:ext cx="989437" cy="307777"/>
+          </a:xfrm>
+          <a:prstGeom prst="rect">
+            <a:avLst/>
+          </a:prstGeom>
+          <a:noFill/>
+        </p:spPr>
+        <p:txBody>
+          <a:bodyPr wrap="square" rtlCol="0">
+            <a:spAutoFit/>
+          </a:bodyPr>
+          <a:lstStyle/>
+          <a:p>
+            <a:pPr algn="ctr"/>
+            <a:r>
+              <a:rPr lang="en-US" sz="1400" dirty="0">
+                <a:solidFill>
+                  <a:schemeClr val="bg2">
+                    <a:lumMod val="75000"/>
+                  </a:schemeClr>
+                </a:solidFill>
+                <a:latin typeface="Arial" panose="020B0604020202020204" pitchFamily="34" charset="0"/>
+                <a:cs typeface="Arial" panose="020B0604020202020204" pitchFamily="34" charset="0"/>
+              </a:rPr>
+              <a:t>n = 421</a:t>
+            </a:r>
+          </a:p>
+        </p:txBody>
+      </p:sp>
+      <p:sp>
+        <p:nvSpPr>
+          <p:cNvPr id="65" name="TextBox 64">
+            <a:extLst>
+              <a:ext uri="{FF2B5EF4-FFF2-40B4-BE49-F238E27FC236}">
+                <a16:creationId xmlns:a16="http://schemas.microsoft.com/office/drawing/2014/main" id="{B338CEBE-B365-9E90-2280-43AD0E4BECC6}"/>
+              </a:ext>
+            </a:extLst>
+          </p:cNvPr>
+          <p:cNvSpPr txBox="1"/>
+          <p:nvPr/>
+        </p:nvSpPr>
+        <p:spPr>
+          <a:xfrm>
+            <a:off x="8419504" y="8604708"/>
+            <a:ext cx="989437" cy="307777"/>
+          </a:xfrm>
+          <a:prstGeom prst="rect">
+            <a:avLst/>
+          </a:prstGeom>
+          <a:noFill/>
+        </p:spPr>
+        <p:txBody>
+          <a:bodyPr wrap="square" rtlCol="0">
+            <a:spAutoFit/>
+          </a:bodyPr>
+          <a:lstStyle/>
+          <a:p>
+            <a:pPr algn="ctr"/>
+            <a:r>
+              <a:rPr lang="en-US" sz="1400" dirty="0">
+                <a:solidFill>
+                  <a:schemeClr val="bg2">
+                    <a:lumMod val="75000"/>
+                  </a:schemeClr>
+                </a:solidFill>
+                <a:latin typeface="Arial" panose="020B0604020202020204" pitchFamily="34" charset="0"/>
+                <a:cs typeface="Arial" panose="020B0604020202020204" pitchFamily="34" charset="0"/>
+              </a:rPr>
+              <a:t>n = 421</a:t>
+            </a:r>
+          </a:p>
+        </p:txBody>
+      </p:sp>
+      <p:pic>
+        <p:nvPicPr>
+          <p:cNvPr id="67" name="Picture 66" descr="A graph of a speed limit&#10;&#10;Description automatically generated">
+            <a:extLst>
+              <a:ext uri="{FF2B5EF4-FFF2-40B4-BE49-F238E27FC236}">
+                <a16:creationId xmlns:a16="http://schemas.microsoft.com/office/drawing/2014/main" id="{79D98A51-28D8-4F0A-4C51-72763FC8A8DC}"/>
+              </a:ext>
+            </a:extLst>
+          </p:cNvPr>
+          <p:cNvPicPr>
+            <a:picLocks noChangeAspect="1"/>
+          </p:cNvPicPr>
+          <p:nvPr/>
+        </p:nvPicPr>
+        <p:blipFill rotWithShape="1">
+          <a:blip r:embed="rId4"/>
+          <a:srcRect t="39218" b="47132"/>
+          <a:stretch/>
+        </p:blipFill>
+        <p:spPr>
+          <a:xfrm>
+            <a:off x="8914781" y="10572974"/>
+            <a:ext cx="1252024" cy="683623"/>
+          </a:xfrm>
+          <a:prstGeom prst="rect">
+            <a:avLst/>
+          </a:prstGeom>
+        </p:spPr>
+      </p:pic>
+      <p:pic>
+        <p:nvPicPr>
+          <p:cNvPr id="68" name="Picture 67" descr="A graph of a speed limit&#10;&#10;Description automatically generated">
+            <a:extLst>
+              <a:ext uri="{FF2B5EF4-FFF2-40B4-BE49-F238E27FC236}">
+                <a16:creationId xmlns:a16="http://schemas.microsoft.com/office/drawing/2014/main" id="{CD61F50E-CD07-FD12-D0D5-9DAAEA0CFA45}"/>
+              </a:ext>
+            </a:extLst>
+          </p:cNvPr>
+          <p:cNvPicPr>
+            <a:picLocks noChangeAspect="1"/>
+          </p:cNvPicPr>
+          <p:nvPr/>
+        </p:nvPicPr>
+        <p:blipFill rotWithShape="1">
+          <a:blip r:embed="rId4"/>
+          <a:srcRect t="44870" b="50957"/>
+          <a:stretch/>
+        </p:blipFill>
+        <p:spPr>
+          <a:xfrm>
+            <a:off x="9001866" y="10851648"/>
+            <a:ext cx="1252024" cy="209005"/>
+          </a:xfrm>
+          <a:prstGeom prst="rect">
+            <a:avLst/>
+          </a:prstGeom>
+        </p:spPr>
+      </p:pic>
+      <p:pic>
+        <p:nvPicPr>
+          <p:cNvPr id="69" name="Picture 68" descr="A diagram of a number of birds&#10;&#10;Description automatically generated with medium confidence">
+            <a:extLst>
+              <a:ext uri="{FF2B5EF4-FFF2-40B4-BE49-F238E27FC236}">
+                <a16:creationId xmlns:a16="http://schemas.microsoft.com/office/drawing/2014/main" id="{64B7A782-5DDE-AADB-BFD5-4C7D0F662CB0}"/>
+              </a:ext>
+            </a:extLst>
+          </p:cNvPr>
+          <p:cNvPicPr>
+            <a:picLocks noChangeAspect="1"/>
+          </p:cNvPicPr>
+          <p:nvPr/>
+        </p:nvPicPr>
+        <p:blipFill rotWithShape="1">
+          <a:blip r:embed="rId6"/>
+          <a:srcRect l="79499" t="15321" r="6284" b="79206"/>
+          <a:stretch/>
+        </p:blipFill>
+        <p:spPr>
+          <a:xfrm>
+            <a:off x="2523246" y="10214514"/>
+            <a:ext cx="821610" cy="218356"/>
+          </a:xfrm>
+          <a:prstGeom prst="rect">
+            <a:avLst/>
+          </a:prstGeom>
+        </p:spPr>
+      </p:pic>
+      <p:pic>
+        <p:nvPicPr>
+          <p:cNvPr id="70" name="Picture 69" descr="A diagram of a number of birds&#10;&#10;Description automatically generated with medium confidence">
+            <a:extLst>
+              <a:ext uri="{FF2B5EF4-FFF2-40B4-BE49-F238E27FC236}">
+                <a16:creationId xmlns:a16="http://schemas.microsoft.com/office/drawing/2014/main" id="{2C06BEAD-C479-82E6-79FE-0E6360EA2FF9}"/>
+              </a:ext>
+            </a:extLst>
+          </p:cNvPr>
+          <p:cNvPicPr>
+            <a:picLocks noChangeAspect="1"/>
+          </p:cNvPicPr>
+          <p:nvPr/>
+        </p:nvPicPr>
+        <p:blipFill rotWithShape="1">
+          <a:blip r:embed="rId6"/>
+          <a:srcRect l="79499" t="21815" r="6284" b="73640"/>
+          <a:stretch/>
+        </p:blipFill>
+        <p:spPr>
+          <a:xfrm>
+            <a:off x="2511255" y="10428258"/>
+            <a:ext cx="809986" cy="178782"/>
+          </a:xfrm>
+          <a:prstGeom prst="rect">
+            <a:avLst/>
+          </a:prstGeom>
+        </p:spPr>
+      </p:pic>
+      <p:pic>
+        <p:nvPicPr>
+          <p:cNvPr id="71" name="Picture 70" descr="A diagram of a number of birds&#10;&#10;Description automatically generated with medium confidence">
+            <a:extLst>
+              <a:ext uri="{FF2B5EF4-FFF2-40B4-BE49-F238E27FC236}">
+                <a16:creationId xmlns:a16="http://schemas.microsoft.com/office/drawing/2014/main" id="{B5029ABA-5DF9-E029-A8F0-F30AD8F4BDD8}"/>
+              </a:ext>
+            </a:extLst>
+          </p:cNvPr>
+          <p:cNvPicPr>
+            <a:picLocks noChangeAspect="1"/>
+          </p:cNvPicPr>
+          <p:nvPr/>
+        </p:nvPicPr>
+        <p:blipFill rotWithShape="1">
+          <a:blip r:embed="rId6"/>
+          <a:srcRect l="79499" t="15321" r="6284" b="79206"/>
+          <a:stretch/>
+        </p:blipFill>
+        <p:spPr>
+          <a:xfrm>
+            <a:off x="4655053" y="5665822"/>
+            <a:ext cx="821610" cy="218356"/>
+          </a:xfrm>
+          <a:prstGeom prst="rect">
+            <a:avLst/>
+          </a:prstGeom>
+        </p:spPr>
+      </p:pic>
+      <p:pic>
+        <p:nvPicPr>
+          <p:cNvPr id="72" name="Picture 71" descr="A diagram of a number of birds&#10;&#10;Description automatically generated with medium confidence">
+            <a:extLst>
+              <a:ext uri="{FF2B5EF4-FFF2-40B4-BE49-F238E27FC236}">
+                <a16:creationId xmlns:a16="http://schemas.microsoft.com/office/drawing/2014/main" id="{4D882B4D-A6EF-269D-9FAC-156AD0B1B28A}"/>
+              </a:ext>
+            </a:extLst>
+          </p:cNvPr>
+          <p:cNvPicPr>
+            <a:picLocks noChangeAspect="1"/>
+          </p:cNvPicPr>
+          <p:nvPr/>
+        </p:nvPicPr>
+        <p:blipFill rotWithShape="1">
+          <a:blip r:embed="rId6"/>
+          <a:srcRect l="79499" t="21815" r="6284" b="73640"/>
+          <a:stretch/>
+        </p:blipFill>
+        <p:spPr>
+          <a:xfrm>
+            <a:off x="4643062" y="5879566"/>
+            <a:ext cx="809986" cy="178782"/>
+          </a:xfrm>
+          <a:prstGeom prst="rect">
+            <a:avLst/>
+          </a:prstGeom>
+        </p:spPr>
+      </p:pic>
+    </p:spTree>
+    <p:extLst>
+      <p:ext uri="{BB962C8B-B14F-4D97-AF65-F5344CB8AC3E}">
+        <p14:creationId xmlns:p14="http://schemas.microsoft.com/office/powerpoint/2010/main" val="3099801697"/>
       </p:ext>
     </p:extLst>
   </p:cSld>

--- a/figures/main-figures.pptx
+++ b/figures/main-figures.pptx
@@ -199,7 +199,7 @@
           <a:p>
             <a:fld id="{B7CE4BC6-D327-1C4F-8429-775CD9D39CD2}" type="datetimeFigureOut">
               <a:rPr lang="en-US" smtClean="0"/>
-              <a:t>10/5/25</a:t>
+              <a:t>10/8/25</a:t>
             </a:fld>
             <a:endParaRPr lang="en-US"/>
           </a:p>
@@ -644,6 +644,90 @@
 </p:notes>
 </file>
 
+<file path=ppt/notesSlides/notesSlide3.xml><?xml version="1.0" encoding="utf-8"?>
+<p:notes xmlns:a="http://schemas.openxmlformats.org/drawingml/2006/main" xmlns:r="http://schemas.openxmlformats.org/officeDocument/2006/relationships" xmlns:p="http://schemas.openxmlformats.org/presentationml/2006/main">
+  <p:cSld>
+    <p:spTree>
+      <p:nvGrpSpPr>
+        <p:cNvPr id="1" name=""/>
+        <p:cNvGrpSpPr/>
+        <p:nvPr/>
+      </p:nvGrpSpPr>
+      <p:grpSpPr>
+        <a:xfrm>
+          <a:off x="0" y="0"/>
+          <a:ext cx="0" cy="0"/>
+          <a:chOff x="0" y="0"/>
+          <a:chExt cx="0" cy="0"/>
+        </a:xfrm>
+      </p:grpSpPr>
+      <p:sp>
+        <p:nvSpPr>
+          <p:cNvPr id="2" name="Slide Image Placeholder 1"/>
+          <p:cNvSpPr>
+            <a:spLocks noGrp="1" noRot="1" noChangeAspect="1"/>
+          </p:cNvSpPr>
+          <p:nvPr>
+            <p:ph type="sldImg"/>
+          </p:nvPr>
+        </p:nvSpPr>
+        <p:spPr/>
+      </p:sp>
+      <p:sp>
+        <p:nvSpPr>
+          <p:cNvPr id="3" name="Notes Placeholder 2"/>
+          <p:cNvSpPr>
+            <a:spLocks noGrp="1"/>
+          </p:cNvSpPr>
+          <p:nvPr>
+            <p:ph type="body" idx="1"/>
+          </p:nvPr>
+        </p:nvSpPr>
+        <p:spPr/>
+        <p:txBody>
+          <a:bodyPr/>
+          <a:lstStyle/>
+          <a:p>
+            <a:endParaRPr lang="en-US" dirty="0"/>
+          </a:p>
+        </p:txBody>
+      </p:sp>
+      <p:sp>
+        <p:nvSpPr>
+          <p:cNvPr id="4" name="Slide Number Placeholder 3"/>
+          <p:cNvSpPr>
+            <a:spLocks noGrp="1"/>
+          </p:cNvSpPr>
+          <p:nvPr>
+            <p:ph type="sldNum" sz="quarter" idx="5"/>
+          </p:nvPr>
+        </p:nvSpPr>
+        <p:spPr/>
+        <p:txBody>
+          <a:bodyPr/>
+          <a:lstStyle/>
+          <a:p>
+            <a:fld id="{0EDDD83D-09B1-744F-A4D6-788A40015F47}" type="slidenum">
+              <a:rPr lang="en-US" smtClean="0"/>
+              <a:t>3</a:t>
+            </a:fld>
+            <a:endParaRPr lang="en-US"/>
+          </a:p>
+        </p:txBody>
+      </p:sp>
+    </p:spTree>
+    <p:extLst>
+      <p:ext uri="{BB962C8B-B14F-4D97-AF65-F5344CB8AC3E}">
+        <p14:creationId xmlns:p14="http://schemas.microsoft.com/office/powerpoint/2010/main" val="3237343091"/>
+      </p:ext>
+    </p:extLst>
+  </p:cSld>
+  <p:clrMapOvr>
+    <a:masterClrMapping/>
+  </p:clrMapOvr>
+</p:notes>
+</file>
+
 <file path=ppt/slideLayouts/slideLayout1.xml><?xml version="1.0" encoding="utf-8"?>
 <p:sldLayout xmlns:a="http://schemas.openxmlformats.org/drawingml/2006/main" xmlns:r="http://schemas.openxmlformats.org/officeDocument/2006/relationships" xmlns:p="http://schemas.openxmlformats.org/presentationml/2006/main" type="title" preserve="1">
   <p:cSld name="Title Slide">
@@ -775,7 +859,7 @@
           <a:p>
             <a:fld id="{3B85B7A5-F096-CF4C-9C20-4BA2556B79B6}" type="datetimeFigureOut">
               <a:rPr lang="en-US" smtClean="0"/>
-              <a:t>10/5/25</a:t>
+              <a:t>10/8/25</a:t>
             </a:fld>
             <a:endParaRPr lang="en-US"/>
           </a:p>
@@ -945,7 +1029,7 @@
           <a:p>
             <a:fld id="{3B85B7A5-F096-CF4C-9C20-4BA2556B79B6}" type="datetimeFigureOut">
               <a:rPr lang="en-US" smtClean="0"/>
-              <a:t>10/5/25</a:t>
+              <a:t>10/8/25</a:t>
             </a:fld>
             <a:endParaRPr lang="en-US"/>
           </a:p>
@@ -1125,7 +1209,7 @@
           <a:p>
             <a:fld id="{3B85B7A5-F096-CF4C-9C20-4BA2556B79B6}" type="datetimeFigureOut">
               <a:rPr lang="en-US" smtClean="0"/>
-              <a:t>10/5/25</a:t>
+              <a:t>10/8/25</a:t>
             </a:fld>
             <a:endParaRPr lang="en-US"/>
           </a:p>
@@ -1295,7 +1379,7 @@
           <a:p>
             <a:fld id="{3B85B7A5-F096-CF4C-9C20-4BA2556B79B6}" type="datetimeFigureOut">
               <a:rPr lang="en-US" smtClean="0"/>
-              <a:t>10/5/25</a:t>
+              <a:t>10/8/25</a:t>
             </a:fld>
             <a:endParaRPr lang="en-US"/>
           </a:p>
@@ -1539,7 +1623,7 @@
           <a:p>
             <a:fld id="{3B85B7A5-F096-CF4C-9C20-4BA2556B79B6}" type="datetimeFigureOut">
               <a:rPr lang="en-US" smtClean="0"/>
-              <a:t>10/5/25</a:t>
+              <a:t>10/8/25</a:t>
             </a:fld>
             <a:endParaRPr lang="en-US"/>
           </a:p>
@@ -1771,7 +1855,7 @@
           <a:p>
             <a:fld id="{3B85B7A5-F096-CF4C-9C20-4BA2556B79B6}" type="datetimeFigureOut">
               <a:rPr lang="en-US" smtClean="0"/>
-              <a:t>10/5/25</a:t>
+              <a:t>10/8/25</a:t>
             </a:fld>
             <a:endParaRPr lang="en-US"/>
           </a:p>
@@ -2138,7 +2222,7 @@
           <a:p>
             <a:fld id="{3B85B7A5-F096-CF4C-9C20-4BA2556B79B6}" type="datetimeFigureOut">
               <a:rPr lang="en-US" smtClean="0"/>
-              <a:t>10/5/25</a:t>
+              <a:t>10/8/25</a:t>
             </a:fld>
             <a:endParaRPr lang="en-US"/>
           </a:p>
@@ -2256,7 +2340,7 @@
           <a:p>
             <a:fld id="{3B85B7A5-F096-CF4C-9C20-4BA2556B79B6}" type="datetimeFigureOut">
               <a:rPr lang="en-US" smtClean="0"/>
-              <a:t>10/5/25</a:t>
+              <a:t>10/8/25</a:t>
             </a:fld>
             <a:endParaRPr lang="en-US"/>
           </a:p>
@@ -2351,7 +2435,7 @@
           <a:p>
             <a:fld id="{3B85B7A5-F096-CF4C-9C20-4BA2556B79B6}" type="datetimeFigureOut">
               <a:rPr lang="en-US" smtClean="0"/>
-              <a:t>10/5/25</a:t>
+              <a:t>10/8/25</a:t>
             </a:fld>
             <a:endParaRPr lang="en-US"/>
           </a:p>
@@ -2628,7 +2712,7 @@
           <a:p>
             <a:fld id="{3B85B7A5-F096-CF4C-9C20-4BA2556B79B6}" type="datetimeFigureOut">
               <a:rPr lang="en-US" smtClean="0"/>
-              <a:t>10/5/25</a:t>
+              <a:t>10/8/25</a:t>
             </a:fld>
             <a:endParaRPr lang="en-US"/>
           </a:p>
@@ -2885,7 +2969,7 @@
           <a:p>
             <a:fld id="{3B85B7A5-F096-CF4C-9C20-4BA2556B79B6}" type="datetimeFigureOut">
               <a:rPr lang="en-US" smtClean="0"/>
-              <a:t>10/5/25</a:t>
+              <a:t>10/8/25</a:t>
             </a:fld>
             <a:endParaRPr lang="en-US"/>
           </a:p>
@@ -3098,7 +3182,7 @@
           <a:p>
             <a:fld id="{3B85B7A5-F096-CF4C-9C20-4BA2556B79B6}" type="datetimeFigureOut">
               <a:rPr lang="en-US" smtClean="0"/>
-              <a:t>10/5/25</a:t>
+              <a:t>10/8/25</a:t>
             </a:fld>
             <a:endParaRPr lang="en-US"/>
           </a:p>
@@ -8659,6 +8743,309 @@
           </a:prstGeom>
         </p:spPr>
       </p:pic>
+      <p:sp>
+        <p:nvSpPr>
+          <p:cNvPr id="26" name="TextBox 25">
+            <a:extLst>
+              <a:ext uri="{FF2B5EF4-FFF2-40B4-BE49-F238E27FC236}">
+                <a16:creationId xmlns:a16="http://schemas.microsoft.com/office/drawing/2014/main" id="{E66A50E0-3856-12B0-11FA-69AE0CB6C6F8}"/>
+              </a:ext>
+            </a:extLst>
+          </p:cNvPr>
+          <p:cNvSpPr txBox="1"/>
+          <p:nvPr/>
+        </p:nvSpPr>
+        <p:spPr>
+          <a:xfrm>
+            <a:off x="3013135" y="8928763"/>
+            <a:ext cx="2969083" cy="338554"/>
+          </a:xfrm>
+          <a:prstGeom prst="rect">
+            <a:avLst/>
+          </a:prstGeom>
+          <a:noFill/>
+        </p:spPr>
+        <p:txBody>
+          <a:bodyPr wrap="none" rtlCol="0">
+            <a:spAutoFit/>
+          </a:bodyPr>
+          <a:lstStyle/>
+          <a:p>
+            <a:r>
+              <a:rPr lang="en-US" sz="1600" dirty="0">
+                <a:latin typeface="Arial" panose="020B0604020202020204" pitchFamily="34" charset="0"/>
+                <a:cs typeface="Arial" panose="020B0604020202020204" pitchFamily="34" charset="0"/>
+              </a:rPr>
+              <a:t>Potential dispersal rate (km/yr)</a:t>
+            </a:r>
+          </a:p>
+        </p:txBody>
+      </p:sp>
+      <p:sp>
+        <p:nvSpPr>
+          <p:cNvPr id="42" name="TextBox 41">
+            <a:extLst>
+              <a:ext uri="{FF2B5EF4-FFF2-40B4-BE49-F238E27FC236}">
+                <a16:creationId xmlns:a16="http://schemas.microsoft.com/office/drawing/2014/main" id="{A65315F1-FD2B-9078-9C44-2367AACD6439}"/>
+              </a:ext>
+            </a:extLst>
+          </p:cNvPr>
+          <p:cNvSpPr txBox="1"/>
+          <p:nvPr/>
+        </p:nvSpPr>
+        <p:spPr>
+          <a:xfrm>
+            <a:off x="6206610" y="8898512"/>
+            <a:ext cx="3610227" cy="584775"/>
+          </a:xfrm>
+          <a:prstGeom prst="rect">
+            <a:avLst/>
+          </a:prstGeom>
+          <a:noFill/>
+        </p:spPr>
+        <p:txBody>
+          <a:bodyPr wrap="square" rtlCol="0">
+            <a:spAutoFit/>
+          </a:bodyPr>
+          <a:lstStyle/>
+          <a:p>
+            <a:pPr algn="ctr"/>
+            <a:r>
+              <a:rPr lang="en-US" sz="1600" dirty="0">
+                <a:latin typeface="Arial" panose="020B0604020202020204" pitchFamily="34" charset="0"/>
+                <a:cs typeface="Arial" panose="020B0604020202020204" pitchFamily="34" charset="0"/>
+              </a:rPr>
+              <a:t>Minimum of potential dispersal rate and velocity of isotherm shift (km/yr)</a:t>
+            </a:r>
+          </a:p>
+        </p:txBody>
+      </p:sp>
+      <p:sp>
+        <p:nvSpPr>
+          <p:cNvPr id="1035" name="TextBox 1034">
+            <a:extLst>
+              <a:ext uri="{FF2B5EF4-FFF2-40B4-BE49-F238E27FC236}">
+                <a16:creationId xmlns:a16="http://schemas.microsoft.com/office/drawing/2014/main" id="{401F6452-4BCF-D391-4EE7-FBE4E6C7DB24}"/>
+              </a:ext>
+            </a:extLst>
+          </p:cNvPr>
+          <p:cNvSpPr txBox="1"/>
+          <p:nvPr/>
+        </p:nvSpPr>
+        <p:spPr>
+          <a:xfrm rot="16200000">
+            <a:off x="650389" y="7184851"/>
+            <a:ext cx="3720417" cy="338554"/>
+          </a:xfrm>
+          <a:prstGeom prst="rect">
+            <a:avLst/>
+          </a:prstGeom>
+          <a:noFill/>
+        </p:spPr>
+        <p:txBody>
+          <a:bodyPr wrap="square" rtlCol="0">
+            <a:spAutoFit/>
+          </a:bodyPr>
+          <a:lstStyle/>
+          <a:p>
+            <a:pPr algn="ctr"/>
+            <a:r>
+              <a:rPr lang="en-US" sz="1600" dirty="0">
+                <a:latin typeface="Arial" panose="020B0604020202020204" pitchFamily="34" charset="0"/>
+                <a:cs typeface="Arial" panose="020B0604020202020204" pitchFamily="34" charset="0"/>
+              </a:rPr>
+              <a:t>Local range expansion rate (km/yr)</a:t>
+            </a:r>
+          </a:p>
+        </p:txBody>
+      </p:sp>
+      <p:sp>
+        <p:nvSpPr>
+          <p:cNvPr id="1036" name="Oval 1035">
+            <a:extLst>
+              <a:ext uri="{FF2B5EF4-FFF2-40B4-BE49-F238E27FC236}">
+                <a16:creationId xmlns:a16="http://schemas.microsoft.com/office/drawing/2014/main" id="{D2AA29B6-45C0-D1E7-02BF-7B7437742845}"/>
+              </a:ext>
+            </a:extLst>
+          </p:cNvPr>
+          <p:cNvSpPr/>
+          <p:nvPr/>
+        </p:nvSpPr>
+        <p:spPr>
+          <a:xfrm>
+            <a:off x="4977350" y="5780323"/>
+            <a:ext cx="141515" cy="130629"/>
+          </a:xfrm>
+          <a:prstGeom prst="ellipse">
+            <a:avLst/>
+          </a:prstGeom>
+          <a:solidFill>
+            <a:schemeClr val="bg1"/>
+          </a:solidFill>
+          <a:ln w="19050">
+            <a:solidFill>
+              <a:schemeClr val="bg1"/>
+            </a:solidFill>
+          </a:ln>
+        </p:spPr>
+        <p:style>
+          <a:lnRef idx="2">
+            <a:schemeClr val="accent1">
+              <a:shade val="50000"/>
+            </a:schemeClr>
+          </a:lnRef>
+          <a:fillRef idx="1">
+            <a:schemeClr val="accent1"/>
+          </a:fillRef>
+          <a:effectRef idx="0">
+            <a:schemeClr val="accent1"/>
+          </a:effectRef>
+          <a:fontRef idx="minor">
+            <a:schemeClr val="lt1"/>
+          </a:fontRef>
+        </p:style>
+        <p:txBody>
+          <a:bodyPr rtlCol="0" anchor="ctr"/>
+          <a:lstStyle/>
+          <a:p>
+            <a:pPr algn="ctr"/>
+            <a:endParaRPr lang="en-US">
+              <a:solidFill>
+                <a:schemeClr val="accent2">
+                  <a:lumMod val="50000"/>
+                </a:schemeClr>
+              </a:solidFill>
+            </a:endParaRPr>
+          </a:p>
+        </p:txBody>
+      </p:sp>
+      <p:sp>
+        <p:nvSpPr>
+          <p:cNvPr id="1037" name="TextBox 1036">
+            <a:extLst>
+              <a:ext uri="{FF2B5EF4-FFF2-40B4-BE49-F238E27FC236}">
+                <a16:creationId xmlns:a16="http://schemas.microsoft.com/office/drawing/2014/main" id="{4F7285F9-E473-3351-BF40-14F3A0626619}"/>
+              </a:ext>
+            </a:extLst>
+          </p:cNvPr>
+          <p:cNvSpPr txBox="1"/>
+          <p:nvPr/>
+        </p:nvSpPr>
+        <p:spPr>
+          <a:xfrm>
+            <a:off x="9366738" y="6460308"/>
+            <a:ext cx="1259588" cy="830997"/>
+          </a:xfrm>
+          <a:prstGeom prst="rect">
+            <a:avLst/>
+          </a:prstGeom>
+          <a:noFill/>
+        </p:spPr>
+        <p:txBody>
+          <a:bodyPr wrap="square" rtlCol="0">
+            <a:spAutoFit/>
+          </a:bodyPr>
+          <a:lstStyle/>
+          <a:p>
+            <a:pPr algn="ctr"/>
+            <a:r>
+              <a:rPr lang="en-US" sz="1600" dirty="0">
+                <a:latin typeface="Arial" panose="020B0604020202020204" pitchFamily="34" charset="0"/>
+                <a:cs typeface="Arial" panose="020B0604020202020204" pitchFamily="34" charset="0"/>
+              </a:rPr>
+              <a:t>Velocity of isotherm shift (km/yr)</a:t>
+            </a:r>
+          </a:p>
+        </p:txBody>
+      </p:sp>
+      <p:sp>
+        <p:nvSpPr>
+          <p:cNvPr id="1049" name="TextBox 1048">
+            <a:extLst>
+              <a:ext uri="{FF2B5EF4-FFF2-40B4-BE49-F238E27FC236}">
+                <a16:creationId xmlns:a16="http://schemas.microsoft.com/office/drawing/2014/main" id="{35574FFE-88A9-EBA9-93A0-8D480D091E6E}"/>
+              </a:ext>
+            </a:extLst>
+          </p:cNvPr>
+          <p:cNvSpPr txBox="1"/>
+          <p:nvPr/>
+        </p:nvSpPr>
+        <p:spPr>
+          <a:xfrm>
+            <a:off x="7104673" y="10174620"/>
+            <a:ext cx="569481" cy="338554"/>
+          </a:xfrm>
+          <a:prstGeom prst="rect">
+            <a:avLst/>
+          </a:prstGeom>
+          <a:noFill/>
+        </p:spPr>
+        <p:txBody>
+          <a:bodyPr wrap="square" rtlCol="0">
+            <a:spAutoFit/>
+          </a:bodyPr>
+          <a:lstStyle/>
+          <a:p>
+            <a:pPr algn="ctr"/>
+            <a:r>
+              <a:rPr lang="en-US" sz="1600" dirty="0">
+                <a:solidFill>
+                  <a:schemeClr val="bg2">
+                    <a:lumMod val="75000"/>
+                  </a:schemeClr>
+                </a:solidFill>
+                <a:latin typeface="Arial" panose="020B0604020202020204" pitchFamily="34" charset="0"/>
+                <a:cs typeface="Arial" panose="020B0604020202020204" pitchFamily="34" charset="0"/>
+              </a:rPr>
+              <a:t>b)</a:t>
+            </a:r>
+          </a:p>
+        </p:txBody>
+      </p:sp>
+      <p:sp>
+        <p:nvSpPr>
+          <p:cNvPr id="1050" name="TextBox 1049">
+            <a:extLst>
+              <a:ext uri="{FF2B5EF4-FFF2-40B4-BE49-F238E27FC236}">
+                <a16:creationId xmlns:a16="http://schemas.microsoft.com/office/drawing/2014/main" id="{AE510EC9-F2D5-C6FB-6A49-9E5238F66796}"/>
+              </a:ext>
+            </a:extLst>
+          </p:cNvPr>
+          <p:cNvSpPr txBox="1"/>
+          <p:nvPr/>
+        </p:nvSpPr>
+        <p:spPr>
+          <a:xfrm>
+            <a:off x="4992575" y="11604734"/>
+            <a:ext cx="2032232" cy="338554"/>
+          </a:xfrm>
+          <a:prstGeom prst="rect">
+            <a:avLst/>
+          </a:prstGeom>
+          <a:noFill/>
+        </p:spPr>
+        <p:txBody>
+          <a:bodyPr wrap="square" rtlCol="0">
+            <a:spAutoFit/>
+          </a:bodyPr>
+          <a:lstStyle/>
+          <a:p>
+            <a:pPr algn="ctr"/>
+            <a:r>
+              <a:rPr lang="en-US" sz="1600" i="1" dirty="0">
+                <a:solidFill>
+                  <a:schemeClr val="bg2">
+                    <a:lumMod val="75000"/>
+                  </a:schemeClr>
+                </a:solidFill>
+                <a:latin typeface="Arial" panose="020B0604020202020204" pitchFamily="34" charset="0"/>
+                <a:cs typeface="Arial" panose="020B0604020202020204" pitchFamily="34" charset="0"/>
+              </a:rPr>
+              <a:t>1:1</a:t>
+            </a:r>
+          </a:p>
+        </p:txBody>
+      </p:sp>
       <p:cxnSp>
         <p:nvCxnSpPr>
           <p:cNvPr id="24" name="Straight Connector 23">
@@ -8675,8 +9062,8 @@
         </p:nvCxnSpPr>
         <p:spPr>
           <a:xfrm flipV="1">
-            <a:off x="2947855" y="6388189"/>
-            <a:ext cx="2338447" cy="2260401"/>
+            <a:off x="2989523" y="6053204"/>
+            <a:ext cx="2646721" cy="2550296"/>
           </a:xfrm>
           <a:prstGeom prst="line">
             <a:avLst/>
@@ -8721,8 +9108,8 @@
         </p:nvCxnSpPr>
         <p:spPr>
           <a:xfrm flipV="1">
-            <a:off x="6280191" y="6388189"/>
-            <a:ext cx="2338447" cy="2260401"/>
+            <a:off x="6518263" y="6053204"/>
+            <a:ext cx="2646721" cy="2550296"/>
           </a:xfrm>
           <a:prstGeom prst="line">
             <a:avLst/>
@@ -8751,44 +9138,6 @@
           </a:fontRef>
         </p:style>
       </p:cxnSp>
-      <p:sp>
-        <p:nvSpPr>
-          <p:cNvPr id="26" name="TextBox 25">
-            <a:extLst>
-              <a:ext uri="{FF2B5EF4-FFF2-40B4-BE49-F238E27FC236}">
-                <a16:creationId xmlns:a16="http://schemas.microsoft.com/office/drawing/2014/main" id="{E66A50E0-3856-12B0-11FA-69AE0CB6C6F8}"/>
-              </a:ext>
-            </a:extLst>
-          </p:cNvPr>
-          <p:cNvSpPr txBox="1"/>
-          <p:nvPr/>
-        </p:nvSpPr>
-        <p:spPr>
-          <a:xfrm>
-            <a:off x="2778357" y="8928763"/>
-            <a:ext cx="2969083" cy="338554"/>
-          </a:xfrm>
-          <a:prstGeom prst="rect">
-            <a:avLst/>
-          </a:prstGeom>
-          <a:noFill/>
-        </p:spPr>
-        <p:txBody>
-          <a:bodyPr wrap="none" rtlCol="0">
-            <a:spAutoFit/>
-          </a:bodyPr>
-          <a:lstStyle/>
-          <a:p>
-            <a:r>
-              <a:rPr lang="en-US" sz="1600" dirty="0">
-                <a:latin typeface="Arial" panose="020B0604020202020204" pitchFamily="34" charset="0"/>
-                <a:cs typeface="Arial" panose="020B0604020202020204" pitchFamily="34" charset="0"/>
-              </a:rPr>
-              <a:t>Potential dispersal rate (km/yr)</a:t>
-            </a:r>
-          </a:p>
-        </p:txBody>
-      </p:sp>
       <p:cxnSp>
         <p:nvCxnSpPr>
           <p:cNvPr id="27" name="Straight Connector 26">
@@ -8805,8 +9154,8 @@
         </p:nvCxnSpPr>
         <p:spPr>
           <a:xfrm flipV="1">
-            <a:off x="4041291" y="7030717"/>
-            <a:ext cx="562778" cy="562105"/>
+            <a:off x="4227104" y="6778136"/>
+            <a:ext cx="636968" cy="634195"/>
           </a:xfrm>
           <a:prstGeom prst="line">
             <a:avLst/>
@@ -8848,8 +9197,8 @@
         </p:nvCxnSpPr>
         <p:spPr>
           <a:xfrm>
-            <a:off x="4601402" y="7044217"/>
-            <a:ext cx="1018602" cy="0"/>
+            <a:off x="4861054" y="6793367"/>
+            <a:ext cx="1152883" cy="0"/>
           </a:xfrm>
           <a:prstGeom prst="line">
             <a:avLst/>
@@ -8891,8 +9240,8 @@
         </p:nvCxnSpPr>
         <p:spPr>
           <a:xfrm flipV="1">
-            <a:off x="2959354" y="7551575"/>
-            <a:ext cx="1119260" cy="1112760"/>
+            <a:off x="3002537" y="7365794"/>
+            <a:ext cx="1266810" cy="1255471"/>
           </a:xfrm>
           <a:prstGeom prst="line">
             <a:avLst/>
@@ -8934,8 +9283,8 @@
         </p:nvCxnSpPr>
         <p:spPr>
           <a:xfrm>
-            <a:off x="4059322" y="7563712"/>
-            <a:ext cx="1547982" cy="0"/>
+            <a:off x="4247512" y="7379487"/>
+            <a:ext cx="1752050" cy="0"/>
           </a:xfrm>
           <a:prstGeom prst="line">
             <a:avLst/>
@@ -8977,8 +9326,8 @@
         </p:nvCxnSpPr>
         <p:spPr>
           <a:xfrm flipV="1">
-            <a:off x="2941983" y="8118735"/>
-            <a:ext cx="562490" cy="561187"/>
+            <a:off x="2982876" y="8005691"/>
+            <a:ext cx="636642" cy="633159"/>
           </a:xfrm>
           <a:prstGeom prst="line">
             <a:avLst/>
@@ -9020,8 +9369,8 @@
         </p:nvCxnSpPr>
         <p:spPr>
           <a:xfrm>
-            <a:off x="3505666" y="8132800"/>
-            <a:ext cx="2088939" cy="0"/>
+            <a:off x="3620869" y="8021560"/>
+            <a:ext cx="2364320" cy="0"/>
           </a:xfrm>
           <a:prstGeom prst="line">
             <a:avLst/>
@@ -9061,8 +9410,8 @@
         </p:nvSpPr>
         <p:spPr>
           <a:xfrm>
-            <a:off x="2631776" y="5699627"/>
-            <a:ext cx="269626" cy="2677656"/>
+            <a:off x="2668845" y="5325762"/>
+            <a:ext cx="305170" cy="3108543"/>
           </a:xfrm>
           <a:prstGeom prst="rect">
             <a:avLst/>
@@ -9070,31 +9419,31 @@
           <a:noFill/>
         </p:spPr>
         <p:txBody>
-          <a:bodyPr wrap="none" rtlCol="0">
+          <a:bodyPr wrap="square" rtlCol="0">
             <a:spAutoFit/>
           </a:bodyPr>
           <a:lstStyle/>
           <a:p>
-            <a:endParaRPr lang="en-US" sz="1200" dirty="0">
+            <a:endParaRPr lang="en-US" sz="1400" dirty="0">
               <a:latin typeface="Arial" panose="020B0604020202020204" pitchFamily="34" charset="0"/>
               <a:cs typeface="Arial" panose="020B0604020202020204" pitchFamily="34" charset="0"/>
             </a:endParaRPr>
           </a:p>
           <a:p>
-            <a:endParaRPr lang="en-US" sz="1200" dirty="0">
+            <a:endParaRPr lang="en-US" sz="1400" dirty="0">
               <a:latin typeface="Arial" panose="020B0604020202020204" pitchFamily="34" charset="0"/>
               <a:cs typeface="Arial" panose="020B0604020202020204" pitchFamily="34" charset="0"/>
             </a:endParaRPr>
           </a:p>
           <a:p>
-            <a:endParaRPr lang="en-US" sz="1200" dirty="0">
+            <a:endParaRPr lang="en-US" sz="1400" dirty="0">
               <a:latin typeface="Arial" panose="020B0604020202020204" pitchFamily="34" charset="0"/>
               <a:cs typeface="Arial" panose="020B0604020202020204" pitchFamily="34" charset="0"/>
             </a:endParaRPr>
           </a:p>
           <a:p>
             <a:r>
-              <a:rPr lang="en-US" sz="1200" dirty="0">
+              <a:rPr lang="en-US" sz="1400" dirty="0">
                 <a:latin typeface="Arial" panose="020B0604020202020204" pitchFamily="34" charset="0"/>
                 <a:cs typeface="Arial" panose="020B0604020202020204" pitchFamily="34" charset="0"/>
               </a:rPr>
@@ -9102,20 +9451,20 @@
             </a:r>
           </a:p>
           <a:p>
-            <a:endParaRPr lang="en-US" sz="1200" dirty="0">
+            <a:endParaRPr lang="en-US" sz="1400" dirty="0">
               <a:latin typeface="Arial" panose="020B0604020202020204" pitchFamily="34" charset="0"/>
               <a:cs typeface="Arial" panose="020B0604020202020204" pitchFamily="34" charset="0"/>
             </a:endParaRPr>
           </a:p>
           <a:p>
-            <a:endParaRPr lang="en-US" sz="1200" dirty="0">
+            <a:endParaRPr lang="en-US" sz="1400" dirty="0">
               <a:latin typeface="Arial" panose="020B0604020202020204" pitchFamily="34" charset="0"/>
               <a:cs typeface="Arial" panose="020B0604020202020204" pitchFamily="34" charset="0"/>
             </a:endParaRPr>
           </a:p>
           <a:p>
             <a:r>
-              <a:rPr lang="en-US" sz="1200" dirty="0">
+              <a:rPr lang="en-US" sz="1400" dirty="0">
                 <a:latin typeface="Arial" panose="020B0604020202020204" pitchFamily="34" charset="0"/>
                 <a:cs typeface="Arial" panose="020B0604020202020204" pitchFamily="34" charset="0"/>
               </a:rPr>
@@ -9123,20 +9472,20 @@
             </a:r>
           </a:p>
           <a:p>
-            <a:endParaRPr lang="en-US" sz="1200" dirty="0">
+            <a:endParaRPr lang="en-US" sz="1400" dirty="0">
               <a:latin typeface="Arial" panose="020B0604020202020204" pitchFamily="34" charset="0"/>
               <a:cs typeface="Arial" panose="020B0604020202020204" pitchFamily="34" charset="0"/>
             </a:endParaRPr>
           </a:p>
           <a:p>
-            <a:endParaRPr lang="en-US" sz="1200" dirty="0">
+            <a:endParaRPr lang="en-US" sz="1300" dirty="0">
               <a:latin typeface="Arial" panose="020B0604020202020204" pitchFamily="34" charset="0"/>
               <a:cs typeface="Arial" panose="020B0604020202020204" pitchFamily="34" charset="0"/>
             </a:endParaRPr>
           </a:p>
           <a:p>
             <a:r>
-              <a:rPr lang="en-US" sz="1200" dirty="0">
+              <a:rPr lang="en-US" sz="1400" dirty="0">
                 <a:latin typeface="Arial" panose="020B0604020202020204" pitchFamily="34" charset="0"/>
                 <a:cs typeface="Arial" panose="020B0604020202020204" pitchFamily="34" charset="0"/>
               </a:rPr>
@@ -9144,20 +9493,20 @@
             </a:r>
           </a:p>
           <a:p>
-            <a:endParaRPr lang="en-US" sz="1200" dirty="0">
+            <a:endParaRPr lang="en-US" sz="1400" dirty="0">
               <a:latin typeface="Arial" panose="020B0604020202020204" pitchFamily="34" charset="0"/>
               <a:cs typeface="Arial" panose="020B0604020202020204" pitchFamily="34" charset="0"/>
             </a:endParaRPr>
           </a:p>
           <a:p>
-            <a:endParaRPr lang="en-US" sz="1200" dirty="0">
+            <a:endParaRPr lang="en-US" sz="1300" dirty="0">
               <a:latin typeface="Arial" panose="020B0604020202020204" pitchFamily="34" charset="0"/>
               <a:cs typeface="Arial" panose="020B0604020202020204" pitchFamily="34" charset="0"/>
             </a:endParaRPr>
           </a:p>
           <a:p>
             <a:r>
-              <a:rPr lang="en-US" sz="1200" dirty="0">
+              <a:rPr lang="en-US" sz="1400" dirty="0">
                 <a:latin typeface="Arial" panose="020B0604020202020204" pitchFamily="34" charset="0"/>
                 <a:cs typeface="Arial" panose="020B0604020202020204" pitchFamily="34" charset="0"/>
               </a:rPr>
@@ -9165,7 +9514,7 @@
             </a:r>
           </a:p>
           <a:p>
-            <a:endParaRPr lang="en-US" sz="1200" dirty="0">
+            <a:endParaRPr lang="en-US" sz="1400" dirty="0">
               <a:latin typeface="Arial" panose="020B0604020202020204" pitchFamily="34" charset="0"/>
               <a:cs typeface="Arial" panose="020B0604020202020204" pitchFamily="34" charset="0"/>
             </a:endParaRPr>
@@ -9186,8 +9535,8 @@
         </p:nvSpPr>
         <p:spPr>
           <a:xfrm>
-            <a:off x="3409210" y="8709045"/>
-            <a:ext cx="2891743" cy="276999"/>
+            <a:off x="3524053" y="8696423"/>
+            <a:ext cx="3272957" cy="307777"/>
           </a:xfrm>
           <a:prstGeom prst="rect">
             <a:avLst/>
@@ -9201,11 +9550,11 @@
           <a:lstStyle/>
           <a:p>
             <a:r>
-              <a:rPr lang="en-US" sz="1200" dirty="0">
+              <a:rPr lang="en-US" sz="1400" dirty="0">
                 <a:latin typeface="Arial" panose="020B0604020202020204" pitchFamily="34" charset="0"/>
                 <a:cs typeface="Arial" panose="020B0604020202020204" pitchFamily="34" charset="0"/>
               </a:rPr>
-              <a:t>1            2            3            4             </a:t>
+              <a:t>1          2          3          4             </a:t>
             </a:r>
           </a:p>
         </p:txBody>
@@ -9224,8 +9573,8 @@
         </p:nvSpPr>
         <p:spPr>
           <a:xfrm>
-            <a:off x="2846459" y="6117213"/>
-            <a:ext cx="569481" cy="338554"/>
+            <a:off x="2874760" y="5769778"/>
+            <a:ext cx="644555" cy="381973"/>
           </a:xfrm>
           <a:prstGeom prst="rect">
             <a:avLst/>
@@ -9268,8 +9617,8 @@
         </p:nvSpPr>
         <p:spPr>
           <a:xfrm>
-            <a:off x="3549478" y="7954657"/>
-            <a:ext cx="141515" cy="130629"/>
+            <a:off x="3670456" y="7820571"/>
+            <a:ext cx="160171" cy="147382"/>
           </a:xfrm>
           <a:prstGeom prst="ellipse">
             <a:avLst/>
@@ -9328,8 +9677,8 @@
         </p:nvSpPr>
         <p:spPr>
           <a:xfrm>
-            <a:off x="4402479" y="7093583"/>
-            <a:ext cx="141515" cy="130629"/>
+            <a:off x="4635907" y="6849064"/>
+            <a:ext cx="160171" cy="147382"/>
           </a:xfrm>
           <a:prstGeom prst="ellipse">
             <a:avLst/>
@@ -9388,8 +9737,8 @@
         </p:nvSpPr>
         <p:spPr>
           <a:xfrm>
-            <a:off x="5048715" y="6982792"/>
-            <a:ext cx="141515" cy="130629"/>
+            <a:off x="5367335" y="6724065"/>
+            <a:ext cx="160171" cy="147382"/>
           </a:xfrm>
           <a:prstGeom prst="ellipse">
             <a:avLst/>
@@ -9448,8 +9797,8 @@
         </p:nvSpPr>
         <p:spPr>
           <a:xfrm>
-            <a:off x="4115552" y="7397558"/>
-            <a:ext cx="141515" cy="130629"/>
+            <a:off x="4311155" y="7192024"/>
+            <a:ext cx="160171" cy="147382"/>
           </a:xfrm>
           <a:prstGeom prst="ellipse">
             <a:avLst/>
@@ -9510,8 +9859,8 @@
         </p:nvCxnSpPr>
         <p:spPr>
           <a:xfrm>
-            <a:off x="6223287" y="6220741"/>
-            <a:ext cx="0" cy="2491683"/>
+            <a:off x="6453857" y="5864281"/>
+            <a:ext cx="0" cy="2811240"/>
           </a:xfrm>
           <a:prstGeom prst="line">
             <a:avLst/>
@@ -9553,8 +9902,8 @@
         </p:nvCxnSpPr>
         <p:spPr>
           <a:xfrm flipH="1">
-            <a:off x="6234173" y="8701537"/>
-            <a:ext cx="2660360" cy="0"/>
+            <a:off x="6466178" y="8663237"/>
+            <a:ext cx="3011071" cy="0"/>
           </a:xfrm>
           <a:prstGeom prst="line">
             <a:avLst/>
@@ -9582,10 +9931,10 @@
       </p:cxnSp>
       <p:sp>
         <p:nvSpPr>
-          <p:cNvPr id="42" name="TextBox 41">
-            <a:extLst>
-              <a:ext uri="{FF2B5EF4-FFF2-40B4-BE49-F238E27FC236}">
-                <a16:creationId xmlns:a16="http://schemas.microsoft.com/office/drawing/2014/main" id="{A65315F1-FD2B-9078-9C44-2367AACD6439}"/>
+          <p:cNvPr id="59" name="TextBox 58">
+            <a:extLst>
+              <a:ext uri="{FF2B5EF4-FFF2-40B4-BE49-F238E27FC236}">
+                <a16:creationId xmlns:a16="http://schemas.microsoft.com/office/drawing/2014/main" id="{A27BEDD4-7EE8-86A2-AC37-766D65FFEB9F}"/>
               </a:ext>
             </a:extLst>
           </p:cNvPr>
@@ -9594,210 +9943,8 @@
         </p:nvSpPr>
         <p:spPr>
           <a:xfrm>
-            <a:off x="5806951" y="8910868"/>
-            <a:ext cx="3610227" cy="584775"/>
-          </a:xfrm>
-          <a:prstGeom prst="rect">
-            <a:avLst/>
-          </a:prstGeom>
-          <a:noFill/>
-        </p:spPr>
-        <p:txBody>
-          <a:bodyPr wrap="square" rtlCol="0">
-            <a:spAutoFit/>
-          </a:bodyPr>
-          <a:lstStyle/>
-          <a:p>
-            <a:pPr algn="ctr"/>
-            <a:r>
-              <a:rPr lang="en-US" sz="1600" dirty="0">
-                <a:latin typeface="Arial" panose="020B0604020202020204" pitchFamily="34" charset="0"/>
-                <a:cs typeface="Arial" panose="020B0604020202020204" pitchFamily="34" charset="0"/>
-              </a:rPr>
-              <a:t>Minimum of potential dispersal rate and velocity of isotherm shift (km/yr)</a:t>
-            </a:r>
-          </a:p>
-        </p:txBody>
-      </p:sp>
-      <p:sp>
-        <p:nvSpPr>
-          <p:cNvPr id="43" name="TextBox 42">
-            <a:extLst>
-              <a:ext uri="{FF2B5EF4-FFF2-40B4-BE49-F238E27FC236}">
-                <a16:creationId xmlns:a16="http://schemas.microsoft.com/office/drawing/2014/main" id="{F7E81AD1-9BE2-8851-3F5F-C9A721D7075B}"/>
-              </a:ext>
-            </a:extLst>
-          </p:cNvPr>
-          <p:cNvSpPr txBox="1"/>
-          <p:nvPr/>
-        </p:nvSpPr>
-        <p:spPr>
-          <a:xfrm>
-            <a:off x="5917246" y="5713755"/>
-            <a:ext cx="269626" cy="2677656"/>
-          </a:xfrm>
-          <a:prstGeom prst="rect">
-            <a:avLst/>
-          </a:prstGeom>
-          <a:noFill/>
-        </p:spPr>
-        <p:txBody>
-          <a:bodyPr wrap="none" rtlCol="0">
-            <a:spAutoFit/>
-          </a:bodyPr>
-          <a:lstStyle/>
-          <a:p>
-            <a:endParaRPr lang="en-US" sz="1200" dirty="0">
-              <a:latin typeface="Arial" panose="020B0604020202020204" pitchFamily="34" charset="0"/>
-              <a:cs typeface="Arial" panose="020B0604020202020204" pitchFamily="34" charset="0"/>
-            </a:endParaRPr>
-          </a:p>
-          <a:p>
-            <a:endParaRPr lang="en-US" sz="1200" dirty="0">
-              <a:latin typeface="Arial" panose="020B0604020202020204" pitchFamily="34" charset="0"/>
-              <a:cs typeface="Arial" panose="020B0604020202020204" pitchFamily="34" charset="0"/>
-            </a:endParaRPr>
-          </a:p>
-          <a:p>
-            <a:endParaRPr lang="en-US" sz="1200" dirty="0">
-              <a:latin typeface="Arial" panose="020B0604020202020204" pitchFamily="34" charset="0"/>
-              <a:cs typeface="Arial" panose="020B0604020202020204" pitchFamily="34" charset="0"/>
-            </a:endParaRPr>
-          </a:p>
-          <a:p>
-            <a:r>
-              <a:rPr lang="en-US" sz="1200" dirty="0">
-                <a:latin typeface="Arial" panose="020B0604020202020204" pitchFamily="34" charset="0"/>
-                <a:cs typeface="Arial" panose="020B0604020202020204" pitchFamily="34" charset="0"/>
-              </a:rPr>
-              <a:t>4</a:t>
-            </a:r>
-          </a:p>
-          <a:p>
-            <a:endParaRPr lang="en-US" sz="1200" dirty="0">
-              <a:latin typeface="Arial" panose="020B0604020202020204" pitchFamily="34" charset="0"/>
-              <a:cs typeface="Arial" panose="020B0604020202020204" pitchFamily="34" charset="0"/>
-            </a:endParaRPr>
-          </a:p>
-          <a:p>
-            <a:endParaRPr lang="en-US" sz="1200" dirty="0">
-              <a:latin typeface="Arial" panose="020B0604020202020204" pitchFamily="34" charset="0"/>
-              <a:cs typeface="Arial" panose="020B0604020202020204" pitchFamily="34" charset="0"/>
-            </a:endParaRPr>
-          </a:p>
-          <a:p>
-            <a:r>
-              <a:rPr lang="en-US" sz="1200" dirty="0">
-                <a:latin typeface="Arial" panose="020B0604020202020204" pitchFamily="34" charset="0"/>
-                <a:cs typeface="Arial" panose="020B0604020202020204" pitchFamily="34" charset="0"/>
-              </a:rPr>
-              <a:t>3</a:t>
-            </a:r>
-          </a:p>
-          <a:p>
-            <a:endParaRPr lang="en-US" sz="1200" dirty="0">
-              <a:latin typeface="Arial" panose="020B0604020202020204" pitchFamily="34" charset="0"/>
-              <a:cs typeface="Arial" panose="020B0604020202020204" pitchFamily="34" charset="0"/>
-            </a:endParaRPr>
-          </a:p>
-          <a:p>
-            <a:endParaRPr lang="en-US" sz="1200" dirty="0">
-              <a:latin typeface="Arial" panose="020B0604020202020204" pitchFamily="34" charset="0"/>
-              <a:cs typeface="Arial" panose="020B0604020202020204" pitchFamily="34" charset="0"/>
-            </a:endParaRPr>
-          </a:p>
-          <a:p>
-            <a:r>
-              <a:rPr lang="en-US" sz="1200" dirty="0">
-                <a:latin typeface="Arial" panose="020B0604020202020204" pitchFamily="34" charset="0"/>
-                <a:cs typeface="Arial" panose="020B0604020202020204" pitchFamily="34" charset="0"/>
-              </a:rPr>
-              <a:t>2</a:t>
-            </a:r>
-          </a:p>
-          <a:p>
-            <a:endParaRPr lang="en-US" sz="1200" dirty="0">
-              <a:latin typeface="Arial" panose="020B0604020202020204" pitchFamily="34" charset="0"/>
-              <a:cs typeface="Arial" panose="020B0604020202020204" pitchFamily="34" charset="0"/>
-            </a:endParaRPr>
-          </a:p>
-          <a:p>
-            <a:endParaRPr lang="en-US" sz="1200" dirty="0">
-              <a:latin typeface="Arial" panose="020B0604020202020204" pitchFamily="34" charset="0"/>
-              <a:cs typeface="Arial" panose="020B0604020202020204" pitchFamily="34" charset="0"/>
-            </a:endParaRPr>
-          </a:p>
-          <a:p>
-            <a:r>
-              <a:rPr lang="en-US" sz="1200" dirty="0">
-                <a:latin typeface="Arial" panose="020B0604020202020204" pitchFamily="34" charset="0"/>
-                <a:cs typeface="Arial" panose="020B0604020202020204" pitchFamily="34" charset="0"/>
-              </a:rPr>
-              <a:t>1</a:t>
-            </a:r>
-          </a:p>
-          <a:p>
-            <a:endParaRPr lang="en-US" sz="1200" dirty="0">
-              <a:latin typeface="Arial" panose="020B0604020202020204" pitchFamily="34" charset="0"/>
-              <a:cs typeface="Arial" panose="020B0604020202020204" pitchFamily="34" charset="0"/>
-            </a:endParaRPr>
-          </a:p>
-        </p:txBody>
-      </p:sp>
-      <p:sp>
-        <p:nvSpPr>
-          <p:cNvPr id="44" name="TextBox 43">
-            <a:extLst>
-              <a:ext uri="{FF2B5EF4-FFF2-40B4-BE49-F238E27FC236}">
-                <a16:creationId xmlns:a16="http://schemas.microsoft.com/office/drawing/2014/main" id="{D1618240-1B4F-D3A8-8997-1D703EBC5607}"/>
-              </a:ext>
-            </a:extLst>
-          </p:cNvPr>
-          <p:cNvSpPr txBox="1"/>
-          <p:nvPr/>
-        </p:nvSpPr>
-        <p:spPr>
-          <a:xfrm>
-            <a:off x="6694680" y="8723173"/>
-            <a:ext cx="2891743" cy="276999"/>
-          </a:xfrm>
-          <a:prstGeom prst="rect">
-            <a:avLst/>
-          </a:prstGeom>
-          <a:noFill/>
-        </p:spPr>
-        <p:txBody>
-          <a:bodyPr wrap="square" rtlCol="0">
-            <a:spAutoFit/>
-          </a:bodyPr>
-          <a:lstStyle/>
-          <a:p>
-            <a:r>
-              <a:rPr lang="en-US" sz="1200" dirty="0">
-                <a:latin typeface="Arial" panose="020B0604020202020204" pitchFamily="34" charset="0"/>
-                <a:cs typeface="Arial" panose="020B0604020202020204" pitchFamily="34" charset="0"/>
-              </a:rPr>
-              <a:t>1            2            3            4            </a:t>
-            </a:r>
-          </a:p>
-        </p:txBody>
-      </p:sp>
-      <p:sp>
-        <p:nvSpPr>
-          <p:cNvPr id="59" name="TextBox 58">
-            <a:extLst>
-              <a:ext uri="{FF2B5EF4-FFF2-40B4-BE49-F238E27FC236}">
-                <a16:creationId xmlns:a16="http://schemas.microsoft.com/office/drawing/2014/main" id="{A27BEDD4-7EE8-86A2-AC37-766D65FFEB9F}"/>
-              </a:ext>
-            </a:extLst>
-          </p:cNvPr>
-          <p:cNvSpPr txBox="1"/>
-          <p:nvPr/>
-        </p:nvSpPr>
-        <p:spPr>
-          <a:xfrm>
-            <a:off x="6138762" y="6117213"/>
-            <a:ext cx="569481" cy="338554"/>
+            <a:off x="6358189" y="5803231"/>
+            <a:ext cx="644555" cy="381973"/>
           </a:xfrm>
           <a:prstGeom prst="rect">
             <a:avLst/>
@@ -9840,8 +9987,8 @@
         </p:nvSpPr>
         <p:spPr>
           <a:xfrm>
-            <a:off x="3907714" y="7592822"/>
-            <a:ext cx="141515" cy="130629"/>
+            <a:off x="4075918" y="7412330"/>
+            <a:ext cx="160171" cy="147382"/>
           </a:xfrm>
           <a:prstGeom prst="ellipse">
             <a:avLst/>
@@ -9900,8 +10047,8 @@
         </p:nvSpPr>
         <p:spPr>
           <a:xfrm>
-            <a:off x="3740550" y="7773797"/>
-            <a:ext cx="141515" cy="130629"/>
+            <a:off x="3886717" y="7616515"/>
+            <a:ext cx="160171" cy="147382"/>
           </a:xfrm>
           <a:prstGeom prst="ellipse">
             <a:avLst/>
@@ -9960,8 +10107,8 @@
         </p:nvSpPr>
         <p:spPr>
           <a:xfrm>
-            <a:off x="2996434" y="8483415"/>
-            <a:ext cx="141515" cy="130629"/>
+            <a:off x="3044506" y="8417141"/>
+            <a:ext cx="160171" cy="147382"/>
           </a:xfrm>
           <a:prstGeom prst="ellipse">
             <a:avLst/>
@@ -10020,8 +10167,8 @@
         </p:nvSpPr>
         <p:spPr>
           <a:xfrm>
-            <a:off x="3243832" y="8235765"/>
-            <a:ext cx="141515" cy="130629"/>
+            <a:off x="3324518" y="8137730"/>
+            <a:ext cx="160171" cy="147382"/>
           </a:xfrm>
           <a:prstGeom prst="ellipse">
             <a:avLst/>
@@ -10080,8 +10227,8 @@
         </p:nvSpPr>
         <p:spPr>
           <a:xfrm>
-            <a:off x="4523924" y="7491385"/>
-            <a:ext cx="141515" cy="130629"/>
+            <a:off x="4773362" y="7297884"/>
+            <a:ext cx="160171" cy="147382"/>
           </a:xfrm>
           <a:prstGeom prst="ellipse">
             <a:avLst/>
@@ -10138,8 +10285,8 @@
         </p:nvSpPr>
         <p:spPr>
           <a:xfrm>
-            <a:off x="4921651" y="7497254"/>
-            <a:ext cx="141515" cy="130629"/>
+            <a:off x="5223521" y="7304506"/>
+            <a:ext cx="160171" cy="147382"/>
           </a:xfrm>
           <a:prstGeom prst="ellipse">
             <a:avLst/>
@@ -10196,8 +10343,8 @@
         </p:nvSpPr>
         <p:spPr>
           <a:xfrm>
-            <a:off x="5397436" y="7495102"/>
-            <a:ext cx="141515" cy="130629"/>
+            <a:off x="5762028" y="7302078"/>
+            <a:ext cx="160171" cy="147382"/>
           </a:xfrm>
           <a:prstGeom prst="ellipse">
             <a:avLst/>
@@ -10254,8 +10401,8 @@
         </p:nvSpPr>
         <p:spPr>
           <a:xfrm>
-            <a:off x="3888305" y="8070138"/>
-            <a:ext cx="141515" cy="130629"/>
+            <a:off x="4053950" y="7950862"/>
+            <a:ext cx="160171" cy="147382"/>
           </a:xfrm>
           <a:prstGeom prst="ellipse">
             <a:avLst/>
@@ -10312,8 +10459,8 @@
         </p:nvSpPr>
         <p:spPr>
           <a:xfrm>
-            <a:off x="4427280" y="8063814"/>
-            <a:ext cx="141515" cy="130629"/>
+            <a:off x="4663978" y="7943727"/>
+            <a:ext cx="160171" cy="147382"/>
           </a:xfrm>
           <a:prstGeom prst="ellipse">
             <a:avLst/>
@@ -10370,8 +10517,8 @@
         </p:nvSpPr>
         <p:spPr>
           <a:xfrm>
-            <a:off x="5230168" y="8058534"/>
-            <a:ext cx="141515" cy="130629"/>
+            <a:off x="5572709" y="7937770"/>
+            <a:ext cx="160171" cy="147382"/>
           </a:xfrm>
           <a:prstGeom prst="ellipse">
             <a:avLst/>
@@ -10430,8 +10577,8 @@
         </p:nvCxnSpPr>
         <p:spPr>
           <a:xfrm flipH="1">
-            <a:off x="2948704" y="8687409"/>
-            <a:ext cx="2645901" cy="0"/>
+            <a:off x="2990483" y="8647298"/>
+            <a:ext cx="2994706" cy="0"/>
           </a:xfrm>
           <a:prstGeom prst="line">
             <a:avLst/>
@@ -10473,8 +10620,8 @@
         </p:nvCxnSpPr>
         <p:spPr>
           <a:xfrm>
-            <a:off x="2937817" y="6194185"/>
-            <a:ext cx="0" cy="2504110"/>
+            <a:off x="2978161" y="5834319"/>
+            <a:ext cx="0" cy="2825260"/>
           </a:xfrm>
           <a:prstGeom prst="line">
             <a:avLst/>
@@ -10514,8 +10661,8 @@
         </p:nvSpPr>
         <p:spPr>
           <a:xfrm>
-            <a:off x="3749812" y="6362265"/>
-            <a:ext cx="2032232" cy="338554"/>
+            <a:off x="3897200" y="6023955"/>
+            <a:ext cx="2300138" cy="381973"/>
           </a:xfrm>
           <a:prstGeom prst="rect">
             <a:avLst/>
@@ -10546,49 +10693,10 @@
       </p:sp>
       <p:sp>
         <p:nvSpPr>
-          <p:cNvPr id="1035" name="TextBox 1034">
-            <a:extLst>
-              <a:ext uri="{FF2B5EF4-FFF2-40B4-BE49-F238E27FC236}">
-                <a16:creationId xmlns:a16="http://schemas.microsoft.com/office/drawing/2014/main" id="{401F6452-4BCF-D391-4EE7-FBE4E6C7DB24}"/>
-              </a:ext>
-            </a:extLst>
-          </p:cNvPr>
-          <p:cNvSpPr txBox="1"/>
-          <p:nvPr/>
-        </p:nvSpPr>
-        <p:spPr>
-          <a:xfrm rot="16200000">
-            <a:off x="1029999" y="7277521"/>
-            <a:ext cx="2900904" cy="338554"/>
-          </a:xfrm>
-          <a:prstGeom prst="rect">
-            <a:avLst/>
-          </a:prstGeom>
-          <a:noFill/>
-        </p:spPr>
-        <p:txBody>
-          <a:bodyPr wrap="square" rtlCol="0">
-            <a:spAutoFit/>
-          </a:bodyPr>
-          <a:lstStyle/>
-          <a:p>
-            <a:pPr algn="ctr"/>
-            <a:r>
-              <a:rPr lang="en-US" sz="1600" dirty="0">
-                <a:latin typeface="Arial" panose="020B0604020202020204" pitchFamily="34" charset="0"/>
-                <a:cs typeface="Arial" panose="020B0604020202020204" pitchFamily="34" charset="0"/>
-              </a:rPr>
-              <a:t>Range expansion rate (km/yr)</a:t>
-            </a:r>
-          </a:p>
-        </p:txBody>
-      </p:sp>
-      <p:sp>
-        <p:nvSpPr>
-          <p:cNvPr id="1036" name="Oval 1035">
-            <a:extLst>
-              <a:ext uri="{FF2B5EF4-FFF2-40B4-BE49-F238E27FC236}">
-                <a16:creationId xmlns:a16="http://schemas.microsoft.com/office/drawing/2014/main" id="{D2AA29B6-45C0-D1E7-02BF-7B7437742845}"/>
+          <p:cNvPr id="1058" name="Oval 1057">
+            <a:extLst>
+              <a:ext uri="{FF2B5EF4-FFF2-40B4-BE49-F238E27FC236}">
+                <a16:creationId xmlns:a16="http://schemas.microsoft.com/office/drawing/2014/main" id="{E3449B27-44B5-366E-79CA-9E0AB9FEE90B}"/>
               </a:ext>
             </a:extLst>
           </p:cNvPr>
@@ -10597,18 +10705,18 @@
         </p:nvSpPr>
         <p:spPr>
           <a:xfrm>
-            <a:off x="4977350" y="5780323"/>
-            <a:ext cx="141515" cy="130629"/>
+            <a:off x="7163106" y="7835009"/>
+            <a:ext cx="160171" cy="147382"/>
           </a:xfrm>
           <a:prstGeom prst="ellipse">
             <a:avLst/>
           </a:prstGeom>
           <a:solidFill>
-            <a:schemeClr val="bg1"/>
+            <a:srgbClr val="B2172B"/>
           </a:solidFill>
           <a:ln w="19050">
             <a:solidFill>
-              <a:schemeClr val="bg1"/>
+              <a:schemeClr val="tx1"/>
             </a:solidFill>
           </a:ln>
         </p:spPr>
@@ -10645,137 +10753,10 @@
       </p:sp>
       <p:sp>
         <p:nvSpPr>
-          <p:cNvPr id="1037" name="TextBox 1036">
-            <a:extLst>
-              <a:ext uri="{FF2B5EF4-FFF2-40B4-BE49-F238E27FC236}">
-                <a16:creationId xmlns:a16="http://schemas.microsoft.com/office/drawing/2014/main" id="{4F7285F9-E473-3351-BF40-14F3A0626619}"/>
-              </a:ext>
-            </a:extLst>
-          </p:cNvPr>
-          <p:cNvSpPr txBox="1"/>
-          <p:nvPr/>
-        </p:nvSpPr>
-        <p:spPr>
-          <a:xfrm>
-            <a:off x="9107299" y="6260382"/>
-            <a:ext cx="1131724" cy="1077218"/>
-          </a:xfrm>
-          <a:prstGeom prst="rect">
-            <a:avLst/>
-          </a:prstGeom>
-          <a:noFill/>
-        </p:spPr>
-        <p:txBody>
-          <a:bodyPr wrap="square" rtlCol="0">
-            <a:spAutoFit/>
-          </a:bodyPr>
-          <a:lstStyle/>
-          <a:p>
-            <a:pPr algn="ctr"/>
-            <a:r>
-              <a:rPr lang="en-US" sz="1600" dirty="0">
-                <a:latin typeface="Arial" panose="020B0604020202020204" pitchFamily="34" charset="0"/>
-                <a:cs typeface="Arial" panose="020B0604020202020204" pitchFamily="34" charset="0"/>
-              </a:rPr>
-              <a:t>Velocity of isotherm shift (km/yr)</a:t>
-            </a:r>
-          </a:p>
-        </p:txBody>
-      </p:sp>
-      <p:sp>
-        <p:nvSpPr>
-          <p:cNvPr id="1049" name="TextBox 1048">
-            <a:extLst>
-              <a:ext uri="{FF2B5EF4-FFF2-40B4-BE49-F238E27FC236}">
-                <a16:creationId xmlns:a16="http://schemas.microsoft.com/office/drawing/2014/main" id="{35574FFE-88A9-EBA9-93A0-8D480D091E6E}"/>
-              </a:ext>
-            </a:extLst>
-          </p:cNvPr>
-          <p:cNvSpPr txBox="1"/>
-          <p:nvPr/>
-        </p:nvSpPr>
-        <p:spPr>
-          <a:xfrm>
-            <a:off x="7104673" y="10174620"/>
-            <a:ext cx="569481" cy="338554"/>
-          </a:xfrm>
-          <a:prstGeom prst="rect">
-            <a:avLst/>
-          </a:prstGeom>
-          <a:noFill/>
-        </p:spPr>
-        <p:txBody>
-          <a:bodyPr wrap="square" rtlCol="0">
-            <a:spAutoFit/>
-          </a:bodyPr>
-          <a:lstStyle/>
-          <a:p>
-            <a:pPr algn="ctr"/>
-            <a:r>
-              <a:rPr lang="en-US" sz="1600" dirty="0">
-                <a:solidFill>
-                  <a:schemeClr val="bg2">
-                    <a:lumMod val="75000"/>
-                  </a:schemeClr>
-                </a:solidFill>
-                <a:latin typeface="Arial" panose="020B0604020202020204" pitchFamily="34" charset="0"/>
-                <a:cs typeface="Arial" panose="020B0604020202020204" pitchFamily="34" charset="0"/>
-              </a:rPr>
-              <a:t>b)</a:t>
-            </a:r>
-          </a:p>
-        </p:txBody>
-      </p:sp>
-      <p:sp>
-        <p:nvSpPr>
-          <p:cNvPr id="1050" name="TextBox 1049">
-            <a:extLst>
-              <a:ext uri="{FF2B5EF4-FFF2-40B4-BE49-F238E27FC236}">
-                <a16:creationId xmlns:a16="http://schemas.microsoft.com/office/drawing/2014/main" id="{AE510EC9-F2D5-C6FB-6A49-9E5238F66796}"/>
-              </a:ext>
-            </a:extLst>
-          </p:cNvPr>
-          <p:cNvSpPr txBox="1"/>
-          <p:nvPr/>
-        </p:nvSpPr>
-        <p:spPr>
-          <a:xfrm>
-            <a:off x="4992575" y="11604734"/>
-            <a:ext cx="2032232" cy="338554"/>
-          </a:xfrm>
-          <a:prstGeom prst="rect">
-            <a:avLst/>
-          </a:prstGeom>
-          <a:noFill/>
-        </p:spPr>
-        <p:txBody>
-          <a:bodyPr wrap="square" rtlCol="0">
-            <a:spAutoFit/>
-          </a:bodyPr>
-          <a:lstStyle/>
-          <a:p>
-            <a:pPr algn="ctr"/>
-            <a:r>
-              <a:rPr lang="en-US" sz="1600" i="1" dirty="0">
-                <a:solidFill>
-                  <a:schemeClr val="bg2">
-                    <a:lumMod val="75000"/>
-                  </a:schemeClr>
-                </a:solidFill>
-                <a:latin typeface="Arial" panose="020B0604020202020204" pitchFamily="34" charset="0"/>
-                <a:cs typeface="Arial" panose="020B0604020202020204" pitchFamily="34" charset="0"/>
-              </a:rPr>
-              <a:t>1:1</a:t>
-            </a:r>
-          </a:p>
-        </p:txBody>
-      </p:sp>
-      <p:sp>
-        <p:nvSpPr>
-          <p:cNvPr id="1058" name="Oval 1057">
-            <a:extLst>
-              <a:ext uri="{FF2B5EF4-FFF2-40B4-BE49-F238E27FC236}">
-                <a16:creationId xmlns:a16="http://schemas.microsoft.com/office/drawing/2014/main" id="{E3449B27-44B5-366E-79CA-9E0AB9FEE90B}"/>
+          <p:cNvPr id="1059" name="Oval 1058">
+            <a:extLst>
+              <a:ext uri="{FF2B5EF4-FFF2-40B4-BE49-F238E27FC236}">
+                <a16:creationId xmlns:a16="http://schemas.microsoft.com/office/drawing/2014/main" id="{5326EFE2-3069-3A3F-A7B0-003952C2FDAD}"/>
               </a:ext>
             </a:extLst>
           </p:cNvPr>
@@ -10784,8 +10765,8 @@
         </p:nvSpPr>
         <p:spPr>
           <a:xfrm>
-            <a:off x="6849927" y="7967454"/>
-            <a:ext cx="141515" cy="130629"/>
+            <a:off x="8128557" y="6863503"/>
+            <a:ext cx="160171" cy="147382"/>
           </a:xfrm>
           <a:prstGeom prst="ellipse">
             <a:avLst/>
@@ -10832,10 +10813,10 @@
       </p:sp>
       <p:sp>
         <p:nvSpPr>
-          <p:cNvPr id="1059" name="Oval 1058">
-            <a:extLst>
-              <a:ext uri="{FF2B5EF4-FFF2-40B4-BE49-F238E27FC236}">
-                <a16:creationId xmlns:a16="http://schemas.microsoft.com/office/drawing/2014/main" id="{5326EFE2-3069-3A3F-A7B0-003952C2FDAD}"/>
+          <p:cNvPr id="1060" name="Oval 1059">
+            <a:extLst>
+              <a:ext uri="{FF2B5EF4-FFF2-40B4-BE49-F238E27FC236}">
+                <a16:creationId xmlns:a16="http://schemas.microsoft.com/office/drawing/2014/main" id="{98D03691-5D17-7DCC-547A-E87BD48D8222}"/>
               </a:ext>
             </a:extLst>
           </p:cNvPr>
@@ -10844,8 +10825,68 @@
         </p:nvSpPr>
         <p:spPr>
           <a:xfrm>
-            <a:off x="7702928" y="7106380"/>
-            <a:ext cx="141515" cy="130629"/>
+            <a:off x="8275363" y="6738503"/>
+            <a:ext cx="160171" cy="147382"/>
+          </a:xfrm>
+          <a:prstGeom prst="ellipse">
+            <a:avLst/>
+          </a:prstGeom>
+          <a:solidFill>
+            <a:srgbClr val="B2172B"/>
+          </a:solidFill>
+          <a:ln>
+            <a:solidFill>
+              <a:srgbClr val="B2172B"/>
+            </a:solidFill>
+          </a:ln>
+        </p:spPr>
+        <p:style>
+          <a:lnRef idx="2">
+            <a:schemeClr val="accent1">
+              <a:shade val="50000"/>
+            </a:schemeClr>
+          </a:lnRef>
+          <a:fillRef idx="1">
+            <a:schemeClr val="accent1"/>
+          </a:fillRef>
+          <a:effectRef idx="0">
+            <a:schemeClr val="accent1"/>
+          </a:effectRef>
+          <a:fontRef idx="minor">
+            <a:schemeClr val="lt1"/>
+          </a:fontRef>
+        </p:style>
+        <p:txBody>
+          <a:bodyPr rtlCol="0" anchor="ctr"/>
+          <a:lstStyle/>
+          <a:p>
+            <a:pPr algn="ctr"/>
+            <a:endParaRPr lang="en-US">
+              <a:solidFill>
+                <a:schemeClr val="accent2">
+                  <a:lumMod val="50000"/>
+                </a:schemeClr>
+              </a:solidFill>
+            </a:endParaRPr>
+          </a:p>
+        </p:txBody>
+      </p:sp>
+      <p:sp>
+        <p:nvSpPr>
+          <p:cNvPr id="1061" name="Oval 1060">
+            <a:extLst>
+              <a:ext uri="{FF2B5EF4-FFF2-40B4-BE49-F238E27FC236}">
+                <a16:creationId xmlns:a16="http://schemas.microsoft.com/office/drawing/2014/main" id="{125C68A8-7EDD-D896-51A7-9A6DE998D4CB}"/>
+              </a:ext>
+            </a:extLst>
+          </p:cNvPr>
+          <p:cNvSpPr/>
+          <p:nvPr/>
+        </p:nvSpPr>
+        <p:spPr>
+          <a:xfrm>
+            <a:off x="7803805" y="7206462"/>
+            <a:ext cx="160171" cy="147382"/>
           </a:xfrm>
           <a:prstGeom prst="ellipse">
             <a:avLst/>
@@ -10892,10 +10933,10 @@
       </p:sp>
       <p:sp>
         <p:nvSpPr>
-          <p:cNvPr id="1060" name="Oval 1059">
-            <a:extLst>
-              <a:ext uri="{FF2B5EF4-FFF2-40B4-BE49-F238E27FC236}">
-                <a16:creationId xmlns:a16="http://schemas.microsoft.com/office/drawing/2014/main" id="{98D03691-5D17-7DCC-547A-E87BD48D8222}"/>
+          <p:cNvPr id="1062" name="Oval 1061">
+            <a:extLst>
+              <a:ext uri="{FF2B5EF4-FFF2-40B4-BE49-F238E27FC236}">
+                <a16:creationId xmlns:a16="http://schemas.microsoft.com/office/drawing/2014/main" id="{746D4208-CECA-D292-2444-98499F23E5DD}"/>
               </a:ext>
             </a:extLst>
           </p:cNvPr>
@@ -10904,18 +10945,18 @@
         </p:nvSpPr>
         <p:spPr>
           <a:xfrm>
-            <a:off x="7832635" y="6995589"/>
-            <a:ext cx="141515" cy="130629"/>
+            <a:off x="7568568" y="7426769"/>
+            <a:ext cx="160171" cy="147382"/>
           </a:xfrm>
           <a:prstGeom prst="ellipse">
             <a:avLst/>
           </a:prstGeom>
           <a:solidFill>
-            <a:srgbClr val="B2172B"/>
+            <a:srgbClr val="F3CABA"/>
           </a:solidFill>
-          <a:ln>
+          <a:ln w="19050">
             <a:solidFill>
-              <a:srgbClr val="B2172B"/>
+              <a:schemeClr val="tx1"/>
             </a:solidFill>
           </a:ln>
         </p:spPr>
@@ -10952,10 +10993,10 @@
       </p:sp>
       <p:sp>
         <p:nvSpPr>
-          <p:cNvPr id="1061" name="Oval 1060">
-            <a:extLst>
-              <a:ext uri="{FF2B5EF4-FFF2-40B4-BE49-F238E27FC236}">
-                <a16:creationId xmlns:a16="http://schemas.microsoft.com/office/drawing/2014/main" id="{125C68A8-7EDD-D896-51A7-9A6DE998D4CB}"/>
+          <p:cNvPr id="1063" name="Oval 1062">
+            <a:extLst>
+              <a:ext uri="{FF2B5EF4-FFF2-40B4-BE49-F238E27FC236}">
+                <a16:creationId xmlns:a16="http://schemas.microsoft.com/office/drawing/2014/main" id="{EA92D02E-331B-B6B8-5247-1AFA99ABDC45}"/>
               </a:ext>
             </a:extLst>
           </p:cNvPr>
@@ -10964,14 +11005,14 @@
         </p:nvSpPr>
         <p:spPr>
           <a:xfrm>
-            <a:off x="7416001" y="7410355"/>
-            <a:ext cx="141515" cy="130629"/>
+            <a:off x="7379367" y="7630954"/>
+            <a:ext cx="160171" cy="147382"/>
           </a:xfrm>
           <a:prstGeom prst="ellipse">
             <a:avLst/>
           </a:prstGeom>
           <a:solidFill>
-            <a:srgbClr val="B2172B"/>
+            <a:srgbClr val="F3CABA"/>
           </a:solidFill>
           <a:ln w="19050">
             <a:solidFill>
@@ -11012,10 +11053,10 @@
       </p:sp>
       <p:sp>
         <p:nvSpPr>
-          <p:cNvPr id="1062" name="Oval 1061">
-            <a:extLst>
-              <a:ext uri="{FF2B5EF4-FFF2-40B4-BE49-F238E27FC236}">
-                <a16:creationId xmlns:a16="http://schemas.microsoft.com/office/drawing/2014/main" id="{746D4208-CECA-D292-2444-98499F23E5DD}"/>
+          <p:cNvPr id="1064" name="Oval 1063">
+            <a:extLst>
+              <a:ext uri="{FF2B5EF4-FFF2-40B4-BE49-F238E27FC236}">
+                <a16:creationId xmlns:a16="http://schemas.microsoft.com/office/drawing/2014/main" id="{4DB40CC1-3434-CAA9-DD60-C2C6017D5675}"/>
               </a:ext>
             </a:extLst>
           </p:cNvPr>
@@ -11024,8 +11065,8 @@
         </p:nvSpPr>
         <p:spPr>
           <a:xfrm>
-            <a:off x="7208163" y="7605619"/>
-            <a:ext cx="141515" cy="130629"/>
+            <a:off x="6537155" y="8431580"/>
+            <a:ext cx="160171" cy="147382"/>
           </a:xfrm>
           <a:prstGeom prst="ellipse">
             <a:avLst/>
@@ -11072,10 +11113,10 @@
       </p:sp>
       <p:sp>
         <p:nvSpPr>
-          <p:cNvPr id="1063" name="Oval 1062">
-            <a:extLst>
-              <a:ext uri="{FF2B5EF4-FFF2-40B4-BE49-F238E27FC236}">
-                <a16:creationId xmlns:a16="http://schemas.microsoft.com/office/drawing/2014/main" id="{EA92D02E-331B-B6B8-5247-1AFA99ABDC45}"/>
+          <p:cNvPr id="1065" name="Oval 1064">
+            <a:extLst>
+              <a:ext uri="{FF2B5EF4-FFF2-40B4-BE49-F238E27FC236}">
+                <a16:creationId xmlns:a16="http://schemas.microsoft.com/office/drawing/2014/main" id="{4481A440-9345-0746-716B-94CC8F474C85}"/>
               </a:ext>
             </a:extLst>
           </p:cNvPr>
@@ -11084,8 +11125,8 @@
         </p:nvSpPr>
         <p:spPr>
           <a:xfrm>
-            <a:off x="7040999" y="7786594"/>
-            <a:ext cx="141515" cy="130629"/>
+            <a:off x="6817167" y="8152169"/>
+            <a:ext cx="160171" cy="147382"/>
           </a:xfrm>
           <a:prstGeom prst="ellipse">
             <a:avLst/>
@@ -11132,10 +11173,10 @@
       </p:sp>
       <p:sp>
         <p:nvSpPr>
-          <p:cNvPr id="1064" name="Oval 1063">
-            <a:extLst>
-              <a:ext uri="{FF2B5EF4-FFF2-40B4-BE49-F238E27FC236}">
-                <a16:creationId xmlns:a16="http://schemas.microsoft.com/office/drawing/2014/main" id="{4DB40CC1-3434-CAA9-DD60-C2C6017D5675}"/>
+          <p:cNvPr id="1066" name="Oval 1065">
+            <a:extLst>
+              <a:ext uri="{FF2B5EF4-FFF2-40B4-BE49-F238E27FC236}">
+                <a16:creationId xmlns:a16="http://schemas.microsoft.com/office/drawing/2014/main" id="{81CBDB01-C765-7672-492F-326061403CEB}"/>
               </a:ext>
             </a:extLst>
           </p:cNvPr>
@@ -11144,8 +11185,8 @@
         </p:nvSpPr>
         <p:spPr>
           <a:xfrm>
-            <a:off x="6296883" y="8496212"/>
-            <a:ext cx="141515" cy="130629"/>
+            <a:off x="7681389" y="7312322"/>
+            <a:ext cx="160171" cy="147382"/>
           </a:xfrm>
           <a:prstGeom prst="ellipse">
             <a:avLst/>
@@ -11154,9 +11195,7 @@
             <a:srgbClr val="F3CABA"/>
           </a:solidFill>
           <a:ln w="19050">
-            <a:solidFill>
-              <a:schemeClr val="tx1"/>
-            </a:solidFill>
+            <a:noFill/>
           </a:ln>
         </p:spPr>
         <p:style>
@@ -11192,10 +11231,10 @@
       </p:sp>
       <p:sp>
         <p:nvSpPr>
-          <p:cNvPr id="1065" name="Oval 1064">
-            <a:extLst>
-              <a:ext uri="{FF2B5EF4-FFF2-40B4-BE49-F238E27FC236}">
-                <a16:creationId xmlns:a16="http://schemas.microsoft.com/office/drawing/2014/main" id="{4481A440-9345-0746-716B-94CC8F474C85}"/>
+          <p:cNvPr id="1069" name="Oval 1068">
+            <a:extLst>
+              <a:ext uri="{FF2B5EF4-FFF2-40B4-BE49-F238E27FC236}">
+                <a16:creationId xmlns:a16="http://schemas.microsoft.com/office/drawing/2014/main" id="{59A71674-4F09-0D22-11D4-43D7926733FF}"/>
               </a:ext>
             </a:extLst>
           </p:cNvPr>
@@ -11204,19 +11243,17 @@
         </p:nvSpPr>
         <p:spPr>
           <a:xfrm>
-            <a:off x="6544281" y="8248562"/>
-            <a:ext cx="141515" cy="130629"/>
+            <a:off x="7025181" y="7965300"/>
+            <a:ext cx="160171" cy="147382"/>
           </a:xfrm>
           <a:prstGeom prst="ellipse">
             <a:avLst/>
           </a:prstGeom>
           <a:solidFill>
-            <a:srgbClr val="F3CABA"/>
+            <a:srgbClr val="9C9EBE"/>
           </a:solidFill>
           <a:ln w="19050">
-            <a:solidFill>
-              <a:schemeClr val="tx1"/>
-            </a:solidFill>
+            <a:noFill/>
           </a:ln>
         </p:spPr>
         <p:style>
@@ -11250,122 +11287,6 @@
           </a:p>
         </p:txBody>
       </p:sp>
-      <p:sp>
-        <p:nvSpPr>
-          <p:cNvPr id="1066" name="Oval 1065">
-            <a:extLst>
-              <a:ext uri="{FF2B5EF4-FFF2-40B4-BE49-F238E27FC236}">
-                <a16:creationId xmlns:a16="http://schemas.microsoft.com/office/drawing/2014/main" id="{81CBDB01-C765-7672-492F-326061403CEB}"/>
-              </a:ext>
-            </a:extLst>
-          </p:cNvPr>
-          <p:cNvSpPr/>
-          <p:nvPr/>
-        </p:nvSpPr>
-        <p:spPr>
-          <a:xfrm>
-            <a:off x="7307844" y="7504182"/>
-            <a:ext cx="141515" cy="130629"/>
-          </a:xfrm>
-          <a:prstGeom prst="ellipse">
-            <a:avLst/>
-          </a:prstGeom>
-          <a:solidFill>
-            <a:srgbClr val="F3CABA"/>
-          </a:solidFill>
-          <a:ln w="19050">
-            <a:noFill/>
-          </a:ln>
-        </p:spPr>
-        <p:style>
-          <a:lnRef idx="2">
-            <a:schemeClr val="accent1">
-              <a:shade val="50000"/>
-            </a:schemeClr>
-          </a:lnRef>
-          <a:fillRef idx="1">
-            <a:schemeClr val="accent1"/>
-          </a:fillRef>
-          <a:effectRef idx="0">
-            <a:schemeClr val="accent1"/>
-          </a:effectRef>
-          <a:fontRef idx="minor">
-            <a:schemeClr val="lt1"/>
-          </a:fontRef>
-        </p:style>
-        <p:txBody>
-          <a:bodyPr rtlCol="0" anchor="ctr"/>
-          <a:lstStyle/>
-          <a:p>
-            <a:pPr algn="ctr"/>
-            <a:endParaRPr lang="en-US">
-              <a:solidFill>
-                <a:schemeClr val="accent2">
-                  <a:lumMod val="50000"/>
-                </a:schemeClr>
-              </a:solidFill>
-            </a:endParaRPr>
-          </a:p>
-        </p:txBody>
-      </p:sp>
-      <p:sp>
-        <p:nvSpPr>
-          <p:cNvPr id="1069" name="Oval 1068">
-            <a:extLst>
-              <a:ext uri="{FF2B5EF4-FFF2-40B4-BE49-F238E27FC236}">
-                <a16:creationId xmlns:a16="http://schemas.microsoft.com/office/drawing/2014/main" id="{59A71674-4F09-0D22-11D4-43D7926733FF}"/>
-              </a:ext>
-            </a:extLst>
-          </p:cNvPr>
-          <p:cNvSpPr/>
-          <p:nvPr/>
-        </p:nvSpPr>
-        <p:spPr>
-          <a:xfrm>
-            <a:off x="6728067" y="8082935"/>
-            <a:ext cx="141515" cy="130629"/>
-          </a:xfrm>
-          <a:prstGeom prst="ellipse">
-            <a:avLst/>
-          </a:prstGeom>
-          <a:solidFill>
-            <a:srgbClr val="9C9EBE"/>
-          </a:solidFill>
-          <a:ln w="19050">
-            <a:noFill/>
-          </a:ln>
-        </p:spPr>
-        <p:style>
-          <a:lnRef idx="2">
-            <a:schemeClr val="accent1">
-              <a:shade val="50000"/>
-            </a:schemeClr>
-          </a:lnRef>
-          <a:fillRef idx="1">
-            <a:schemeClr val="accent1"/>
-          </a:fillRef>
-          <a:effectRef idx="0">
-            <a:schemeClr val="accent1"/>
-          </a:effectRef>
-          <a:fontRef idx="minor">
-            <a:schemeClr val="lt1"/>
-          </a:fontRef>
-        </p:style>
-        <p:txBody>
-          <a:bodyPr rtlCol="0" anchor="ctr"/>
-          <a:lstStyle/>
-          <a:p>
-            <a:pPr algn="ctr"/>
-            <a:endParaRPr lang="en-US">
-              <a:solidFill>
-                <a:schemeClr val="accent2">
-                  <a:lumMod val="50000"/>
-                </a:schemeClr>
-              </a:solidFill>
-            </a:endParaRPr>
-          </a:p>
-        </p:txBody>
-      </p:sp>
       <p:grpSp>
         <p:nvGrpSpPr>
           <p:cNvPr id="5" name="Group 4">
@@ -11380,8 +11301,8 @@
         </p:nvGrpSpPr>
         <p:grpSpPr>
           <a:xfrm>
-            <a:off x="10127199" y="6888147"/>
-            <a:ext cx="3024597" cy="1101530"/>
+            <a:off x="10457352" y="6830165"/>
+            <a:ext cx="3024597" cy="1305849"/>
             <a:chOff x="8524560" y="6991381"/>
             <a:chExt cx="2682403" cy="1101530"/>
           </a:xfrm>
@@ -11613,7 +11534,7 @@
         </p:nvSpPr>
         <p:spPr>
           <a:xfrm>
-            <a:off x="10315220" y="7769732"/>
+            <a:off x="10702523" y="7782089"/>
             <a:ext cx="1979542" cy="527839"/>
           </a:xfrm>
           <a:prstGeom prst="ellipse">
@@ -12266,7 +12187,7 @@
         </p:nvGrpSpPr>
         <p:grpSpPr>
           <a:xfrm>
-            <a:off x="9493954" y="7392408"/>
+            <a:off x="9881257" y="7369596"/>
             <a:ext cx="444660" cy="1384995"/>
             <a:chOff x="9460088" y="7144053"/>
             <a:chExt cx="444660" cy="1384995"/>
@@ -12919,6 +12840,169 @@
           </a:prstGeom>
         </p:spPr>
       </p:pic>
+      <p:sp>
+        <p:nvSpPr>
+          <p:cNvPr id="55" name="TextBox 54">
+            <a:extLst>
+              <a:ext uri="{FF2B5EF4-FFF2-40B4-BE49-F238E27FC236}">
+                <a16:creationId xmlns:a16="http://schemas.microsoft.com/office/drawing/2014/main" id="{86D9514E-E554-6334-2B8B-151DC97DE63C}"/>
+              </a:ext>
+            </a:extLst>
+          </p:cNvPr>
+          <p:cNvSpPr txBox="1"/>
+          <p:nvPr/>
+        </p:nvSpPr>
+        <p:spPr>
+          <a:xfrm>
+            <a:off x="6087672" y="5366952"/>
+            <a:ext cx="305170" cy="3108543"/>
+          </a:xfrm>
+          <a:prstGeom prst="rect">
+            <a:avLst/>
+          </a:prstGeom>
+          <a:noFill/>
+        </p:spPr>
+        <p:txBody>
+          <a:bodyPr wrap="square" rtlCol="0">
+            <a:spAutoFit/>
+          </a:bodyPr>
+          <a:lstStyle/>
+          <a:p>
+            <a:endParaRPr lang="en-US" sz="1400" dirty="0">
+              <a:latin typeface="Arial" panose="020B0604020202020204" pitchFamily="34" charset="0"/>
+              <a:cs typeface="Arial" panose="020B0604020202020204" pitchFamily="34" charset="0"/>
+            </a:endParaRPr>
+          </a:p>
+          <a:p>
+            <a:endParaRPr lang="en-US" sz="1400" dirty="0">
+              <a:latin typeface="Arial" panose="020B0604020202020204" pitchFamily="34" charset="0"/>
+              <a:cs typeface="Arial" panose="020B0604020202020204" pitchFamily="34" charset="0"/>
+            </a:endParaRPr>
+          </a:p>
+          <a:p>
+            <a:endParaRPr lang="en-US" sz="1400" dirty="0">
+              <a:latin typeface="Arial" panose="020B0604020202020204" pitchFamily="34" charset="0"/>
+              <a:cs typeface="Arial" panose="020B0604020202020204" pitchFamily="34" charset="0"/>
+            </a:endParaRPr>
+          </a:p>
+          <a:p>
+            <a:r>
+              <a:rPr lang="en-US" sz="1400" dirty="0">
+                <a:latin typeface="Arial" panose="020B0604020202020204" pitchFamily="34" charset="0"/>
+                <a:cs typeface="Arial" panose="020B0604020202020204" pitchFamily="34" charset="0"/>
+              </a:rPr>
+              <a:t>4</a:t>
+            </a:r>
+          </a:p>
+          <a:p>
+            <a:endParaRPr lang="en-US" sz="1400" dirty="0">
+              <a:latin typeface="Arial" panose="020B0604020202020204" pitchFamily="34" charset="0"/>
+              <a:cs typeface="Arial" panose="020B0604020202020204" pitchFamily="34" charset="0"/>
+            </a:endParaRPr>
+          </a:p>
+          <a:p>
+            <a:endParaRPr lang="en-US" sz="1400" dirty="0">
+              <a:latin typeface="Arial" panose="020B0604020202020204" pitchFamily="34" charset="0"/>
+              <a:cs typeface="Arial" panose="020B0604020202020204" pitchFamily="34" charset="0"/>
+            </a:endParaRPr>
+          </a:p>
+          <a:p>
+            <a:r>
+              <a:rPr lang="en-US" sz="1400" dirty="0">
+                <a:latin typeface="Arial" panose="020B0604020202020204" pitchFamily="34" charset="0"/>
+                <a:cs typeface="Arial" panose="020B0604020202020204" pitchFamily="34" charset="0"/>
+              </a:rPr>
+              <a:t>3</a:t>
+            </a:r>
+          </a:p>
+          <a:p>
+            <a:endParaRPr lang="en-US" sz="1400" dirty="0">
+              <a:latin typeface="Arial" panose="020B0604020202020204" pitchFamily="34" charset="0"/>
+              <a:cs typeface="Arial" panose="020B0604020202020204" pitchFamily="34" charset="0"/>
+            </a:endParaRPr>
+          </a:p>
+          <a:p>
+            <a:endParaRPr lang="en-US" sz="1300" dirty="0">
+              <a:latin typeface="Arial" panose="020B0604020202020204" pitchFamily="34" charset="0"/>
+              <a:cs typeface="Arial" panose="020B0604020202020204" pitchFamily="34" charset="0"/>
+            </a:endParaRPr>
+          </a:p>
+          <a:p>
+            <a:r>
+              <a:rPr lang="en-US" sz="1400" dirty="0">
+                <a:latin typeface="Arial" panose="020B0604020202020204" pitchFamily="34" charset="0"/>
+                <a:cs typeface="Arial" panose="020B0604020202020204" pitchFamily="34" charset="0"/>
+              </a:rPr>
+              <a:t>2</a:t>
+            </a:r>
+          </a:p>
+          <a:p>
+            <a:endParaRPr lang="en-US" sz="1400" dirty="0">
+              <a:latin typeface="Arial" panose="020B0604020202020204" pitchFamily="34" charset="0"/>
+              <a:cs typeface="Arial" panose="020B0604020202020204" pitchFamily="34" charset="0"/>
+            </a:endParaRPr>
+          </a:p>
+          <a:p>
+            <a:endParaRPr lang="en-US" sz="1300" dirty="0">
+              <a:latin typeface="Arial" panose="020B0604020202020204" pitchFamily="34" charset="0"/>
+              <a:cs typeface="Arial" panose="020B0604020202020204" pitchFamily="34" charset="0"/>
+            </a:endParaRPr>
+          </a:p>
+          <a:p>
+            <a:r>
+              <a:rPr lang="en-US" sz="1400" dirty="0">
+                <a:latin typeface="Arial" panose="020B0604020202020204" pitchFamily="34" charset="0"/>
+                <a:cs typeface="Arial" panose="020B0604020202020204" pitchFamily="34" charset="0"/>
+              </a:rPr>
+              <a:t>1</a:t>
+            </a:r>
+          </a:p>
+          <a:p>
+            <a:endParaRPr lang="en-US" sz="1400" dirty="0">
+              <a:latin typeface="Arial" panose="020B0604020202020204" pitchFamily="34" charset="0"/>
+              <a:cs typeface="Arial" panose="020B0604020202020204" pitchFamily="34" charset="0"/>
+            </a:endParaRPr>
+          </a:p>
+        </p:txBody>
+      </p:sp>
+      <p:sp>
+        <p:nvSpPr>
+          <p:cNvPr id="56" name="TextBox 55">
+            <a:extLst>
+              <a:ext uri="{FF2B5EF4-FFF2-40B4-BE49-F238E27FC236}">
+                <a16:creationId xmlns:a16="http://schemas.microsoft.com/office/drawing/2014/main" id="{CCB6A9B7-2A90-1B83-A778-00B3174235D1}"/>
+              </a:ext>
+            </a:extLst>
+          </p:cNvPr>
+          <p:cNvSpPr txBox="1"/>
+          <p:nvPr/>
+        </p:nvSpPr>
+        <p:spPr>
+          <a:xfrm>
+            <a:off x="7004664" y="8700542"/>
+            <a:ext cx="3272957" cy="307777"/>
+          </a:xfrm>
+          <a:prstGeom prst="rect">
+            <a:avLst/>
+          </a:prstGeom>
+          <a:noFill/>
+        </p:spPr>
+        <p:txBody>
+          <a:bodyPr wrap="square" rtlCol="0">
+            <a:spAutoFit/>
+          </a:bodyPr>
+          <a:lstStyle/>
+          <a:p>
+            <a:r>
+              <a:rPr lang="en-US" sz="1400" dirty="0">
+                <a:latin typeface="Arial" panose="020B0604020202020204" pitchFamily="34" charset="0"/>
+                <a:cs typeface="Arial" panose="020B0604020202020204" pitchFamily="34" charset="0"/>
+              </a:rPr>
+              <a:t>1          2          3          4             </a:t>
+            </a:r>
+          </a:p>
+        </p:txBody>
+      </p:sp>
     </p:spTree>
     <p:extLst>
       <p:ext uri="{BB962C8B-B14F-4D97-AF65-F5344CB8AC3E}">
@@ -12951,10 +13035,10 @@
       </p:grpSpPr>
       <p:pic>
         <p:nvPicPr>
-          <p:cNvPr id="63" name="Picture 62" descr="A comparison of a number of objects&#10;&#10;Description automatically generated with medium confidence">
-            <a:extLst>
-              <a:ext uri="{FF2B5EF4-FFF2-40B4-BE49-F238E27FC236}">
-                <a16:creationId xmlns:a16="http://schemas.microsoft.com/office/drawing/2014/main" id="{5A1BFFD5-FFA3-1934-DC4A-4FB8DB4749DC}"/>
+          <p:cNvPr id="31" name="Picture 30" descr="A comparison of a graph&#10;&#10;Description automatically generated with medium confidence">
+            <a:extLst>
+              <a:ext uri="{FF2B5EF4-FFF2-40B4-BE49-F238E27FC236}">
+                <a16:creationId xmlns:a16="http://schemas.microsoft.com/office/drawing/2014/main" id="{FD967F5D-40FB-9A39-587D-9FD92A58B836}"/>
               </a:ext>
             </a:extLst>
           </p:cNvPr>
@@ -12964,14 +13048,14 @@
           <p:nvPr/>
         </p:nvPicPr>
         <p:blipFill rotWithShape="1">
-          <a:blip r:embed="rId2"/>
-          <a:srcRect l="53972"/>
+          <a:blip r:embed="rId3"/>
+          <a:srcRect l="54016"/>
           <a:stretch/>
         </p:blipFill>
         <p:spPr>
           <a:xfrm>
-            <a:off x="5443369" y="9905654"/>
-            <a:ext cx="3621350" cy="3810346"/>
+            <a:off x="5446644" y="9892215"/>
+            <a:ext cx="3624290" cy="3817160"/>
           </a:xfrm>
           <a:prstGeom prst="rect">
             <a:avLst/>
@@ -12980,10 +13064,10 @@
       </p:pic>
       <p:pic>
         <p:nvPicPr>
-          <p:cNvPr id="62" name="Picture 61" descr="A comparison of a number of objects&#10;&#10;Description automatically generated with medium confidence">
-            <a:extLst>
-              <a:ext uri="{FF2B5EF4-FFF2-40B4-BE49-F238E27FC236}">
-                <a16:creationId xmlns:a16="http://schemas.microsoft.com/office/drawing/2014/main" id="{5F3B0331-B4AC-A356-07DA-E370DC138332}"/>
+          <p:cNvPr id="30" name="Picture 29" descr="A comparison of a graph&#10;&#10;Description automatically generated with medium confidence">
+            <a:extLst>
+              <a:ext uri="{FF2B5EF4-FFF2-40B4-BE49-F238E27FC236}">
+                <a16:creationId xmlns:a16="http://schemas.microsoft.com/office/drawing/2014/main" id="{5D074197-EA9A-99A3-D218-C3A8314A74AD}"/>
               </a:ext>
             </a:extLst>
           </p:cNvPr>
@@ -12993,99 +13077,107 @@
           <p:nvPr/>
         </p:nvPicPr>
         <p:blipFill rotWithShape="1">
-          <a:blip r:embed="rId2"/>
-          <a:srcRect r="50928"/>
+          <a:blip r:embed="rId3"/>
+          <a:srcRect r="51314"/>
           <a:stretch/>
         </p:blipFill>
         <p:spPr>
           <a:xfrm>
-            <a:off x="1593300" y="9905654"/>
-            <a:ext cx="3860827" cy="3810346"/>
+            <a:off x="1601348" y="9898841"/>
+            <a:ext cx="3837344" cy="3817160"/>
           </a:xfrm>
           <a:prstGeom prst="rect">
             <a:avLst/>
           </a:prstGeom>
         </p:spPr>
       </p:pic>
-      <p:grpSp>
-        <p:nvGrpSpPr>
-          <p:cNvPr id="4" name="Group 3">
-            <a:extLst>
-              <a:ext uri="{FF2B5EF4-FFF2-40B4-BE49-F238E27FC236}">
-                <a16:creationId xmlns:a16="http://schemas.microsoft.com/office/drawing/2014/main" id="{5A977331-3A10-2AA2-4159-A41771328D12}"/>
-              </a:ext>
-            </a:extLst>
-          </p:cNvPr>
-          <p:cNvGrpSpPr/>
-          <p:nvPr/>
-        </p:nvGrpSpPr>
-        <p:grpSpPr>
-          <a:xfrm>
-            <a:off x="1532186" y="5608977"/>
-            <a:ext cx="7973267" cy="3942721"/>
-            <a:chOff x="9605032" y="8887755"/>
-            <a:chExt cx="7973267" cy="3942721"/>
-          </a:xfrm>
-        </p:grpSpPr>
-        <p:pic>
-          <p:nvPicPr>
-            <p:cNvPr id="5" name="Picture 4" descr="A comparison of a number of numbers&#10;&#10;Description automatically generated with medium confidence">
-              <a:extLst>
-                <a:ext uri="{FF2B5EF4-FFF2-40B4-BE49-F238E27FC236}">
-                  <a16:creationId xmlns:a16="http://schemas.microsoft.com/office/drawing/2014/main" id="{D66EF849-EEA1-95C3-43D5-8A8403E45E43}"/>
-                </a:ext>
-              </a:extLst>
-            </p:cNvPr>
-            <p:cNvPicPr>
-              <a:picLocks noChangeAspect="1"/>
-            </p:cNvPicPr>
-            <p:nvPr/>
-          </p:nvPicPr>
-          <p:blipFill rotWithShape="1">
-            <a:blip r:embed="rId3"/>
-            <a:srcRect r="50802"/>
-            <a:stretch/>
-          </p:blipFill>
-          <p:spPr>
-            <a:xfrm>
-              <a:off x="9605032" y="8887755"/>
-              <a:ext cx="4124031" cy="3942721"/>
-            </a:xfrm>
-            <a:prstGeom prst="rect">
-              <a:avLst/>
-            </a:prstGeom>
-          </p:spPr>
-        </p:pic>
-        <p:pic>
-          <p:nvPicPr>
-            <p:cNvPr id="6" name="Picture 5" descr="A comparison of a number of numbers&#10;&#10;Description automatically generated with medium confidence">
-              <a:extLst>
-                <a:ext uri="{FF2B5EF4-FFF2-40B4-BE49-F238E27FC236}">
-                  <a16:creationId xmlns:a16="http://schemas.microsoft.com/office/drawing/2014/main" id="{090CD19D-8A6D-BAC7-8064-B5ECD60EE85D}"/>
-                </a:ext>
-              </a:extLst>
-            </p:cNvPr>
-            <p:cNvPicPr>
-              <a:picLocks noChangeAspect="1"/>
-            </p:cNvPicPr>
-            <p:nvPr/>
-          </p:nvPicPr>
-          <p:blipFill rotWithShape="1">
-            <a:blip r:embed="rId3"/>
-            <a:srcRect l="53769"/>
-            <a:stretch/>
-          </p:blipFill>
-          <p:spPr>
-            <a:xfrm>
-              <a:off x="13702939" y="8887755"/>
-              <a:ext cx="3875360" cy="3942721"/>
-            </a:xfrm>
-            <a:prstGeom prst="rect">
-              <a:avLst/>
-            </a:prstGeom>
-          </p:spPr>
-        </p:pic>
-      </p:grpSp>
+      <p:pic>
+        <p:nvPicPr>
+          <p:cNvPr id="21" name="Picture 20" descr="A comparison of a number of numbers and a number of numbers&#10;&#10;Description automatically generated with medium confidence">
+            <a:extLst>
+              <a:ext uri="{FF2B5EF4-FFF2-40B4-BE49-F238E27FC236}">
+                <a16:creationId xmlns:a16="http://schemas.microsoft.com/office/drawing/2014/main" id="{C17B695D-04FD-663D-8510-93C8A73C9C50}"/>
+              </a:ext>
+            </a:extLst>
+          </p:cNvPr>
+          <p:cNvPicPr>
+            <a:picLocks noChangeAspect="1"/>
+          </p:cNvPicPr>
+          <p:nvPr/>
+        </p:nvPicPr>
+        <p:blipFill rotWithShape="1">
+          <a:blip r:embed="rId4"/>
+          <a:srcRect l="53663"/>
+          <a:stretch/>
+        </p:blipFill>
+        <p:spPr>
+          <a:xfrm>
+            <a:off x="5649239" y="5616433"/>
+            <a:ext cx="3885156" cy="3943626"/>
+          </a:xfrm>
+          <a:prstGeom prst="rect">
+            <a:avLst/>
+          </a:prstGeom>
+        </p:spPr>
+      </p:pic>
+      <p:pic>
+        <p:nvPicPr>
+          <p:cNvPr id="20" name="Picture 19" descr="A comparison of a number of numbers and a number of numbers&#10;&#10;Description automatically generated with medium confidence">
+            <a:extLst>
+              <a:ext uri="{FF2B5EF4-FFF2-40B4-BE49-F238E27FC236}">
+                <a16:creationId xmlns:a16="http://schemas.microsoft.com/office/drawing/2014/main" id="{2F16FE57-1DD9-5FA1-18C7-797869B49C16}"/>
+              </a:ext>
+            </a:extLst>
+          </p:cNvPr>
+          <p:cNvPicPr>
+            <a:picLocks noChangeAspect="1"/>
+          </p:cNvPicPr>
+          <p:nvPr/>
+        </p:nvPicPr>
+        <p:blipFill rotWithShape="1">
+          <a:blip r:embed="rId4"/>
+          <a:srcRect r="51093"/>
+          <a:stretch/>
+        </p:blipFill>
+        <p:spPr>
+          <a:xfrm>
+            <a:off x="1536124" y="5601819"/>
+            <a:ext cx="4100588" cy="3943626"/>
+          </a:xfrm>
+          <a:prstGeom prst="rect">
+            <a:avLst/>
+          </a:prstGeom>
+        </p:spPr>
+      </p:pic>
+      <p:pic>
+        <p:nvPicPr>
+          <p:cNvPr id="18" name="Picture 17" descr="A graph of a number of points&#10;&#10;Description automatically generated with medium confidence">
+            <a:extLst>
+              <a:ext uri="{FF2B5EF4-FFF2-40B4-BE49-F238E27FC236}">
+                <a16:creationId xmlns:a16="http://schemas.microsoft.com/office/drawing/2014/main" id="{75729CAA-DB62-8B43-1DE2-11E16E7B7FDF}"/>
+              </a:ext>
+            </a:extLst>
+          </p:cNvPr>
+          <p:cNvPicPr>
+            <a:picLocks noChangeAspect="1"/>
+          </p:cNvPicPr>
+          <p:nvPr/>
+        </p:nvPicPr>
+        <p:blipFill rotWithShape="1">
+          <a:blip r:embed="rId5"/>
+          <a:srcRect r="12855"/>
+          <a:stretch/>
+        </p:blipFill>
+        <p:spPr>
+          <a:xfrm>
+            <a:off x="937549" y="967139"/>
+            <a:ext cx="8370520" cy="4116545"/>
+          </a:xfrm>
+          <a:prstGeom prst="rect">
+            <a:avLst/>
+          </a:prstGeom>
+        </p:spPr>
+      </p:pic>
       <p:sp>
         <p:nvSpPr>
           <p:cNvPr id="7" name="TextBox 6">
@@ -13144,7 +13236,7 @@
         </p:nvSpPr>
         <p:spPr>
           <a:xfrm>
-            <a:off x="5772261" y="5589557"/>
+            <a:off x="5797313" y="5589557"/>
             <a:ext cx="569481" cy="338554"/>
           </a:xfrm>
           <a:prstGeom prst="rect">
@@ -13297,7 +13389,7 @@
             <p:nvPr/>
           </p:nvPicPr>
           <p:blipFill rotWithShape="1">
-            <a:blip r:embed="rId4"/>
+            <a:blip r:embed="rId6"/>
             <a:srcRect t="53824" b="14354"/>
             <a:stretch/>
           </p:blipFill>
@@ -13346,7 +13438,7 @@
               <p:nvPr/>
             </p:nvPicPr>
             <p:blipFill rotWithShape="1">
-              <a:blip r:embed="rId4"/>
+              <a:blip r:embed="rId6"/>
               <a:srcRect t="39218" b="47132"/>
               <a:stretch/>
             </p:blipFill>
@@ -13375,7 +13467,7 @@
               <p:nvPr/>
             </p:nvPicPr>
             <p:blipFill rotWithShape="1">
-              <a:blip r:embed="rId4"/>
+              <a:blip r:embed="rId6"/>
               <a:srcRect t="44870" b="50957"/>
               <a:stretch/>
             </p:blipFill>
@@ -13390,243 +13482,6 @@
             </p:spPr>
           </p:pic>
         </p:grpSp>
-      </p:grpSp>
-      <p:grpSp>
-        <p:nvGrpSpPr>
-          <p:cNvPr id="39" name="Group 38">
-            <a:extLst>
-              <a:ext uri="{FF2B5EF4-FFF2-40B4-BE49-F238E27FC236}">
-                <a16:creationId xmlns:a16="http://schemas.microsoft.com/office/drawing/2014/main" id="{DBFA5765-5379-C65F-1ADE-7CA7118C7A72}"/>
-              </a:ext>
-            </a:extLst>
-          </p:cNvPr>
-          <p:cNvGrpSpPr/>
-          <p:nvPr/>
-        </p:nvGrpSpPr>
-        <p:grpSpPr>
-          <a:xfrm>
-            <a:off x="10325935" y="7032127"/>
-            <a:ext cx="3394419" cy="896594"/>
-            <a:chOff x="8524560" y="7105104"/>
-            <a:chExt cx="2682403" cy="760350"/>
-          </a:xfrm>
-        </p:grpSpPr>
-        <p:sp>
-          <p:nvSpPr>
-            <p:cNvPr id="40" name="Oval 39">
-              <a:extLst>
-                <a:ext uri="{FF2B5EF4-FFF2-40B4-BE49-F238E27FC236}">
-                  <a16:creationId xmlns:a16="http://schemas.microsoft.com/office/drawing/2014/main" id="{84E38108-195F-3969-7BD2-B2A38B7FCCB0}"/>
-                </a:ext>
-              </a:extLst>
-            </p:cNvPr>
-            <p:cNvSpPr/>
-            <p:nvPr/>
-          </p:nvSpPr>
-          <p:spPr>
-            <a:xfrm>
-              <a:off x="8524560" y="7462734"/>
-              <a:ext cx="2682403" cy="355600"/>
-            </a:xfrm>
-            <a:prstGeom prst="ellipse">
-              <a:avLst/>
-            </a:prstGeom>
-            <a:noFill/>
-            <a:ln>
-              <a:noFill/>
-            </a:ln>
-          </p:spPr>
-          <p:style>
-            <a:lnRef idx="2">
-              <a:schemeClr val="accent1">
-                <a:shade val="50000"/>
-              </a:schemeClr>
-            </a:lnRef>
-            <a:fillRef idx="1">
-              <a:schemeClr val="accent1"/>
-            </a:fillRef>
-            <a:effectRef idx="0">
-              <a:schemeClr val="accent1"/>
-            </a:effectRef>
-            <a:fontRef idx="minor">
-              <a:schemeClr val="lt1"/>
-            </a:fontRef>
-          </p:style>
-          <p:txBody>
-            <a:bodyPr rtlCol="0" anchor="ctr"/>
-            <a:lstStyle/>
-            <a:p>
-              <a:pPr algn="ctr"/>
-              <a:r>
-                <a:rPr lang="en-US" sz="1500" dirty="0">
-                  <a:solidFill>
-                    <a:sysClr val="windowText" lastClr="000000"/>
-                  </a:solidFill>
-                  <a:latin typeface="Arial" panose="020B0604020202020204" pitchFamily="34" charset="0"/>
-                  <a:cs typeface="Arial" panose="020B0604020202020204" pitchFamily="34" charset="0"/>
-                </a:rPr>
-                <a:t>Dispersal rate &lt; velocity of isotherm shift</a:t>
-              </a:r>
-            </a:p>
-            <a:p>
-              <a:pPr algn="ctr"/>
-              <a:endParaRPr lang="en-US" sz="1500" dirty="0">
-                <a:solidFill>
-                  <a:sysClr val="windowText" lastClr="000000"/>
-                </a:solidFill>
-                <a:latin typeface="Arial" panose="020B0604020202020204" pitchFamily="34" charset="0"/>
-                <a:cs typeface="Arial" panose="020B0604020202020204" pitchFamily="34" charset="0"/>
-              </a:endParaRPr>
-            </a:p>
-            <a:p>
-              <a:pPr algn="ctr"/>
-              <a:r>
-                <a:rPr lang="en-US" sz="1500" dirty="0">
-                  <a:solidFill>
-                    <a:sysClr val="windowText" lastClr="000000"/>
-                  </a:solidFill>
-                  <a:latin typeface="Arial" panose="020B0604020202020204" pitchFamily="34" charset="0"/>
-                  <a:cs typeface="Arial" panose="020B0604020202020204" pitchFamily="34" charset="0"/>
-                </a:rPr>
-                <a:t>Dispersal rate &gt; velocity of isotherm shift</a:t>
-              </a:r>
-            </a:p>
-            <a:p>
-              <a:pPr algn="ctr"/>
-              <a:endParaRPr lang="en-US" sz="1500" dirty="0">
-                <a:solidFill>
-                  <a:sysClr val="windowText" lastClr="000000"/>
-                </a:solidFill>
-                <a:latin typeface="Arial" panose="020B0604020202020204" pitchFamily="34" charset="0"/>
-                <a:cs typeface="Arial" panose="020B0604020202020204" pitchFamily="34" charset="0"/>
-              </a:endParaRPr>
-            </a:p>
-          </p:txBody>
-        </p:sp>
-        <p:sp>
-          <p:nvSpPr>
-            <p:cNvPr id="41" name="Oval 40">
-              <a:extLst>
-                <a:ext uri="{FF2B5EF4-FFF2-40B4-BE49-F238E27FC236}">
-                  <a16:creationId xmlns:a16="http://schemas.microsoft.com/office/drawing/2014/main" id="{EF1D8C11-FFF0-DAFE-A764-4D905687D305}"/>
-                </a:ext>
-              </a:extLst>
-            </p:cNvPr>
-            <p:cNvSpPr/>
-            <p:nvPr/>
-          </p:nvSpPr>
-          <p:spPr>
-            <a:xfrm>
-              <a:off x="8812638" y="7105104"/>
-              <a:ext cx="141515" cy="130629"/>
-            </a:xfrm>
-            <a:prstGeom prst="ellipse">
-              <a:avLst/>
-            </a:prstGeom>
-            <a:solidFill>
-              <a:schemeClr val="bg2"/>
-            </a:solidFill>
-            <a:ln w="19050">
-              <a:solidFill>
-                <a:schemeClr val="tx1"/>
-              </a:solidFill>
-            </a:ln>
-          </p:spPr>
-          <p:style>
-            <a:lnRef idx="2">
-              <a:schemeClr val="accent1">
-                <a:shade val="50000"/>
-              </a:schemeClr>
-            </a:lnRef>
-            <a:fillRef idx="1">
-              <a:schemeClr val="accent1"/>
-            </a:fillRef>
-            <a:effectRef idx="0">
-              <a:schemeClr val="accent1"/>
-            </a:effectRef>
-            <a:fontRef idx="minor">
-              <a:schemeClr val="lt1"/>
-            </a:fontRef>
-          </p:style>
-          <p:txBody>
-            <a:bodyPr rtlCol="0" anchor="ctr"/>
-            <a:lstStyle/>
-            <a:p>
-              <a:pPr algn="ctr"/>
-              <a:endParaRPr lang="en-US" sz="1500">
-                <a:solidFill>
-                  <a:schemeClr val="accent2">
-                    <a:lumMod val="50000"/>
-                  </a:schemeClr>
-                </a:solidFill>
-                <a:latin typeface="Arial" panose="020B0604020202020204" pitchFamily="34" charset="0"/>
-                <a:cs typeface="Arial" panose="020B0604020202020204" pitchFamily="34" charset="0"/>
-              </a:endParaRPr>
-            </a:p>
-          </p:txBody>
-        </p:sp>
-        <p:sp>
-          <p:nvSpPr>
-            <p:cNvPr id="42" name="Oval 41">
-              <a:extLst>
-                <a:ext uri="{FF2B5EF4-FFF2-40B4-BE49-F238E27FC236}">
-                  <a16:creationId xmlns:a16="http://schemas.microsoft.com/office/drawing/2014/main" id="{C34A499D-0A55-36AD-5AC1-DC726DC315A8}"/>
-                </a:ext>
-              </a:extLst>
-            </p:cNvPr>
-            <p:cNvSpPr/>
-            <p:nvPr/>
-          </p:nvSpPr>
-          <p:spPr>
-            <a:xfrm>
-              <a:off x="8812638" y="7734825"/>
-              <a:ext cx="141515" cy="130629"/>
-            </a:xfrm>
-            <a:prstGeom prst="ellipse">
-              <a:avLst/>
-            </a:prstGeom>
-            <a:solidFill>
-              <a:schemeClr val="bg2"/>
-            </a:solidFill>
-            <a:ln>
-              <a:solidFill>
-                <a:schemeClr val="bg2"/>
-              </a:solidFill>
-            </a:ln>
-          </p:spPr>
-          <p:style>
-            <a:lnRef idx="2">
-              <a:schemeClr val="accent1">
-                <a:shade val="50000"/>
-              </a:schemeClr>
-            </a:lnRef>
-            <a:fillRef idx="1">
-              <a:schemeClr val="accent1"/>
-            </a:fillRef>
-            <a:effectRef idx="0">
-              <a:schemeClr val="accent1"/>
-            </a:effectRef>
-            <a:fontRef idx="minor">
-              <a:schemeClr val="lt1"/>
-            </a:fontRef>
-          </p:style>
-          <p:txBody>
-            <a:bodyPr rtlCol="0" anchor="ctr"/>
-            <a:lstStyle/>
-            <a:p>
-              <a:pPr algn="ctr"/>
-              <a:endParaRPr lang="en-US" sz="1500" dirty="0">
-                <a:solidFill>
-                  <a:schemeClr val="accent2">
-                    <a:lumMod val="50000"/>
-                  </a:schemeClr>
-                </a:solidFill>
-                <a:latin typeface="Arial" panose="020B0604020202020204" pitchFamily="34" charset="0"/>
-                <a:cs typeface="Arial" panose="020B0604020202020204" pitchFamily="34" charset="0"/>
-              </a:endParaRPr>
-            </a:p>
-          </p:txBody>
-        </p:sp>
       </p:grpSp>
       <p:sp>
         <p:nvSpPr>
@@ -14076,35 +13931,6 @@
           </p:txBody>
         </p:sp>
       </p:grpSp>
-      <p:pic>
-        <p:nvPicPr>
-          <p:cNvPr id="55" name="Picture 54" descr="A graph of a speed limit&#10;&#10;Description automatically generated with medium confidence">
-            <a:extLst>
-              <a:ext uri="{FF2B5EF4-FFF2-40B4-BE49-F238E27FC236}">
-                <a16:creationId xmlns:a16="http://schemas.microsoft.com/office/drawing/2014/main" id="{6342B4BB-991E-657C-AD57-84E173C767A1}"/>
-              </a:ext>
-            </a:extLst>
-          </p:cNvPr>
-          <p:cNvPicPr>
-            <a:picLocks noChangeAspect="1"/>
-          </p:cNvPicPr>
-          <p:nvPr/>
-        </p:nvPicPr>
-        <p:blipFill rotWithShape="1">
-          <a:blip r:embed="rId5"/>
-          <a:srcRect t="52768" r="9760"/>
-          <a:stretch/>
-        </p:blipFill>
-        <p:spPr>
-          <a:xfrm>
-            <a:off x="9167866" y="11241742"/>
-            <a:ext cx="1091342" cy="2284826"/>
-          </a:xfrm>
-          <a:prstGeom prst="rect">
-            <a:avLst/>
-          </a:prstGeom>
-        </p:spPr>
-      </p:pic>
       <p:sp>
         <p:nvSpPr>
           <p:cNvPr id="64" name="TextBox 63">
@@ -14163,7 +13989,7 @@
         </p:nvSpPr>
         <p:spPr>
           <a:xfrm>
-            <a:off x="8419504" y="8604708"/>
+            <a:off x="8457082" y="8604708"/>
             <a:ext cx="989437" cy="307777"/>
           </a:xfrm>
           <a:prstGeom prst="rect">
@@ -14195,10 +14021,10 @@
       </p:sp>
       <p:pic>
         <p:nvPicPr>
-          <p:cNvPr id="67" name="Picture 66" descr="A graph of a speed limit&#10;&#10;Description automatically generated">
-            <a:extLst>
-              <a:ext uri="{FF2B5EF4-FFF2-40B4-BE49-F238E27FC236}">
-                <a16:creationId xmlns:a16="http://schemas.microsoft.com/office/drawing/2014/main" id="{79D98A51-28D8-4F0A-4C51-72763FC8A8DC}"/>
+          <p:cNvPr id="69" name="Picture 68" descr="A diagram of a number of birds&#10;&#10;Description automatically generated with medium confidence">
+            <a:extLst>
+              <a:ext uri="{FF2B5EF4-FFF2-40B4-BE49-F238E27FC236}">
+                <a16:creationId xmlns:a16="http://schemas.microsoft.com/office/drawing/2014/main" id="{64B7A782-5DDE-AADB-BFD5-4C7D0F662CB0}"/>
               </a:ext>
             </a:extLst>
           </p:cNvPr>
@@ -14208,65 +14034,7 @@
           <p:nvPr/>
         </p:nvPicPr>
         <p:blipFill rotWithShape="1">
-          <a:blip r:embed="rId4"/>
-          <a:srcRect t="39218" b="47132"/>
-          <a:stretch/>
-        </p:blipFill>
-        <p:spPr>
-          <a:xfrm>
-            <a:off x="8914781" y="10572974"/>
-            <a:ext cx="1252024" cy="683623"/>
-          </a:xfrm>
-          <a:prstGeom prst="rect">
-            <a:avLst/>
-          </a:prstGeom>
-        </p:spPr>
-      </p:pic>
-      <p:pic>
-        <p:nvPicPr>
-          <p:cNvPr id="68" name="Picture 67" descr="A graph of a speed limit&#10;&#10;Description automatically generated">
-            <a:extLst>
-              <a:ext uri="{FF2B5EF4-FFF2-40B4-BE49-F238E27FC236}">
-                <a16:creationId xmlns:a16="http://schemas.microsoft.com/office/drawing/2014/main" id="{CD61F50E-CD07-FD12-D0D5-9DAAEA0CFA45}"/>
-              </a:ext>
-            </a:extLst>
-          </p:cNvPr>
-          <p:cNvPicPr>
-            <a:picLocks noChangeAspect="1"/>
-          </p:cNvPicPr>
-          <p:nvPr/>
-        </p:nvPicPr>
-        <p:blipFill rotWithShape="1">
-          <a:blip r:embed="rId4"/>
-          <a:srcRect t="44870" b="50957"/>
-          <a:stretch/>
-        </p:blipFill>
-        <p:spPr>
-          <a:xfrm>
-            <a:off x="9001866" y="10851648"/>
-            <a:ext cx="1252024" cy="209005"/>
-          </a:xfrm>
-          <a:prstGeom prst="rect">
-            <a:avLst/>
-          </a:prstGeom>
-        </p:spPr>
-      </p:pic>
-      <p:pic>
-        <p:nvPicPr>
-          <p:cNvPr id="69" name="Picture 68" descr="A diagram of a number of birds&#10;&#10;Description automatically generated with medium confidence">
-            <a:extLst>
-              <a:ext uri="{FF2B5EF4-FFF2-40B4-BE49-F238E27FC236}">
-                <a16:creationId xmlns:a16="http://schemas.microsoft.com/office/drawing/2014/main" id="{64B7A782-5DDE-AADB-BFD5-4C7D0F662CB0}"/>
-              </a:ext>
-            </a:extLst>
-          </p:cNvPr>
-          <p:cNvPicPr>
-            <a:picLocks noChangeAspect="1"/>
-          </p:cNvPicPr>
-          <p:nvPr/>
-        </p:nvPicPr>
-        <p:blipFill rotWithShape="1">
-          <a:blip r:embed="rId6"/>
+          <a:blip r:embed="rId7"/>
           <a:srcRect l="79499" t="15321" r="6284" b="79206"/>
           <a:stretch/>
         </p:blipFill>
@@ -14295,7 +14063,7 @@
           <p:nvPr/>
         </p:nvPicPr>
         <p:blipFill rotWithShape="1">
-          <a:blip r:embed="rId6"/>
+          <a:blip r:embed="rId7"/>
           <a:srcRect l="79499" t="21815" r="6284" b="73640"/>
           <a:stretch/>
         </p:blipFill>
@@ -14324,7 +14092,7 @@
           <p:nvPr/>
         </p:nvPicPr>
         <p:blipFill rotWithShape="1">
-          <a:blip r:embed="rId6"/>
+          <a:blip r:embed="rId7"/>
           <a:srcRect l="79499" t="15321" r="6284" b="79206"/>
           <a:stretch/>
         </p:blipFill>
@@ -14353,7 +14121,7 @@
           <p:nvPr/>
         </p:nvPicPr>
         <p:blipFill rotWithShape="1">
-          <a:blip r:embed="rId6"/>
+          <a:blip r:embed="rId7"/>
           <a:srcRect l="79499" t="21815" r="6284" b="73640"/>
           <a:stretch/>
         </p:blipFill>
@@ -14367,6 +14135,424 @@
           </a:prstGeom>
         </p:spPr>
       </p:pic>
+      <p:pic>
+        <p:nvPicPr>
+          <p:cNvPr id="9" name="Picture 8" descr="A graph showing the rate of a car&#10;&#10;Description automatically generated with medium confidence">
+            <a:extLst>
+              <a:ext uri="{FF2B5EF4-FFF2-40B4-BE49-F238E27FC236}">
+                <a16:creationId xmlns:a16="http://schemas.microsoft.com/office/drawing/2014/main" id="{B108A4A2-BA40-77D9-6DD5-3F71B6067A0E}"/>
+              </a:ext>
+            </a:extLst>
+          </p:cNvPr>
+          <p:cNvPicPr>
+            <a:picLocks noChangeAspect="1"/>
+          </p:cNvPicPr>
+          <p:nvPr/>
+        </p:nvPicPr>
+        <p:blipFill rotWithShape="1">
+          <a:blip r:embed="rId8"/>
+          <a:srcRect l="88999" t="31362" r="2029" b="38886"/>
+          <a:stretch/>
+        </p:blipFill>
+        <p:spPr>
+          <a:xfrm>
+            <a:off x="12180081" y="1447282"/>
+            <a:ext cx="941740" cy="892176"/>
+          </a:xfrm>
+          <a:prstGeom prst="rect">
+            <a:avLst/>
+          </a:prstGeom>
+        </p:spPr>
+      </p:pic>
+      <p:pic>
+        <p:nvPicPr>
+          <p:cNvPr id="13" name="Picture 12" descr="A diagram of a bird&#10;&#10;Description automatically generated">
+            <a:extLst>
+              <a:ext uri="{FF2B5EF4-FFF2-40B4-BE49-F238E27FC236}">
+                <a16:creationId xmlns:a16="http://schemas.microsoft.com/office/drawing/2014/main" id="{71963C4B-97B2-8801-D8AB-79163F0E6C54}"/>
+              </a:ext>
+            </a:extLst>
+          </p:cNvPr>
+          <p:cNvPicPr>
+            <a:picLocks noChangeAspect="1"/>
+          </p:cNvPicPr>
+          <p:nvPr/>
+        </p:nvPicPr>
+        <p:blipFill rotWithShape="1">
+          <a:blip r:embed="rId9"/>
+          <a:srcRect t="4363" b="28420"/>
+          <a:stretch/>
+        </p:blipFill>
+        <p:spPr>
+          <a:xfrm>
+            <a:off x="6883119" y="1241978"/>
+            <a:ext cx="2220687" cy="1822769"/>
+          </a:xfrm>
+          <a:prstGeom prst="rect">
+            <a:avLst/>
+          </a:prstGeom>
+        </p:spPr>
+      </p:pic>
+      <p:pic>
+        <p:nvPicPr>
+          <p:cNvPr id="14" name="Picture 13" descr="A diagram of a bird&#10;&#10;Description automatically generated">
+            <a:extLst>
+              <a:ext uri="{FF2B5EF4-FFF2-40B4-BE49-F238E27FC236}">
+                <a16:creationId xmlns:a16="http://schemas.microsoft.com/office/drawing/2014/main" id="{04B7C0B9-C4FC-F200-39A6-8676AEC91792}"/>
+              </a:ext>
+            </a:extLst>
+          </p:cNvPr>
+          <p:cNvPicPr>
+            <a:picLocks noChangeAspect="1"/>
+          </p:cNvPicPr>
+          <p:nvPr/>
+        </p:nvPicPr>
+        <p:blipFill rotWithShape="1">
+          <a:blip r:embed="rId9"/>
+          <a:srcRect t="71919"/>
+          <a:stretch/>
+        </p:blipFill>
+        <p:spPr>
+          <a:xfrm>
+            <a:off x="6975029" y="3104941"/>
+            <a:ext cx="2019920" cy="692652"/>
+          </a:xfrm>
+          <a:prstGeom prst="rect">
+            <a:avLst/>
+          </a:prstGeom>
+        </p:spPr>
+      </p:pic>
+      <p:grpSp>
+        <p:nvGrpSpPr>
+          <p:cNvPr id="23" name="Group 22">
+            <a:extLst>
+              <a:ext uri="{FF2B5EF4-FFF2-40B4-BE49-F238E27FC236}">
+                <a16:creationId xmlns:a16="http://schemas.microsoft.com/office/drawing/2014/main" id="{5025AAF8-558A-9416-DDFC-3983E6844218}"/>
+              </a:ext>
+            </a:extLst>
+          </p:cNvPr>
+          <p:cNvGrpSpPr/>
+          <p:nvPr/>
+        </p:nvGrpSpPr>
+        <p:grpSpPr>
+          <a:xfrm>
+            <a:off x="10359012" y="6857205"/>
+            <a:ext cx="3024597" cy="1136931"/>
+            <a:chOff x="8524560" y="7193781"/>
+            <a:chExt cx="2682403" cy="951930"/>
+          </a:xfrm>
+        </p:grpSpPr>
+        <p:sp>
+          <p:nvSpPr>
+            <p:cNvPr id="24" name="Oval 23">
+              <a:extLst>
+                <a:ext uri="{FF2B5EF4-FFF2-40B4-BE49-F238E27FC236}">
+                  <a16:creationId xmlns:a16="http://schemas.microsoft.com/office/drawing/2014/main" id="{AF1FBE36-8E3A-769E-56CD-9FECA23ED622}"/>
+                </a:ext>
+              </a:extLst>
+            </p:cNvPr>
+            <p:cNvSpPr/>
+            <p:nvPr/>
+          </p:nvSpPr>
+          <p:spPr>
+            <a:xfrm>
+              <a:off x="8524560" y="7462734"/>
+              <a:ext cx="2682403" cy="355600"/>
+            </a:xfrm>
+            <a:prstGeom prst="ellipse">
+              <a:avLst/>
+            </a:prstGeom>
+            <a:noFill/>
+            <a:ln>
+              <a:noFill/>
+            </a:ln>
+          </p:spPr>
+          <p:style>
+            <a:lnRef idx="2">
+              <a:schemeClr val="accent1">
+                <a:shade val="50000"/>
+              </a:schemeClr>
+            </a:lnRef>
+            <a:fillRef idx="1">
+              <a:schemeClr val="accent1"/>
+            </a:fillRef>
+            <a:effectRef idx="0">
+              <a:schemeClr val="accent1"/>
+            </a:effectRef>
+            <a:fontRef idx="minor">
+              <a:schemeClr val="lt1"/>
+            </a:fontRef>
+          </p:style>
+          <p:txBody>
+            <a:bodyPr rtlCol="0" anchor="ctr"/>
+            <a:lstStyle/>
+            <a:p>
+              <a:pPr algn="ctr"/>
+              <a:r>
+                <a:rPr lang="en-US" sz="1600" dirty="0">
+                  <a:solidFill>
+                    <a:sysClr val="windowText" lastClr="000000"/>
+                  </a:solidFill>
+                  <a:latin typeface="Arial" panose="020B0604020202020204" pitchFamily="34" charset="0"/>
+                  <a:cs typeface="Arial" panose="020B0604020202020204" pitchFamily="34" charset="0"/>
+                </a:rPr>
+                <a:t>Dispersal rate &lt; velocity of climate change</a:t>
+              </a:r>
+            </a:p>
+            <a:p>
+              <a:pPr algn="ctr"/>
+              <a:endParaRPr lang="en-US" sz="1600" dirty="0">
+                <a:solidFill>
+                  <a:sysClr val="windowText" lastClr="000000"/>
+                </a:solidFill>
+                <a:latin typeface="Arial" panose="020B0604020202020204" pitchFamily="34" charset="0"/>
+                <a:cs typeface="Arial" panose="020B0604020202020204" pitchFamily="34" charset="0"/>
+              </a:endParaRPr>
+            </a:p>
+            <a:p>
+              <a:pPr algn="ctr"/>
+              <a:r>
+                <a:rPr lang="en-US" sz="1600" dirty="0">
+                  <a:solidFill>
+                    <a:sysClr val="windowText" lastClr="000000"/>
+                  </a:solidFill>
+                  <a:latin typeface="Arial" panose="020B0604020202020204" pitchFamily="34" charset="0"/>
+                  <a:cs typeface="Arial" panose="020B0604020202020204" pitchFamily="34" charset="0"/>
+                </a:rPr>
+                <a:t>Dispersal rate &gt; velocity of climate change</a:t>
+              </a:r>
+            </a:p>
+          </p:txBody>
+        </p:sp>
+        <p:sp>
+          <p:nvSpPr>
+            <p:cNvPr id="25" name="Oval 24">
+              <a:extLst>
+                <a:ext uri="{FF2B5EF4-FFF2-40B4-BE49-F238E27FC236}">
+                  <a16:creationId xmlns:a16="http://schemas.microsoft.com/office/drawing/2014/main" id="{0DA0A25B-BD88-2C88-E006-A20CE850FC38}"/>
+                </a:ext>
+              </a:extLst>
+            </p:cNvPr>
+            <p:cNvSpPr/>
+            <p:nvPr/>
+          </p:nvSpPr>
+          <p:spPr>
+            <a:xfrm>
+              <a:off x="8877886" y="7193781"/>
+              <a:ext cx="141515" cy="130629"/>
+            </a:xfrm>
+            <a:prstGeom prst="ellipse">
+              <a:avLst/>
+            </a:prstGeom>
+            <a:solidFill>
+              <a:schemeClr val="bg2"/>
+            </a:solidFill>
+            <a:ln w="19050">
+              <a:solidFill>
+                <a:schemeClr val="tx1"/>
+              </a:solidFill>
+            </a:ln>
+          </p:spPr>
+          <p:style>
+            <a:lnRef idx="2">
+              <a:schemeClr val="accent1">
+                <a:shade val="50000"/>
+              </a:schemeClr>
+            </a:lnRef>
+            <a:fillRef idx="1">
+              <a:schemeClr val="accent1"/>
+            </a:fillRef>
+            <a:effectRef idx="0">
+              <a:schemeClr val="accent1"/>
+            </a:effectRef>
+            <a:fontRef idx="minor">
+              <a:schemeClr val="lt1"/>
+            </a:fontRef>
+          </p:style>
+          <p:txBody>
+            <a:bodyPr rtlCol="0" anchor="ctr"/>
+            <a:lstStyle/>
+            <a:p>
+              <a:pPr algn="ctr"/>
+              <a:endParaRPr lang="en-US" sz="1600">
+                <a:solidFill>
+                  <a:schemeClr val="accent2">
+                    <a:lumMod val="50000"/>
+                  </a:schemeClr>
+                </a:solidFill>
+              </a:endParaRPr>
+            </a:p>
+          </p:txBody>
+        </p:sp>
+        <p:sp>
+          <p:nvSpPr>
+            <p:cNvPr id="26" name="Oval 25">
+              <a:extLst>
+                <a:ext uri="{FF2B5EF4-FFF2-40B4-BE49-F238E27FC236}">
+                  <a16:creationId xmlns:a16="http://schemas.microsoft.com/office/drawing/2014/main" id="{B929C1BA-CA18-67C3-7065-663FF6F03D0F}"/>
+                </a:ext>
+              </a:extLst>
+            </p:cNvPr>
+            <p:cNvSpPr/>
+            <p:nvPr/>
+          </p:nvSpPr>
+          <p:spPr>
+            <a:xfrm>
+              <a:off x="8877888" y="8015082"/>
+              <a:ext cx="141515" cy="130629"/>
+            </a:xfrm>
+            <a:prstGeom prst="ellipse">
+              <a:avLst/>
+            </a:prstGeom>
+            <a:solidFill>
+              <a:schemeClr val="bg2"/>
+            </a:solidFill>
+            <a:ln>
+              <a:solidFill>
+                <a:schemeClr val="bg2"/>
+              </a:solidFill>
+            </a:ln>
+          </p:spPr>
+          <p:style>
+            <a:lnRef idx="2">
+              <a:schemeClr val="accent1">
+                <a:shade val="50000"/>
+              </a:schemeClr>
+            </a:lnRef>
+            <a:fillRef idx="1">
+              <a:schemeClr val="accent1"/>
+            </a:fillRef>
+            <a:effectRef idx="0">
+              <a:schemeClr val="accent1"/>
+            </a:effectRef>
+            <a:fontRef idx="minor">
+              <a:schemeClr val="lt1"/>
+            </a:fontRef>
+          </p:style>
+          <p:txBody>
+            <a:bodyPr rtlCol="0" anchor="ctr"/>
+            <a:lstStyle/>
+            <a:p>
+              <a:pPr algn="ctr"/>
+              <a:endParaRPr lang="en-US" sz="1600">
+                <a:solidFill>
+                  <a:schemeClr val="accent2">
+                    <a:lumMod val="50000"/>
+                  </a:schemeClr>
+                </a:solidFill>
+              </a:endParaRPr>
+            </a:p>
+          </p:txBody>
+        </p:sp>
+      </p:grpSp>
+      <p:pic>
+        <p:nvPicPr>
+          <p:cNvPr id="32" name="Picture 31" descr="A graph of a speed limit&#10;&#10;Description automatically generated with medium confidence">
+            <a:extLst>
+              <a:ext uri="{FF2B5EF4-FFF2-40B4-BE49-F238E27FC236}">
+                <a16:creationId xmlns:a16="http://schemas.microsoft.com/office/drawing/2014/main" id="{76D73B77-0B83-6378-C81A-F354B3A04250}"/>
+              </a:ext>
+            </a:extLst>
+          </p:cNvPr>
+          <p:cNvPicPr>
+            <a:picLocks noChangeAspect="1"/>
+          </p:cNvPicPr>
+          <p:nvPr/>
+        </p:nvPicPr>
+        <p:blipFill rotWithShape="1">
+          <a:blip r:embed="rId10"/>
+          <a:srcRect t="52768" r="9760"/>
+          <a:stretch/>
+        </p:blipFill>
+        <p:spPr>
+          <a:xfrm>
+            <a:off x="9167866" y="11241742"/>
+            <a:ext cx="1091342" cy="2284826"/>
+          </a:xfrm>
+          <a:prstGeom prst="rect">
+            <a:avLst/>
+          </a:prstGeom>
+        </p:spPr>
+      </p:pic>
+      <p:grpSp>
+        <p:nvGrpSpPr>
+          <p:cNvPr id="56" name="Group 55">
+            <a:extLst>
+              <a:ext uri="{FF2B5EF4-FFF2-40B4-BE49-F238E27FC236}">
+                <a16:creationId xmlns:a16="http://schemas.microsoft.com/office/drawing/2014/main" id="{263E802A-B09E-36EB-5B7B-78EAD2081113}"/>
+              </a:ext>
+            </a:extLst>
+          </p:cNvPr>
+          <p:cNvGrpSpPr/>
+          <p:nvPr/>
+        </p:nvGrpSpPr>
+        <p:grpSpPr>
+          <a:xfrm>
+            <a:off x="8914781" y="10572974"/>
+            <a:ext cx="1339109" cy="683623"/>
+            <a:chOff x="8914781" y="10572974"/>
+            <a:chExt cx="1339109" cy="683623"/>
+          </a:xfrm>
+        </p:grpSpPr>
+        <p:pic>
+          <p:nvPicPr>
+            <p:cNvPr id="33" name="Picture 32" descr="A graph of a speed limit&#10;&#10;Description automatically generated">
+              <a:extLst>
+                <a:ext uri="{FF2B5EF4-FFF2-40B4-BE49-F238E27FC236}">
+                  <a16:creationId xmlns:a16="http://schemas.microsoft.com/office/drawing/2014/main" id="{D41A4FC7-0DF7-393B-9764-ABC1BC6FFEE3}"/>
+                </a:ext>
+              </a:extLst>
+            </p:cNvPr>
+            <p:cNvPicPr>
+              <a:picLocks noChangeAspect="1"/>
+            </p:cNvPicPr>
+            <p:nvPr/>
+          </p:nvPicPr>
+          <p:blipFill rotWithShape="1">
+            <a:blip r:embed="rId6"/>
+            <a:srcRect t="39218" b="47132"/>
+            <a:stretch/>
+          </p:blipFill>
+          <p:spPr>
+            <a:xfrm>
+              <a:off x="8914781" y="10572974"/>
+              <a:ext cx="1252024" cy="683623"/>
+            </a:xfrm>
+            <a:prstGeom prst="rect">
+              <a:avLst/>
+            </a:prstGeom>
+          </p:spPr>
+        </p:pic>
+        <p:pic>
+          <p:nvPicPr>
+            <p:cNvPr id="43" name="Picture 42" descr="A graph of a speed limit&#10;&#10;Description automatically generated">
+              <a:extLst>
+                <a:ext uri="{FF2B5EF4-FFF2-40B4-BE49-F238E27FC236}">
+                  <a16:creationId xmlns:a16="http://schemas.microsoft.com/office/drawing/2014/main" id="{ED5ECB59-09CC-7D65-6243-10CC267B7B9B}"/>
+                </a:ext>
+              </a:extLst>
+            </p:cNvPr>
+            <p:cNvPicPr>
+              <a:picLocks noChangeAspect="1"/>
+            </p:cNvPicPr>
+            <p:nvPr/>
+          </p:nvPicPr>
+          <p:blipFill rotWithShape="1">
+            <a:blip r:embed="rId6"/>
+            <a:srcRect t="44870" b="50957"/>
+            <a:stretch/>
+          </p:blipFill>
+          <p:spPr>
+            <a:xfrm>
+              <a:off x="9001866" y="10851648"/>
+              <a:ext cx="1252024" cy="209005"/>
+            </a:xfrm>
+            <a:prstGeom prst="rect">
+              <a:avLst/>
+            </a:prstGeom>
+          </p:spPr>
+        </p:pic>
+      </p:grpSp>
     </p:spTree>
     <p:extLst>
       <p:ext uri="{BB962C8B-B14F-4D97-AF65-F5344CB8AC3E}">

--- a/figures/main-figures.pptx
+++ b/figures/main-figures.pptx
@@ -199,7 +199,7 @@
           <a:p>
             <a:fld id="{B7CE4BC6-D327-1C4F-8429-775CD9D39CD2}" type="datetimeFigureOut">
               <a:rPr lang="en-US" smtClean="0"/>
-              <a:t>10/8/25</a:t>
+              <a:t>10/22/25</a:t>
             </a:fld>
             <a:endParaRPr lang="en-US"/>
           </a:p>
@@ -859,7 +859,7 @@
           <a:p>
             <a:fld id="{3B85B7A5-F096-CF4C-9C20-4BA2556B79B6}" type="datetimeFigureOut">
               <a:rPr lang="en-US" smtClean="0"/>
-              <a:t>10/8/25</a:t>
+              <a:t>10/22/25</a:t>
             </a:fld>
             <a:endParaRPr lang="en-US"/>
           </a:p>
@@ -1029,7 +1029,7 @@
           <a:p>
             <a:fld id="{3B85B7A5-F096-CF4C-9C20-4BA2556B79B6}" type="datetimeFigureOut">
               <a:rPr lang="en-US" smtClean="0"/>
-              <a:t>10/8/25</a:t>
+              <a:t>10/22/25</a:t>
             </a:fld>
             <a:endParaRPr lang="en-US"/>
           </a:p>
@@ -1209,7 +1209,7 @@
           <a:p>
             <a:fld id="{3B85B7A5-F096-CF4C-9C20-4BA2556B79B6}" type="datetimeFigureOut">
               <a:rPr lang="en-US" smtClean="0"/>
-              <a:t>10/8/25</a:t>
+              <a:t>10/22/25</a:t>
             </a:fld>
             <a:endParaRPr lang="en-US"/>
           </a:p>
@@ -1379,7 +1379,7 @@
           <a:p>
             <a:fld id="{3B85B7A5-F096-CF4C-9C20-4BA2556B79B6}" type="datetimeFigureOut">
               <a:rPr lang="en-US" smtClean="0"/>
-              <a:t>10/8/25</a:t>
+              <a:t>10/22/25</a:t>
             </a:fld>
             <a:endParaRPr lang="en-US"/>
           </a:p>
@@ -1623,7 +1623,7 @@
           <a:p>
             <a:fld id="{3B85B7A5-F096-CF4C-9C20-4BA2556B79B6}" type="datetimeFigureOut">
               <a:rPr lang="en-US" smtClean="0"/>
-              <a:t>10/8/25</a:t>
+              <a:t>10/22/25</a:t>
             </a:fld>
             <a:endParaRPr lang="en-US"/>
           </a:p>
@@ -1855,7 +1855,7 @@
           <a:p>
             <a:fld id="{3B85B7A5-F096-CF4C-9C20-4BA2556B79B6}" type="datetimeFigureOut">
               <a:rPr lang="en-US" smtClean="0"/>
-              <a:t>10/8/25</a:t>
+              <a:t>10/22/25</a:t>
             </a:fld>
             <a:endParaRPr lang="en-US"/>
           </a:p>
@@ -2222,7 +2222,7 @@
           <a:p>
             <a:fld id="{3B85B7A5-F096-CF4C-9C20-4BA2556B79B6}" type="datetimeFigureOut">
               <a:rPr lang="en-US" smtClean="0"/>
-              <a:t>10/8/25</a:t>
+              <a:t>10/22/25</a:t>
             </a:fld>
             <a:endParaRPr lang="en-US"/>
           </a:p>
@@ -2340,7 +2340,7 @@
           <a:p>
             <a:fld id="{3B85B7A5-F096-CF4C-9C20-4BA2556B79B6}" type="datetimeFigureOut">
               <a:rPr lang="en-US" smtClean="0"/>
-              <a:t>10/8/25</a:t>
+              <a:t>10/22/25</a:t>
             </a:fld>
             <a:endParaRPr lang="en-US"/>
           </a:p>
@@ -2435,7 +2435,7 @@
           <a:p>
             <a:fld id="{3B85B7A5-F096-CF4C-9C20-4BA2556B79B6}" type="datetimeFigureOut">
               <a:rPr lang="en-US" smtClean="0"/>
-              <a:t>10/8/25</a:t>
+              <a:t>10/22/25</a:t>
             </a:fld>
             <a:endParaRPr lang="en-US"/>
           </a:p>
@@ -2712,7 +2712,7 @@
           <a:p>
             <a:fld id="{3B85B7A5-F096-CF4C-9C20-4BA2556B79B6}" type="datetimeFigureOut">
               <a:rPr lang="en-US" smtClean="0"/>
-              <a:t>10/8/25</a:t>
+              <a:t>10/22/25</a:t>
             </a:fld>
             <a:endParaRPr lang="en-US"/>
           </a:p>
@@ -2969,7 +2969,7 @@
           <a:p>
             <a:fld id="{3B85B7A5-F096-CF4C-9C20-4BA2556B79B6}" type="datetimeFigureOut">
               <a:rPr lang="en-US" smtClean="0"/>
-              <a:t>10/8/25</a:t>
+              <a:t>10/22/25</a:t>
             </a:fld>
             <a:endParaRPr lang="en-US"/>
           </a:p>
@@ -3182,7 +3182,7 @@
           <a:p>
             <a:fld id="{3B85B7A5-F096-CF4C-9C20-4BA2556B79B6}" type="datetimeFigureOut">
               <a:rPr lang="en-US" smtClean="0"/>
-              <a:t>10/8/25</a:t>
+              <a:t>10/22/25</a:t>
             </a:fld>
             <a:endParaRPr lang="en-US"/>
           </a:p>
@@ -3738,7 +3738,7 @@
         </p:nvCxnSpPr>
         <p:spPr>
           <a:xfrm flipV="1">
-            <a:off x="4625562" y="4951275"/>
+            <a:off x="4860695" y="4951275"/>
             <a:ext cx="2338447" cy="2260401"/>
           </a:xfrm>
           <a:prstGeom prst="line">
@@ -4078,7 +4078,7 @@
         </p:nvSpPr>
         <p:spPr>
           <a:xfrm>
-            <a:off x="977147" y="4262713"/>
+            <a:off x="995315" y="4274825"/>
             <a:ext cx="269626" cy="2677656"/>
           </a:xfrm>
           <a:prstGeom prst="rect">
@@ -4203,7 +4203,7 @@
         </p:nvSpPr>
         <p:spPr>
           <a:xfrm>
-            <a:off x="1754581" y="7272131"/>
+            <a:off x="1742469" y="7272131"/>
             <a:ext cx="2891743" cy="276999"/>
           </a:xfrm>
           <a:prstGeom prst="rect">
@@ -4222,7 +4222,7 @@
                 <a:latin typeface="Arial" panose="020B0604020202020204" pitchFamily="34" charset="0"/>
                 <a:cs typeface="Arial" panose="020B0604020202020204" pitchFamily="34" charset="0"/>
               </a:rPr>
-              <a:t>1            2            3            4             </a:t>
+              <a:t>1           2          3           4             </a:t>
             </a:r>
           </a:p>
         </p:txBody>
@@ -4242,6 +4242,1498 @@
         <p:spPr>
           <a:xfrm>
             <a:off x="1191830" y="4680299"/>
+            <a:ext cx="569481" cy="338554"/>
+          </a:xfrm>
+          <a:prstGeom prst="rect">
+            <a:avLst/>
+          </a:prstGeom>
+          <a:noFill/>
+        </p:spPr>
+        <p:txBody>
+          <a:bodyPr wrap="square" rtlCol="0">
+            <a:spAutoFit/>
+          </a:bodyPr>
+          <a:lstStyle/>
+          <a:p>
+            <a:pPr algn="ctr"/>
+            <a:r>
+              <a:rPr lang="en-US" sz="1600" dirty="0">
+                <a:latin typeface="Arial" panose="020B0604020202020204" pitchFamily="34" charset="0"/>
+                <a:cs typeface="Arial" panose="020B0604020202020204" pitchFamily="34" charset="0"/>
+              </a:rPr>
+              <a:t>(a)</a:t>
+            </a:r>
+          </a:p>
+        </p:txBody>
+      </p:sp>
+      <p:sp>
+        <p:nvSpPr>
+          <p:cNvPr id="36" name="Oval 35">
+            <a:extLst>
+              <a:ext uri="{FF2B5EF4-FFF2-40B4-BE49-F238E27FC236}">
+                <a16:creationId xmlns:a16="http://schemas.microsoft.com/office/drawing/2014/main" id="{BEE8699E-F273-6FF7-DC63-85059E130FD0}"/>
+              </a:ext>
+            </a:extLst>
+          </p:cNvPr>
+          <p:cNvSpPr/>
+          <p:nvPr/>
+        </p:nvSpPr>
+        <p:spPr>
+          <a:xfrm>
+            <a:off x="1894849" y="6517743"/>
+            <a:ext cx="141515" cy="130629"/>
+          </a:xfrm>
+          <a:prstGeom prst="ellipse">
+            <a:avLst/>
+          </a:prstGeom>
+          <a:solidFill>
+            <a:srgbClr val="B2172B"/>
+          </a:solidFill>
+          <a:ln w="19050">
+            <a:solidFill>
+              <a:schemeClr val="tx1"/>
+            </a:solidFill>
+          </a:ln>
+        </p:spPr>
+        <p:style>
+          <a:lnRef idx="2">
+            <a:schemeClr val="accent1">
+              <a:shade val="50000"/>
+            </a:schemeClr>
+          </a:lnRef>
+          <a:fillRef idx="1">
+            <a:schemeClr val="accent1"/>
+          </a:fillRef>
+          <a:effectRef idx="0">
+            <a:schemeClr val="accent1"/>
+          </a:effectRef>
+          <a:fontRef idx="minor">
+            <a:schemeClr val="lt1"/>
+          </a:fontRef>
+        </p:style>
+        <p:txBody>
+          <a:bodyPr rtlCol="0" anchor="ctr"/>
+          <a:lstStyle/>
+          <a:p>
+            <a:pPr algn="ctr"/>
+            <a:endParaRPr lang="en-US">
+              <a:solidFill>
+                <a:schemeClr val="accent2">
+                  <a:lumMod val="50000"/>
+                </a:schemeClr>
+              </a:solidFill>
+            </a:endParaRPr>
+          </a:p>
+        </p:txBody>
+      </p:sp>
+      <p:sp>
+        <p:nvSpPr>
+          <p:cNvPr id="37" name="Oval 36">
+            <a:extLst>
+              <a:ext uri="{FF2B5EF4-FFF2-40B4-BE49-F238E27FC236}">
+                <a16:creationId xmlns:a16="http://schemas.microsoft.com/office/drawing/2014/main" id="{354D3C8F-B1BA-6D29-DC90-52EDBF833981}"/>
+              </a:ext>
+            </a:extLst>
+          </p:cNvPr>
+          <p:cNvSpPr/>
+          <p:nvPr/>
+        </p:nvSpPr>
+        <p:spPr>
+          <a:xfrm>
+            <a:off x="2747850" y="5656669"/>
+            <a:ext cx="141515" cy="130629"/>
+          </a:xfrm>
+          <a:prstGeom prst="ellipse">
+            <a:avLst/>
+          </a:prstGeom>
+          <a:solidFill>
+            <a:srgbClr val="B2172B"/>
+          </a:solidFill>
+          <a:ln w="19050">
+            <a:solidFill>
+              <a:schemeClr val="tx1"/>
+            </a:solidFill>
+          </a:ln>
+        </p:spPr>
+        <p:style>
+          <a:lnRef idx="2">
+            <a:schemeClr val="accent1">
+              <a:shade val="50000"/>
+            </a:schemeClr>
+          </a:lnRef>
+          <a:fillRef idx="1">
+            <a:schemeClr val="accent1"/>
+          </a:fillRef>
+          <a:effectRef idx="0">
+            <a:schemeClr val="accent1"/>
+          </a:effectRef>
+          <a:fontRef idx="minor">
+            <a:schemeClr val="lt1"/>
+          </a:fontRef>
+        </p:style>
+        <p:txBody>
+          <a:bodyPr rtlCol="0" anchor="ctr"/>
+          <a:lstStyle/>
+          <a:p>
+            <a:pPr algn="ctr"/>
+            <a:endParaRPr lang="en-US">
+              <a:solidFill>
+                <a:schemeClr val="accent2">
+                  <a:lumMod val="50000"/>
+                </a:schemeClr>
+              </a:solidFill>
+            </a:endParaRPr>
+          </a:p>
+        </p:txBody>
+      </p:sp>
+      <p:sp>
+        <p:nvSpPr>
+          <p:cNvPr id="38" name="Oval 37">
+            <a:extLst>
+              <a:ext uri="{FF2B5EF4-FFF2-40B4-BE49-F238E27FC236}">
+                <a16:creationId xmlns:a16="http://schemas.microsoft.com/office/drawing/2014/main" id="{10BECA27-75D0-9CB3-CB85-06E4F830C2EA}"/>
+              </a:ext>
+            </a:extLst>
+          </p:cNvPr>
+          <p:cNvSpPr/>
+          <p:nvPr/>
+        </p:nvSpPr>
+        <p:spPr>
+          <a:xfrm>
+            <a:off x="3394086" y="5545878"/>
+            <a:ext cx="141515" cy="130629"/>
+          </a:xfrm>
+          <a:prstGeom prst="ellipse">
+            <a:avLst/>
+          </a:prstGeom>
+          <a:solidFill>
+            <a:srgbClr val="B2172B"/>
+          </a:solidFill>
+          <a:ln>
+            <a:solidFill>
+              <a:srgbClr val="B2172B"/>
+            </a:solidFill>
+          </a:ln>
+        </p:spPr>
+        <p:style>
+          <a:lnRef idx="2">
+            <a:schemeClr val="accent1">
+              <a:shade val="50000"/>
+            </a:schemeClr>
+          </a:lnRef>
+          <a:fillRef idx="1">
+            <a:schemeClr val="accent1"/>
+          </a:fillRef>
+          <a:effectRef idx="0">
+            <a:schemeClr val="accent1"/>
+          </a:effectRef>
+          <a:fontRef idx="minor">
+            <a:schemeClr val="lt1"/>
+          </a:fontRef>
+        </p:style>
+        <p:txBody>
+          <a:bodyPr rtlCol="0" anchor="ctr"/>
+          <a:lstStyle/>
+          <a:p>
+            <a:pPr algn="ctr"/>
+            <a:endParaRPr lang="en-US">
+              <a:solidFill>
+                <a:schemeClr val="accent2">
+                  <a:lumMod val="50000"/>
+                </a:schemeClr>
+              </a:solidFill>
+            </a:endParaRPr>
+          </a:p>
+        </p:txBody>
+      </p:sp>
+      <p:sp>
+        <p:nvSpPr>
+          <p:cNvPr id="39" name="Oval 38">
+            <a:extLst>
+              <a:ext uri="{FF2B5EF4-FFF2-40B4-BE49-F238E27FC236}">
+                <a16:creationId xmlns:a16="http://schemas.microsoft.com/office/drawing/2014/main" id="{823A49DE-0586-7321-F6C6-EB2C3AC37273}"/>
+              </a:ext>
+            </a:extLst>
+          </p:cNvPr>
+          <p:cNvSpPr/>
+          <p:nvPr/>
+        </p:nvSpPr>
+        <p:spPr>
+          <a:xfrm>
+            <a:off x="2460923" y="5960644"/>
+            <a:ext cx="141515" cy="130629"/>
+          </a:xfrm>
+          <a:prstGeom prst="ellipse">
+            <a:avLst/>
+          </a:prstGeom>
+          <a:solidFill>
+            <a:srgbClr val="B2172B"/>
+          </a:solidFill>
+          <a:ln w="19050">
+            <a:solidFill>
+              <a:schemeClr val="tx1"/>
+            </a:solidFill>
+          </a:ln>
+        </p:spPr>
+        <p:style>
+          <a:lnRef idx="2">
+            <a:schemeClr val="accent1">
+              <a:shade val="50000"/>
+            </a:schemeClr>
+          </a:lnRef>
+          <a:fillRef idx="1">
+            <a:schemeClr val="accent1"/>
+          </a:fillRef>
+          <a:effectRef idx="0">
+            <a:schemeClr val="accent1"/>
+          </a:effectRef>
+          <a:fontRef idx="minor">
+            <a:schemeClr val="lt1"/>
+          </a:fontRef>
+        </p:style>
+        <p:txBody>
+          <a:bodyPr rtlCol="0" anchor="ctr"/>
+          <a:lstStyle/>
+          <a:p>
+            <a:pPr algn="ctr"/>
+            <a:endParaRPr lang="en-US">
+              <a:solidFill>
+                <a:schemeClr val="accent2">
+                  <a:lumMod val="50000"/>
+                </a:schemeClr>
+              </a:solidFill>
+            </a:endParaRPr>
+          </a:p>
+        </p:txBody>
+      </p:sp>
+      <p:cxnSp>
+        <p:nvCxnSpPr>
+          <p:cNvPr id="40" name="Straight Connector 39">
+            <a:extLst>
+              <a:ext uri="{FF2B5EF4-FFF2-40B4-BE49-F238E27FC236}">
+                <a16:creationId xmlns:a16="http://schemas.microsoft.com/office/drawing/2014/main" id="{238696BA-A5E6-6909-9553-555066BC9A22}"/>
+              </a:ext>
+            </a:extLst>
+          </p:cNvPr>
+          <p:cNvCxnSpPr>
+            <a:cxnSpLocks/>
+          </p:cNvCxnSpPr>
+          <p:nvPr/>
+        </p:nvCxnSpPr>
+        <p:spPr>
+          <a:xfrm>
+            <a:off x="4803791" y="4783827"/>
+            <a:ext cx="0" cy="2491683"/>
+          </a:xfrm>
+          <a:prstGeom prst="line">
+            <a:avLst/>
+          </a:prstGeom>
+          <a:ln w="28575">
+            <a:solidFill>
+              <a:schemeClr val="tx1"/>
+            </a:solidFill>
+          </a:ln>
+        </p:spPr>
+        <p:style>
+          <a:lnRef idx="1">
+            <a:schemeClr val="accent1"/>
+          </a:lnRef>
+          <a:fillRef idx="0">
+            <a:schemeClr val="accent1"/>
+          </a:fillRef>
+          <a:effectRef idx="0">
+            <a:schemeClr val="accent1"/>
+          </a:effectRef>
+          <a:fontRef idx="minor">
+            <a:schemeClr val="tx1"/>
+          </a:fontRef>
+        </p:style>
+      </p:cxnSp>
+      <p:cxnSp>
+        <p:nvCxnSpPr>
+          <p:cNvPr id="41" name="Straight Connector 40">
+            <a:extLst>
+              <a:ext uri="{FF2B5EF4-FFF2-40B4-BE49-F238E27FC236}">
+                <a16:creationId xmlns:a16="http://schemas.microsoft.com/office/drawing/2014/main" id="{BC654A08-4197-1F28-F560-69090ED02B1C}"/>
+              </a:ext>
+            </a:extLst>
+          </p:cNvPr>
+          <p:cNvCxnSpPr>
+            <a:cxnSpLocks/>
+          </p:cNvCxnSpPr>
+          <p:nvPr/>
+        </p:nvCxnSpPr>
+        <p:spPr>
+          <a:xfrm flipH="1">
+            <a:off x="4814677" y="7264623"/>
+            <a:ext cx="2660360" cy="0"/>
+          </a:xfrm>
+          <a:prstGeom prst="line">
+            <a:avLst/>
+          </a:prstGeom>
+          <a:ln w="28575">
+            <a:solidFill>
+              <a:schemeClr val="tx1"/>
+            </a:solidFill>
+          </a:ln>
+        </p:spPr>
+        <p:style>
+          <a:lnRef idx="1">
+            <a:schemeClr val="accent1"/>
+          </a:lnRef>
+          <a:fillRef idx="0">
+            <a:schemeClr val="accent1"/>
+          </a:fillRef>
+          <a:effectRef idx="0">
+            <a:schemeClr val="accent1"/>
+          </a:effectRef>
+          <a:fontRef idx="minor">
+            <a:schemeClr val="tx1"/>
+          </a:fontRef>
+        </p:style>
+      </p:cxnSp>
+      <p:sp>
+        <p:nvSpPr>
+          <p:cNvPr id="42" name="TextBox 41">
+            <a:extLst>
+              <a:ext uri="{FF2B5EF4-FFF2-40B4-BE49-F238E27FC236}">
+                <a16:creationId xmlns:a16="http://schemas.microsoft.com/office/drawing/2014/main" id="{A65315F1-FD2B-9078-9C44-2367AACD6439}"/>
+              </a:ext>
+            </a:extLst>
+          </p:cNvPr>
+          <p:cNvSpPr txBox="1"/>
+          <p:nvPr/>
+        </p:nvSpPr>
+        <p:spPr>
+          <a:xfrm>
+            <a:off x="4387455" y="7473954"/>
+            <a:ext cx="3610227" cy="584775"/>
+          </a:xfrm>
+          <a:prstGeom prst="rect">
+            <a:avLst/>
+          </a:prstGeom>
+          <a:noFill/>
+        </p:spPr>
+        <p:txBody>
+          <a:bodyPr wrap="square" rtlCol="0">
+            <a:spAutoFit/>
+          </a:bodyPr>
+          <a:lstStyle/>
+          <a:p>
+            <a:pPr algn="ctr"/>
+            <a:r>
+              <a:rPr lang="en-US" sz="1600" dirty="0">
+                <a:latin typeface="Arial" panose="020B0604020202020204" pitchFamily="34" charset="0"/>
+                <a:cs typeface="Arial" panose="020B0604020202020204" pitchFamily="34" charset="0"/>
+              </a:rPr>
+              <a:t>Minimum of potential dispersal rate and velocity of climate change (km/yr)</a:t>
+            </a:r>
+          </a:p>
+        </p:txBody>
+      </p:sp>
+      <p:sp>
+        <p:nvSpPr>
+          <p:cNvPr id="43" name="TextBox 42">
+            <a:extLst>
+              <a:ext uri="{FF2B5EF4-FFF2-40B4-BE49-F238E27FC236}">
+                <a16:creationId xmlns:a16="http://schemas.microsoft.com/office/drawing/2014/main" id="{F7E81AD1-9BE2-8851-3F5F-C9A721D7075B}"/>
+              </a:ext>
+            </a:extLst>
+          </p:cNvPr>
+          <p:cNvSpPr txBox="1"/>
+          <p:nvPr/>
+        </p:nvSpPr>
+        <p:spPr>
+          <a:xfrm>
+            <a:off x="4497750" y="4274825"/>
+            <a:ext cx="269626" cy="2677656"/>
+          </a:xfrm>
+          <a:prstGeom prst="rect">
+            <a:avLst/>
+          </a:prstGeom>
+          <a:noFill/>
+        </p:spPr>
+        <p:txBody>
+          <a:bodyPr wrap="none" rtlCol="0">
+            <a:spAutoFit/>
+          </a:bodyPr>
+          <a:lstStyle/>
+          <a:p>
+            <a:endParaRPr lang="en-US" sz="1200" dirty="0">
+              <a:latin typeface="Arial" panose="020B0604020202020204" pitchFamily="34" charset="0"/>
+              <a:cs typeface="Arial" panose="020B0604020202020204" pitchFamily="34" charset="0"/>
+            </a:endParaRPr>
+          </a:p>
+          <a:p>
+            <a:endParaRPr lang="en-US" sz="1200" dirty="0">
+              <a:latin typeface="Arial" panose="020B0604020202020204" pitchFamily="34" charset="0"/>
+              <a:cs typeface="Arial" panose="020B0604020202020204" pitchFamily="34" charset="0"/>
+            </a:endParaRPr>
+          </a:p>
+          <a:p>
+            <a:endParaRPr lang="en-US" sz="1200" dirty="0">
+              <a:latin typeface="Arial" panose="020B0604020202020204" pitchFamily="34" charset="0"/>
+              <a:cs typeface="Arial" panose="020B0604020202020204" pitchFamily="34" charset="0"/>
+            </a:endParaRPr>
+          </a:p>
+          <a:p>
+            <a:r>
+              <a:rPr lang="en-US" sz="1200" dirty="0">
+                <a:latin typeface="Arial" panose="020B0604020202020204" pitchFamily="34" charset="0"/>
+                <a:cs typeface="Arial" panose="020B0604020202020204" pitchFamily="34" charset="0"/>
+              </a:rPr>
+              <a:t>4</a:t>
+            </a:r>
+          </a:p>
+          <a:p>
+            <a:endParaRPr lang="en-US" sz="1200" dirty="0">
+              <a:latin typeface="Arial" panose="020B0604020202020204" pitchFamily="34" charset="0"/>
+              <a:cs typeface="Arial" panose="020B0604020202020204" pitchFamily="34" charset="0"/>
+            </a:endParaRPr>
+          </a:p>
+          <a:p>
+            <a:endParaRPr lang="en-US" sz="1200" dirty="0">
+              <a:latin typeface="Arial" panose="020B0604020202020204" pitchFamily="34" charset="0"/>
+              <a:cs typeface="Arial" panose="020B0604020202020204" pitchFamily="34" charset="0"/>
+            </a:endParaRPr>
+          </a:p>
+          <a:p>
+            <a:r>
+              <a:rPr lang="en-US" sz="1200" dirty="0">
+                <a:latin typeface="Arial" panose="020B0604020202020204" pitchFamily="34" charset="0"/>
+                <a:cs typeface="Arial" panose="020B0604020202020204" pitchFamily="34" charset="0"/>
+              </a:rPr>
+              <a:t>3</a:t>
+            </a:r>
+          </a:p>
+          <a:p>
+            <a:endParaRPr lang="en-US" sz="1200" dirty="0">
+              <a:latin typeface="Arial" panose="020B0604020202020204" pitchFamily="34" charset="0"/>
+              <a:cs typeface="Arial" panose="020B0604020202020204" pitchFamily="34" charset="0"/>
+            </a:endParaRPr>
+          </a:p>
+          <a:p>
+            <a:endParaRPr lang="en-US" sz="1200" dirty="0">
+              <a:latin typeface="Arial" panose="020B0604020202020204" pitchFamily="34" charset="0"/>
+              <a:cs typeface="Arial" panose="020B0604020202020204" pitchFamily="34" charset="0"/>
+            </a:endParaRPr>
+          </a:p>
+          <a:p>
+            <a:r>
+              <a:rPr lang="en-US" sz="1200" dirty="0">
+                <a:latin typeface="Arial" panose="020B0604020202020204" pitchFamily="34" charset="0"/>
+                <a:cs typeface="Arial" panose="020B0604020202020204" pitchFamily="34" charset="0"/>
+              </a:rPr>
+              <a:t>2</a:t>
+            </a:r>
+          </a:p>
+          <a:p>
+            <a:endParaRPr lang="en-US" sz="1200" dirty="0">
+              <a:latin typeface="Arial" panose="020B0604020202020204" pitchFamily="34" charset="0"/>
+              <a:cs typeface="Arial" panose="020B0604020202020204" pitchFamily="34" charset="0"/>
+            </a:endParaRPr>
+          </a:p>
+          <a:p>
+            <a:endParaRPr lang="en-US" sz="1200" dirty="0">
+              <a:latin typeface="Arial" panose="020B0604020202020204" pitchFamily="34" charset="0"/>
+              <a:cs typeface="Arial" panose="020B0604020202020204" pitchFamily="34" charset="0"/>
+            </a:endParaRPr>
+          </a:p>
+          <a:p>
+            <a:r>
+              <a:rPr lang="en-US" sz="1200" dirty="0">
+                <a:latin typeface="Arial" panose="020B0604020202020204" pitchFamily="34" charset="0"/>
+                <a:cs typeface="Arial" panose="020B0604020202020204" pitchFamily="34" charset="0"/>
+              </a:rPr>
+              <a:t>1</a:t>
+            </a:r>
+          </a:p>
+          <a:p>
+            <a:endParaRPr lang="en-US" sz="1200" dirty="0">
+              <a:latin typeface="Arial" panose="020B0604020202020204" pitchFamily="34" charset="0"/>
+              <a:cs typeface="Arial" panose="020B0604020202020204" pitchFamily="34" charset="0"/>
+            </a:endParaRPr>
+          </a:p>
+        </p:txBody>
+      </p:sp>
+      <p:sp>
+        <p:nvSpPr>
+          <p:cNvPr id="44" name="TextBox 43">
+            <a:extLst>
+              <a:ext uri="{FF2B5EF4-FFF2-40B4-BE49-F238E27FC236}">
+                <a16:creationId xmlns:a16="http://schemas.microsoft.com/office/drawing/2014/main" id="{D1618240-1B4F-D3A8-8997-1D703EBC5607}"/>
+              </a:ext>
+            </a:extLst>
+          </p:cNvPr>
+          <p:cNvSpPr txBox="1"/>
+          <p:nvPr/>
+        </p:nvSpPr>
+        <p:spPr>
+          <a:xfrm>
+            <a:off x="5253752" y="7286259"/>
+            <a:ext cx="2891743" cy="276999"/>
+          </a:xfrm>
+          <a:prstGeom prst="rect">
+            <a:avLst/>
+          </a:prstGeom>
+          <a:noFill/>
+        </p:spPr>
+        <p:txBody>
+          <a:bodyPr wrap="square" rtlCol="0">
+            <a:spAutoFit/>
+          </a:bodyPr>
+          <a:lstStyle/>
+          <a:p>
+            <a:r>
+              <a:rPr lang="en-US" sz="1200" dirty="0">
+                <a:latin typeface="Arial" panose="020B0604020202020204" pitchFamily="34" charset="0"/>
+                <a:cs typeface="Arial" panose="020B0604020202020204" pitchFamily="34" charset="0"/>
+              </a:rPr>
+              <a:t>1           2          3           4            </a:t>
+            </a:r>
+          </a:p>
+        </p:txBody>
+      </p:sp>
+      <p:sp>
+        <p:nvSpPr>
+          <p:cNvPr id="59" name="TextBox 58">
+            <a:extLst>
+              <a:ext uri="{FF2B5EF4-FFF2-40B4-BE49-F238E27FC236}">
+                <a16:creationId xmlns:a16="http://schemas.microsoft.com/office/drawing/2014/main" id="{A27BEDD4-7EE8-86A2-AC37-766D65FFEB9F}"/>
+              </a:ext>
+            </a:extLst>
+          </p:cNvPr>
+          <p:cNvSpPr txBox="1"/>
+          <p:nvPr/>
+        </p:nvSpPr>
+        <p:spPr>
+          <a:xfrm>
+            <a:off x="4719266" y="4690459"/>
+            <a:ext cx="569481" cy="338554"/>
+          </a:xfrm>
+          <a:prstGeom prst="rect">
+            <a:avLst/>
+          </a:prstGeom>
+          <a:noFill/>
+        </p:spPr>
+        <p:txBody>
+          <a:bodyPr wrap="square" rtlCol="0">
+            <a:spAutoFit/>
+          </a:bodyPr>
+          <a:lstStyle/>
+          <a:p>
+            <a:pPr algn="ctr"/>
+            <a:r>
+              <a:rPr lang="en-US" sz="1600" dirty="0">
+                <a:latin typeface="Arial" panose="020B0604020202020204" pitchFamily="34" charset="0"/>
+                <a:cs typeface="Arial" panose="020B0604020202020204" pitchFamily="34" charset="0"/>
+              </a:rPr>
+              <a:t>(b)</a:t>
+            </a:r>
+          </a:p>
+        </p:txBody>
+      </p:sp>
+      <p:sp>
+        <p:nvSpPr>
+          <p:cNvPr id="60" name="Oval 59">
+            <a:extLst>
+              <a:ext uri="{FF2B5EF4-FFF2-40B4-BE49-F238E27FC236}">
+                <a16:creationId xmlns:a16="http://schemas.microsoft.com/office/drawing/2014/main" id="{4C5D6DC3-B351-79DF-ACBA-5621C4D99514}"/>
+              </a:ext>
+            </a:extLst>
+          </p:cNvPr>
+          <p:cNvSpPr/>
+          <p:nvPr/>
+        </p:nvSpPr>
+        <p:spPr>
+          <a:xfrm>
+            <a:off x="2253085" y="6155908"/>
+            <a:ext cx="141515" cy="130629"/>
+          </a:xfrm>
+          <a:prstGeom prst="ellipse">
+            <a:avLst/>
+          </a:prstGeom>
+          <a:solidFill>
+            <a:srgbClr val="F3CABA"/>
+          </a:solidFill>
+          <a:ln w="19050">
+            <a:solidFill>
+              <a:schemeClr val="tx1"/>
+            </a:solidFill>
+          </a:ln>
+        </p:spPr>
+        <p:style>
+          <a:lnRef idx="2">
+            <a:schemeClr val="accent1">
+              <a:shade val="50000"/>
+            </a:schemeClr>
+          </a:lnRef>
+          <a:fillRef idx="1">
+            <a:schemeClr val="accent1"/>
+          </a:fillRef>
+          <a:effectRef idx="0">
+            <a:schemeClr val="accent1"/>
+          </a:effectRef>
+          <a:fontRef idx="minor">
+            <a:schemeClr val="lt1"/>
+          </a:fontRef>
+        </p:style>
+        <p:txBody>
+          <a:bodyPr rtlCol="0" anchor="ctr"/>
+          <a:lstStyle/>
+          <a:p>
+            <a:pPr algn="ctr"/>
+            <a:endParaRPr lang="en-US">
+              <a:solidFill>
+                <a:schemeClr val="accent2">
+                  <a:lumMod val="50000"/>
+                </a:schemeClr>
+              </a:solidFill>
+            </a:endParaRPr>
+          </a:p>
+        </p:txBody>
+      </p:sp>
+      <p:sp>
+        <p:nvSpPr>
+          <p:cNvPr id="61" name="Oval 60">
+            <a:extLst>
+              <a:ext uri="{FF2B5EF4-FFF2-40B4-BE49-F238E27FC236}">
+                <a16:creationId xmlns:a16="http://schemas.microsoft.com/office/drawing/2014/main" id="{EB55F448-5A3A-7678-679C-EF543653C5E6}"/>
+              </a:ext>
+            </a:extLst>
+          </p:cNvPr>
+          <p:cNvSpPr/>
+          <p:nvPr/>
+        </p:nvSpPr>
+        <p:spPr>
+          <a:xfrm>
+            <a:off x="2085921" y="6336883"/>
+            <a:ext cx="141515" cy="130629"/>
+          </a:xfrm>
+          <a:prstGeom prst="ellipse">
+            <a:avLst/>
+          </a:prstGeom>
+          <a:solidFill>
+            <a:srgbClr val="F3CABA"/>
+          </a:solidFill>
+          <a:ln w="19050">
+            <a:solidFill>
+              <a:schemeClr val="tx1"/>
+            </a:solidFill>
+          </a:ln>
+        </p:spPr>
+        <p:style>
+          <a:lnRef idx="2">
+            <a:schemeClr val="accent1">
+              <a:shade val="50000"/>
+            </a:schemeClr>
+          </a:lnRef>
+          <a:fillRef idx="1">
+            <a:schemeClr val="accent1"/>
+          </a:fillRef>
+          <a:effectRef idx="0">
+            <a:schemeClr val="accent1"/>
+          </a:effectRef>
+          <a:fontRef idx="minor">
+            <a:schemeClr val="lt1"/>
+          </a:fontRef>
+        </p:style>
+        <p:txBody>
+          <a:bodyPr rtlCol="0" anchor="ctr"/>
+          <a:lstStyle/>
+          <a:p>
+            <a:pPr algn="ctr"/>
+            <a:endParaRPr lang="en-US">
+              <a:solidFill>
+                <a:schemeClr val="accent2">
+                  <a:lumMod val="50000"/>
+                </a:schemeClr>
+              </a:solidFill>
+            </a:endParaRPr>
+          </a:p>
+        </p:txBody>
+      </p:sp>
+      <p:sp>
+        <p:nvSpPr>
+          <p:cNvPr id="62" name="Oval 61">
+            <a:extLst>
+              <a:ext uri="{FF2B5EF4-FFF2-40B4-BE49-F238E27FC236}">
+                <a16:creationId xmlns:a16="http://schemas.microsoft.com/office/drawing/2014/main" id="{C568E85D-55A1-9036-1E99-C41BE5AA6547}"/>
+              </a:ext>
+            </a:extLst>
+          </p:cNvPr>
+          <p:cNvSpPr/>
+          <p:nvPr/>
+        </p:nvSpPr>
+        <p:spPr>
+          <a:xfrm>
+            <a:off x="1341805" y="7046501"/>
+            <a:ext cx="141515" cy="130629"/>
+          </a:xfrm>
+          <a:prstGeom prst="ellipse">
+            <a:avLst/>
+          </a:prstGeom>
+          <a:solidFill>
+            <a:srgbClr val="F3CABA"/>
+          </a:solidFill>
+          <a:ln w="19050">
+            <a:solidFill>
+              <a:schemeClr val="tx1"/>
+            </a:solidFill>
+          </a:ln>
+        </p:spPr>
+        <p:style>
+          <a:lnRef idx="2">
+            <a:schemeClr val="accent1">
+              <a:shade val="50000"/>
+            </a:schemeClr>
+          </a:lnRef>
+          <a:fillRef idx="1">
+            <a:schemeClr val="accent1"/>
+          </a:fillRef>
+          <a:effectRef idx="0">
+            <a:schemeClr val="accent1"/>
+          </a:effectRef>
+          <a:fontRef idx="minor">
+            <a:schemeClr val="lt1"/>
+          </a:fontRef>
+        </p:style>
+        <p:txBody>
+          <a:bodyPr rtlCol="0" anchor="ctr"/>
+          <a:lstStyle/>
+          <a:p>
+            <a:pPr algn="ctr"/>
+            <a:endParaRPr lang="en-US">
+              <a:solidFill>
+                <a:schemeClr val="accent2">
+                  <a:lumMod val="50000"/>
+                </a:schemeClr>
+              </a:solidFill>
+            </a:endParaRPr>
+          </a:p>
+        </p:txBody>
+      </p:sp>
+      <p:sp>
+        <p:nvSpPr>
+          <p:cNvPr id="63" name="Oval 62">
+            <a:extLst>
+              <a:ext uri="{FF2B5EF4-FFF2-40B4-BE49-F238E27FC236}">
+                <a16:creationId xmlns:a16="http://schemas.microsoft.com/office/drawing/2014/main" id="{EFFD6B70-1A5B-7BE6-2F22-D286152D13B0}"/>
+              </a:ext>
+            </a:extLst>
+          </p:cNvPr>
+          <p:cNvSpPr/>
+          <p:nvPr/>
+        </p:nvSpPr>
+        <p:spPr>
+          <a:xfrm>
+            <a:off x="1589203" y="6798851"/>
+            <a:ext cx="141515" cy="130629"/>
+          </a:xfrm>
+          <a:prstGeom prst="ellipse">
+            <a:avLst/>
+          </a:prstGeom>
+          <a:solidFill>
+            <a:srgbClr val="F3CABA"/>
+          </a:solidFill>
+          <a:ln w="19050">
+            <a:solidFill>
+              <a:schemeClr val="tx1"/>
+            </a:solidFill>
+          </a:ln>
+        </p:spPr>
+        <p:style>
+          <a:lnRef idx="2">
+            <a:schemeClr val="accent1">
+              <a:shade val="50000"/>
+            </a:schemeClr>
+          </a:lnRef>
+          <a:fillRef idx="1">
+            <a:schemeClr val="accent1"/>
+          </a:fillRef>
+          <a:effectRef idx="0">
+            <a:schemeClr val="accent1"/>
+          </a:effectRef>
+          <a:fontRef idx="minor">
+            <a:schemeClr val="lt1"/>
+          </a:fontRef>
+        </p:style>
+        <p:txBody>
+          <a:bodyPr rtlCol="0" anchor="ctr"/>
+          <a:lstStyle/>
+          <a:p>
+            <a:pPr algn="ctr"/>
+            <a:endParaRPr lang="en-US">
+              <a:solidFill>
+                <a:schemeClr val="accent2">
+                  <a:lumMod val="50000"/>
+                </a:schemeClr>
+              </a:solidFill>
+            </a:endParaRPr>
+          </a:p>
+        </p:txBody>
+      </p:sp>
+      <p:sp>
+        <p:nvSpPr>
+          <p:cNvPr id="1024" name="Oval 1023">
+            <a:extLst>
+              <a:ext uri="{FF2B5EF4-FFF2-40B4-BE49-F238E27FC236}">
+                <a16:creationId xmlns:a16="http://schemas.microsoft.com/office/drawing/2014/main" id="{4D051B26-BA83-93C1-3718-04FF78D315FC}"/>
+              </a:ext>
+            </a:extLst>
+          </p:cNvPr>
+          <p:cNvSpPr/>
+          <p:nvPr/>
+        </p:nvSpPr>
+        <p:spPr>
+          <a:xfrm>
+            <a:off x="2869295" y="6054471"/>
+            <a:ext cx="141515" cy="130629"/>
+          </a:xfrm>
+          <a:prstGeom prst="ellipse">
+            <a:avLst/>
+          </a:prstGeom>
+          <a:solidFill>
+            <a:srgbClr val="F3CABA"/>
+          </a:solidFill>
+          <a:ln w="19050">
+            <a:noFill/>
+          </a:ln>
+        </p:spPr>
+        <p:style>
+          <a:lnRef idx="2">
+            <a:schemeClr val="accent1">
+              <a:shade val="50000"/>
+            </a:schemeClr>
+          </a:lnRef>
+          <a:fillRef idx="1">
+            <a:schemeClr val="accent1"/>
+          </a:fillRef>
+          <a:effectRef idx="0">
+            <a:schemeClr val="accent1"/>
+          </a:effectRef>
+          <a:fontRef idx="minor">
+            <a:schemeClr val="lt1"/>
+          </a:fontRef>
+        </p:style>
+        <p:txBody>
+          <a:bodyPr rtlCol="0" anchor="ctr"/>
+          <a:lstStyle/>
+          <a:p>
+            <a:pPr algn="ctr"/>
+            <a:endParaRPr lang="en-US">
+              <a:solidFill>
+                <a:schemeClr val="accent2">
+                  <a:lumMod val="50000"/>
+                </a:schemeClr>
+              </a:solidFill>
+            </a:endParaRPr>
+          </a:p>
+        </p:txBody>
+      </p:sp>
+      <p:sp>
+        <p:nvSpPr>
+          <p:cNvPr id="1025" name="Oval 1024">
+            <a:extLst>
+              <a:ext uri="{FF2B5EF4-FFF2-40B4-BE49-F238E27FC236}">
+                <a16:creationId xmlns:a16="http://schemas.microsoft.com/office/drawing/2014/main" id="{CC525035-B838-0910-CEF9-79A16B107641}"/>
+              </a:ext>
+            </a:extLst>
+          </p:cNvPr>
+          <p:cNvSpPr/>
+          <p:nvPr/>
+        </p:nvSpPr>
+        <p:spPr>
+          <a:xfrm>
+            <a:off x="3267022" y="6060340"/>
+            <a:ext cx="141515" cy="130629"/>
+          </a:xfrm>
+          <a:prstGeom prst="ellipse">
+            <a:avLst/>
+          </a:prstGeom>
+          <a:solidFill>
+            <a:srgbClr val="F3CABA"/>
+          </a:solidFill>
+          <a:ln w="19050">
+            <a:noFill/>
+          </a:ln>
+        </p:spPr>
+        <p:style>
+          <a:lnRef idx="2">
+            <a:schemeClr val="accent1">
+              <a:shade val="50000"/>
+            </a:schemeClr>
+          </a:lnRef>
+          <a:fillRef idx="1">
+            <a:schemeClr val="accent1"/>
+          </a:fillRef>
+          <a:effectRef idx="0">
+            <a:schemeClr val="accent1"/>
+          </a:effectRef>
+          <a:fontRef idx="minor">
+            <a:schemeClr val="lt1"/>
+          </a:fontRef>
+        </p:style>
+        <p:txBody>
+          <a:bodyPr rtlCol="0" anchor="ctr"/>
+          <a:lstStyle/>
+          <a:p>
+            <a:pPr algn="ctr"/>
+            <a:endParaRPr lang="en-US">
+              <a:solidFill>
+                <a:schemeClr val="accent2">
+                  <a:lumMod val="50000"/>
+                </a:schemeClr>
+              </a:solidFill>
+            </a:endParaRPr>
+          </a:p>
+        </p:txBody>
+      </p:sp>
+      <p:sp>
+        <p:nvSpPr>
+          <p:cNvPr id="1027" name="Oval 1026">
+            <a:extLst>
+              <a:ext uri="{FF2B5EF4-FFF2-40B4-BE49-F238E27FC236}">
+                <a16:creationId xmlns:a16="http://schemas.microsoft.com/office/drawing/2014/main" id="{18F2381D-1FE8-6B2B-448E-5F9F6974851A}"/>
+              </a:ext>
+            </a:extLst>
+          </p:cNvPr>
+          <p:cNvSpPr/>
+          <p:nvPr/>
+        </p:nvSpPr>
+        <p:spPr>
+          <a:xfrm>
+            <a:off x="3742807" y="6058188"/>
+            <a:ext cx="141515" cy="130629"/>
+          </a:xfrm>
+          <a:prstGeom prst="ellipse">
+            <a:avLst/>
+          </a:prstGeom>
+          <a:solidFill>
+            <a:srgbClr val="F3CABA"/>
+          </a:solidFill>
+          <a:ln w="19050">
+            <a:noFill/>
+          </a:ln>
+        </p:spPr>
+        <p:style>
+          <a:lnRef idx="2">
+            <a:schemeClr val="accent1">
+              <a:shade val="50000"/>
+            </a:schemeClr>
+          </a:lnRef>
+          <a:fillRef idx="1">
+            <a:schemeClr val="accent1"/>
+          </a:fillRef>
+          <a:effectRef idx="0">
+            <a:schemeClr val="accent1"/>
+          </a:effectRef>
+          <a:fontRef idx="minor">
+            <a:schemeClr val="lt1"/>
+          </a:fontRef>
+        </p:style>
+        <p:txBody>
+          <a:bodyPr rtlCol="0" anchor="ctr"/>
+          <a:lstStyle/>
+          <a:p>
+            <a:pPr algn="ctr"/>
+            <a:endParaRPr lang="en-US">
+              <a:solidFill>
+                <a:schemeClr val="accent2">
+                  <a:lumMod val="50000"/>
+                </a:schemeClr>
+              </a:solidFill>
+            </a:endParaRPr>
+          </a:p>
+        </p:txBody>
+      </p:sp>
+      <p:sp>
+        <p:nvSpPr>
+          <p:cNvPr id="1028" name="Oval 1027">
+            <a:extLst>
+              <a:ext uri="{FF2B5EF4-FFF2-40B4-BE49-F238E27FC236}">
+                <a16:creationId xmlns:a16="http://schemas.microsoft.com/office/drawing/2014/main" id="{21937490-E407-683C-3052-B73439CE7ED2}"/>
+              </a:ext>
+            </a:extLst>
+          </p:cNvPr>
+          <p:cNvSpPr/>
+          <p:nvPr/>
+        </p:nvSpPr>
+        <p:spPr>
+          <a:xfrm>
+            <a:off x="2233676" y="6633224"/>
+            <a:ext cx="141515" cy="130629"/>
+          </a:xfrm>
+          <a:prstGeom prst="ellipse">
+            <a:avLst/>
+          </a:prstGeom>
+          <a:solidFill>
+            <a:srgbClr val="9C9EBE"/>
+          </a:solidFill>
+          <a:ln w="19050">
+            <a:noFill/>
+          </a:ln>
+        </p:spPr>
+        <p:style>
+          <a:lnRef idx="2">
+            <a:schemeClr val="accent1">
+              <a:shade val="50000"/>
+            </a:schemeClr>
+          </a:lnRef>
+          <a:fillRef idx="1">
+            <a:schemeClr val="accent1"/>
+          </a:fillRef>
+          <a:effectRef idx="0">
+            <a:schemeClr val="accent1"/>
+          </a:effectRef>
+          <a:fontRef idx="minor">
+            <a:schemeClr val="lt1"/>
+          </a:fontRef>
+        </p:style>
+        <p:txBody>
+          <a:bodyPr rtlCol="0" anchor="ctr"/>
+          <a:lstStyle/>
+          <a:p>
+            <a:pPr algn="ctr"/>
+            <a:endParaRPr lang="en-US">
+              <a:solidFill>
+                <a:schemeClr val="accent2">
+                  <a:lumMod val="50000"/>
+                </a:schemeClr>
+              </a:solidFill>
+            </a:endParaRPr>
+          </a:p>
+        </p:txBody>
+      </p:sp>
+      <p:sp>
+        <p:nvSpPr>
+          <p:cNvPr id="1029" name="Oval 1028">
+            <a:extLst>
+              <a:ext uri="{FF2B5EF4-FFF2-40B4-BE49-F238E27FC236}">
+                <a16:creationId xmlns:a16="http://schemas.microsoft.com/office/drawing/2014/main" id="{269DEF91-D307-5ADC-DE88-857F4A707774}"/>
+              </a:ext>
+            </a:extLst>
+          </p:cNvPr>
+          <p:cNvSpPr/>
+          <p:nvPr/>
+        </p:nvSpPr>
+        <p:spPr>
+          <a:xfrm>
+            <a:off x="2772651" y="6626900"/>
+            <a:ext cx="141515" cy="130629"/>
+          </a:xfrm>
+          <a:prstGeom prst="ellipse">
+            <a:avLst/>
+          </a:prstGeom>
+          <a:solidFill>
+            <a:srgbClr val="9C9EBE"/>
+          </a:solidFill>
+          <a:ln w="19050">
+            <a:noFill/>
+          </a:ln>
+        </p:spPr>
+        <p:style>
+          <a:lnRef idx="2">
+            <a:schemeClr val="accent1">
+              <a:shade val="50000"/>
+            </a:schemeClr>
+          </a:lnRef>
+          <a:fillRef idx="1">
+            <a:schemeClr val="accent1"/>
+          </a:fillRef>
+          <a:effectRef idx="0">
+            <a:schemeClr val="accent1"/>
+          </a:effectRef>
+          <a:fontRef idx="minor">
+            <a:schemeClr val="lt1"/>
+          </a:fontRef>
+        </p:style>
+        <p:txBody>
+          <a:bodyPr rtlCol="0" anchor="ctr"/>
+          <a:lstStyle/>
+          <a:p>
+            <a:pPr algn="ctr"/>
+            <a:endParaRPr lang="en-US">
+              <a:solidFill>
+                <a:schemeClr val="accent2">
+                  <a:lumMod val="50000"/>
+                </a:schemeClr>
+              </a:solidFill>
+            </a:endParaRPr>
+          </a:p>
+        </p:txBody>
+      </p:sp>
+      <p:sp>
+        <p:nvSpPr>
+          <p:cNvPr id="1030" name="Oval 1029">
+            <a:extLst>
+              <a:ext uri="{FF2B5EF4-FFF2-40B4-BE49-F238E27FC236}">
+                <a16:creationId xmlns:a16="http://schemas.microsoft.com/office/drawing/2014/main" id="{A87EEE3C-B534-3721-4898-0D709A2EB822}"/>
+              </a:ext>
+            </a:extLst>
+          </p:cNvPr>
+          <p:cNvSpPr/>
+          <p:nvPr/>
+        </p:nvSpPr>
+        <p:spPr>
+          <a:xfrm>
+            <a:off x="3575539" y="6621620"/>
+            <a:ext cx="141515" cy="130629"/>
+          </a:xfrm>
+          <a:prstGeom prst="ellipse">
+            <a:avLst/>
+          </a:prstGeom>
+          <a:solidFill>
+            <a:srgbClr val="9C9EBE"/>
+          </a:solidFill>
+          <a:ln w="19050">
+            <a:noFill/>
+          </a:ln>
+        </p:spPr>
+        <p:style>
+          <a:lnRef idx="2">
+            <a:schemeClr val="accent1">
+              <a:shade val="50000"/>
+            </a:schemeClr>
+          </a:lnRef>
+          <a:fillRef idx="1">
+            <a:schemeClr val="accent1"/>
+          </a:fillRef>
+          <a:effectRef idx="0">
+            <a:schemeClr val="accent1"/>
+          </a:effectRef>
+          <a:fontRef idx="minor">
+            <a:schemeClr val="lt1"/>
+          </a:fontRef>
+        </p:style>
+        <p:txBody>
+          <a:bodyPr rtlCol="0" anchor="ctr"/>
+          <a:lstStyle/>
+          <a:p>
+            <a:pPr algn="ctr"/>
+            <a:endParaRPr lang="en-US">
+              <a:solidFill>
+                <a:schemeClr val="accent2">
+                  <a:lumMod val="50000"/>
+                </a:schemeClr>
+              </a:solidFill>
+            </a:endParaRPr>
+          </a:p>
+        </p:txBody>
+      </p:sp>
+      <p:cxnSp>
+        <p:nvCxnSpPr>
+          <p:cNvPr id="1031" name="Straight Connector 1030">
+            <a:extLst>
+              <a:ext uri="{FF2B5EF4-FFF2-40B4-BE49-F238E27FC236}">
+                <a16:creationId xmlns:a16="http://schemas.microsoft.com/office/drawing/2014/main" id="{9DC352BB-5D5F-FD38-8565-9B9F0DB1A9CF}"/>
+              </a:ext>
+            </a:extLst>
+          </p:cNvPr>
+          <p:cNvCxnSpPr>
+            <a:cxnSpLocks/>
+          </p:cNvCxnSpPr>
+          <p:nvPr/>
+        </p:nvCxnSpPr>
+        <p:spPr>
+          <a:xfrm flipH="1">
+            <a:off x="1294075" y="7250495"/>
+            <a:ext cx="2645901" cy="0"/>
+          </a:xfrm>
+          <a:prstGeom prst="line">
+            <a:avLst/>
+          </a:prstGeom>
+          <a:ln w="28575">
+            <a:solidFill>
+              <a:schemeClr val="tx1"/>
+            </a:solidFill>
+          </a:ln>
+        </p:spPr>
+        <p:style>
+          <a:lnRef idx="1">
+            <a:schemeClr val="accent1"/>
+          </a:lnRef>
+          <a:fillRef idx="0">
+            <a:schemeClr val="accent1"/>
+          </a:fillRef>
+          <a:effectRef idx="0">
+            <a:schemeClr val="accent1"/>
+          </a:effectRef>
+          <a:fontRef idx="minor">
+            <a:schemeClr val="tx1"/>
+          </a:fontRef>
+        </p:style>
+      </p:cxnSp>
+      <p:cxnSp>
+        <p:nvCxnSpPr>
+          <p:cNvPr id="1032" name="Straight Connector 1031">
+            <a:extLst>
+              <a:ext uri="{FF2B5EF4-FFF2-40B4-BE49-F238E27FC236}">
+                <a16:creationId xmlns:a16="http://schemas.microsoft.com/office/drawing/2014/main" id="{FFADD811-A3E1-5070-9969-4ACD8E3346DD}"/>
+              </a:ext>
+            </a:extLst>
+          </p:cNvPr>
+          <p:cNvCxnSpPr>
+            <a:cxnSpLocks/>
+          </p:cNvCxnSpPr>
+          <p:nvPr/>
+        </p:nvCxnSpPr>
+        <p:spPr>
+          <a:xfrm>
+            <a:off x="1283188" y="4757271"/>
+            <a:ext cx="0" cy="2504110"/>
+          </a:xfrm>
+          <a:prstGeom prst="line">
+            <a:avLst/>
+          </a:prstGeom>
+          <a:ln w="28575">
+            <a:solidFill>
+              <a:schemeClr val="tx1"/>
+            </a:solidFill>
+          </a:ln>
+        </p:spPr>
+        <p:style>
+          <a:lnRef idx="1">
+            <a:schemeClr val="accent1"/>
+          </a:lnRef>
+          <a:fillRef idx="0">
+            <a:schemeClr val="accent1"/>
+          </a:fillRef>
+          <a:effectRef idx="0">
+            <a:schemeClr val="accent1"/>
+          </a:effectRef>
+          <a:fontRef idx="minor">
+            <a:schemeClr val="tx1"/>
+          </a:fontRef>
+        </p:style>
+      </p:cxnSp>
+      <p:sp>
+        <p:nvSpPr>
+          <p:cNvPr id="1033" name="TextBox 1032">
+            <a:extLst>
+              <a:ext uri="{FF2B5EF4-FFF2-40B4-BE49-F238E27FC236}">
+                <a16:creationId xmlns:a16="http://schemas.microsoft.com/office/drawing/2014/main" id="{AFAB3690-8F19-403D-1359-8FF4B9F82E8B}"/>
+              </a:ext>
+            </a:extLst>
+          </p:cNvPr>
+          <p:cNvSpPr txBox="1"/>
+          <p:nvPr/>
+        </p:nvSpPr>
+        <p:spPr>
+          <a:xfrm>
+            <a:off x="2095183" y="4925351"/>
+            <a:ext cx="2032232" cy="338554"/>
+          </a:xfrm>
+          <a:prstGeom prst="rect">
+            <a:avLst/>
+          </a:prstGeom>
+          <a:noFill/>
+        </p:spPr>
+        <p:txBody>
+          <a:bodyPr wrap="square" rtlCol="0">
+            <a:spAutoFit/>
+          </a:bodyPr>
+          <a:lstStyle/>
+          <a:p>
+            <a:pPr algn="ctr"/>
+            <a:r>
+              <a:rPr lang="en-US" sz="1600" i="1" dirty="0">
+                <a:solidFill>
+                  <a:schemeClr val="bg2">
+                    <a:lumMod val="75000"/>
+                  </a:schemeClr>
+                </a:solidFill>
+                <a:latin typeface="Arial" panose="020B0604020202020204" pitchFamily="34" charset="0"/>
+                <a:cs typeface="Arial" panose="020B0604020202020204" pitchFamily="34" charset="0"/>
+              </a:rPr>
+              <a:t>1:1</a:t>
+            </a:r>
+          </a:p>
+        </p:txBody>
+      </p:sp>
+      <p:sp>
+        <p:nvSpPr>
+          <p:cNvPr id="1035" name="TextBox 1034">
+            <a:extLst>
+              <a:ext uri="{FF2B5EF4-FFF2-40B4-BE49-F238E27FC236}">
+                <a16:creationId xmlns:a16="http://schemas.microsoft.com/office/drawing/2014/main" id="{401F6452-4BCF-D391-4EE7-FBE4E6C7DB24}"/>
+              </a:ext>
+            </a:extLst>
+          </p:cNvPr>
+          <p:cNvSpPr txBox="1"/>
+          <p:nvPr/>
+        </p:nvSpPr>
+        <p:spPr>
+          <a:xfrm rot="16200000">
+            <a:off x="-624630" y="5840607"/>
+            <a:ext cx="2900904" cy="338554"/>
+          </a:xfrm>
+          <a:prstGeom prst="rect">
+            <a:avLst/>
+          </a:prstGeom>
+          <a:noFill/>
+        </p:spPr>
+        <p:txBody>
+          <a:bodyPr wrap="square" rtlCol="0">
+            <a:spAutoFit/>
+          </a:bodyPr>
+          <a:lstStyle/>
+          <a:p>
+            <a:pPr algn="ctr"/>
+            <a:r>
+              <a:rPr lang="en-US" sz="1600" dirty="0">
+                <a:latin typeface="Arial" panose="020B0604020202020204" pitchFamily="34" charset="0"/>
+                <a:cs typeface="Arial" panose="020B0604020202020204" pitchFamily="34" charset="0"/>
+              </a:rPr>
+              <a:t>Range expansion rate (km/yr)</a:t>
+            </a:r>
+          </a:p>
+        </p:txBody>
+      </p:sp>
+      <p:sp>
+        <p:nvSpPr>
+          <p:cNvPr id="1036" name="Oval 1035">
+            <a:extLst>
+              <a:ext uri="{FF2B5EF4-FFF2-40B4-BE49-F238E27FC236}">
+                <a16:creationId xmlns:a16="http://schemas.microsoft.com/office/drawing/2014/main" id="{D2AA29B6-45C0-D1E7-02BF-7B7437742845}"/>
+              </a:ext>
+            </a:extLst>
+          </p:cNvPr>
+          <p:cNvSpPr/>
+          <p:nvPr/>
+        </p:nvSpPr>
+        <p:spPr>
+          <a:xfrm>
+            <a:off x="3322721" y="4343409"/>
+            <a:ext cx="141515" cy="130629"/>
+          </a:xfrm>
+          <a:prstGeom prst="ellipse">
+            <a:avLst/>
+          </a:prstGeom>
+          <a:solidFill>
+            <a:schemeClr val="bg1"/>
+          </a:solidFill>
+          <a:ln w="19050">
+            <a:solidFill>
+              <a:schemeClr val="bg1"/>
+            </a:solidFill>
+          </a:ln>
+        </p:spPr>
+        <p:style>
+          <a:lnRef idx="2">
+            <a:schemeClr val="accent1">
+              <a:shade val="50000"/>
+            </a:schemeClr>
+          </a:lnRef>
+          <a:fillRef idx="1">
+            <a:schemeClr val="accent1"/>
+          </a:fillRef>
+          <a:effectRef idx="0">
+            <a:schemeClr val="accent1"/>
+          </a:effectRef>
+          <a:fontRef idx="minor">
+            <a:schemeClr val="lt1"/>
+          </a:fontRef>
+        </p:style>
+        <p:txBody>
+          <a:bodyPr rtlCol="0" anchor="ctr"/>
+          <a:lstStyle/>
+          <a:p>
+            <a:pPr algn="ctr"/>
+            <a:endParaRPr lang="en-US">
+              <a:solidFill>
+                <a:schemeClr val="accent2">
+                  <a:lumMod val="50000"/>
+                </a:schemeClr>
+              </a:solidFill>
+            </a:endParaRPr>
+          </a:p>
+        </p:txBody>
+      </p:sp>
+      <p:sp>
+        <p:nvSpPr>
+          <p:cNvPr id="1037" name="TextBox 1036">
+            <a:extLst>
+              <a:ext uri="{FF2B5EF4-FFF2-40B4-BE49-F238E27FC236}">
+                <a16:creationId xmlns:a16="http://schemas.microsoft.com/office/drawing/2014/main" id="{4F7285F9-E473-3351-BF40-14F3A0626619}"/>
+              </a:ext>
+            </a:extLst>
+          </p:cNvPr>
+          <p:cNvSpPr txBox="1"/>
+          <p:nvPr/>
+        </p:nvSpPr>
+        <p:spPr>
+          <a:xfrm>
+            <a:off x="7425044" y="5012654"/>
+            <a:ext cx="1655294" cy="830997"/>
+          </a:xfrm>
+          <a:prstGeom prst="rect">
+            <a:avLst/>
+          </a:prstGeom>
+          <a:noFill/>
+        </p:spPr>
+        <p:txBody>
+          <a:bodyPr wrap="square" rtlCol="0">
+            <a:spAutoFit/>
+          </a:bodyPr>
+          <a:lstStyle/>
+          <a:p>
+            <a:pPr algn="ctr"/>
+            <a:r>
+              <a:rPr lang="en-US" sz="1600" dirty="0">
+                <a:latin typeface="Arial" panose="020B0604020202020204" pitchFamily="34" charset="0"/>
+                <a:cs typeface="Arial" panose="020B0604020202020204" pitchFamily="34" charset="0"/>
+              </a:rPr>
+              <a:t>Velocity of climate change (km/yr)</a:t>
+            </a:r>
+          </a:p>
+        </p:txBody>
+      </p:sp>
+      <p:pic>
+        <p:nvPicPr>
+          <p:cNvPr id="1041" name="Picture 1040">
+            <a:extLst>
+              <a:ext uri="{FF2B5EF4-FFF2-40B4-BE49-F238E27FC236}">
+                <a16:creationId xmlns:a16="http://schemas.microsoft.com/office/drawing/2014/main" id="{F9E775AE-8FE8-E0E4-329B-53DF68A23EB7}"/>
+              </a:ext>
+            </a:extLst>
+          </p:cNvPr>
+          <p:cNvPicPr>
+            <a:picLocks noChangeAspect="1"/>
+          </p:cNvPicPr>
+          <p:nvPr/>
+        </p:nvPicPr>
+        <p:blipFill>
+          <a:blip r:embed="rId6"/>
+          <a:stretch>
+            <a:fillRect/>
+          </a:stretch>
+        </p:blipFill>
+        <p:spPr>
+          <a:xfrm>
+            <a:off x="8233777" y="8881407"/>
+            <a:ext cx="1004705" cy="2466095"/>
+          </a:xfrm>
+          <a:prstGeom prst="rect">
+            <a:avLst/>
+          </a:prstGeom>
+        </p:spPr>
+      </p:pic>
+      <p:sp>
+        <p:nvSpPr>
+          <p:cNvPr id="1042" name="TextBox 1041">
+            <a:extLst>
+              <a:ext uri="{FF2B5EF4-FFF2-40B4-BE49-F238E27FC236}">
+                <a16:creationId xmlns:a16="http://schemas.microsoft.com/office/drawing/2014/main" id="{59A37552-565B-73B7-D48B-0D208304874F}"/>
+              </a:ext>
+            </a:extLst>
+          </p:cNvPr>
+          <p:cNvSpPr txBox="1"/>
+          <p:nvPr/>
+        </p:nvSpPr>
+        <p:spPr>
+          <a:xfrm>
+            <a:off x="2484857" y="409168"/>
             <a:ext cx="569481" cy="338554"/>
           </a:xfrm>
           <a:prstGeom prst="rect">
@@ -4273,336 +5765,10 @@
       </p:sp>
       <p:sp>
         <p:nvSpPr>
-          <p:cNvPr id="36" name="Oval 35">
-            <a:extLst>
-              <a:ext uri="{FF2B5EF4-FFF2-40B4-BE49-F238E27FC236}">
-                <a16:creationId xmlns:a16="http://schemas.microsoft.com/office/drawing/2014/main" id="{BEE8699E-F273-6FF7-DC63-85059E130FD0}"/>
-              </a:ext>
-            </a:extLst>
-          </p:cNvPr>
-          <p:cNvSpPr/>
-          <p:nvPr/>
-        </p:nvSpPr>
-        <p:spPr>
-          <a:xfrm>
-            <a:off x="1894849" y="6517743"/>
-            <a:ext cx="141515" cy="130629"/>
-          </a:xfrm>
-          <a:prstGeom prst="ellipse">
-            <a:avLst/>
-          </a:prstGeom>
-          <a:solidFill>
-            <a:srgbClr val="B2172B"/>
-          </a:solidFill>
-          <a:ln w="19050">
-            <a:solidFill>
-              <a:schemeClr val="tx1"/>
-            </a:solidFill>
-          </a:ln>
-        </p:spPr>
-        <p:style>
-          <a:lnRef idx="2">
-            <a:schemeClr val="accent1">
-              <a:shade val="50000"/>
-            </a:schemeClr>
-          </a:lnRef>
-          <a:fillRef idx="1">
-            <a:schemeClr val="accent1"/>
-          </a:fillRef>
-          <a:effectRef idx="0">
-            <a:schemeClr val="accent1"/>
-          </a:effectRef>
-          <a:fontRef idx="minor">
-            <a:schemeClr val="lt1"/>
-          </a:fontRef>
-        </p:style>
-        <p:txBody>
-          <a:bodyPr rtlCol="0" anchor="ctr"/>
-          <a:lstStyle/>
-          <a:p>
-            <a:pPr algn="ctr"/>
-            <a:endParaRPr lang="en-US">
-              <a:solidFill>
-                <a:schemeClr val="accent2">
-                  <a:lumMod val="50000"/>
-                </a:schemeClr>
-              </a:solidFill>
-            </a:endParaRPr>
-          </a:p>
-        </p:txBody>
-      </p:sp>
-      <p:sp>
-        <p:nvSpPr>
-          <p:cNvPr id="37" name="Oval 36">
-            <a:extLst>
-              <a:ext uri="{FF2B5EF4-FFF2-40B4-BE49-F238E27FC236}">
-                <a16:creationId xmlns:a16="http://schemas.microsoft.com/office/drawing/2014/main" id="{354D3C8F-B1BA-6D29-DC90-52EDBF833981}"/>
-              </a:ext>
-            </a:extLst>
-          </p:cNvPr>
-          <p:cNvSpPr/>
-          <p:nvPr/>
-        </p:nvSpPr>
-        <p:spPr>
-          <a:xfrm>
-            <a:off x="2747850" y="5656669"/>
-            <a:ext cx="141515" cy="130629"/>
-          </a:xfrm>
-          <a:prstGeom prst="ellipse">
-            <a:avLst/>
-          </a:prstGeom>
-          <a:solidFill>
-            <a:srgbClr val="B2172B"/>
-          </a:solidFill>
-          <a:ln w="19050">
-            <a:solidFill>
-              <a:schemeClr val="tx1"/>
-            </a:solidFill>
-          </a:ln>
-        </p:spPr>
-        <p:style>
-          <a:lnRef idx="2">
-            <a:schemeClr val="accent1">
-              <a:shade val="50000"/>
-            </a:schemeClr>
-          </a:lnRef>
-          <a:fillRef idx="1">
-            <a:schemeClr val="accent1"/>
-          </a:fillRef>
-          <a:effectRef idx="0">
-            <a:schemeClr val="accent1"/>
-          </a:effectRef>
-          <a:fontRef idx="minor">
-            <a:schemeClr val="lt1"/>
-          </a:fontRef>
-        </p:style>
-        <p:txBody>
-          <a:bodyPr rtlCol="0" anchor="ctr"/>
-          <a:lstStyle/>
-          <a:p>
-            <a:pPr algn="ctr"/>
-            <a:endParaRPr lang="en-US">
-              <a:solidFill>
-                <a:schemeClr val="accent2">
-                  <a:lumMod val="50000"/>
-                </a:schemeClr>
-              </a:solidFill>
-            </a:endParaRPr>
-          </a:p>
-        </p:txBody>
-      </p:sp>
-      <p:sp>
-        <p:nvSpPr>
-          <p:cNvPr id="38" name="Oval 37">
-            <a:extLst>
-              <a:ext uri="{FF2B5EF4-FFF2-40B4-BE49-F238E27FC236}">
-                <a16:creationId xmlns:a16="http://schemas.microsoft.com/office/drawing/2014/main" id="{10BECA27-75D0-9CB3-CB85-06E4F830C2EA}"/>
-              </a:ext>
-            </a:extLst>
-          </p:cNvPr>
-          <p:cNvSpPr/>
-          <p:nvPr/>
-        </p:nvSpPr>
-        <p:spPr>
-          <a:xfrm>
-            <a:off x="3394086" y="5545878"/>
-            <a:ext cx="141515" cy="130629"/>
-          </a:xfrm>
-          <a:prstGeom prst="ellipse">
-            <a:avLst/>
-          </a:prstGeom>
-          <a:solidFill>
-            <a:srgbClr val="B2172B"/>
-          </a:solidFill>
-          <a:ln>
-            <a:solidFill>
-              <a:srgbClr val="B2172B"/>
-            </a:solidFill>
-          </a:ln>
-        </p:spPr>
-        <p:style>
-          <a:lnRef idx="2">
-            <a:schemeClr val="accent1">
-              <a:shade val="50000"/>
-            </a:schemeClr>
-          </a:lnRef>
-          <a:fillRef idx="1">
-            <a:schemeClr val="accent1"/>
-          </a:fillRef>
-          <a:effectRef idx="0">
-            <a:schemeClr val="accent1"/>
-          </a:effectRef>
-          <a:fontRef idx="minor">
-            <a:schemeClr val="lt1"/>
-          </a:fontRef>
-        </p:style>
-        <p:txBody>
-          <a:bodyPr rtlCol="0" anchor="ctr"/>
-          <a:lstStyle/>
-          <a:p>
-            <a:pPr algn="ctr"/>
-            <a:endParaRPr lang="en-US">
-              <a:solidFill>
-                <a:schemeClr val="accent2">
-                  <a:lumMod val="50000"/>
-                </a:schemeClr>
-              </a:solidFill>
-            </a:endParaRPr>
-          </a:p>
-        </p:txBody>
-      </p:sp>
-      <p:sp>
-        <p:nvSpPr>
-          <p:cNvPr id="39" name="Oval 38">
-            <a:extLst>
-              <a:ext uri="{FF2B5EF4-FFF2-40B4-BE49-F238E27FC236}">
-                <a16:creationId xmlns:a16="http://schemas.microsoft.com/office/drawing/2014/main" id="{823A49DE-0586-7321-F6C6-EB2C3AC37273}"/>
-              </a:ext>
-            </a:extLst>
-          </p:cNvPr>
-          <p:cNvSpPr/>
-          <p:nvPr/>
-        </p:nvSpPr>
-        <p:spPr>
-          <a:xfrm>
-            <a:off x="2460923" y="5960644"/>
-            <a:ext cx="141515" cy="130629"/>
-          </a:xfrm>
-          <a:prstGeom prst="ellipse">
-            <a:avLst/>
-          </a:prstGeom>
-          <a:solidFill>
-            <a:srgbClr val="B2172B"/>
-          </a:solidFill>
-          <a:ln w="19050">
-            <a:solidFill>
-              <a:schemeClr val="tx1"/>
-            </a:solidFill>
-          </a:ln>
-        </p:spPr>
-        <p:style>
-          <a:lnRef idx="2">
-            <a:schemeClr val="accent1">
-              <a:shade val="50000"/>
-            </a:schemeClr>
-          </a:lnRef>
-          <a:fillRef idx="1">
-            <a:schemeClr val="accent1"/>
-          </a:fillRef>
-          <a:effectRef idx="0">
-            <a:schemeClr val="accent1"/>
-          </a:effectRef>
-          <a:fontRef idx="minor">
-            <a:schemeClr val="lt1"/>
-          </a:fontRef>
-        </p:style>
-        <p:txBody>
-          <a:bodyPr rtlCol="0" anchor="ctr"/>
-          <a:lstStyle/>
-          <a:p>
-            <a:pPr algn="ctr"/>
-            <a:endParaRPr lang="en-US">
-              <a:solidFill>
-                <a:schemeClr val="accent2">
-                  <a:lumMod val="50000"/>
-                </a:schemeClr>
-              </a:solidFill>
-            </a:endParaRPr>
-          </a:p>
-        </p:txBody>
-      </p:sp>
-      <p:cxnSp>
-        <p:nvCxnSpPr>
-          <p:cNvPr id="40" name="Straight Connector 39">
-            <a:extLst>
-              <a:ext uri="{FF2B5EF4-FFF2-40B4-BE49-F238E27FC236}">
-                <a16:creationId xmlns:a16="http://schemas.microsoft.com/office/drawing/2014/main" id="{238696BA-A5E6-6909-9553-555066BC9A22}"/>
-              </a:ext>
-            </a:extLst>
-          </p:cNvPr>
-          <p:cNvCxnSpPr>
-            <a:cxnSpLocks/>
-          </p:cNvCxnSpPr>
-          <p:nvPr/>
-        </p:nvCxnSpPr>
-        <p:spPr>
-          <a:xfrm>
-            <a:off x="4568658" y="4783827"/>
-            <a:ext cx="0" cy="2491683"/>
-          </a:xfrm>
-          <a:prstGeom prst="line">
-            <a:avLst/>
-          </a:prstGeom>
-          <a:ln w="28575">
-            <a:solidFill>
-              <a:schemeClr val="tx1"/>
-            </a:solidFill>
-          </a:ln>
-        </p:spPr>
-        <p:style>
-          <a:lnRef idx="1">
-            <a:schemeClr val="accent1"/>
-          </a:lnRef>
-          <a:fillRef idx="0">
-            <a:schemeClr val="accent1"/>
-          </a:fillRef>
-          <a:effectRef idx="0">
-            <a:schemeClr val="accent1"/>
-          </a:effectRef>
-          <a:fontRef idx="minor">
-            <a:schemeClr val="tx1"/>
-          </a:fontRef>
-        </p:style>
-      </p:cxnSp>
-      <p:cxnSp>
-        <p:nvCxnSpPr>
-          <p:cNvPr id="41" name="Straight Connector 40">
-            <a:extLst>
-              <a:ext uri="{FF2B5EF4-FFF2-40B4-BE49-F238E27FC236}">
-                <a16:creationId xmlns:a16="http://schemas.microsoft.com/office/drawing/2014/main" id="{BC654A08-4197-1F28-F560-69090ED02B1C}"/>
-              </a:ext>
-            </a:extLst>
-          </p:cNvPr>
-          <p:cNvCxnSpPr>
-            <a:cxnSpLocks/>
-          </p:cNvCxnSpPr>
-          <p:nvPr/>
-        </p:nvCxnSpPr>
-        <p:spPr>
-          <a:xfrm flipH="1">
-            <a:off x="4579544" y="7264623"/>
-            <a:ext cx="2660360" cy="0"/>
-          </a:xfrm>
-          <a:prstGeom prst="line">
-            <a:avLst/>
-          </a:prstGeom>
-          <a:ln w="28575">
-            <a:solidFill>
-              <a:schemeClr val="tx1"/>
-            </a:solidFill>
-          </a:ln>
-        </p:spPr>
-        <p:style>
-          <a:lnRef idx="1">
-            <a:schemeClr val="accent1"/>
-          </a:lnRef>
-          <a:fillRef idx="0">
-            <a:schemeClr val="accent1"/>
-          </a:fillRef>
-          <a:effectRef idx="0">
-            <a:schemeClr val="accent1"/>
-          </a:effectRef>
-          <a:fontRef idx="minor">
-            <a:schemeClr val="tx1"/>
-          </a:fontRef>
-        </p:style>
-      </p:cxnSp>
-      <p:sp>
-        <p:nvSpPr>
-          <p:cNvPr id="42" name="TextBox 41">
-            <a:extLst>
-              <a:ext uri="{FF2B5EF4-FFF2-40B4-BE49-F238E27FC236}">
-                <a16:creationId xmlns:a16="http://schemas.microsoft.com/office/drawing/2014/main" id="{A65315F1-FD2B-9078-9C44-2367AACD6439}"/>
+          <p:cNvPr id="1045" name="TextBox 1044">
+            <a:extLst>
+              <a:ext uri="{FF2B5EF4-FFF2-40B4-BE49-F238E27FC236}">
+                <a16:creationId xmlns:a16="http://schemas.microsoft.com/office/drawing/2014/main" id="{7AE593D6-4D6F-F226-6938-DEE12E1EFF8C}"/>
               </a:ext>
             </a:extLst>
           </p:cNvPr>
@@ -4611,209 +5777,7 @@
         </p:nvSpPr>
         <p:spPr>
           <a:xfrm>
-            <a:off x="4152322" y="7473954"/>
-            <a:ext cx="3610227" cy="584775"/>
-          </a:xfrm>
-          <a:prstGeom prst="rect">
-            <a:avLst/>
-          </a:prstGeom>
-          <a:noFill/>
-        </p:spPr>
-        <p:txBody>
-          <a:bodyPr wrap="square" rtlCol="0">
-            <a:spAutoFit/>
-          </a:bodyPr>
-          <a:lstStyle/>
-          <a:p>
-            <a:pPr algn="ctr"/>
-            <a:r>
-              <a:rPr lang="en-US" sz="1600" dirty="0">
-                <a:latin typeface="Arial" panose="020B0604020202020204" pitchFamily="34" charset="0"/>
-                <a:cs typeface="Arial" panose="020B0604020202020204" pitchFamily="34" charset="0"/>
-              </a:rPr>
-              <a:t>Minimum of potential dispersal rate and velocity of climate change (km/yr)</a:t>
-            </a:r>
-          </a:p>
-        </p:txBody>
-      </p:sp>
-      <p:sp>
-        <p:nvSpPr>
-          <p:cNvPr id="43" name="TextBox 42">
-            <a:extLst>
-              <a:ext uri="{FF2B5EF4-FFF2-40B4-BE49-F238E27FC236}">
-                <a16:creationId xmlns:a16="http://schemas.microsoft.com/office/drawing/2014/main" id="{F7E81AD1-9BE2-8851-3F5F-C9A721D7075B}"/>
-              </a:ext>
-            </a:extLst>
-          </p:cNvPr>
-          <p:cNvSpPr txBox="1"/>
-          <p:nvPr/>
-        </p:nvSpPr>
-        <p:spPr>
-          <a:xfrm>
-            <a:off x="4262617" y="4276841"/>
-            <a:ext cx="269626" cy="2677656"/>
-          </a:xfrm>
-          <a:prstGeom prst="rect">
-            <a:avLst/>
-          </a:prstGeom>
-          <a:noFill/>
-        </p:spPr>
-        <p:txBody>
-          <a:bodyPr wrap="none" rtlCol="0">
-            <a:spAutoFit/>
-          </a:bodyPr>
-          <a:lstStyle/>
-          <a:p>
-            <a:endParaRPr lang="en-US" sz="1200" dirty="0">
-              <a:latin typeface="Arial" panose="020B0604020202020204" pitchFamily="34" charset="0"/>
-              <a:cs typeface="Arial" panose="020B0604020202020204" pitchFamily="34" charset="0"/>
-            </a:endParaRPr>
-          </a:p>
-          <a:p>
-            <a:endParaRPr lang="en-US" sz="1200" dirty="0">
-              <a:latin typeface="Arial" panose="020B0604020202020204" pitchFamily="34" charset="0"/>
-              <a:cs typeface="Arial" panose="020B0604020202020204" pitchFamily="34" charset="0"/>
-            </a:endParaRPr>
-          </a:p>
-          <a:p>
-            <a:endParaRPr lang="en-US" sz="1200" dirty="0">
-              <a:latin typeface="Arial" panose="020B0604020202020204" pitchFamily="34" charset="0"/>
-              <a:cs typeface="Arial" panose="020B0604020202020204" pitchFamily="34" charset="0"/>
-            </a:endParaRPr>
-          </a:p>
-          <a:p>
-            <a:r>
-              <a:rPr lang="en-US" sz="1200" dirty="0">
-                <a:latin typeface="Arial" panose="020B0604020202020204" pitchFamily="34" charset="0"/>
-                <a:cs typeface="Arial" panose="020B0604020202020204" pitchFamily="34" charset="0"/>
-              </a:rPr>
-              <a:t>4</a:t>
-            </a:r>
-          </a:p>
-          <a:p>
-            <a:endParaRPr lang="en-US" sz="1200" dirty="0">
-              <a:latin typeface="Arial" panose="020B0604020202020204" pitchFamily="34" charset="0"/>
-              <a:cs typeface="Arial" panose="020B0604020202020204" pitchFamily="34" charset="0"/>
-            </a:endParaRPr>
-          </a:p>
-          <a:p>
-            <a:endParaRPr lang="en-US" sz="1200" dirty="0">
-              <a:latin typeface="Arial" panose="020B0604020202020204" pitchFamily="34" charset="0"/>
-              <a:cs typeface="Arial" panose="020B0604020202020204" pitchFamily="34" charset="0"/>
-            </a:endParaRPr>
-          </a:p>
-          <a:p>
-            <a:r>
-              <a:rPr lang="en-US" sz="1200" dirty="0">
-                <a:latin typeface="Arial" panose="020B0604020202020204" pitchFamily="34" charset="0"/>
-                <a:cs typeface="Arial" panose="020B0604020202020204" pitchFamily="34" charset="0"/>
-              </a:rPr>
-              <a:t>3</a:t>
-            </a:r>
-          </a:p>
-          <a:p>
-            <a:endParaRPr lang="en-US" sz="1200" dirty="0">
-              <a:latin typeface="Arial" panose="020B0604020202020204" pitchFamily="34" charset="0"/>
-              <a:cs typeface="Arial" panose="020B0604020202020204" pitchFamily="34" charset="0"/>
-            </a:endParaRPr>
-          </a:p>
-          <a:p>
-            <a:endParaRPr lang="en-US" sz="1200" dirty="0">
-              <a:latin typeface="Arial" panose="020B0604020202020204" pitchFamily="34" charset="0"/>
-              <a:cs typeface="Arial" panose="020B0604020202020204" pitchFamily="34" charset="0"/>
-            </a:endParaRPr>
-          </a:p>
-          <a:p>
-            <a:r>
-              <a:rPr lang="en-US" sz="1200" dirty="0">
-                <a:latin typeface="Arial" panose="020B0604020202020204" pitchFamily="34" charset="0"/>
-                <a:cs typeface="Arial" panose="020B0604020202020204" pitchFamily="34" charset="0"/>
-              </a:rPr>
-              <a:t>2</a:t>
-            </a:r>
-          </a:p>
-          <a:p>
-            <a:endParaRPr lang="en-US" sz="1200" dirty="0">
-              <a:latin typeface="Arial" panose="020B0604020202020204" pitchFamily="34" charset="0"/>
-              <a:cs typeface="Arial" panose="020B0604020202020204" pitchFamily="34" charset="0"/>
-            </a:endParaRPr>
-          </a:p>
-          <a:p>
-            <a:endParaRPr lang="en-US" sz="1200" dirty="0">
-              <a:latin typeface="Arial" panose="020B0604020202020204" pitchFamily="34" charset="0"/>
-              <a:cs typeface="Arial" panose="020B0604020202020204" pitchFamily="34" charset="0"/>
-            </a:endParaRPr>
-          </a:p>
-          <a:p>
-            <a:r>
-              <a:rPr lang="en-US" sz="1200" dirty="0">
-                <a:latin typeface="Arial" panose="020B0604020202020204" pitchFamily="34" charset="0"/>
-                <a:cs typeface="Arial" panose="020B0604020202020204" pitchFamily="34" charset="0"/>
-              </a:rPr>
-              <a:t>1</a:t>
-            </a:r>
-          </a:p>
-          <a:p>
-            <a:endParaRPr lang="en-US" sz="1200" dirty="0">
-              <a:latin typeface="Arial" panose="020B0604020202020204" pitchFamily="34" charset="0"/>
-              <a:cs typeface="Arial" panose="020B0604020202020204" pitchFamily="34" charset="0"/>
-            </a:endParaRPr>
-          </a:p>
-        </p:txBody>
-      </p:sp>
-      <p:sp>
-        <p:nvSpPr>
-          <p:cNvPr id="44" name="TextBox 43">
-            <a:extLst>
-              <a:ext uri="{FF2B5EF4-FFF2-40B4-BE49-F238E27FC236}">
-                <a16:creationId xmlns:a16="http://schemas.microsoft.com/office/drawing/2014/main" id="{D1618240-1B4F-D3A8-8997-1D703EBC5607}"/>
-              </a:ext>
-            </a:extLst>
-          </p:cNvPr>
-          <p:cNvSpPr txBox="1"/>
-          <p:nvPr/>
-        </p:nvSpPr>
-        <p:spPr>
-          <a:xfrm>
-            <a:off x="5040051" y="7286259"/>
-            <a:ext cx="2891743" cy="276999"/>
-          </a:xfrm>
-          <a:prstGeom prst="rect">
-            <a:avLst/>
-          </a:prstGeom>
-          <a:noFill/>
-        </p:spPr>
-        <p:txBody>
-          <a:bodyPr wrap="square" rtlCol="0">
-            <a:spAutoFit/>
-          </a:bodyPr>
-          <a:lstStyle/>
-          <a:p>
-            <a:r>
-              <a:rPr lang="en-US" sz="1200" dirty="0">
-                <a:latin typeface="Arial" panose="020B0604020202020204" pitchFamily="34" charset="0"/>
-                <a:cs typeface="Arial" panose="020B0604020202020204" pitchFamily="34" charset="0"/>
-              </a:rPr>
-              <a:t>1            2            3            4            </a:t>
-            </a:r>
-          </a:p>
-        </p:txBody>
-      </p:sp>
-      <p:sp>
-        <p:nvSpPr>
-          <p:cNvPr id="59" name="TextBox 58">
-            <a:extLst>
-              <a:ext uri="{FF2B5EF4-FFF2-40B4-BE49-F238E27FC236}">
-                <a16:creationId xmlns:a16="http://schemas.microsoft.com/office/drawing/2014/main" id="{A27BEDD4-7EE8-86A2-AC37-766D65FFEB9F}"/>
-              </a:ext>
-            </a:extLst>
-          </p:cNvPr>
-          <p:cNvSpPr txBox="1"/>
-          <p:nvPr/>
-        </p:nvSpPr>
-        <p:spPr>
-          <a:xfrm>
-            <a:off x="4484133" y="4680299"/>
+            <a:off x="6388968" y="409168"/>
             <a:ext cx="569481" cy="338554"/>
           </a:xfrm>
           <a:prstGeom prst="rect">
@@ -4845,684 +5809,10 @@
       </p:sp>
       <p:sp>
         <p:nvSpPr>
-          <p:cNvPr id="60" name="Oval 59">
-            <a:extLst>
-              <a:ext uri="{FF2B5EF4-FFF2-40B4-BE49-F238E27FC236}">
-                <a16:creationId xmlns:a16="http://schemas.microsoft.com/office/drawing/2014/main" id="{4C5D6DC3-B351-79DF-ACBA-5621C4D99514}"/>
-              </a:ext>
-            </a:extLst>
-          </p:cNvPr>
-          <p:cNvSpPr/>
-          <p:nvPr/>
-        </p:nvSpPr>
-        <p:spPr>
-          <a:xfrm>
-            <a:off x="2253085" y="6155908"/>
-            <a:ext cx="141515" cy="130629"/>
-          </a:xfrm>
-          <a:prstGeom prst="ellipse">
-            <a:avLst/>
-          </a:prstGeom>
-          <a:solidFill>
-            <a:srgbClr val="F3CABA"/>
-          </a:solidFill>
-          <a:ln w="19050">
-            <a:solidFill>
-              <a:schemeClr val="tx1"/>
-            </a:solidFill>
-          </a:ln>
-        </p:spPr>
-        <p:style>
-          <a:lnRef idx="2">
-            <a:schemeClr val="accent1">
-              <a:shade val="50000"/>
-            </a:schemeClr>
-          </a:lnRef>
-          <a:fillRef idx="1">
-            <a:schemeClr val="accent1"/>
-          </a:fillRef>
-          <a:effectRef idx="0">
-            <a:schemeClr val="accent1"/>
-          </a:effectRef>
-          <a:fontRef idx="minor">
-            <a:schemeClr val="lt1"/>
-          </a:fontRef>
-        </p:style>
-        <p:txBody>
-          <a:bodyPr rtlCol="0" anchor="ctr"/>
-          <a:lstStyle/>
-          <a:p>
-            <a:pPr algn="ctr"/>
-            <a:endParaRPr lang="en-US">
-              <a:solidFill>
-                <a:schemeClr val="accent2">
-                  <a:lumMod val="50000"/>
-                </a:schemeClr>
-              </a:solidFill>
-            </a:endParaRPr>
-          </a:p>
-        </p:txBody>
-      </p:sp>
-      <p:sp>
-        <p:nvSpPr>
-          <p:cNvPr id="61" name="Oval 60">
-            <a:extLst>
-              <a:ext uri="{FF2B5EF4-FFF2-40B4-BE49-F238E27FC236}">
-                <a16:creationId xmlns:a16="http://schemas.microsoft.com/office/drawing/2014/main" id="{EB55F448-5A3A-7678-679C-EF543653C5E6}"/>
-              </a:ext>
-            </a:extLst>
-          </p:cNvPr>
-          <p:cNvSpPr/>
-          <p:nvPr/>
-        </p:nvSpPr>
-        <p:spPr>
-          <a:xfrm>
-            <a:off x="2085921" y="6336883"/>
-            <a:ext cx="141515" cy="130629"/>
-          </a:xfrm>
-          <a:prstGeom prst="ellipse">
-            <a:avLst/>
-          </a:prstGeom>
-          <a:solidFill>
-            <a:srgbClr val="F3CABA"/>
-          </a:solidFill>
-          <a:ln w="19050">
-            <a:solidFill>
-              <a:schemeClr val="tx1"/>
-            </a:solidFill>
-          </a:ln>
-        </p:spPr>
-        <p:style>
-          <a:lnRef idx="2">
-            <a:schemeClr val="accent1">
-              <a:shade val="50000"/>
-            </a:schemeClr>
-          </a:lnRef>
-          <a:fillRef idx="1">
-            <a:schemeClr val="accent1"/>
-          </a:fillRef>
-          <a:effectRef idx="0">
-            <a:schemeClr val="accent1"/>
-          </a:effectRef>
-          <a:fontRef idx="minor">
-            <a:schemeClr val="lt1"/>
-          </a:fontRef>
-        </p:style>
-        <p:txBody>
-          <a:bodyPr rtlCol="0" anchor="ctr"/>
-          <a:lstStyle/>
-          <a:p>
-            <a:pPr algn="ctr"/>
-            <a:endParaRPr lang="en-US">
-              <a:solidFill>
-                <a:schemeClr val="accent2">
-                  <a:lumMod val="50000"/>
-                </a:schemeClr>
-              </a:solidFill>
-            </a:endParaRPr>
-          </a:p>
-        </p:txBody>
-      </p:sp>
-      <p:sp>
-        <p:nvSpPr>
-          <p:cNvPr id="62" name="Oval 61">
-            <a:extLst>
-              <a:ext uri="{FF2B5EF4-FFF2-40B4-BE49-F238E27FC236}">
-                <a16:creationId xmlns:a16="http://schemas.microsoft.com/office/drawing/2014/main" id="{C568E85D-55A1-9036-1E99-C41BE5AA6547}"/>
-              </a:ext>
-            </a:extLst>
-          </p:cNvPr>
-          <p:cNvSpPr/>
-          <p:nvPr/>
-        </p:nvSpPr>
-        <p:spPr>
-          <a:xfrm>
-            <a:off x="1341805" y="7046501"/>
-            <a:ext cx="141515" cy="130629"/>
-          </a:xfrm>
-          <a:prstGeom prst="ellipse">
-            <a:avLst/>
-          </a:prstGeom>
-          <a:solidFill>
-            <a:srgbClr val="F3CABA"/>
-          </a:solidFill>
-          <a:ln w="19050">
-            <a:solidFill>
-              <a:schemeClr val="tx1"/>
-            </a:solidFill>
-          </a:ln>
-        </p:spPr>
-        <p:style>
-          <a:lnRef idx="2">
-            <a:schemeClr val="accent1">
-              <a:shade val="50000"/>
-            </a:schemeClr>
-          </a:lnRef>
-          <a:fillRef idx="1">
-            <a:schemeClr val="accent1"/>
-          </a:fillRef>
-          <a:effectRef idx="0">
-            <a:schemeClr val="accent1"/>
-          </a:effectRef>
-          <a:fontRef idx="minor">
-            <a:schemeClr val="lt1"/>
-          </a:fontRef>
-        </p:style>
-        <p:txBody>
-          <a:bodyPr rtlCol="0" anchor="ctr"/>
-          <a:lstStyle/>
-          <a:p>
-            <a:pPr algn="ctr"/>
-            <a:endParaRPr lang="en-US">
-              <a:solidFill>
-                <a:schemeClr val="accent2">
-                  <a:lumMod val="50000"/>
-                </a:schemeClr>
-              </a:solidFill>
-            </a:endParaRPr>
-          </a:p>
-        </p:txBody>
-      </p:sp>
-      <p:sp>
-        <p:nvSpPr>
-          <p:cNvPr id="63" name="Oval 62">
-            <a:extLst>
-              <a:ext uri="{FF2B5EF4-FFF2-40B4-BE49-F238E27FC236}">
-                <a16:creationId xmlns:a16="http://schemas.microsoft.com/office/drawing/2014/main" id="{EFFD6B70-1A5B-7BE6-2F22-D286152D13B0}"/>
-              </a:ext>
-            </a:extLst>
-          </p:cNvPr>
-          <p:cNvSpPr/>
-          <p:nvPr/>
-        </p:nvSpPr>
-        <p:spPr>
-          <a:xfrm>
-            <a:off x="1589203" y="6798851"/>
-            <a:ext cx="141515" cy="130629"/>
-          </a:xfrm>
-          <a:prstGeom prst="ellipse">
-            <a:avLst/>
-          </a:prstGeom>
-          <a:solidFill>
-            <a:srgbClr val="F3CABA"/>
-          </a:solidFill>
-          <a:ln w="19050">
-            <a:solidFill>
-              <a:schemeClr val="tx1"/>
-            </a:solidFill>
-          </a:ln>
-        </p:spPr>
-        <p:style>
-          <a:lnRef idx="2">
-            <a:schemeClr val="accent1">
-              <a:shade val="50000"/>
-            </a:schemeClr>
-          </a:lnRef>
-          <a:fillRef idx="1">
-            <a:schemeClr val="accent1"/>
-          </a:fillRef>
-          <a:effectRef idx="0">
-            <a:schemeClr val="accent1"/>
-          </a:effectRef>
-          <a:fontRef idx="minor">
-            <a:schemeClr val="lt1"/>
-          </a:fontRef>
-        </p:style>
-        <p:txBody>
-          <a:bodyPr rtlCol="0" anchor="ctr"/>
-          <a:lstStyle/>
-          <a:p>
-            <a:pPr algn="ctr"/>
-            <a:endParaRPr lang="en-US">
-              <a:solidFill>
-                <a:schemeClr val="accent2">
-                  <a:lumMod val="50000"/>
-                </a:schemeClr>
-              </a:solidFill>
-            </a:endParaRPr>
-          </a:p>
-        </p:txBody>
-      </p:sp>
-      <p:sp>
-        <p:nvSpPr>
-          <p:cNvPr id="1024" name="Oval 1023">
-            <a:extLst>
-              <a:ext uri="{FF2B5EF4-FFF2-40B4-BE49-F238E27FC236}">
-                <a16:creationId xmlns:a16="http://schemas.microsoft.com/office/drawing/2014/main" id="{4D051B26-BA83-93C1-3718-04FF78D315FC}"/>
-              </a:ext>
-            </a:extLst>
-          </p:cNvPr>
-          <p:cNvSpPr/>
-          <p:nvPr/>
-        </p:nvSpPr>
-        <p:spPr>
-          <a:xfrm>
-            <a:off x="2869295" y="6054471"/>
-            <a:ext cx="141515" cy="130629"/>
-          </a:xfrm>
-          <a:prstGeom prst="ellipse">
-            <a:avLst/>
-          </a:prstGeom>
-          <a:solidFill>
-            <a:srgbClr val="F3CABA"/>
-          </a:solidFill>
-          <a:ln w="19050">
-            <a:noFill/>
-          </a:ln>
-        </p:spPr>
-        <p:style>
-          <a:lnRef idx="2">
-            <a:schemeClr val="accent1">
-              <a:shade val="50000"/>
-            </a:schemeClr>
-          </a:lnRef>
-          <a:fillRef idx="1">
-            <a:schemeClr val="accent1"/>
-          </a:fillRef>
-          <a:effectRef idx="0">
-            <a:schemeClr val="accent1"/>
-          </a:effectRef>
-          <a:fontRef idx="minor">
-            <a:schemeClr val="lt1"/>
-          </a:fontRef>
-        </p:style>
-        <p:txBody>
-          <a:bodyPr rtlCol="0" anchor="ctr"/>
-          <a:lstStyle/>
-          <a:p>
-            <a:pPr algn="ctr"/>
-            <a:endParaRPr lang="en-US">
-              <a:solidFill>
-                <a:schemeClr val="accent2">
-                  <a:lumMod val="50000"/>
-                </a:schemeClr>
-              </a:solidFill>
-            </a:endParaRPr>
-          </a:p>
-        </p:txBody>
-      </p:sp>
-      <p:sp>
-        <p:nvSpPr>
-          <p:cNvPr id="1025" name="Oval 1024">
-            <a:extLst>
-              <a:ext uri="{FF2B5EF4-FFF2-40B4-BE49-F238E27FC236}">
-                <a16:creationId xmlns:a16="http://schemas.microsoft.com/office/drawing/2014/main" id="{CC525035-B838-0910-CEF9-79A16B107641}"/>
-              </a:ext>
-            </a:extLst>
-          </p:cNvPr>
-          <p:cNvSpPr/>
-          <p:nvPr/>
-        </p:nvSpPr>
-        <p:spPr>
-          <a:xfrm>
-            <a:off x="3267022" y="6060340"/>
-            <a:ext cx="141515" cy="130629"/>
-          </a:xfrm>
-          <a:prstGeom prst="ellipse">
-            <a:avLst/>
-          </a:prstGeom>
-          <a:solidFill>
-            <a:srgbClr val="F3CABA"/>
-          </a:solidFill>
-          <a:ln w="19050">
-            <a:noFill/>
-          </a:ln>
-        </p:spPr>
-        <p:style>
-          <a:lnRef idx="2">
-            <a:schemeClr val="accent1">
-              <a:shade val="50000"/>
-            </a:schemeClr>
-          </a:lnRef>
-          <a:fillRef idx="1">
-            <a:schemeClr val="accent1"/>
-          </a:fillRef>
-          <a:effectRef idx="0">
-            <a:schemeClr val="accent1"/>
-          </a:effectRef>
-          <a:fontRef idx="minor">
-            <a:schemeClr val="lt1"/>
-          </a:fontRef>
-        </p:style>
-        <p:txBody>
-          <a:bodyPr rtlCol="0" anchor="ctr"/>
-          <a:lstStyle/>
-          <a:p>
-            <a:pPr algn="ctr"/>
-            <a:endParaRPr lang="en-US">
-              <a:solidFill>
-                <a:schemeClr val="accent2">
-                  <a:lumMod val="50000"/>
-                </a:schemeClr>
-              </a:solidFill>
-            </a:endParaRPr>
-          </a:p>
-        </p:txBody>
-      </p:sp>
-      <p:sp>
-        <p:nvSpPr>
-          <p:cNvPr id="1027" name="Oval 1026">
-            <a:extLst>
-              <a:ext uri="{FF2B5EF4-FFF2-40B4-BE49-F238E27FC236}">
-                <a16:creationId xmlns:a16="http://schemas.microsoft.com/office/drawing/2014/main" id="{18F2381D-1FE8-6B2B-448E-5F9F6974851A}"/>
-              </a:ext>
-            </a:extLst>
-          </p:cNvPr>
-          <p:cNvSpPr/>
-          <p:nvPr/>
-        </p:nvSpPr>
-        <p:spPr>
-          <a:xfrm>
-            <a:off x="3742807" y="6058188"/>
-            <a:ext cx="141515" cy="130629"/>
-          </a:xfrm>
-          <a:prstGeom prst="ellipse">
-            <a:avLst/>
-          </a:prstGeom>
-          <a:solidFill>
-            <a:srgbClr val="F3CABA"/>
-          </a:solidFill>
-          <a:ln w="19050">
-            <a:noFill/>
-          </a:ln>
-        </p:spPr>
-        <p:style>
-          <a:lnRef idx="2">
-            <a:schemeClr val="accent1">
-              <a:shade val="50000"/>
-            </a:schemeClr>
-          </a:lnRef>
-          <a:fillRef idx="1">
-            <a:schemeClr val="accent1"/>
-          </a:fillRef>
-          <a:effectRef idx="0">
-            <a:schemeClr val="accent1"/>
-          </a:effectRef>
-          <a:fontRef idx="minor">
-            <a:schemeClr val="lt1"/>
-          </a:fontRef>
-        </p:style>
-        <p:txBody>
-          <a:bodyPr rtlCol="0" anchor="ctr"/>
-          <a:lstStyle/>
-          <a:p>
-            <a:pPr algn="ctr"/>
-            <a:endParaRPr lang="en-US">
-              <a:solidFill>
-                <a:schemeClr val="accent2">
-                  <a:lumMod val="50000"/>
-                </a:schemeClr>
-              </a:solidFill>
-            </a:endParaRPr>
-          </a:p>
-        </p:txBody>
-      </p:sp>
-      <p:sp>
-        <p:nvSpPr>
-          <p:cNvPr id="1028" name="Oval 1027">
-            <a:extLst>
-              <a:ext uri="{FF2B5EF4-FFF2-40B4-BE49-F238E27FC236}">
-                <a16:creationId xmlns:a16="http://schemas.microsoft.com/office/drawing/2014/main" id="{21937490-E407-683C-3052-B73439CE7ED2}"/>
-              </a:ext>
-            </a:extLst>
-          </p:cNvPr>
-          <p:cNvSpPr/>
-          <p:nvPr/>
-        </p:nvSpPr>
-        <p:spPr>
-          <a:xfrm>
-            <a:off x="2233676" y="6633224"/>
-            <a:ext cx="141515" cy="130629"/>
-          </a:xfrm>
-          <a:prstGeom prst="ellipse">
-            <a:avLst/>
-          </a:prstGeom>
-          <a:solidFill>
-            <a:srgbClr val="9C9EBE"/>
-          </a:solidFill>
-          <a:ln w="19050">
-            <a:noFill/>
-          </a:ln>
-        </p:spPr>
-        <p:style>
-          <a:lnRef idx="2">
-            <a:schemeClr val="accent1">
-              <a:shade val="50000"/>
-            </a:schemeClr>
-          </a:lnRef>
-          <a:fillRef idx="1">
-            <a:schemeClr val="accent1"/>
-          </a:fillRef>
-          <a:effectRef idx="0">
-            <a:schemeClr val="accent1"/>
-          </a:effectRef>
-          <a:fontRef idx="minor">
-            <a:schemeClr val="lt1"/>
-          </a:fontRef>
-        </p:style>
-        <p:txBody>
-          <a:bodyPr rtlCol="0" anchor="ctr"/>
-          <a:lstStyle/>
-          <a:p>
-            <a:pPr algn="ctr"/>
-            <a:endParaRPr lang="en-US">
-              <a:solidFill>
-                <a:schemeClr val="accent2">
-                  <a:lumMod val="50000"/>
-                </a:schemeClr>
-              </a:solidFill>
-            </a:endParaRPr>
-          </a:p>
-        </p:txBody>
-      </p:sp>
-      <p:sp>
-        <p:nvSpPr>
-          <p:cNvPr id="1029" name="Oval 1028">
-            <a:extLst>
-              <a:ext uri="{FF2B5EF4-FFF2-40B4-BE49-F238E27FC236}">
-                <a16:creationId xmlns:a16="http://schemas.microsoft.com/office/drawing/2014/main" id="{269DEF91-D307-5ADC-DE88-857F4A707774}"/>
-              </a:ext>
-            </a:extLst>
-          </p:cNvPr>
-          <p:cNvSpPr/>
-          <p:nvPr/>
-        </p:nvSpPr>
-        <p:spPr>
-          <a:xfrm>
-            <a:off x="2772651" y="6626900"/>
-            <a:ext cx="141515" cy="130629"/>
-          </a:xfrm>
-          <a:prstGeom prst="ellipse">
-            <a:avLst/>
-          </a:prstGeom>
-          <a:solidFill>
-            <a:srgbClr val="9C9EBE"/>
-          </a:solidFill>
-          <a:ln w="19050">
-            <a:noFill/>
-          </a:ln>
-        </p:spPr>
-        <p:style>
-          <a:lnRef idx="2">
-            <a:schemeClr val="accent1">
-              <a:shade val="50000"/>
-            </a:schemeClr>
-          </a:lnRef>
-          <a:fillRef idx="1">
-            <a:schemeClr val="accent1"/>
-          </a:fillRef>
-          <a:effectRef idx="0">
-            <a:schemeClr val="accent1"/>
-          </a:effectRef>
-          <a:fontRef idx="minor">
-            <a:schemeClr val="lt1"/>
-          </a:fontRef>
-        </p:style>
-        <p:txBody>
-          <a:bodyPr rtlCol="0" anchor="ctr"/>
-          <a:lstStyle/>
-          <a:p>
-            <a:pPr algn="ctr"/>
-            <a:endParaRPr lang="en-US">
-              <a:solidFill>
-                <a:schemeClr val="accent2">
-                  <a:lumMod val="50000"/>
-                </a:schemeClr>
-              </a:solidFill>
-            </a:endParaRPr>
-          </a:p>
-        </p:txBody>
-      </p:sp>
-      <p:sp>
-        <p:nvSpPr>
-          <p:cNvPr id="1030" name="Oval 1029">
-            <a:extLst>
-              <a:ext uri="{FF2B5EF4-FFF2-40B4-BE49-F238E27FC236}">
-                <a16:creationId xmlns:a16="http://schemas.microsoft.com/office/drawing/2014/main" id="{A87EEE3C-B534-3721-4898-0D709A2EB822}"/>
-              </a:ext>
-            </a:extLst>
-          </p:cNvPr>
-          <p:cNvSpPr/>
-          <p:nvPr/>
-        </p:nvSpPr>
-        <p:spPr>
-          <a:xfrm>
-            <a:off x="3575539" y="6621620"/>
-            <a:ext cx="141515" cy="130629"/>
-          </a:xfrm>
-          <a:prstGeom prst="ellipse">
-            <a:avLst/>
-          </a:prstGeom>
-          <a:solidFill>
-            <a:srgbClr val="9C9EBE"/>
-          </a:solidFill>
-          <a:ln w="19050">
-            <a:noFill/>
-          </a:ln>
-        </p:spPr>
-        <p:style>
-          <a:lnRef idx="2">
-            <a:schemeClr val="accent1">
-              <a:shade val="50000"/>
-            </a:schemeClr>
-          </a:lnRef>
-          <a:fillRef idx="1">
-            <a:schemeClr val="accent1"/>
-          </a:fillRef>
-          <a:effectRef idx="0">
-            <a:schemeClr val="accent1"/>
-          </a:effectRef>
-          <a:fontRef idx="minor">
-            <a:schemeClr val="lt1"/>
-          </a:fontRef>
-        </p:style>
-        <p:txBody>
-          <a:bodyPr rtlCol="0" anchor="ctr"/>
-          <a:lstStyle/>
-          <a:p>
-            <a:pPr algn="ctr"/>
-            <a:endParaRPr lang="en-US">
-              <a:solidFill>
-                <a:schemeClr val="accent2">
-                  <a:lumMod val="50000"/>
-                </a:schemeClr>
-              </a:solidFill>
-            </a:endParaRPr>
-          </a:p>
-        </p:txBody>
-      </p:sp>
-      <p:cxnSp>
-        <p:nvCxnSpPr>
-          <p:cNvPr id="1031" name="Straight Connector 1030">
-            <a:extLst>
-              <a:ext uri="{FF2B5EF4-FFF2-40B4-BE49-F238E27FC236}">
-                <a16:creationId xmlns:a16="http://schemas.microsoft.com/office/drawing/2014/main" id="{9DC352BB-5D5F-FD38-8565-9B9F0DB1A9CF}"/>
-              </a:ext>
-            </a:extLst>
-          </p:cNvPr>
-          <p:cNvCxnSpPr>
-            <a:cxnSpLocks/>
-          </p:cNvCxnSpPr>
-          <p:nvPr/>
-        </p:nvCxnSpPr>
-        <p:spPr>
-          <a:xfrm flipH="1">
-            <a:off x="1294075" y="7250495"/>
-            <a:ext cx="2645901" cy="0"/>
-          </a:xfrm>
-          <a:prstGeom prst="line">
-            <a:avLst/>
-          </a:prstGeom>
-          <a:ln w="28575">
-            <a:solidFill>
-              <a:schemeClr val="tx1"/>
-            </a:solidFill>
-          </a:ln>
-        </p:spPr>
-        <p:style>
-          <a:lnRef idx="1">
-            <a:schemeClr val="accent1"/>
-          </a:lnRef>
-          <a:fillRef idx="0">
-            <a:schemeClr val="accent1"/>
-          </a:fillRef>
-          <a:effectRef idx="0">
-            <a:schemeClr val="accent1"/>
-          </a:effectRef>
-          <a:fontRef idx="minor">
-            <a:schemeClr val="tx1"/>
-          </a:fontRef>
-        </p:style>
-      </p:cxnSp>
-      <p:cxnSp>
-        <p:nvCxnSpPr>
-          <p:cNvPr id="1032" name="Straight Connector 1031">
-            <a:extLst>
-              <a:ext uri="{FF2B5EF4-FFF2-40B4-BE49-F238E27FC236}">
-                <a16:creationId xmlns:a16="http://schemas.microsoft.com/office/drawing/2014/main" id="{FFADD811-A3E1-5070-9969-4ACD8E3346DD}"/>
-              </a:ext>
-            </a:extLst>
-          </p:cNvPr>
-          <p:cNvCxnSpPr>
-            <a:cxnSpLocks/>
-          </p:cNvCxnSpPr>
-          <p:nvPr/>
-        </p:nvCxnSpPr>
-        <p:spPr>
-          <a:xfrm>
-            <a:off x="1283188" y="4757271"/>
-            <a:ext cx="0" cy="2504110"/>
-          </a:xfrm>
-          <a:prstGeom prst="line">
-            <a:avLst/>
-          </a:prstGeom>
-          <a:ln w="28575">
-            <a:solidFill>
-              <a:schemeClr val="tx1"/>
-            </a:solidFill>
-          </a:ln>
-        </p:spPr>
-        <p:style>
-          <a:lnRef idx="1">
-            <a:schemeClr val="accent1"/>
-          </a:lnRef>
-          <a:fillRef idx="0">
-            <a:schemeClr val="accent1"/>
-          </a:fillRef>
-          <a:effectRef idx="0">
-            <a:schemeClr val="accent1"/>
-          </a:effectRef>
-          <a:fontRef idx="minor">
-            <a:schemeClr val="tx1"/>
-          </a:fontRef>
-        </p:style>
-      </p:cxnSp>
-      <p:sp>
-        <p:nvSpPr>
-          <p:cNvPr id="1033" name="TextBox 1032">
-            <a:extLst>
-              <a:ext uri="{FF2B5EF4-FFF2-40B4-BE49-F238E27FC236}">
-                <a16:creationId xmlns:a16="http://schemas.microsoft.com/office/drawing/2014/main" id="{AFAB3690-8F19-403D-1359-8FF4B9F82E8B}"/>
+          <p:cNvPr id="1046" name="TextBox 1045">
+            <a:extLst>
+              <a:ext uri="{FF2B5EF4-FFF2-40B4-BE49-F238E27FC236}">
+                <a16:creationId xmlns:a16="http://schemas.microsoft.com/office/drawing/2014/main" id="{846EEA31-9A99-17EF-B08B-9C844758696B}"/>
               </a:ext>
             </a:extLst>
           </p:cNvPr>
@@ -5531,7 +5821,7 @@
         </p:nvSpPr>
         <p:spPr>
           <a:xfrm>
-            <a:off x="2095183" y="4925351"/>
+            <a:off x="2007763" y="1080517"/>
             <a:ext cx="2032232" cy="338554"/>
           </a:xfrm>
           <a:prstGeom prst="rect">
@@ -5563,10 +5853,10 @@
       </p:sp>
       <p:sp>
         <p:nvSpPr>
-          <p:cNvPr id="1035" name="TextBox 1034">
-            <a:extLst>
-              <a:ext uri="{FF2B5EF4-FFF2-40B4-BE49-F238E27FC236}">
-                <a16:creationId xmlns:a16="http://schemas.microsoft.com/office/drawing/2014/main" id="{401F6452-4BCF-D391-4EE7-FBE4E6C7DB24}"/>
+          <p:cNvPr id="1047" name="TextBox 1046">
+            <a:extLst>
+              <a:ext uri="{FF2B5EF4-FFF2-40B4-BE49-F238E27FC236}">
+                <a16:creationId xmlns:a16="http://schemas.microsoft.com/office/drawing/2014/main" id="{362CE27A-8293-CE36-E89A-B2F8F08F33A7}"/>
               </a:ext>
             </a:extLst>
           </p:cNvPr>
@@ -5574,176 +5864,8 @@
           <p:nvPr/>
         </p:nvSpPr>
         <p:spPr>
-          <a:xfrm rot="16200000">
-            <a:off x="-624630" y="5840607"/>
-            <a:ext cx="2900904" cy="338554"/>
-          </a:xfrm>
-          <a:prstGeom prst="rect">
-            <a:avLst/>
-          </a:prstGeom>
-          <a:noFill/>
-        </p:spPr>
-        <p:txBody>
-          <a:bodyPr wrap="square" rtlCol="0">
-            <a:spAutoFit/>
-          </a:bodyPr>
-          <a:lstStyle/>
-          <a:p>
-            <a:pPr algn="ctr"/>
-            <a:r>
-              <a:rPr lang="en-US" sz="1600" dirty="0">
-                <a:latin typeface="Arial" panose="020B0604020202020204" pitchFamily="34" charset="0"/>
-                <a:cs typeface="Arial" panose="020B0604020202020204" pitchFamily="34" charset="0"/>
-              </a:rPr>
-              <a:t>Range expansion rate (km/yr)</a:t>
-            </a:r>
-          </a:p>
-        </p:txBody>
-      </p:sp>
-      <p:sp>
-        <p:nvSpPr>
-          <p:cNvPr id="1036" name="Oval 1035">
-            <a:extLst>
-              <a:ext uri="{FF2B5EF4-FFF2-40B4-BE49-F238E27FC236}">
-                <a16:creationId xmlns:a16="http://schemas.microsoft.com/office/drawing/2014/main" id="{D2AA29B6-45C0-D1E7-02BF-7B7437742845}"/>
-              </a:ext>
-            </a:extLst>
-          </p:cNvPr>
-          <p:cNvSpPr/>
-          <p:nvPr/>
-        </p:nvSpPr>
-        <p:spPr>
-          <a:xfrm>
-            <a:off x="3322721" y="4343409"/>
-            <a:ext cx="141515" cy="130629"/>
-          </a:xfrm>
-          <a:prstGeom prst="ellipse">
-            <a:avLst/>
-          </a:prstGeom>
-          <a:solidFill>
-            <a:schemeClr val="bg1"/>
-          </a:solidFill>
-          <a:ln w="19050">
-            <a:solidFill>
-              <a:schemeClr val="bg1"/>
-            </a:solidFill>
-          </a:ln>
-        </p:spPr>
-        <p:style>
-          <a:lnRef idx="2">
-            <a:schemeClr val="accent1">
-              <a:shade val="50000"/>
-            </a:schemeClr>
-          </a:lnRef>
-          <a:fillRef idx="1">
-            <a:schemeClr val="accent1"/>
-          </a:fillRef>
-          <a:effectRef idx="0">
-            <a:schemeClr val="accent1"/>
-          </a:effectRef>
-          <a:fontRef idx="minor">
-            <a:schemeClr val="lt1"/>
-          </a:fontRef>
-        </p:style>
-        <p:txBody>
-          <a:bodyPr rtlCol="0" anchor="ctr"/>
-          <a:lstStyle/>
-          <a:p>
-            <a:pPr algn="ctr"/>
-            <a:endParaRPr lang="en-US">
-              <a:solidFill>
-                <a:schemeClr val="accent2">
-                  <a:lumMod val="50000"/>
-                </a:schemeClr>
-              </a:solidFill>
-            </a:endParaRPr>
-          </a:p>
-        </p:txBody>
-      </p:sp>
-      <p:sp>
-        <p:nvSpPr>
-          <p:cNvPr id="1037" name="TextBox 1036">
-            <a:extLst>
-              <a:ext uri="{FF2B5EF4-FFF2-40B4-BE49-F238E27FC236}">
-                <a16:creationId xmlns:a16="http://schemas.microsoft.com/office/drawing/2014/main" id="{4F7285F9-E473-3351-BF40-14F3A0626619}"/>
-              </a:ext>
-            </a:extLst>
-          </p:cNvPr>
-          <p:cNvSpPr txBox="1"/>
-          <p:nvPr/>
-        </p:nvSpPr>
-        <p:spPr>
-          <a:xfrm>
-            <a:off x="7189911" y="5012654"/>
-            <a:ext cx="1655294" cy="830997"/>
-          </a:xfrm>
-          <a:prstGeom prst="rect">
-            <a:avLst/>
-          </a:prstGeom>
-          <a:noFill/>
-        </p:spPr>
-        <p:txBody>
-          <a:bodyPr wrap="square" rtlCol="0">
-            <a:spAutoFit/>
-          </a:bodyPr>
-          <a:lstStyle/>
-          <a:p>
-            <a:pPr algn="ctr"/>
-            <a:r>
-              <a:rPr lang="en-US" sz="1600" dirty="0">
-                <a:latin typeface="Arial" panose="020B0604020202020204" pitchFamily="34" charset="0"/>
-                <a:cs typeface="Arial" panose="020B0604020202020204" pitchFamily="34" charset="0"/>
-              </a:rPr>
-              <a:t>Velocity of climate change (km/yr)</a:t>
-            </a:r>
-          </a:p>
-        </p:txBody>
-      </p:sp>
-      <p:pic>
-        <p:nvPicPr>
-          <p:cNvPr id="1041" name="Picture 1040">
-            <a:extLst>
-              <a:ext uri="{FF2B5EF4-FFF2-40B4-BE49-F238E27FC236}">
-                <a16:creationId xmlns:a16="http://schemas.microsoft.com/office/drawing/2014/main" id="{F9E775AE-8FE8-E0E4-329B-53DF68A23EB7}"/>
-              </a:ext>
-            </a:extLst>
-          </p:cNvPr>
-          <p:cNvPicPr>
-            <a:picLocks noChangeAspect="1"/>
-          </p:cNvPicPr>
-          <p:nvPr/>
-        </p:nvPicPr>
-        <p:blipFill>
-          <a:blip r:embed="rId6"/>
-          <a:stretch>
-            <a:fillRect/>
-          </a:stretch>
-        </p:blipFill>
-        <p:spPr>
-          <a:xfrm>
-            <a:off x="8233777" y="8881407"/>
-            <a:ext cx="1004705" cy="2466095"/>
-          </a:xfrm>
-          <a:prstGeom prst="rect">
-            <a:avLst/>
-          </a:prstGeom>
-        </p:spPr>
-      </p:pic>
-      <p:sp>
-        <p:nvSpPr>
-          <p:cNvPr id="1042" name="TextBox 1041">
-            <a:extLst>
-              <a:ext uri="{FF2B5EF4-FFF2-40B4-BE49-F238E27FC236}">
-                <a16:creationId xmlns:a16="http://schemas.microsoft.com/office/drawing/2014/main" id="{59A37552-565B-73B7-D48B-0D208304874F}"/>
-              </a:ext>
-            </a:extLst>
-          </p:cNvPr>
-          <p:cNvSpPr txBox="1"/>
-          <p:nvPr/>
-        </p:nvSpPr>
-        <p:spPr>
-          <a:xfrm>
-            <a:off x="2484857" y="409168"/>
+          <a:xfrm>
+            <a:off x="10290072" y="409168"/>
             <a:ext cx="569481" cy="338554"/>
           </a:xfrm>
           <a:prstGeom prst="rect">
@@ -5768,17 +5890,17 @@
                 <a:latin typeface="Arial" panose="020B0604020202020204" pitchFamily="34" charset="0"/>
                 <a:cs typeface="Arial" panose="020B0604020202020204" pitchFamily="34" charset="0"/>
               </a:rPr>
-              <a:t>a)</a:t>
+              <a:t>c)</a:t>
             </a:r>
           </a:p>
         </p:txBody>
       </p:sp>
       <p:sp>
         <p:nvSpPr>
-          <p:cNvPr id="1045" name="TextBox 1044">
-            <a:extLst>
-              <a:ext uri="{FF2B5EF4-FFF2-40B4-BE49-F238E27FC236}">
-                <a16:creationId xmlns:a16="http://schemas.microsoft.com/office/drawing/2014/main" id="{7AE593D6-4D6F-F226-6938-DEE12E1EFF8C}"/>
+          <p:cNvPr id="1049" name="TextBox 1048">
+            <a:extLst>
+              <a:ext uri="{FF2B5EF4-FFF2-40B4-BE49-F238E27FC236}">
+                <a16:creationId xmlns:a16="http://schemas.microsoft.com/office/drawing/2014/main" id="{35574FFE-88A9-EBA9-93A0-8D480D091E6E}"/>
               </a:ext>
             </a:extLst>
           </p:cNvPr>
@@ -5787,7 +5909,7 @@
         </p:nvSpPr>
         <p:spPr>
           <a:xfrm>
-            <a:off x="6388968" y="409168"/>
+            <a:off x="4720173" y="8597354"/>
             <a:ext cx="569481" cy="338554"/>
           </a:xfrm>
           <a:prstGeom prst="rect">
@@ -5819,10 +5941,10 @@
       </p:sp>
       <p:sp>
         <p:nvSpPr>
-          <p:cNvPr id="1046" name="TextBox 1045">
-            <a:extLst>
-              <a:ext uri="{FF2B5EF4-FFF2-40B4-BE49-F238E27FC236}">
-                <a16:creationId xmlns:a16="http://schemas.microsoft.com/office/drawing/2014/main" id="{846EEA31-9A99-17EF-B08B-9C844758696B}"/>
+          <p:cNvPr id="1050" name="TextBox 1049">
+            <a:extLst>
+              <a:ext uri="{FF2B5EF4-FFF2-40B4-BE49-F238E27FC236}">
+                <a16:creationId xmlns:a16="http://schemas.microsoft.com/office/drawing/2014/main" id="{AE510EC9-F2D5-C6FB-6A49-9E5238F66796}"/>
               </a:ext>
             </a:extLst>
           </p:cNvPr>
@@ -5831,7 +5953,7 @@
         </p:nvSpPr>
         <p:spPr>
           <a:xfrm>
-            <a:off x="2007763" y="1080517"/>
+            <a:off x="2705730" y="10045223"/>
             <a:ext cx="2032232" cy="338554"/>
           </a:xfrm>
           <a:prstGeom prst="rect">
@@ -5863,138 +5985,6 @@
       </p:sp>
       <p:sp>
         <p:nvSpPr>
-          <p:cNvPr id="1047" name="TextBox 1046">
-            <a:extLst>
-              <a:ext uri="{FF2B5EF4-FFF2-40B4-BE49-F238E27FC236}">
-                <a16:creationId xmlns:a16="http://schemas.microsoft.com/office/drawing/2014/main" id="{362CE27A-8293-CE36-E89A-B2F8F08F33A7}"/>
-              </a:ext>
-            </a:extLst>
-          </p:cNvPr>
-          <p:cNvSpPr txBox="1"/>
-          <p:nvPr/>
-        </p:nvSpPr>
-        <p:spPr>
-          <a:xfrm>
-            <a:off x="10290072" y="409168"/>
-            <a:ext cx="569481" cy="338554"/>
-          </a:xfrm>
-          <a:prstGeom prst="rect">
-            <a:avLst/>
-          </a:prstGeom>
-          <a:noFill/>
-        </p:spPr>
-        <p:txBody>
-          <a:bodyPr wrap="square" rtlCol="0">
-            <a:spAutoFit/>
-          </a:bodyPr>
-          <a:lstStyle/>
-          <a:p>
-            <a:pPr algn="ctr"/>
-            <a:r>
-              <a:rPr lang="en-US" sz="1600" dirty="0">
-                <a:solidFill>
-                  <a:schemeClr val="bg2">
-                    <a:lumMod val="75000"/>
-                  </a:schemeClr>
-                </a:solidFill>
-                <a:latin typeface="Arial" panose="020B0604020202020204" pitchFamily="34" charset="0"/>
-                <a:cs typeface="Arial" panose="020B0604020202020204" pitchFamily="34" charset="0"/>
-              </a:rPr>
-              <a:t>c)</a:t>
-            </a:r>
-          </a:p>
-        </p:txBody>
-      </p:sp>
-      <p:sp>
-        <p:nvSpPr>
-          <p:cNvPr id="1049" name="TextBox 1048">
-            <a:extLst>
-              <a:ext uri="{FF2B5EF4-FFF2-40B4-BE49-F238E27FC236}">
-                <a16:creationId xmlns:a16="http://schemas.microsoft.com/office/drawing/2014/main" id="{35574FFE-88A9-EBA9-93A0-8D480D091E6E}"/>
-              </a:ext>
-            </a:extLst>
-          </p:cNvPr>
-          <p:cNvSpPr txBox="1"/>
-          <p:nvPr/>
-        </p:nvSpPr>
-        <p:spPr>
-          <a:xfrm>
-            <a:off x="4720173" y="8597354"/>
-            <a:ext cx="569481" cy="338554"/>
-          </a:xfrm>
-          <a:prstGeom prst="rect">
-            <a:avLst/>
-          </a:prstGeom>
-          <a:noFill/>
-        </p:spPr>
-        <p:txBody>
-          <a:bodyPr wrap="square" rtlCol="0">
-            <a:spAutoFit/>
-          </a:bodyPr>
-          <a:lstStyle/>
-          <a:p>
-            <a:pPr algn="ctr"/>
-            <a:r>
-              <a:rPr lang="en-US" sz="1600" dirty="0">
-                <a:solidFill>
-                  <a:schemeClr val="bg2">
-                    <a:lumMod val="75000"/>
-                  </a:schemeClr>
-                </a:solidFill>
-                <a:latin typeface="Arial" panose="020B0604020202020204" pitchFamily="34" charset="0"/>
-                <a:cs typeface="Arial" panose="020B0604020202020204" pitchFamily="34" charset="0"/>
-              </a:rPr>
-              <a:t>b)</a:t>
-            </a:r>
-          </a:p>
-        </p:txBody>
-      </p:sp>
-      <p:sp>
-        <p:nvSpPr>
-          <p:cNvPr id="1050" name="TextBox 1049">
-            <a:extLst>
-              <a:ext uri="{FF2B5EF4-FFF2-40B4-BE49-F238E27FC236}">
-                <a16:creationId xmlns:a16="http://schemas.microsoft.com/office/drawing/2014/main" id="{AE510EC9-F2D5-C6FB-6A49-9E5238F66796}"/>
-              </a:ext>
-            </a:extLst>
-          </p:cNvPr>
-          <p:cNvSpPr txBox="1"/>
-          <p:nvPr/>
-        </p:nvSpPr>
-        <p:spPr>
-          <a:xfrm>
-            <a:off x="2705730" y="10045223"/>
-            <a:ext cx="2032232" cy="338554"/>
-          </a:xfrm>
-          <a:prstGeom prst="rect">
-            <a:avLst/>
-          </a:prstGeom>
-          <a:noFill/>
-        </p:spPr>
-        <p:txBody>
-          <a:bodyPr wrap="square" rtlCol="0">
-            <a:spAutoFit/>
-          </a:bodyPr>
-          <a:lstStyle/>
-          <a:p>
-            <a:pPr algn="ctr"/>
-            <a:r>
-              <a:rPr lang="en-US" sz="1600" i="1" dirty="0">
-                <a:solidFill>
-                  <a:schemeClr val="bg2">
-                    <a:lumMod val="75000"/>
-                  </a:schemeClr>
-                </a:solidFill>
-                <a:latin typeface="Arial" panose="020B0604020202020204" pitchFamily="34" charset="0"/>
-                <a:cs typeface="Arial" panose="020B0604020202020204" pitchFamily="34" charset="0"/>
-              </a:rPr>
-              <a:t>1:1</a:t>
-            </a:r>
-          </a:p>
-        </p:txBody>
-      </p:sp>
-      <p:sp>
-        <p:nvSpPr>
           <p:cNvPr id="1058" name="Oval 1057">
             <a:extLst>
               <a:ext uri="{FF2B5EF4-FFF2-40B4-BE49-F238E27FC236}">
@@ -6007,7 +5997,7 @@
         </p:nvSpPr>
         <p:spPr>
           <a:xfrm>
-            <a:off x="5195298" y="6530540"/>
+            <a:off x="5430431" y="6530540"/>
             <a:ext cx="141515" cy="130629"/>
           </a:xfrm>
           <a:prstGeom prst="ellipse">
@@ -6067,7 +6057,7 @@
         </p:nvSpPr>
         <p:spPr>
           <a:xfrm>
-            <a:off x="6048299" y="5669466"/>
+            <a:off x="6283432" y="5669466"/>
             <a:ext cx="141515" cy="130629"/>
           </a:xfrm>
           <a:prstGeom prst="ellipse">
@@ -6127,7 +6117,7 @@
         </p:nvSpPr>
         <p:spPr>
           <a:xfrm>
-            <a:off x="6178006" y="5558675"/>
+            <a:off x="6413139" y="5558675"/>
             <a:ext cx="141515" cy="130629"/>
           </a:xfrm>
           <a:prstGeom prst="ellipse">
@@ -6187,7 +6177,7 @@
         </p:nvSpPr>
         <p:spPr>
           <a:xfrm>
-            <a:off x="5761372" y="5973441"/>
+            <a:off x="5996505" y="5973441"/>
             <a:ext cx="141515" cy="130629"/>
           </a:xfrm>
           <a:prstGeom prst="ellipse">
@@ -6247,7 +6237,7 @@
         </p:nvSpPr>
         <p:spPr>
           <a:xfrm>
-            <a:off x="5553534" y="6168705"/>
+            <a:off x="5788667" y="6168705"/>
             <a:ext cx="141515" cy="130629"/>
           </a:xfrm>
           <a:prstGeom prst="ellipse">
@@ -6307,7 +6297,7 @@
         </p:nvSpPr>
         <p:spPr>
           <a:xfrm>
-            <a:off x="5386370" y="6349680"/>
+            <a:off x="5621503" y="6349680"/>
             <a:ext cx="141515" cy="130629"/>
           </a:xfrm>
           <a:prstGeom prst="ellipse">
@@ -6367,7 +6357,7 @@
         </p:nvSpPr>
         <p:spPr>
           <a:xfrm>
-            <a:off x="4642254" y="7059298"/>
+            <a:off x="4877387" y="7059298"/>
             <a:ext cx="141515" cy="130629"/>
           </a:xfrm>
           <a:prstGeom prst="ellipse">
@@ -6427,7 +6417,7 @@
         </p:nvSpPr>
         <p:spPr>
           <a:xfrm>
-            <a:off x="4889652" y="6811648"/>
+            <a:off x="5124785" y="6811648"/>
             <a:ext cx="141515" cy="130629"/>
           </a:xfrm>
           <a:prstGeom prst="ellipse">
@@ -6487,7 +6477,7 @@
         </p:nvSpPr>
         <p:spPr>
           <a:xfrm>
-            <a:off x="5653215" y="6067268"/>
+            <a:off x="5888348" y="6067268"/>
             <a:ext cx="141515" cy="130629"/>
           </a:xfrm>
           <a:prstGeom prst="ellipse">
@@ -6545,7 +6535,7 @@
         </p:nvSpPr>
         <p:spPr>
           <a:xfrm>
-            <a:off x="5073438" y="6646021"/>
+            <a:off x="5308571" y="6646021"/>
             <a:ext cx="141515" cy="130629"/>
           </a:xfrm>
           <a:prstGeom prst="ellipse">
@@ -6603,7 +6593,7 @@
         </p:nvGrpSpPr>
         <p:grpSpPr>
           <a:xfrm>
-            <a:off x="8630225" y="5499892"/>
+            <a:off x="8734728" y="5499892"/>
             <a:ext cx="3024597" cy="1136931"/>
             <a:chOff x="8524560" y="7193781"/>
             <a:chExt cx="2682403" cy="951930"/>
@@ -6826,7 +6816,7 @@
         </p:nvSpPr>
         <p:spPr>
           <a:xfrm>
-            <a:off x="8660591" y="6332818"/>
+            <a:off x="8895724" y="6332818"/>
             <a:ext cx="1979542" cy="527839"/>
           </a:xfrm>
           <a:prstGeom prst="ellipse">
@@ -8416,7 +8406,7 @@
         </p:nvGrpSpPr>
         <p:grpSpPr>
           <a:xfrm>
-            <a:off x="7839325" y="5955494"/>
+            <a:off x="8074458" y="5955494"/>
             <a:ext cx="444660" cy="1384995"/>
             <a:chOff x="9460088" y="7144053"/>
             <a:chExt cx="444660" cy="1384995"/>
@@ -8815,7 +8805,7 @@
                 <a:latin typeface="Arial" panose="020B0604020202020204" pitchFamily="34" charset="0"/>
                 <a:cs typeface="Arial" panose="020B0604020202020204" pitchFamily="34" charset="0"/>
               </a:rPr>
-              <a:t>Minimum of potential dispersal rate and velocity of isotherm shift (km/yr)</a:t>
+              <a:t>Minimum of potential dispersal rate and velocity of climate change (km/yr)</a:t>
             </a:r>
           </a:p>
         </p:txBody>
@@ -8933,8 +8923,8 @@
         </p:nvSpPr>
         <p:spPr>
           <a:xfrm>
-            <a:off x="9366738" y="6460308"/>
-            <a:ext cx="1259588" cy="830997"/>
+            <a:off x="9240982" y="6474162"/>
+            <a:ext cx="1551599" cy="830997"/>
           </a:xfrm>
           <a:prstGeom prst="rect">
             <a:avLst/>
@@ -8953,7 +8943,7 @@
                 <a:latin typeface="Arial" panose="020B0604020202020204" pitchFamily="34" charset="0"/>
                 <a:cs typeface="Arial" panose="020B0604020202020204" pitchFamily="34" charset="0"/>
               </a:rPr>
-              <a:t>Velocity of isotherm shift (km/yr)</a:t>
+              <a:t>Velocity of climate change (km/yr)</a:t>
             </a:r>
           </a:p>
         </p:txBody>
@@ -11301,7 +11291,7 @@
         </p:nvGrpSpPr>
         <p:grpSpPr>
           <a:xfrm>
-            <a:off x="10457352" y="6830165"/>
+            <a:off x="10637463" y="6830165"/>
             <a:ext cx="3024597" cy="1305849"/>
             <a:chOff x="8524560" y="6991381"/>
             <a:chExt cx="2682403" cy="1101530"/>
@@ -11361,7 +11351,7 @@
                   <a:latin typeface="Arial" panose="020B0604020202020204" pitchFamily="34" charset="0"/>
                   <a:cs typeface="Arial" panose="020B0604020202020204" pitchFamily="34" charset="0"/>
                 </a:rPr>
-                <a:t>Dispersal rate &lt; velocity of isotherm shift</a:t>
+                <a:t>Dispersal rate &lt; velocity of climate change</a:t>
               </a:r>
             </a:p>
             <a:p>
@@ -11384,7 +11374,7 @@
                   <a:latin typeface="Arial" panose="020B0604020202020204" pitchFamily="34" charset="0"/>
                   <a:cs typeface="Arial" panose="020B0604020202020204" pitchFamily="34" charset="0"/>
                 </a:rPr>
-                <a:t>Dispersal rate &gt; velocity of isotherm shift</a:t>
+                <a:t>Dispersal rate &gt; velocity of climate change</a:t>
               </a:r>
             </a:p>
             <a:p>
@@ -13035,10 +13025,10 @@
       </p:grpSpPr>
       <p:pic>
         <p:nvPicPr>
-          <p:cNvPr id="31" name="Picture 30" descr="A comparison of a graph&#10;&#10;Description automatically generated with medium confidence">
-            <a:extLst>
-              <a:ext uri="{FF2B5EF4-FFF2-40B4-BE49-F238E27FC236}">
-                <a16:creationId xmlns:a16="http://schemas.microsoft.com/office/drawing/2014/main" id="{FD967F5D-40FB-9A39-587D-9FD92A58B836}"/>
+          <p:cNvPr id="42" name="Picture 41" descr="A comparison of a number of objects&#10;&#10;Description automatically generated with medium confidence">
+            <a:extLst>
+              <a:ext uri="{FF2B5EF4-FFF2-40B4-BE49-F238E27FC236}">
+                <a16:creationId xmlns:a16="http://schemas.microsoft.com/office/drawing/2014/main" id="{D4337A6E-724D-8388-5BE0-8ADAECE33732}"/>
               </a:ext>
             </a:extLst>
           </p:cNvPr>
@@ -13049,13 +13039,13 @@
         </p:nvPicPr>
         <p:blipFill rotWithShape="1">
           <a:blip r:embed="rId3"/>
-          <a:srcRect l="54016"/>
+          <a:srcRect l="53566"/>
           <a:stretch/>
         </p:blipFill>
         <p:spPr>
           <a:xfrm>
-            <a:off x="5446644" y="9892215"/>
-            <a:ext cx="3624290" cy="3817160"/>
+            <a:off x="5769622" y="5616876"/>
+            <a:ext cx="4024002" cy="4076033"/>
           </a:xfrm>
           <a:prstGeom prst="rect">
             <a:avLst/>
@@ -13064,10 +13054,10 @@
       </p:pic>
       <p:pic>
         <p:nvPicPr>
-          <p:cNvPr id="30" name="Picture 29" descr="A comparison of a graph&#10;&#10;Description automatically generated with medium confidence">
-            <a:extLst>
-              <a:ext uri="{FF2B5EF4-FFF2-40B4-BE49-F238E27FC236}">
-                <a16:creationId xmlns:a16="http://schemas.microsoft.com/office/drawing/2014/main" id="{5D074197-EA9A-99A3-D218-C3A8314A74AD}"/>
+          <p:cNvPr id="41" name="Picture 40" descr="A comparison of a number of objects&#10;&#10;Description automatically generated with medium confidence">
+            <a:extLst>
+              <a:ext uri="{FF2B5EF4-FFF2-40B4-BE49-F238E27FC236}">
+                <a16:creationId xmlns:a16="http://schemas.microsoft.com/office/drawing/2014/main" id="{9CB35665-4F1C-524F-85C5-BB962161AAB0}"/>
               </a:ext>
             </a:extLst>
           </p:cNvPr>
@@ -13078,13 +13068,13 @@
         </p:nvPicPr>
         <p:blipFill rotWithShape="1">
           <a:blip r:embed="rId3"/>
-          <a:srcRect r="51314"/>
+          <a:srcRect r="51119"/>
           <a:stretch/>
         </p:blipFill>
         <p:spPr>
           <a:xfrm>
-            <a:off x="1601348" y="9898841"/>
-            <a:ext cx="3837344" cy="3817160"/>
+            <a:off x="1501206" y="5618224"/>
+            <a:ext cx="4236048" cy="4076033"/>
           </a:xfrm>
           <a:prstGeom prst="rect">
             <a:avLst/>
@@ -13093,10 +13083,10 @@
       </p:pic>
       <p:pic>
         <p:nvPicPr>
-          <p:cNvPr id="21" name="Picture 20" descr="A comparison of a number of numbers and a number of numbers&#10;&#10;Description automatically generated with medium confidence">
-            <a:extLst>
-              <a:ext uri="{FF2B5EF4-FFF2-40B4-BE49-F238E27FC236}">
-                <a16:creationId xmlns:a16="http://schemas.microsoft.com/office/drawing/2014/main" id="{C17B695D-04FD-663D-8510-93C8A73C9C50}"/>
+          <p:cNvPr id="6" name="Picture 5" descr="A comparison of a graph&#10;&#10;Description automatically generated with medium confidence">
+            <a:extLst>
+              <a:ext uri="{FF2B5EF4-FFF2-40B4-BE49-F238E27FC236}">
+                <a16:creationId xmlns:a16="http://schemas.microsoft.com/office/drawing/2014/main" id="{4FC85D9A-B0F0-0A20-9911-409F75CAB9BB}"/>
               </a:ext>
             </a:extLst>
           </p:cNvPr>
@@ -13107,13 +13097,13 @@
         </p:nvPicPr>
         <p:blipFill rotWithShape="1">
           <a:blip r:embed="rId4"/>
-          <a:srcRect l="53663"/>
+          <a:srcRect l="53885"/>
           <a:stretch/>
         </p:blipFill>
         <p:spPr>
           <a:xfrm>
-            <a:off x="5649239" y="5616433"/>
-            <a:ext cx="3885156" cy="3943626"/>
+            <a:off x="5407742" y="9923640"/>
+            <a:ext cx="3653164" cy="3836603"/>
           </a:xfrm>
           <a:prstGeom prst="rect">
             <a:avLst/>
@@ -13122,10 +13112,10 @@
       </p:pic>
       <p:pic>
         <p:nvPicPr>
-          <p:cNvPr id="20" name="Picture 19" descr="A comparison of a number of numbers and a number of numbers&#10;&#10;Description automatically generated with medium confidence">
-            <a:extLst>
-              <a:ext uri="{FF2B5EF4-FFF2-40B4-BE49-F238E27FC236}">
-                <a16:creationId xmlns:a16="http://schemas.microsoft.com/office/drawing/2014/main" id="{2F16FE57-1DD9-5FA1-18C7-797869B49C16}"/>
+          <p:cNvPr id="5" name="Picture 4" descr="A comparison of a graph&#10;&#10;Description automatically generated with medium confidence">
+            <a:extLst>
+              <a:ext uri="{FF2B5EF4-FFF2-40B4-BE49-F238E27FC236}">
+                <a16:creationId xmlns:a16="http://schemas.microsoft.com/office/drawing/2014/main" id="{00C137BC-AAEC-9B39-3FBC-6508B38E5E71}"/>
               </a:ext>
             </a:extLst>
           </p:cNvPr>
@@ -13136,13 +13126,13 @@
         </p:nvPicPr>
         <p:blipFill rotWithShape="1">
           <a:blip r:embed="rId4"/>
-          <a:srcRect r="51093"/>
+          <a:srcRect r="53003"/>
           <a:stretch/>
         </p:blipFill>
         <p:spPr>
           <a:xfrm>
-            <a:off x="1536124" y="5601819"/>
-            <a:ext cx="4100588" cy="3943626"/>
+            <a:off x="1566735" y="9918725"/>
+            <a:ext cx="3723020" cy="3836603"/>
           </a:xfrm>
           <a:prstGeom prst="rect">
             <a:avLst/>
@@ -13151,10 +13141,10 @@
       </p:pic>
       <p:pic>
         <p:nvPicPr>
-          <p:cNvPr id="18" name="Picture 17" descr="A graph of a number of points&#10;&#10;Description automatically generated with medium confidence">
-            <a:extLst>
-              <a:ext uri="{FF2B5EF4-FFF2-40B4-BE49-F238E27FC236}">
-                <a16:creationId xmlns:a16="http://schemas.microsoft.com/office/drawing/2014/main" id="{75729CAA-DB62-8B43-1DE2-11E16E7B7FDF}"/>
+          <p:cNvPr id="3" name="Picture 2" descr="A graph of a number of objects&#10;&#10;Description automatically generated with medium confidence">
+            <a:extLst>
+              <a:ext uri="{FF2B5EF4-FFF2-40B4-BE49-F238E27FC236}">
+                <a16:creationId xmlns:a16="http://schemas.microsoft.com/office/drawing/2014/main" id="{55C24E93-6E3C-7352-5CD4-6220EAD0F8B5}"/>
               </a:ext>
             </a:extLst>
           </p:cNvPr>
@@ -13165,13 +13155,13 @@
         </p:nvPicPr>
         <p:blipFill rotWithShape="1">
           <a:blip r:embed="rId5"/>
-          <a:srcRect r="12855"/>
+          <a:srcRect r="13483"/>
           <a:stretch/>
         </p:blipFill>
         <p:spPr>
           <a:xfrm>
-            <a:off x="937549" y="967139"/>
-            <a:ext cx="8370520" cy="4116545"/>
+            <a:off x="944901" y="1060563"/>
+            <a:ext cx="8242641" cy="4083067"/>
           </a:xfrm>
           <a:prstGeom prst="rect">
             <a:avLst/>
@@ -13209,15 +13199,10 @@
             <a:pPr algn="ctr"/>
             <a:r>
               <a:rPr lang="en-US" sz="1600" dirty="0">
-                <a:solidFill>
-                  <a:schemeClr val="bg2">
-                    <a:lumMod val="75000"/>
-                  </a:schemeClr>
-                </a:solidFill>
                 <a:latin typeface="Arial" panose="020B0604020202020204" pitchFamily="34" charset="0"/>
                 <a:cs typeface="Arial" panose="020B0604020202020204" pitchFamily="34" charset="0"/>
               </a:rPr>
-              <a:t>a)</a:t>
+              <a:t>(a)</a:t>
             </a:r>
           </a:p>
         </p:txBody>
@@ -13236,7 +13221,7 @@
         </p:nvSpPr>
         <p:spPr>
           <a:xfrm>
-            <a:off x="5797313" y="5589557"/>
+            <a:off x="5951062" y="5581465"/>
             <a:ext cx="569481" cy="338554"/>
           </a:xfrm>
           <a:prstGeom prst="rect">
@@ -13253,15 +13238,10 @@
             <a:pPr algn="ctr"/>
             <a:r>
               <a:rPr lang="en-US" sz="1600" dirty="0">
-                <a:solidFill>
-                  <a:schemeClr val="bg2">
-                    <a:lumMod val="75000"/>
-                  </a:schemeClr>
-                </a:solidFill>
                 <a:latin typeface="Arial" panose="020B0604020202020204" pitchFamily="34" charset="0"/>
                 <a:cs typeface="Arial" panose="020B0604020202020204" pitchFamily="34" charset="0"/>
               </a:rPr>
-              <a:t>b)</a:t>
+              <a:t>(b)</a:t>
             </a:r>
           </a:p>
         </p:txBody>
@@ -13280,7 +13260,7 @@
         </p:nvSpPr>
         <p:spPr>
           <a:xfrm>
-            <a:off x="1491729" y="6288152"/>
+            <a:off x="1474311" y="6288152"/>
             <a:ext cx="2032232" cy="323165"/>
           </a:xfrm>
           <a:prstGeom prst="rect">
@@ -13324,7 +13304,7 @@
         </p:nvSpPr>
         <p:spPr>
           <a:xfrm>
-            <a:off x="6830083" y="7185135"/>
+            <a:off x="7039088" y="7307055"/>
             <a:ext cx="2032232" cy="323165"/>
           </a:xfrm>
           <a:prstGeom prst="rect">
@@ -13368,7 +13348,7 @@
         </p:nvGrpSpPr>
         <p:grpSpPr>
           <a:xfrm>
-            <a:off x="9440113" y="6095999"/>
+            <a:off x="9746595" y="6128657"/>
             <a:ext cx="1491510" cy="2329544"/>
             <a:chOff x="9440113" y="6095999"/>
             <a:chExt cx="1491510" cy="2329544"/>
@@ -13497,7 +13477,7 @@
         </p:nvSpPr>
         <p:spPr>
           <a:xfrm>
-            <a:off x="5598603" y="10142347"/>
+            <a:off x="5598603" y="10171843"/>
             <a:ext cx="569481" cy="338554"/>
           </a:xfrm>
           <a:prstGeom prst="rect">
@@ -13514,15 +13494,10 @@
             <a:pPr algn="ctr"/>
             <a:r>
               <a:rPr lang="en-US" sz="1600" dirty="0">
-                <a:solidFill>
-                  <a:schemeClr val="bg2">
-                    <a:lumMod val="75000"/>
-                  </a:schemeClr>
-                </a:solidFill>
                 <a:latin typeface="Arial" panose="020B0604020202020204" pitchFamily="34" charset="0"/>
                 <a:cs typeface="Arial" panose="020B0604020202020204" pitchFamily="34" charset="0"/>
               </a:rPr>
-              <a:t>b)</a:t>
+              <a:t>(b)</a:t>
             </a:r>
           </a:p>
         </p:txBody>
@@ -13673,7 +13648,7 @@
         </p:nvSpPr>
         <p:spPr>
           <a:xfrm>
-            <a:off x="2058970" y="10131835"/>
+            <a:off x="2058970" y="10161331"/>
             <a:ext cx="569481" cy="338554"/>
           </a:xfrm>
           <a:prstGeom prst="rect">
@@ -13690,15 +13665,10 @@
             <a:pPr algn="ctr"/>
             <a:r>
               <a:rPr lang="en-US" sz="1600" dirty="0">
-                <a:solidFill>
-                  <a:schemeClr val="bg2">
-                    <a:lumMod val="75000"/>
-                  </a:schemeClr>
-                </a:solidFill>
                 <a:latin typeface="Arial" panose="020B0604020202020204" pitchFamily="34" charset="0"/>
                 <a:cs typeface="Arial" panose="020B0604020202020204" pitchFamily="34" charset="0"/>
               </a:rPr>
-              <a:t>a)</a:t>
+              <a:t>(a)</a:t>
             </a:r>
           </a:p>
         </p:txBody>
@@ -13945,7 +13915,7 @@
         </p:nvSpPr>
         <p:spPr>
           <a:xfrm>
-            <a:off x="4652535" y="8613673"/>
+            <a:off x="4749638" y="8735053"/>
             <a:ext cx="989437" cy="307777"/>
           </a:xfrm>
           <a:prstGeom prst="rect">
@@ -13989,7 +13959,7 @@
         </p:nvSpPr>
         <p:spPr>
           <a:xfrm>
-            <a:off x="8457082" y="8604708"/>
+            <a:off x="8724118" y="8734180"/>
             <a:ext cx="989437" cy="307777"/>
           </a:xfrm>
           <a:prstGeom prst="rect">
@@ -14215,7 +14185,7 @@
         <p:spPr>
           <a:xfrm>
             <a:off x="6975029" y="3104941"/>
-            <a:ext cx="2019920" cy="692652"/>
+            <a:ext cx="2026184" cy="694800"/>
           </a:xfrm>
           <a:prstGeom prst="rect">
             <a:avLst/>
@@ -14236,7 +14206,7 @@
         </p:nvGrpSpPr>
         <p:grpSpPr>
           <a:xfrm>
-            <a:off x="10359012" y="6857205"/>
+            <a:off x="10665494" y="6889863"/>
             <a:ext cx="3024597" cy="1136931"/>
             <a:chOff x="8524560" y="7193781"/>
             <a:chExt cx="2682403" cy="951930"/>
@@ -14296,7 +14266,7 @@
                   <a:latin typeface="Arial" panose="020B0604020202020204" pitchFamily="34" charset="0"/>
                   <a:cs typeface="Arial" panose="020B0604020202020204" pitchFamily="34" charset="0"/>
                 </a:rPr>
-                <a:t>Dispersal rate &lt; velocity of climate change</a:t>
+                <a:t>Dispersal rate &lt; velocity of isotherm shifts</a:t>
               </a:r>
             </a:p>
             <a:p>
@@ -14319,7 +14289,7 @@
                   <a:latin typeface="Arial" panose="020B0604020202020204" pitchFamily="34" charset="0"/>
                   <a:cs typeface="Arial" panose="020B0604020202020204" pitchFamily="34" charset="0"/>
                 </a:rPr>
-                <a:t>Dispersal rate &gt; velocity of climate change</a:t>
+                <a:t>Dispersal rate &gt; velocity of isotherm shifts</a:t>
               </a:r>
             </a:p>
           </p:txBody>
@@ -14461,98 +14431,150 @@
         </p:nvPicPr>
         <p:blipFill rotWithShape="1">
           <a:blip r:embed="rId10"/>
-          <a:srcRect t="52768" r="9760"/>
+          <a:srcRect t="54119" r="9760"/>
           <a:stretch/>
         </p:blipFill>
         <p:spPr>
           <a:xfrm>
-            <a:off x="9167866" y="11241742"/>
-            <a:ext cx="1091342" cy="2284826"/>
+            <a:off x="9167866" y="11307096"/>
+            <a:ext cx="1091342" cy="2219471"/>
           </a:xfrm>
           <a:prstGeom prst="rect">
             <a:avLst/>
           </a:prstGeom>
         </p:spPr>
       </p:pic>
-      <p:grpSp>
-        <p:nvGrpSpPr>
-          <p:cNvPr id="56" name="Group 55">
-            <a:extLst>
-              <a:ext uri="{FF2B5EF4-FFF2-40B4-BE49-F238E27FC236}">
-                <a16:creationId xmlns:a16="http://schemas.microsoft.com/office/drawing/2014/main" id="{263E802A-B09E-36EB-5B7B-78EAD2081113}"/>
-              </a:ext>
-            </a:extLst>
-          </p:cNvPr>
-          <p:cNvGrpSpPr/>
-          <p:nvPr/>
-        </p:nvGrpSpPr>
-        <p:grpSpPr>
-          <a:xfrm>
-            <a:off x="8914781" y="10572974"/>
-            <a:ext cx="1339109" cy="683623"/>
-            <a:chOff x="8914781" y="10572974"/>
-            <a:chExt cx="1339109" cy="683623"/>
-          </a:xfrm>
-        </p:grpSpPr>
-        <p:pic>
-          <p:nvPicPr>
-            <p:cNvPr id="33" name="Picture 32" descr="A graph of a speed limit&#10;&#10;Description automatically generated">
-              <a:extLst>
-                <a:ext uri="{FF2B5EF4-FFF2-40B4-BE49-F238E27FC236}">
-                  <a16:creationId xmlns:a16="http://schemas.microsoft.com/office/drawing/2014/main" id="{D41A4FC7-0DF7-393B-9764-ABC1BC6FFEE3}"/>
-                </a:ext>
-              </a:extLst>
-            </p:cNvPr>
-            <p:cNvPicPr>
-              <a:picLocks noChangeAspect="1"/>
-            </p:cNvPicPr>
-            <p:nvPr/>
-          </p:nvPicPr>
-          <p:blipFill rotWithShape="1">
-            <a:blip r:embed="rId6"/>
-            <a:srcRect t="39218" b="47132"/>
-            <a:stretch/>
-          </p:blipFill>
-          <p:spPr>
-            <a:xfrm>
-              <a:off x="8914781" y="10572974"/>
-              <a:ext cx="1252024" cy="683623"/>
-            </a:xfrm>
-            <a:prstGeom prst="rect">
-              <a:avLst/>
-            </a:prstGeom>
-          </p:spPr>
-        </p:pic>
-        <p:pic>
-          <p:nvPicPr>
-            <p:cNvPr id="43" name="Picture 42" descr="A graph of a speed limit&#10;&#10;Description automatically generated">
-              <a:extLst>
-                <a:ext uri="{FF2B5EF4-FFF2-40B4-BE49-F238E27FC236}">
-                  <a16:creationId xmlns:a16="http://schemas.microsoft.com/office/drawing/2014/main" id="{ED5ECB59-09CC-7D65-6243-10CC267B7B9B}"/>
-                </a:ext>
-              </a:extLst>
-            </p:cNvPr>
-            <p:cNvPicPr>
-              <a:picLocks noChangeAspect="1"/>
-            </p:cNvPicPr>
-            <p:nvPr/>
-          </p:nvPicPr>
-          <p:blipFill rotWithShape="1">
-            <a:blip r:embed="rId6"/>
-            <a:srcRect t="44870" b="50957"/>
-            <a:stretch/>
-          </p:blipFill>
-          <p:spPr>
-            <a:xfrm>
-              <a:off x="9001866" y="10851648"/>
-              <a:ext cx="1252024" cy="209005"/>
-            </a:xfrm>
-            <a:prstGeom prst="rect">
-              <a:avLst/>
-            </a:prstGeom>
-          </p:spPr>
-        </p:pic>
-      </p:grpSp>
+      <p:pic>
+        <p:nvPicPr>
+          <p:cNvPr id="4" name="Picture 3" descr="A diagram of a bird&#10;&#10;Description automatically generated">
+            <a:extLst>
+              <a:ext uri="{FF2B5EF4-FFF2-40B4-BE49-F238E27FC236}">
+                <a16:creationId xmlns:a16="http://schemas.microsoft.com/office/drawing/2014/main" id="{11CC1B4D-134F-DE57-F106-62E648A021B5}"/>
+              </a:ext>
+            </a:extLst>
+          </p:cNvPr>
+          <p:cNvPicPr>
+            <a:picLocks noChangeAspect="1"/>
+          </p:cNvPicPr>
+          <p:nvPr/>
+        </p:nvPicPr>
+        <p:blipFill rotWithShape="1">
+          <a:blip r:embed="rId9"/>
+          <a:srcRect l="23995" t="89331" r="71284" b="5412"/>
+          <a:stretch/>
+        </p:blipFill>
+        <p:spPr>
+          <a:xfrm>
+            <a:off x="8455981" y="3538345"/>
+            <a:ext cx="95649" cy="130082"/>
+          </a:xfrm>
+          <a:prstGeom prst="rect">
+            <a:avLst/>
+          </a:prstGeom>
+        </p:spPr>
+      </p:pic>
+      <p:pic>
+        <p:nvPicPr>
+          <p:cNvPr id="22" name="Picture 21" descr="A graph of a speed limit&#10;&#10;Description automatically generated with medium confidence">
+            <a:extLst>
+              <a:ext uri="{FF2B5EF4-FFF2-40B4-BE49-F238E27FC236}">
+                <a16:creationId xmlns:a16="http://schemas.microsoft.com/office/drawing/2014/main" id="{8020DB17-F0E9-858A-A7EF-CE76784DE51E}"/>
+              </a:ext>
+            </a:extLst>
+          </p:cNvPr>
+          <p:cNvPicPr>
+            <a:picLocks noChangeAspect="1"/>
+          </p:cNvPicPr>
+          <p:nvPr/>
+        </p:nvPicPr>
+        <p:blipFill rotWithShape="1">
+          <a:blip r:embed="rId11"/>
+          <a:srcRect t="39404" b="47019"/>
+          <a:stretch/>
+        </p:blipFill>
+        <p:spPr>
+          <a:xfrm>
+            <a:off x="8882888" y="10547553"/>
+            <a:ext cx="1261574" cy="685092"/>
+          </a:xfrm>
+          <a:prstGeom prst="rect">
+            <a:avLst/>
+          </a:prstGeom>
+        </p:spPr>
+      </p:pic>
+      <p:pic>
+        <p:nvPicPr>
+          <p:cNvPr id="29" name="Picture 28" descr="A graph of a speed limit&#10;&#10;Description automatically generated with medium confidence">
+            <a:extLst>
+              <a:ext uri="{FF2B5EF4-FFF2-40B4-BE49-F238E27FC236}">
+                <a16:creationId xmlns:a16="http://schemas.microsoft.com/office/drawing/2014/main" id="{82842D58-4A3E-41C9-BBA6-1A3C76D35F86}"/>
+              </a:ext>
+            </a:extLst>
+          </p:cNvPr>
+          <p:cNvPicPr>
+            <a:picLocks noChangeAspect="1"/>
+          </p:cNvPicPr>
+          <p:nvPr/>
+        </p:nvPicPr>
+        <p:blipFill rotWithShape="1">
+          <a:blip r:embed="rId11"/>
+          <a:srcRect t="39404" b="47019"/>
+          <a:stretch/>
+        </p:blipFill>
+        <p:spPr>
+          <a:xfrm>
+            <a:off x="9686015" y="6149854"/>
+            <a:ext cx="1261574" cy="685092"/>
+          </a:xfrm>
+          <a:prstGeom prst="rect">
+            <a:avLst/>
+          </a:prstGeom>
+        </p:spPr>
+      </p:pic>
+      <p:sp>
+        <p:nvSpPr>
+          <p:cNvPr id="39" name="TextBox 38">
+            <a:extLst>
+              <a:ext uri="{FF2B5EF4-FFF2-40B4-BE49-F238E27FC236}">
+                <a16:creationId xmlns:a16="http://schemas.microsoft.com/office/drawing/2014/main" id="{3973EEDF-2A40-A18D-AC8C-2575743C4E16}"/>
+              </a:ext>
+            </a:extLst>
+          </p:cNvPr>
+          <p:cNvSpPr txBox="1"/>
+          <p:nvPr/>
+        </p:nvSpPr>
+        <p:spPr>
+          <a:xfrm>
+            <a:off x="7152518" y="11716587"/>
+            <a:ext cx="2032232" cy="323165"/>
+          </a:xfrm>
+          <a:prstGeom prst="rect">
+            <a:avLst/>
+          </a:prstGeom>
+          <a:noFill/>
+        </p:spPr>
+        <p:txBody>
+          <a:bodyPr wrap="square" rtlCol="0">
+            <a:spAutoFit/>
+          </a:bodyPr>
+          <a:lstStyle/>
+          <a:p>
+            <a:pPr algn="ctr"/>
+            <a:r>
+              <a:rPr lang="en-US" sz="1500" i="1" dirty="0">
+                <a:solidFill>
+                  <a:schemeClr val="bg2">
+                    <a:lumMod val="75000"/>
+                  </a:schemeClr>
+                </a:solidFill>
+                <a:latin typeface="Arial" panose="020B0604020202020204" pitchFamily="34" charset="0"/>
+                <a:cs typeface="Arial" panose="020B0604020202020204" pitchFamily="34" charset="0"/>
+              </a:rPr>
+              <a:t>1:1</a:t>
+            </a:r>
+          </a:p>
+        </p:txBody>
+      </p:sp>
     </p:spTree>
     <p:extLst>
       <p:ext uri="{BB962C8B-B14F-4D97-AF65-F5344CB8AC3E}">
